--- a/presentations/FAC9 Workshop.pptx
+++ b/presentations/FAC9 Workshop.pptx
@@ -5,7 +5,7 @@
     <p:sldMasterId id="2147483648" r:id="rId1"/>
   </p:sldMasterIdLst>
   <p:notesMasterIdLst>
-    <p:notesMasterId r:id="rId42"/>
+    <p:notesMasterId r:id="rId44"/>
   </p:notesMasterIdLst>
   <p:sldIdLst>
     <p:sldId id="256" r:id="rId2"/>
@@ -37,17 +37,19 @@
     <p:sldId id="268" r:id="rId28"/>
     <p:sldId id="276" r:id="rId29"/>
     <p:sldId id="296" r:id="rId30"/>
-    <p:sldId id="269" r:id="rId31"/>
-    <p:sldId id="277" r:id="rId32"/>
-    <p:sldId id="297" r:id="rId33"/>
-    <p:sldId id="298" r:id="rId34"/>
-    <p:sldId id="299" r:id="rId35"/>
-    <p:sldId id="270" r:id="rId36"/>
-    <p:sldId id="271" r:id="rId37"/>
-    <p:sldId id="272" r:id="rId38"/>
-    <p:sldId id="281" r:id="rId39"/>
-    <p:sldId id="282" r:id="rId40"/>
-    <p:sldId id="283" r:id="rId41"/>
+    <p:sldId id="303" r:id="rId31"/>
+    <p:sldId id="304" r:id="rId32"/>
+    <p:sldId id="269" r:id="rId33"/>
+    <p:sldId id="277" r:id="rId34"/>
+    <p:sldId id="297" r:id="rId35"/>
+    <p:sldId id="298" r:id="rId36"/>
+    <p:sldId id="299" r:id="rId37"/>
+    <p:sldId id="270" r:id="rId38"/>
+    <p:sldId id="271" r:id="rId39"/>
+    <p:sldId id="272" r:id="rId40"/>
+    <p:sldId id="281" r:id="rId41"/>
+    <p:sldId id="282" r:id="rId42"/>
+    <p:sldId id="283" r:id="rId43"/>
   </p:sldIdLst>
   <p:sldSz cx="12192000" cy="6858000"/>
   <p:notesSz cx="6858000" cy="9144000"/>
@@ -4750,6 +4752,13 @@
   <p:clrMapOvr>
     <a:masterClrMapping/>
   </p:clrMapOvr>
+  <p:timing>
+    <p:tnLst>
+      <p:par>
+        <p:cTn id="1" dur="indefinite" restart="never" nodeType="tmRoot"/>
+      </p:par>
+    </p:tnLst>
+  </p:timing>
 </p:sld>
 </file>
 
@@ -5795,6 +5804,13 @@
   <p:clrMapOvr>
     <a:masterClrMapping/>
   </p:clrMapOvr>
+  <p:timing>
+    <p:tnLst>
+      <p:par>
+        <p:cTn id="1" dur="indefinite" restart="never" nodeType="tmRoot"/>
+      </p:par>
+    </p:tnLst>
+  </p:timing>
 </p:sld>
 </file>
 
@@ -6244,6 +6260,13 @@
   <p:clrMapOvr>
     <a:masterClrMapping/>
   </p:clrMapOvr>
+  <p:timing>
+    <p:tnLst>
+      <p:par>
+        <p:cTn id="1" dur="indefinite" restart="never" nodeType="tmRoot"/>
+      </p:par>
+    </p:tnLst>
+  </p:timing>
 </p:sld>
 </file>
 
@@ -6801,6 +6824,13 @@
   <p:clrMapOvr>
     <a:masterClrMapping/>
   </p:clrMapOvr>
+  <p:timing>
+    <p:tnLst>
+      <p:par>
+        <p:cTn id="1" dur="indefinite" restart="never" nodeType="tmRoot"/>
+      </p:par>
+    </p:tnLst>
+  </p:timing>
 </p:sld>
 </file>
 
@@ -7244,6 +7274,13 @@
   <p:clrMapOvr>
     <a:masterClrMapping/>
   </p:clrMapOvr>
+  <p:timing>
+    <p:tnLst>
+      <p:par>
+        <p:cTn id="1" dur="indefinite" restart="never" nodeType="tmRoot"/>
+      </p:par>
+    </p:tnLst>
+  </p:timing>
 </p:sld>
 </file>
 
@@ -7433,6 +7470,13 @@
   <p:clrMapOvr>
     <a:masterClrMapping/>
   </p:clrMapOvr>
+  <p:timing>
+    <p:tnLst>
+      <p:par>
+        <p:cTn id="1" dur="indefinite" restart="never" nodeType="tmRoot"/>
+      </p:par>
+    </p:tnLst>
+  </p:timing>
 </p:sld>
 </file>
 
@@ -8050,6 +8094,13 @@
   <p:clrMapOvr>
     <a:masterClrMapping/>
   </p:clrMapOvr>
+  <p:timing>
+    <p:tnLst>
+      <p:par>
+        <p:cTn id="1" dur="indefinite" restart="never" nodeType="tmRoot"/>
+      </p:par>
+    </p:tnLst>
+  </p:timing>
 </p:sld>
 </file>
 
@@ -8699,6 +8750,13 @@
   <p:clrMapOvr>
     <a:masterClrMapping/>
   </p:clrMapOvr>
+  <p:timing>
+    <p:tnLst>
+      <p:par>
+        <p:cTn id="1" dur="indefinite" restart="never" nodeType="tmRoot"/>
+      </p:par>
+    </p:tnLst>
+  </p:timing>
 </p:sld>
 </file>
 
@@ -9569,6 +9627,13 @@
   <p:clrMapOvr>
     <a:masterClrMapping/>
   </p:clrMapOvr>
+  <p:timing>
+    <p:tnLst>
+      <p:par>
+        <p:cTn id="1" dur="indefinite" restart="never" nodeType="tmRoot"/>
+      </p:par>
+    </p:tnLst>
+  </p:timing>
 </p:sld>
 </file>
 
@@ -10004,7 +10069,7 @@
         <p:spPr/>
         <p:txBody>
           <a:bodyPr>
-            <a:normAutofit/>
+            <a:normAutofit lnSpcReduction="10000"/>
           </a:bodyPr>
           <a:lstStyle/>
           <a:p>
@@ -10415,6 +10480,90 @@
               </a:rPr>
               <a:t>});</a:t>
             </a:r>
+          </a:p>
+          <a:p>
+            <a:pPr marL="0" indent="0">
+              <a:buNone/>
+            </a:pPr>
+            <a:endParaRPr lang="en-GB" sz="1800" dirty="0">
+              <a:latin typeface="Courier New" charset="0"/>
+              <a:ea typeface="Courier New" charset="0"/>
+              <a:cs typeface="Courier New" charset="0"/>
+            </a:endParaRPr>
+          </a:p>
+          <a:p>
+            <a:pPr marL="0" indent="0" algn="ctr">
+              <a:buNone/>
+            </a:pPr>
+            <a:r>
+              <a:rPr lang="en-GB" sz="1800" b="1" dirty="0">
+                <a:latin typeface="+mj-lt"/>
+                <a:ea typeface="Courier New" charset="0"/>
+                <a:cs typeface="Courier New" charset="0"/>
+              </a:rPr>
+              <a:t>https://</a:t>
+            </a:r>
+            <a:r>
+              <a:rPr lang="en-GB" sz="1800" b="1" dirty="0" err="1">
+                <a:latin typeface="+mj-lt"/>
+                <a:ea typeface="Courier New" charset="0"/>
+                <a:cs typeface="Courier New" charset="0"/>
+              </a:rPr>
+              <a:t>developer.mozilla.org</a:t>
+            </a:r>
+            <a:r>
+              <a:rPr lang="en-GB" sz="1800" b="1" dirty="0">
+                <a:latin typeface="+mj-lt"/>
+                <a:ea typeface="Courier New" charset="0"/>
+                <a:cs typeface="Courier New" charset="0"/>
+              </a:rPr>
+              <a:t>/</a:t>
+            </a:r>
+            <a:r>
+              <a:rPr lang="en-GB" sz="1800" b="1" dirty="0" err="1">
+                <a:latin typeface="+mj-lt"/>
+                <a:ea typeface="Courier New" charset="0"/>
+                <a:cs typeface="Courier New" charset="0"/>
+              </a:rPr>
+              <a:t>en</a:t>
+            </a:r>
+            <a:r>
+              <a:rPr lang="en-GB" sz="1800" b="1" dirty="0">
+                <a:latin typeface="+mj-lt"/>
+                <a:ea typeface="Courier New" charset="0"/>
+                <a:cs typeface="Courier New" charset="0"/>
+              </a:rPr>
+              <a:t>-US/docs/Web/API/</a:t>
+            </a:r>
+            <a:r>
+              <a:rPr lang="en-GB" sz="1800" b="1" dirty="0" err="1">
+                <a:latin typeface="+mj-lt"/>
+                <a:ea typeface="Courier New" charset="0"/>
+                <a:cs typeface="Courier New" charset="0"/>
+              </a:rPr>
+              <a:t>MediaDevices</a:t>
+            </a:r>
+            <a:r>
+              <a:rPr lang="en-GB" sz="1800" b="1" dirty="0">
+                <a:latin typeface="+mj-lt"/>
+                <a:ea typeface="Courier New" charset="0"/>
+                <a:cs typeface="Courier New" charset="0"/>
+              </a:rPr>
+              <a:t>/</a:t>
+            </a:r>
+            <a:r>
+              <a:rPr lang="en-GB" sz="1800" b="1" dirty="0" err="1">
+                <a:latin typeface="+mj-lt"/>
+                <a:ea typeface="Courier New" charset="0"/>
+                <a:cs typeface="Courier New" charset="0"/>
+              </a:rPr>
+              <a:t>getUserMedia</a:t>
+            </a:r>
+            <a:endParaRPr lang="en-GB" sz="1800" b="1" dirty="0" smtClean="0">
+              <a:latin typeface="+mj-lt"/>
+              <a:ea typeface="Courier New" charset="0"/>
+              <a:cs typeface="Courier New" charset="0"/>
+            </a:endParaRPr>
           </a:p>
         </p:txBody>
       </p:sp>
@@ -11446,6 +11595,1054 @@
           <a:p>
             <a:r>
               <a:rPr lang="en-US" dirty="0" smtClean="0"/>
+              <a:t>3. Steps to local AV calls</a:t>
+            </a:r>
+            <a:endParaRPr lang="en-US" dirty="0"/>
+          </a:p>
+        </p:txBody>
+      </p:sp>
+      <p:sp>
+        <p:nvSpPr>
+          <p:cNvPr id="3" name="Content Placeholder 2"/>
+          <p:cNvSpPr>
+            <a:spLocks noGrp="1"/>
+          </p:cNvSpPr>
+          <p:nvPr>
+            <p:ph idx="1"/>
+          </p:nvPr>
+        </p:nvSpPr>
+        <p:spPr/>
+        <p:txBody>
+          <a:bodyPr>
+            <a:normAutofit lnSpcReduction="10000"/>
+          </a:bodyPr>
+          <a:lstStyle/>
+          <a:p>
+            <a:pPr marL="0" indent="0">
+              <a:buNone/>
+            </a:pPr>
+            <a:r>
+              <a:rPr lang="en-US" dirty="0" smtClean="0"/>
+              <a:t>Building on the skeleton files in </a:t>
+            </a:r>
+            <a:r>
+              <a:rPr lang="en-US" dirty="0" err="1" smtClean="0"/>
+              <a:t>git</a:t>
+            </a:r>
+            <a:r>
+              <a:rPr lang="en-US" dirty="0" smtClean="0"/>
+              <a:t>/https:</a:t>
+            </a:r>
+          </a:p>
+          <a:p>
+            <a:pPr lvl="1"/>
+            <a:r>
+              <a:rPr lang="en-US" dirty="0" smtClean="0"/>
+              <a:t>assets/</a:t>
+            </a:r>
+            <a:r>
+              <a:rPr lang="en-US" dirty="0" err="1" smtClean="0"/>
+              <a:t>comms.js</a:t>
+            </a:r>
+            <a:r>
+              <a:rPr lang="en-US" dirty="0" smtClean="0"/>
+              <a:t>, </a:t>
+            </a:r>
+            <a:r>
+              <a:rPr lang="en-US" dirty="0" err="1" smtClean="0"/>
+              <a:t>caller.js</a:t>
+            </a:r>
+            <a:r>
+              <a:rPr lang="en-US" dirty="0" smtClean="0"/>
+              <a:t> and </a:t>
+            </a:r>
+            <a:r>
+              <a:rPr lang="en-US" dirty="0" err="1" smtClean="0"/>
+              <a:t>driver.js</a:t>
+            </a:r>
+            <a:endParaRPr lang="en-US" dirty="0" smtClean="0"/>
+          </a:p>
+          <a:p>
+            <a:pPr marL="514350" indent="-514350">
+              <a:buFont typeface="+mj-lt"/>
+              <a:buAutoNum type="arabicPeriod"/>
+            </a:pPr>
+            <a:r>
+              <a:rPr lang="en-US" dirty="0" smtClean="0"/>
+              <a:t>Add send/receive messaging to </a:t>
+            </a:r>
+            <a:r>
+              <a:rPr lang="en-US" dirty="0" err="1" smtClean="0"/>
+              <a:t>EndPoint</a:t>
+            </a:r>
+            <a:r>
+              <a:rPr lang="en-US" dirty="0" smtClean="0"/>
+              <a:t> class</a:t>
+            </a:r>
+          </a:p>
+          <a:p>
+            <a:pPr lvl="1"/>
+            <a:r>
+              <a:rPr lang="en-US" dirty="0" smtClean="0"/>
+              <a:t>Implement a ‘receive()’ method in </a:t>
+            </a:r>
+            <a:r>
+              <a:rPr lang="en-US" dirty="0" err="1" smtClean="0"/>
+              <a:t>VideoEndPoint</a:t>
+            </a:r>
+            <a:r>
+              <a:rPr lang="en-US" dirty="0" smtClean="0"/>
+              <a:t> class</a:t>
+            </a:r>
+          </a:p>
+          <a:p>
+            <a:pPr lvl="1"/>
+            <a:r>
+              <a:rPr lang="en-US" dirty="0" smtClean="0"/>
+              <a:t>Create two instances of </a:t>
+            </a:r>
+            <a:r>
+              <a:rPr lang="en-US" dirty="0" err="1" smtClean="0"/>
+              <a:t>VideoEndPoint</a:t>
+            </a:r>
+            <a:r>
+              <a:rPr lang="en-US" dirty="0" smtClean="0"/>
+              <a:t> and send a message between them</a:t>
+            </a:r>
+          </a:p>
+          <a:p>
+            <a:pPr marL="514350" indent="-514350">
+              <a:buFont typeface="+mj-lt"/>
+              <a:buAutoNum type="arabicPeriod"/>
+            </a:pPr>
+            <a:r>
+              <a:rPr lang="en-US" dirty="0" smtClean="0"/>
+              <a:t>Create DOM-&gt;</a:t>
+            </a:r>
+            <a:r>
+              <a:rPr lang="en-US" dirty="0" err="1" smtClean="0"/>
+              <a:t>Javascript</a:t>
+            </a:r>
+            <a:r>
+              <a:rPr lang="en-US" dirty="0" smtClean="0"/>
+              <a:t> video call code</a:t>
+            </a:r>
+          </a:p>
+          <a:p>
+            <a:pPr lvl="1"/>
+            <a:r>
+              <a:rPr lang="en-US" dirty="0" smtClean="0"/>
+              <a:t>‘address’ field, call button, status field, 2x&lt;video&gt; tags for them and me.</a:t>
+            </a:r>
+          </a:p>
+          <a:p>
+            <a:pPr lvl="1"/>
+            <a:r>
+              <a:rPr lang="en-US" dirty="0" smtClean="0"/>
+              <a:t>Hook button to JS </a:t>
+            </a:r>
+            <a:r>
+              <a:rPr lang="en-US" dirty="0" err="1" smtClean="0"/>
+              <a:t>onclick</a:t>
+            </a:r>
+            <a:endParaRPr lang="en-US" dirty="0" smtClean="0"/>
+          </a:p>
+          <a:p>
+            <a:pPr lvl="1"/>
+            <a:r>
+              <a:rPr lang="en-US" dirty="0" smtClean="0"/>
+              <a:t>On ‘call’ send CALL_REQUEST to target address</a:t>
+            </a:r>
+          </a:p>
+          <a:p>
+            <a:pPr lvl="1"/>
+            <a:r>
+              <a:rPr lang="en-US" dirty="0" smtClean="0"/>
+              <a:t>Show state changes of caller and called end points in console and in HTML</a:t>
+            </a:r>
+          </a:p>
+          <a:p>
+            <a:pPr marL="514350" indent="-514350">
+              <a:buFont typeface="+mj-lt"/>
+              <a:buAutoNum type="arabicPeriod"/>
+            </a:pPr>
+            <a:r>
+              <a:rPr lang="en-US" dirty="0" smtClean="0"/>
+              <a:t>Add </a:t>
+            </a:r>
+            <a:r>
+              <a:rPr lang="en-US" dirty="0" err="1" smtClean="0"/>
+              <a:t>webRTC</a:t>
+            </a:r>
+            <a:r>
+              <a:rPr lang="en-US" dirty="0" smtClean="0"/>
+              <a:t> video streaming to established calls</a:t>
+            </a:r>
+            <a:endParaRPr lang="en-US" dirty="0"/>
+          </a:p>
+        </p:txBody>
+      </p:sp>
+    </p:spTree>
+    <p:extLst>
+      <p:ext uri="{BB962C8B-B14F-4D97-AF65-F5344CB8AC3E}">
+        <p14:creationId xmlns:p14="http://schemas.microsoft.com/office/powerpoint/2010/main" val="974489507"/>
+      </p:ext>
+    </p:extLst>
+  </p:cSld>
+  <p:clrMapOvr>
+    <a:masterClrMapping/>
+  </p:clrMapOvr>
+</p:sld>
+</file>
+
+<file path=ppt/slides/slide31.xml><?xml version="1.0" encoding="utf-8"?>
+<p:sld xmlns:a="http://schemas.openxmlformats.org/drawingml/2006/main" xmlns:r="http://schemas.openxmlformats.org/officeDocument/2006/relationships" xmlns:p="http://schemas.openxmlformats.org/presentationml/2006/main">
+  <p:cSld>
+    <p:spTree>
+      <p:nvGrpSpPr>
+        <p:cNvPr id="1" name=""/>
+        <p:cNvGrpSpPr/>
+        <p:nvPr/>
+      </p:nvGrpSpPr>
+      <p:grpSpPr>
+        <a:xfrm>
+          <a:off x="0" y="0"/>
+          <a:ext cx="0" cy="0"/>
+          <a:chOff x="0" y="0"/>
+          <a:chExt cx="0" cy="0"/>
+        </a:xfrm>
+      </p:grpSpPr>
+      <p:sp>
+        <p:nvSpPr>
+          <p:cNvPr id="2" name="Title 1"/>
+          <p:cNvSpPr>
+            <a:spLocks noGrp="1"/>
+          </p:cNvSpPr>
+          <p:nvPr>
+            <p:ph type="title"/>
+          </p:nvPr>
+        </p:nvSpPr>
+        <p:spPr/>
+        <p:txBody>
+          <a:bodyPr/>
+          <a:lstStyle/>
+          <a:p>
+            <a:r>
+              <a:rPr lang="en-US" dirty="0" smtClean="0"/>
+              <a:t>3. Example HTML for ONE video caller</a:t>
+            </a:r>
+            <a:endParaRPr lang="en-US" dirty="0"/>
+          </a:p>
+        </p:txBody>
+      </p:sp>
+      <p:sp>
+        <p:nvSpPr>
+          <p:cNvPr id="3" name="Content Placeholder 2"/>
+          <p:cNvSpPr>
+            <a:spLocks noGrp="1"/>
+          </p:cNvSpPr>
+          <p:nvPr>
+            <p:ph idx="1"/>
+          </p:nvPr>
+        </p:nvSpPr>
+        <p:spPr/>
+        <p:txBody>
+          <a:bodyPr>
+            <a:normAutofit/>
+          </a:bodyPr>
+          <a:lstStyle/>
+          <a:p>
+            <a:pPr marL="0" indent="0">
+              <a:buNone/>
+            </a:pPr>
+            <a:r>
+              <a:rPr lang="en-US" sz="1400" dirty="0" smtClean="0">
+                <a:latin typeface="Courier New" charset="0"/>
+                <a:ea typeface="Courier New" charset="0"/>
+                <a:cs typeface="Courier New" charset="0"/>
+              </a:rPr>
+              <a:t>&lt;</a:t>
+            </a:r>
+            <a:r>
+              <a:rPr lang="en-US" sz="1400" dirty="0">
+                <a:latin typeface="Courier New" charset="0"/>
+                <a:ea typeface="Courier New" charset="0"/>
+                <a:cs typeface="Courier New" charset="0"/>
+              </a:rPr>
+              <a:t>div class="col-xs-12 col-md-6" id=</a:t>
+            </a:r>
+            <a:r>
+              <a:rPr lang="en-US" sz="1400" dirty="0" smtClean="0">
+                <a:latin typeface="Courier New" charset="0"/>
+                <a:ea typeface="Courier New" charset="0"/>
+                <a:cs typeface="Courier New" charset="0"/>
+              </a:rPr>
+              <a:t>'V4’&gt;</a:t>
+            </a:r>
+            <a:br>
+              <a:rPr lang="en-US" sz="1400" dirty="0" smtClean="0">
+                <a:latin typeface="Courier New" charset="0"/>
+                <a:ea typeface="Courier New" charset="0"/>
+                <a:cs typeface="Courier New" charset="0"/>
+              </a:rPr>
+            </a:br>
+            <a:r>
+              <a:rPr lang="en-US" sz="1400" dirty="0" smtClean="0">
+                <a:latin typeface="Courier New" charset="0"/>
+                <a:ea typeface="Courier New" charset="0"/>
+                <a:cs typeface="Courier New" charset="0"/>
+              </a:rPr>
+              <a:t>  &lt;</a:t>
+            </a:r>
+            <a:r>
+              <a:rPr lang="en-US" sz="1400" dirty="0">
+                <a:latin typeface="Courier New" charset="0"/>
+                <a:ea typeface="Courier New" charset="0"/>
+                <a:cs typeface="Courier New" charset="0"/>
+              </a:rPr>
+              <a:t>h2&gt;Party 4</a:t>
+            </a:r>
+            <a:r>
+              <a:rPr lang="en-US" sz="1400" dirty="0" smtClean="0">
+                <a:latin typeface="Courier New" charset="0"/>
+                <a:ea typeface="Courier New" charset="0"/>
+                <a:cs typeface="Courier New" charset="0"/>
+              </a:rPr>
+              <a:t>:</a:t>
+            </a:r>
+            <a:br>
+              <a:rPr lang="en-US" sz="1400" dirty="0" smtClean="0">
+                <a:latin typeface="Courier New" charset="0"/>
+                <a:ea typeface="Courier New" charset="0"/>
+                <a:cs typeface="Courier New" charset="0"/>
+              </a:rPr>
+            </a:br>
+            <a:r>
+              <a:rPr lang="en-US" sz="1400" dirty="0" smtClean="0">
+                <a:latin typeface="Courier New" charset="0"/>
+                <a:ea typeface="Courier New" charset="0"/>
+                <a:cs typeface="Courier New" charset="0"/>
+              </a:rPr>
+              <a:t>      &lt;</a:t>
+            </a:r>
+            <a:r>
+              <a:rPr lang="en-US" sz="1400" dirty="0">
+                <a:latin typeface="Courier New" charset="0"/>
+                <a:ea typeface="Courier New" charset="0"/>
+                <a:cs typeface="Courier New" charset="0"/>
+              </a:rPr>
+              <a:t>span class="state"&gt;IDLE&lt;/span</a:t>
+            </a:r>
+            <a:r>
+              <a:rPr lang="en-US" sz="1400" dirty="0" smtClean="0">
+                <a:latin typeface="Courier New" charset="0"/>
+                <a:ea typeface="Courier New" charset="0"/>
+                <a:cs typeface="Courier New" charset="0"/>
+              </a:rPr>
+              <a:t>&gt;</a:t>
+            </a:r>
+            <a:br>
+              <a:rPr lang="en-US" sz="1400" dirty="0" smtClean="0">
+                <a:latin typeface="Courier New" charset="0"/>
+                <a:ea typeface="Courier New" charset="0"/>
+                <a:cs typeface="Courier New" charset="0"/>
+              </a:rPr>
+            </a:br>
+            <a:r>
+              <a:rPr lang="en-US" sz="1400" dirty="0" smtClean="0">
+                <a:latin typeface="Courier New" charset="0"/>
+                <a:ea typeface="Courier New" charset="0"/>
+                <a:cs typeface="Courier New" charset="0"/>
+              </a:rPr>
+              <a:t>  &lt;/</a:t>
+            </a:r>
+            <a:r>
+              <a:rPr lang="en-US" sz="1400" dirty="0">
+                <a:latin typeface="Courier New" charset="0"/>
+                <a:ea typeface="Courier New" charset="0"/>
+                <a:cs typeface="Courier New" charset="0"/>
+              </a:rPr>
+              <a:t>h2</a:t>
+            </a:r>
+            <a:r>
+              <a:rPr lang="en-US" sz="1400" dirty="0" smtClean="0">
+                <a:latin typeface="Courier New" charset="0"/>
+                <a:ea typeface="Courier New" charset="0"/>
+                <a:cs typeface="Courier New" charset="0"/>
+              </a:rPr>
+              <a:t>&gt;</a:t>
+            </a:r>
+            <a:br>
+              <a:rPr lang="en-US" sz="1400" dirty="0" smtClean="0">
+                <a:latin typeface="Courier New" charset="0"/>
+                <a:ea typeface="Courier New" charset="0"/>
+                <a:cs typeface="Courier New" charset="0"/>
+              </a:rPr>
+            </a:br>
+            <a:r>
+              <a:rPr lang="en-US" sz="1400" dirty="0" smtClean="0">
+                <a:latin typeface="Courier New" charset="0"/>
+                <a:ea typeface="Courier New" charset="0"/>
+                <a:cs typeface="Courier New" charset="0"/>
+              </a:rPr>
+              <a:t>  &lt;button class="pause"&gt;Pause&lt;/button&gt;</a:t>
+            </a:r>
+            <a:br>
+              <a:rPr lang="en-US" sz="1400" dirty="0" smtClean="0">
+                <a:latin typeface="Courier New" charset="0"/>
+                <a:ea typeface="Courier New" charset="0"/>
+                <a:cs typeface="Courier New" charset="0"/>
+              </a:rPr>
+            </a:br>
+            <a:r>
+              <a:rPr lang="en-US" sz="1400" dirty="0" smtClean="0">
+                <a:latin typeface="Courier New" charset="0"/>
+                <a:ea typeface="Courier New" charset="0"/>
+                <a:cs typeface="Courier New" charset="0"/>
+              </a:rPr>
+              <a:t/>
+            </a:r>
+            <a:br>
+              <a:rPr lang="en-US" sz="1400" dirty="0" smtClean="0">
+                <a:latin typeface="Courier New" charset="0"/>
+                <a:ea typeface="Courier New" charset="0"/>
+                <a:cs typeface="Courier New" charset="0"/>
+              </a:rPr>
+            </a:br>
+            <a:r>
+              <a:rPr lang="en-US" sz="1400" dirty="0" smtClean="0">
+                <a:latin typeface="Courier New" charset="0"/>
+                <a:ea typeface="Courier New" charset="0"/>
+                <a:cs typeface="Courier New" charset="0"/>
+              </a:rPr>
+              <a:t>  &lt;!-</a:t>
+            </a:r>
+            <a:r>
+              <a:rPr lang="mr-IN" sz="1400" dirty="0" smtClean="0">
+                <a:latin typeface="Courier New" charset="0"/>
+                <a:ea typeface="Courier New" charset="0"/>
+                <a:cs typeface="Courier New" charset="0"/>
+              </a:rPr>
+              <a:t>–</a:t>
+            </a:r>
+            <a:r>
+              <a:rPr lang="en-US" sz="1400" dirty="0" smtClean="0">
+                <a:latin typeface="Courier New" charset="0"/>
+                <a:ea typeface="Courier New" charset="0"/>
+                <a:cs typeface="Courier New" charset="0"/>
+              </a:rPr>
+              <a:t> </a:t>
+            </a:r>
+            <a:r>
+              <a:rPr lang="en-GB" sz="1400" dirty="0" err="1" smtClean="0">
+                <a:latin typeface="Courier New" charset="0"/>
+                <a:ea typeface="Courier New" charset="0"/>
+                <a:cs typeface="Courier New" charset="0"/>
+              </a:rPr>
+              <a:t>onclick</a:t>
+            </a:r>
+            <a:r>
+              <a:rPr lang="en-GB" sz="1400" dirty="0" smtClean="0">
+                <a:latin typeface="Courier New" charset="0"/>
+                <a:ea typeface="Courier New" charset="0"/>
+                <a:cs typeface="Courier New" charset="0"/>
+              </a:rPr>
+              <a:t> handler for this ends a call</a:t>
+            </a:r>
+            <a:r>
+              <a:rPr lang="en-US" sz="1400" dirty="0" smtClean="0">
+                <a:latin typeface="Courier New" charset="0"/>
+                <a:ea typeface="Courier New" charset="0"/>
+                <a:cs typeface="Courier New" charset="0"/>
+              </a:rPr>
+              <a:t> </a:t>
+            </a:r>
+            <a:r>
+              <a:rPr lang="en-US" sz="1400" dirty="0">
+                <a:latin typeface="Courier New" charset="0"/>
+                <a:ea typeface="Courier New" charset="0"/>
+                <a:cs typeface="Courier New" charset="0"/>
+                <a:sym typeface="Wingdings"/>
+              </a:rPr>
+              <a:t>--&gt;</a:t>
+            </a:r>
+            <a:r>
+              <a:rPr lang="en-US" sz="1400" dirty="0">
+                <a:latin typeface="Courier New" charset="0"/>
+                <a:ea typeface="Courier New" charset="0"/>
+                <a:cs typeface="Courier New" charset="0"/>
+              </a:rPr>
+              <a:t/>
+            </a:r>
+            <a:br>
+              <a:rPr lang="en-US" sz="1400" dirty="0">
+                <a:latin typeface="Courier New" charset="0"/>
+                <a:ea typeface="Courier New" charset="0"/>
+                <a:cs typeface="Courier New" charset="0"/>
+              </a:rPr>
+            </a:br>
+            <a:r>
+              <a:rPr lang="en-US" sz="1400" dirty="0" smtClean="0">
+                <a:latin typeface="Courier New" charset="0"/>
+                <a:ea typeface="Courier New" charset="0"/>
+                <a:cs typeface="Courier New" charset="0"/>
+              </a:rPr>
+              <a:t>  &lt;</a:t>
+            </a:r>
+            <a:r>
+              <a:rPr lang="en-US" sz="1400" dirty="0">
+                <a:latin typeface="Courier New" charset="0"/>
+                <a:ea typeface="Courier New" charset="0"/>
+                <a:cs typeface="Courier New" charset="0"/>
+              </a:rPr>
+              <a:t>button class="</a:t>
+            </a:r>
+            <a:r>
+              <a:rPr lang="en-US" sz="1400" dirty="0" err="1">
+                <a:latin typeface="Courier New" charset="0"/>
+                <a:ea typeface="Courier New" charset="0"/>
+                <a:cs typeface="Courier New" charset="0"/>
+              </a:rPr>
+              <a:t>endCall</a:t>
+            </a:r>
+            <a:r>
+              <a:rPr lang="en-US" sz="1400" dirty="0">
+                <a:latin typeface="Courier New" charset="0"/>
+                <a:ea typeface="Courier New" charset="0"/>
+                <a:cs typeface="Courier New" charset="0"/>
+              </a:rPr>
+              <a:t>"&gt;</a:t>
+            </a:r>
+            <a:r>
+              <a:rPr lang="en-US" sz="1400" dirty="0" err="1">
+                <a:latin typeface="Courier New" charset="0"/>
+                <a:ea typeface="Courier New" charset="0"/>
+                <a:cs typeface="Courier New" charset="0"/>
+              </a:rPr>
+              <a:t>Hangup</a:t>
+            </a:r>
+            <a:r>
+              <a:rPr lang="en-US" sz="1400" dirty="0">
+                <a:latin typeface="Courier New" charset="0"/>
+                <a:ea typeface="Courier New" charset="0"/>
+                <a:cs typeface="Courier New" charset="0"/>
+              </a:rPr>
+              <a:t>&lt;/button</a:t>
+            </a:r>
+            <a:r>
+              <a:rPr lang="en-US" sz="1400" dirty="0" smtClean="0">
+                <a:latin typeface="Courier New" charset="0"/>
+                <a:ea typeface="Courier New" charset="0"/>
+                <a:cs typeface="Courier New" charset="0"/>
+              </a:rPr>
+              <a:t>&gt;</a:t>
+            </a:r>
+            <a:br>
+              <a:rPr lang="en-US" sz="1400" dirty="0" smtClean="0">
+                <a:latin typeface="Courier New" charset="0"/>
+                <a:ea typeface="Courier New" charset="0"/>
+                <a:cs typeface="Courier New" charset="0"/>
+              </a:rPr>
+            </a:br>
+            <a:r>
+              <a:rPr lang="en-US" sz="1400" dirty="0" smtClean="0">
+                <a:latin typeface="Courier New" charset="0"/>
+                <a:ea typeface="Courier New" charset="0"/>
+                <a:cs typeface="Courier New" charset="0"/>
+              </a:rPr>
+              <a:t/>
+            </a:r>
+            <a:br>
+              <a:rPr lang="en-US" sz="1400" dirty="0" smtClean="0">
+                <a:latin typeface="Courier New" charset="0"/>
+                <a:ea typeface="Courier New" charset="0"/>
+                <a:cs typeface="Courier New" charset="0"/>
+              </a:rPr>
+            </a:br>
+            <a:r>
+              <a:rPr lang="en-US" sz="1400" dirty="0" smtClean="0">
+                <a:latin typeface="Courier New" charset="0"/>
+                <a:ea typeface="Courier New" charset="0"/>
+                <a:cs typeface="Courier New" charset="0"/>
+              </a:rPr>
+              <a:t>  &lt;!-</a:t>
+            </a:r>
+            <a:r>
+              <a:rPr lang="mr-IN" sz="1400" dirty="0" smtClean="0">
+                <a:latin typeface="Courier New" charset="0"/>
+                <a:ea typeface="Courier New" charset="0"/>
+                <a:cs typeface="Courier New" charset="0"/>
+              </a:rPr>
+              <a:t>–</a:t>
+            </a:r>
+            <a:r>
+              <a:rPr lang="en-US" sz="1400" dirty="0" smtClean="0">
+                <a:latin typeface="Courier New" charset="0"/>
+                <a:ea typeface="Courier New" charset="0"/>
+                <a:cs typeface="Courier New" charset="0"/>
+              </a:rPr>
+              <a:t> Somewhere to type the target address </a:t>
+            </a:r>
+            <a:r>
+              <a:rPr lang="mr-IN" sz="1400" dirty="0" smtClean="0">
+                <a:latin typeface="Courier New" charset="0"/>
+                <a:ea typeface="Courier New" charset="0"/>
+                <a:cs typeface="Courier New" charset="0"/>
+              </a:rPr>
+              <a:t>–</a:t>
+            </a:r>
+            <a:r>
+              <a:rPr lang="en-US" sz="1400" dirty="0" smtClean="0">
+                <a:latin typeface="Courier New" charset="0"/>
+                <a:ea typeface="Courier New" charset="0"/>
+                <a:cs typeface="Courier New" charset="0"/>
+              </a:rPr>
+              <a:t> who I want to call </a:t>
+            </a:r>
+            <a:r>
+              <a:rPr lang="en-US" sz="1400" dirty="0" smtClean="0">
+                <a:latin typeface="Courier New" charset="0"/>
+                <a:ea typeface="Courier New" charset="0"/>
+                <a:cs typeface="Courier New" charset="0"/>
+                <a:sym typeface="Wingdings"/>
+              </a:rPr>
+              <a:t>--&gt;</a:t>
+            </a:r>
+            <a:r>
+              <a:rPr lang="en-US" sz="1400" dirty="0" smtClean="0">
+                <a:latin typeface="Courier New" charset="0"/>
+                <a:ea typeface="Courier New" charset="0"/>
+                <a:cs typeface="Courier New" charset="0"/>
+              </a:rPr>
+              <a:t/>
+            </a:r>
+            <a:br>
+              <a:rPr lang="en-US" sz="1400" dirty="0" smtClean="0">
+                <a:latin typeface="Courier New" charset="0"/>
+                <a:ea typeface="Courier New" charset="0"/>
+                <a:cs typeface="Courier New" charset="0"/>
+              </a:rPr>
+            </a:br>
+            <a:r>
+              <a:rPr lang="en-US" sz="1400" dirty="0" smtClean="0">
+                <a:latin typeface="Courier New" charset="0"/>
+                <a:ea typeface="Courier New" charset="0"/>
+                <a:cs typeface="Courier New" charset="0"/>
+              </a:rPr>
+              <a:t>  &lt;</a:t>
+            </a:r>
+            <a:r>
+              <a:rPr lang="en-US" sz="1400" dirty="0">
+                <a:latin typeface="Courier New" charset="0"/>
+                <a:ea typeface="Courier New" charset="0"/>
+                <a:cs typeface="Courier New" charset="0"/>
+              </a:rPr>
+              <a:t>input type="text" name="target" class="target" placeholder="Enter recipient call name</a:t>
+            </a:r>
+            <a:r>
+              <a:rPr lang="en-US" sz="1400" dirty="0" smtClean="0">
+                <a:latin typeface="Courier New" charset="0"/>
+                <a:ea typeface="Courier New" charset="0"/>
+                <a:cs typeface="Courier New" charset="0"/>
+              </a:rPr>
+              <a:t>"&gt;</a:t>
+            </a:r>
+            <a:br>
+              <a:rPr lang="en-US" sz="1400" dirty="0" smtClean="0">
+                <a:latin typeface="Courier New" charset="0"/>
+                <a:ea typeface="Courier New" charset="0"/>
+                <a:cs typeface="Courier New" charset="0"/>
+              </a:rPr>
+            </a:br>
+            <a:r>
+              <a:rPr lang="en-US" sz="1400" dirty="0" smtClean="0">
+                <a:latin typeface="Courier New" charset="0"/>
+                <a:ea typeface="Courier New" charset="0"/>
+                <a:cs typeface="Courier New" charset="0"/>
+              </a:rPr>
+              <a:t/>
+            </a:r>
+            <a:br>
+              <a:rPr lang="en-US" sz="1400" dirty="0" smtClean="0">
+                <a:latin typeface="Courier New" charset="0"/>
+                <a:ea typeface="Courier New" charset="0"/>
+                <a:cs typeface="Courier New" charset="0"/>
+              </a:rPr>
+            </a:br>
+            <a:r>
+              <a:rPr lang="en-US" sz="1400" dirty="0" smtClean="0">
+                <a:latin typeface="Courier New" charset="0"/>
+                <a:ea typeface="Courier New" charset="0"/>
+                <a:cs typeface="Courier New" charset="0"/>
+              </a:rPr>
+              <a:t>  &lt;!-</a:t>
+            </a:r>
+            <a:r>
+              <a:rPr lang="mr-IN" sz="1400" dirty="0" smtClean="0">
+                <a:latin typeface="Courier New" charset="0"/>
+                <a:ea typeface="Courier New" charset="0"/>
+                <a:cs typeface="Courier New" charset="0"/>
+              </a:rPr>
+              <a:t>–</a:t>
+            </a:r>
+            <a:r>
+              <a:rPr lang="en-US" sz="1400" dirty="0" smtClean="0">
+                <a:latin typeface="Courier New" charset="0"/>
+                <a:ea typeface="Courier New" charset="0"/>
+                <a:cs typeface="Courier New" charset="0"/>
+              </a:rPr>
+              <a:t> </a:t>
+            </a:r>
+            <a:r>
+              <a:rPr lang="en-GB" sz="1400" dirty="0" err="1">
+                <a:latin typeface="Courier New" charset="0"/>
+                <a:ea typeface="Courier New" charset="0"/>
+                <a:cs typeface="Courier New" charset="0"/>
+              </a:rPr>
+              <a:t>onclick</a:t>
+            </a:r>
+            <a:r>
+              <a:rPr lang="en-GB" sz="1400" dirty="0">
+                <a:latin typeface="Courier New" charset="0"/>
+                <a:ea typeface="Courier New" charset="0"/>
+                <a:cs typeface="Courier New" charset="0"/>
+              </a:rPr>
+              <a:t> handler for this </a:t>
+            </a:r>
+            <a:r>
+              <a:rPr lang="en-GB" sz="1400" dirty="0" err="1" smtClean="0">
+                <a:latin typeface="Courier New" charset="0"/>
+                <a:ea typeface="Courier New" charset="0"/>
+                <a:cs typeface="Courier New" charset="0"/>
+              </a:rPr>
+              <a:t>trys</a:t>
+            </a:r>
+            <a:r>
+              <a:rPr lang="en-GB" sz="1400" dirty="0" smtClean="0">
+                <a:latin typeface="Courier New" charset="0"/>
+                <a:ea typeface="Courier New" charset="0"/>
+                <a:cs typeface="Courier New" charset="0"/>
+              </a:rPr>
+              <a:t> to make a call to the name in the text field</a:t>
+            </a:r>
+            <a:r>
+              <a:rPr lang="en-US" sz="1400" dirty="0" smtClean="0">
+                <a:latin typeface="Courier New" charset="0"/>
+                <a:ea typeface="Courier New" charset="0"/>
+                <a:cs typeface="Courier New" charset="0"/>
+              </a:rPr>
+              <a:t> </a:t>
+            </a:r>
+            <a:r>
+              <a:rPr lang="en-US" sz="1400" dirty="0">
+                <a:latin typeface="Courier New" charset="0"/>
+                <a:ea typeface="Courier New" charset="0"/>
+                <a:cs typeface="Courier New" charset="0"/>
+                <a:sym typeface="Wingdings"/>
+              </a:rPr>
+              <a:t>--&gt;</a:t>
+            </a:r>
+            <a:r>
+              <a:rPr lang="en-US" sz="1400" dirty="0">
+                <a:latin typeface="Courier New" charset="0"/>
+                <a:ea typeface="Courier New" charset="0"/>
+                <a:cs typeface="Courier New" charset="0"/>
+              </a:rPr>
+              <a:t/>
+            </a:r>
+            <a:br>
+              <a:rPr lang="en-US" sz="1400" dirty="0">
+                <a:latin typeface="Courier New" charset="0"/>
+                <a:ea typeface="Courier New" charset="0"/>
+                <a:cs typeface="Courier New" charset="0"/>
+              </a:rPr>
+            </a:br>
+            <a:r>
+              <a:rPr lang="en-US" sz="1400" dirty="0" smtClean="0">
+                <a:latin typeface="Courier New" charset="0"/>
+                <a:ea typeface="Courier New" charset="0"/>
+                <a:cs typeface="Courier New" charset="0"/>
+              </a:rPr>
+              <a:t>  &lt;</a:t>
+            </a:r>
+            <a:r>
+              <a:rPr lang="en-US" sz="1400" dirty="0">
+                <a:latin typeface="Courier New" charset="0"/>
+                <a:ea typeface="Courier New" charset="0"/>
+                <a:cs typeface="Courier New" charset="0"/>
+              </a:rPr>
+              <a:t>button class="</a:t>
+            </a:r>
+            <a:r>
+              <a:rPr lang="en-US" sz="1400" dirty="0" err="1">
+                <a:latin typeface="Courier New" charset="0"/>
+                <a:ea typeface="Courier New" charset="0"/>
+                <a:cs typeface="Courier New" charset="0"/>
+              </a:rPr>
+              <a:t>startCall</a:t>
+            </a:r>
+            <a:r>
+              <a:rPr lang="en-US" sz="1400" dirty="0">
+                <a:latin typeface="Courier New" charset="0"/>
+                <a:ea typeface="Courier New" charset="0"/>
+                <a:cs typeface="Courier New" charset="0"/>
+              </a:rPr>
+              <a:t>"&gt;Call&lt;/button</a:t>
+            </a:r>
+            <a:r>
+              <a:rPr lang="en-US" sz="1400" dirty="0" smtClean="0">
+                <a:latin typeface="Courier New" charset="0"/>
+                <a:ea typeface="Courier New" charset="0"/>
+                <a:cs typeface="Courier New" charset="0"/>
+              </a:rPr>
+              <a:t>&gt;</a:t>
+            </a:r>
+            <a:br>
+              <a:rPr lang="en-US" sz="1400" dirty="0" smtClean="0">
+                <a:latin typeface="Courier New" charset="0"/>
+                <a:ea typeface="Courier New" charset="0"/>
+                <a:cs typeface="Courier New" charset="0"/>
+              </a:rPr>
+            </a:br>
+            <a:r>
+              <a:rPr lang="en-US" sz="1400" dirty="0" smtClean="0">
+                <a:latin typeface="Courier New" charset="0"/>
+                <a:ea typeface="Courier New" charset="0"/>
+                <a:cs typeface="Courier New" charset="0"/>
+              </a:rPr>
+              <a:t/>
+            </a:r>
+            <a:br>
+              <a:rPr lang="en-US" sz="1400" dirty="0" smtClean="0">
+                <a:latin typeface="Courier New" charset="0"/>
+                <a:ea typeface="Courier New" charset="0"/>
+                <a:cs typeface="Courier New" charset="0"/>
+              </a:rPr>
+            </a:br>
+            <a:r>
+              <a:rPr lang="en-US" sz="1400" dirty="0" smtClean="0">
+                <a:latin typeface="Courier New" charset="0"/>
+                <a:ea typeface="Courier New" charset="0"/>
+                <a:cs typeface="Courier New" charset="0"/>
+              </a:rPr>
+              <a:t>  &lt;!</a:t>
+            </a:r>
+            <a:r>
+              <a:rPr lang="mr-IN" sz="1400" dirty="0" smtClean="0">
+                <a:latin typeface="Courier New" charset="0"/>
+                <a:ea typeface="Courier New" charset="0"/>
+                <a:cs typeface="Courier New" charset="0"/>
+              </a:rPr>
+              <a:t>–</a:t>
+            </a:r>
+            <a:r>
+              <a:rPr lang="en-US" sz="1400" dirty="0" smtClean="0">
+                <a:latin typeface="Courier New" charset="0"/>
+                <a:ea typeface="Courier New" charset="0"/>
+                <a:cs typeface="Courier New" charset="0"/>
+              </a:rPr>
+              <a:t> </a:t>
+            </a:r>
+            <a:r>
+              <a:rPr lang="en-GB" sz="1400" dirty="0" smtClean="0">
+                <a:latin typeface="Courier New" charset="0"/>
+                <a:ea typeface="Courier New" charset="0"/>
+                <a:cs typeface="Courier New" charset="0"/>
+              </a:rPr>
+              <a:t>Video tags included here but not used until the next stage</a:t>
+            </a:r>
+            <a:r>
+              <a:rPr lang="en-US" sz="1400" dirty="0" smtClean="0">
+                <a:latin typeface="Courier New" charset="0"/>
+                <a:ea typeface="Courier New" charset="0"/>
+                <a:cs typeface="Courier New" charset="0"/>
+              </a:rPr>
+              <a:t> </a:t>
+            </a:r>
+            <a:r>
+              <a:rPr lang="en-US" sz="1400" dirty="0">
+                <a:latin typeface="Courier New" charset="0"/>
+                <a:ea typeface="Courier New" charset="0"/>
+                <a:cs typeface="Courier New" charset="0"/>
+                <a:sym typeface="Wingdings"/>
+              </a:rPr>
+              <a:t>--&gt;</a:t>
+            </a:r>
+            <a:r>
+              <a:rPr lang="en-US" sz="1400" dirty="0">
+                <a:latin typeface="Courier New" charset="0"/>
+                <a:ea typeface="Courier New" charset="0"/>
+                <a:cs typeface="Courier New" charset="0"/>
+              </a:rPr>
+              <a:t/>
+            </a:r>
+            <a:br>
+              <a:rPr lang="en-US" sz="1400" dirty="0">
+                <a:latin typeface="Courier New" charset="0"/>
+                <a:ea typeface="Courier New" charset="0"/>
+                <a:cs typeface="Courier New" charset="0"/>
+              </a:rPr>
+            </a:br>
+            <a:r>
+              <a:rPr lang="en-US" sz="1400" dirty="0" smtClean="0">
+                <a:latin typeface="Courier New" charset="0"/>
+                <a:ea typeface="Courier New" charset="0"/>
+                <a:cs typeface="Courier New" charset="0"/>
+              </a:rPr>
+              <a:t>  &lt;</a:t>
+            </a:r>
+            <a:r>
+              <a:rPr lang="en-US" sz="1400" dirty="0">
+                <a:latin typeface="Courier New" charset="0"/>
+                <a:ea typeface="Courier New" charset="0"/>
+                <a:cs typeface="Courier New" charset="0"/>
+              </a:rPr>
+              <a:t>video class="</a:t>
+            </a:r>
+            <a:r>
+              <a:rPr lang="en-US" sz="1400" dirty="0" err="1">
+                <a:latin typeface="Courier New" charset="0"/>
+                <a:ea typeface="Courier New" charset="0"/>
+                <a:cs typeface="Courier New" charset="0"/>
+              </a:rPr>
+              <a:t>remoteVideo</a:t>
+            </a:r>
+            <a:r>
+              <a:rPr lang="en-US" sz="1400" dirty="0">
+                <a:latin typeface="Courier New" charset="0"/>
+                <a:ea typeface="Courier New" charset="0"/>
+                <a:cs typeface="Courier New" charset="0"/>
+              </a:rPr>
+              <a:t>"&gt;&lt;/video</a:t>
+            </a:r>
+            <a:r>
+              <a:rPr lang="en-US" sz="1400" dirty="0" smtClean="0">
+                <a:latin typeface="Courier New" charset="0"/>
+                <a:ea typeface="Courier New" charset="0"/>
+                <a:cs typeface="Courier New" charset="0"/>
+              </a:rPr>
+              <a:t>&gt;</a:t>
+            </a:r>
+            <a:br>
+              <a:rPr lang="en-US" sz="1400" dirty="0" smtClean="0">
+                <a:latin typeface="Courier New" charset="0"/>
+                <a:ea typeface="Courier New" charset="0"/>
+                <a:cs typeface="Courier New" charset="0"/>
+              </a:rPr>
+            </a:br>
+            <a:r>
+              <a:rPr lang="en-US" sz="1400" dirty="0" smtClean="0">
+                <a:latin typeface="Courier New" charset="0"/>
+                <a:ea typeface="Courier New" charset="0"/>
+                <a:cs typeface="Courier New" charset="0"/>
+              </a:rPr>
+              <a:t>  &lt;</a:t>
+            </a:r>
+            <a:r>
+              <a:rPr lang="en-US" sz="1400" dirty="0">
+                <a:latin typeface="Courier New" charset="0"/>
+                <a:ea typeface="Courier New" charset="0"/>
+                <a:cs typeface="Courier New" charset="0"/>
+              </a:rPr>
+              <a:t>video class="</a:t>
+            </a:r>
+            <a:r>
+              <a:rPr lang="en-US" sz="1400" dirty="0" err="1">
+                <a:latin typeface="Courier New" charset="0"/>
+                <a:ea typeface="Courier New" charset="0"/>
+                <a:cs typeface="Courier New" charset="0"/>
+              </a:rPr>
+              <a:t>localVideo</a:t>
+            </a:r>
+            <a:r>
+              <a:rPr lang="en-US" sz="1400" dirty="0">
+                <a:latin typeface="Courier New" charset="0"/>
+                <a:ea typeface="Courier New" charset="0"/>
+                <a:cs typeface="Courier New" charset="0"/>
+              </a:rPr>
+              <a:t>"&gt;&lt;/video</a:t>
+            </a:r>
+            <a:r>
+              <a:rPr lang="en-US" sz="1400" dirty="0" smtClean="0">
+                <a:latin typeface="Courier New" charset="0"/>
+                <a:ea typeface="Courier New" charset="0"/>
+                <a:cs typeface="Courier New" charset="0"/>
+              </a:rPr>
+              <a:t>&gt;</a:t>
+            </a:r>
+            <a:br>
+              <a:rPr lang="en-US" sz="1400" dirty="0" smtClean="0">
+                <a:latin typeface="Courier New" charset="0"/>
+                <a:ea typeface="Courier New" charset="0"/>
+                <a:cs typeface="Courier New" charset="0"/>
+              </a:rPr>
+            </a:br>
+            <a:r>
+              <a:rPr lang="en-US" sz="1400" dirty="0" smtClean="0">
+                <a:latin typeface="Courier New" charset="0"/>
+                <a:ea typeface="Courier New" charset="0"/>
+                <a:cs typeface="Courier New" charset="0"/>
+              </a:rPr>
+              <a:t>&lt;/</a:t>
+            </a:r>
+            <a:r>
+              <a:rPr lang="en-US" sz="1400" dirty="0">
+                <a:latin typeface="Courier New" charset="0"/>
+                <a:ea typeface="Courier New" charset="0"/>
+                <a:cs typeface="Courier New" charset="0"/>
+              </a:rPr>
+              <a:t>div&gt;</a:t>
+            </a:r>
+          </a:p>
+        </p:txBody>
+      </p:sp>
+    </p:spTree>
+    <p:extLst>
+      <p:ext uri="{BB962C8B-B14F-4D97-AF65-F5344CB8AC3E}">
+        <p14:creationId xmlns:p14="http://schemas.microsoft.com/office/powerpoint/2010/main" val="2112941944"/>
+      </p:ext>
+    </p:extLst>
+  </p:cSld>
+  <p:clrMapOvr>
+    <a:masterClrMapping/>
+  </p:clrMapOvr>
+</p:sld>
+</file>
+
+<file path=ppt/slides/slide32.xml><?xml version="1.0" encoding="utf-8"?>
+<p:sld xmlns:a="http://schemas.openxmlformats.org/drawingml/2006/main" xmlns:r="http://schemas.openxmlformats.org/officeDocument/2006/relationships" xmlns:p="http://schemas.openxmlformats.org/presentationml/2006/main">
+  <p:cSld>
+    <p:spTree>
+      <p:nvGrpSpPr>
+        <p:cNvPr id="1" name=""/>
+        <p:cNvGrpSpPr/>
+        <p:nvPr/>
+      </p:nvGrpSpPr>
+      <p:grpSpPr>
+        <a:xfrm>
+          <a:off x="0" y="0"/>
+          <a:ext cx="0" cy="0"/>
+          <a:chOff x="0" y="0"/>
+          <a:chExt cx="0" cy="0"/>
+        </a:xfrm>
+      </p:grpSpPr>
+      <p:sp>
+        <p:nvSpPr>
+          <p:cNvPr id="2" name="Title 1"/>
+          <p:cNvSpPr>
+            <a:spLocks noGrp="1"/>
+          </p:cNvSpPr>
+          <p:nvPr>
+            <p:ph type="title"/>
+          </p:nvPr>
+        </p:nvSpPr>
+        <p:spPr/>
+        <p:txBody>
+          <a:bodyPr/>
+          <a:lstStyle/>
+          <a:p>
+            <a:r>
+              <a:rPr lang="en-US" dirty="0" smtClean="0"/>
               <a:t>4. Remote Peer Connections</a:t>
             </a:r>
             <a:endParaRPr lang="en-US" dirty="0"/>
@@ -12060,7 +13257,7 @@
 </p:sld>
 </file>
 
-<file path=ppt/slides/slide31.xml><?xml version="1.0" encoding="utf-8"?>
+<file path=ppt/slides/slide33.xml><?xml version="1.0" encoding="utf-8"?>
 <p:sld xmlns:a="http://schemas.openxmlformats.org/drawingml/2006/main" xmlns:r="http://schemas.openxmlformats.org/officeDocument/2006/relationships" xmlns:p="http://schemas.openxmlformats.org/presentationml/2006/main">
   <p:cSld>
     <p:spTree>
@@ -12544,279 +13741,6 @@
 </p:sld>
 </file>
 
-<file path=ppt/slides/slide32.xml><?xml version="1.0" encoding="utf-8"?>
-<p:sld xmlns:a="http://schemas.openxmlformats.org/drawingml/2006/main" xmlns:r="http://schemas.openxmlformats.org/officeDocument/2006/relationships" xmlns:p="http://schemas.openxmlformats.org/presentationml/2006/main">
-  <p:cSld>
-    <p:spTree>
-      <p:nvGrpSpPr>
-        <p:cNvPr id="1" name=""/>
-        <p:cNvGrpSpPr/>
-        <p:nvPr/>
-      </p:nvGrpSpPr>
-      <p:grpSpPr>
-        <a:xfrm>
-          <a:off x="0" y="0"/>
-          <a:ext cx="0" cy="0"/>
-          <a:chOff x="0" y="0"/>
-          <a:chExt cx="0" cy="0"/>
-        </a:xfrm>
-      </p:grpSpPr>
-      <p:sp>
-        <p:nvSpPr>
-          <p:cNvPr id="2" name="Title 1"/>
-          <p:cNvSpPr>
-            <a:spLocks noGrp="1"/>
-          </p:cNvSpPr>
-          <p:nvPr>
-            <p:ph type="title"/>
-          </p:nvPr>
-        </p:nvSpPr>
-        <p:spPr/>
-        <p:txBody>
-          <a:bodyPr/>
-          <a:lstStyle/>
-          <a:p>
-            <a:r>
-              <a:rPr lang="en-US" dirty="0"/>
-              <a:t>4. </a:t>
-            </a:r>
-            <a:r>
-              <a:rPr lang="en-US" dirty="0" err="1" smtClean="0"/>
-              <a:t>Signalling</a:t>
-            </a:r>
-            <a:r>
-              <a:rPr lang="en-US" dirty="0" smtClean="0"/>
-              <a:t> </a:t>
-            </a:r>
-            <a:r>
-              <a:rPr lang="en-US" dirty="0"/>
-              <a:t>across a </a:t>
-            </a:r>
-            <a:r>
-              <a:rPr lang="en-US" dirty="0" smtClean="0"/>
-              <a:t>network (2)</a:t>
-            </a:r>
-            <a:endParaRPr lang="en-US" dirty="0"/>
-          </a:p>
-        </p:txBody>
-      </p:sp>
-      <p:sp>
-        <p:nvSpPr>
-          <p:cNvPr id="3" name="Content Placeholder 2"/>
-          <p:cNvSpPr>
-            <a:spLocks noGrp="1"/>
-          </p:cNvSpPr>
-          <p:nvPr>
-            <p:ph idx="1"/>
-          </p:nvPr>
-        </p:nvSpPr>
-        <p:spPr/>
-        <p:txBody>
-          <a:bodyPr/>
-          <a:lstStyle/>
-          <a:p>
-            <a:r>
-              <a:rPr lang="en-US" dirty="0" smtClean="0"/>
-              <a:t>If you’ve implemented part 3 well then</a:t>
-            </a:r>
-          </a:p>
-          <a:p>
-            <a:pPr lvl="1"/>
-            <a:r>
-              <a:rPr lang="en-US" dirty="0" smtClean="0"/>
-              <a:t>All you should have to do to the client/browser is rewrite </a:t>
-            </a:r>
-            <a:r>
-              <a:rPr lang="en-US" dirty="0" err="1" smtClean="0"/>
-              <a:t>EndPoint</a:t>
-            </a:r>
-            <a:endParaRPr lang="en-US" dirty="0" smtClean="0"/>
-          </a:p>
-          <a:p>
-            <a:pPr lvl="1"/>
-            <a:r>
-              <a:rPr lang="en-US" dirty="0" smtClean="0"/>
-              <a:t>There should be </a:t>
-            </a:r>
-            <a:r>
-              <a:rPr lang="en-US" b="1" dirty="0" smtClean="0"/>
-              <a:t>no changes</a:t>
-            </a:r>
-            <a:r>
-              <a:rPr lang="en-US" dirty="0" smtClean="0"/>
-              <a:t> required to </a:t>
-            </a:r>
-            <a:r>
-              <a:rPr lang="en-US" dirty="0" err="1" smtClean="0"/>
-              <a:t>VideoEndPoint</a:t>
-            </a:r>
-            <a:endParaRPr lang="en-US" dirty="0" smtClean="0"/>
-          </a:p>
-          <a:p>
-            <a:r>
-              <a:rPr lang="en-US" dirty="0" smtClean="0"/>
-              <a:t>Extend the node server to implement the REST interface</a:t>
-            </a:r>
-          </a:p>
-          <a:p>
-            <a:pPr lvl="1"/>
-            <a:r>
-              <a:rPr lang="en-US" dirty="0" smtClean="0"/>
-              <a:t>Specified in the WIKI</a:t>
-            </a:r>
-          </a:p>
-          <a:p>
-            <a:pPr lvl="1"/>
-            <a:endParaRPr lang="en-US" dirty="0" smtClean="0"/>
-          </a:p>
-        </p:txBody>
-      </p:sp>
-    </p:spTree>
-    <p:extLst>
-      <p:ext uri="{BB962C8B-B14F-4D97-AF65-F5344CB8AC3E}">
-        <p14:creationId xmlns:p14="http://schemas.microsoft.com/office/powerpoint/2010/main" val="283784917"/>
-      </p:ext>
-    </p:extLst>
-  </p:cSld>
-  <p:clrMapOvr>
-    <a:masterClrMapping/>
-  </p:clrMapOvr>
-</p:sld>
-</file>
-
-<file path=ppt/slides/slide33.xml><?xml version="1.0" encoding="utf-8"?>
-<p:sld xmlns:a="http://schemas.openxmlformats.org/drawingml/2006/main" xmlns:r="http://schemas.openxmlformats.org/officeDocument/2006/relationships" xmlns:p="http://schemas.openxmlformats.org/presentationml/2006/main">
-  <p:cSld>
-    <p:spTree>
-      <p:nvGrpSpPr>
-        <p:cNvPr id="1" name=""/>
-        <p:cNvGrpSpPr/>
-        <p:nvPr/>
-      </p:nvGrpSpPr>
-      <p:grpSpPr>
-        <a:xfrm>
-          <a:off x="0" y="0"/>
-          <a:ext cx="0" cy="0"/>
-          <a:chOff x="0" y="0"/>
-          <a:chExt cx="0" cy="0"/>
-        </a:xfrm>
-      </p:grpSpPr>
-      <p:sp>
-        <p:nvSpPr>
-          <p:cNvPr id="2" name="Title 1"/>
-          <p:cNvSpPr>
-            <a:spLocks noGrp="1"/>
-          </p:cNvSpPr>
-          <p:nvPr>
-            <p:ph type="title"/>
-          </p:nvPr>
-        </p:nvSpPr>
-        <p:spPr/>
-        <p:txBody>
-          <a:bodyPr/>
-          <a:lstStyle/>
-          <a:p>
-            <a:r>
-              <a:rPr lang="en-US" dirty="0" smtClean="0"/>
-              <a:t>5. Talking between teams</a:t>
-            </a:r>
-            <a:endParaRPr lang="en-US" dirty="0"/>
-          </a:p>
-        </p:txBody>
-      </p:sp>
-      <p:sp>
-        <p:nvSpPr>
-          <p:cNvPr id="3" name="Content Placeholder 2"/>
-          <p:cNvSpPr>
-            <a:spLocks noGrp="1"/>
-          </p:cNvSpPr>
-          <p:nvPr>
-            <p:ph idx="1"/>
-          </p:nvPr>
-        </p:nvSpPr>
-        <p:spPr/>
-        <p:txBody>
-          <a:bodyPr/>
-          <a:lstStyle/>
-          <a:p>
-            <a:r>
-              <a:rPr lang="en-US" dirty="0" smtClean="0"/>
-              <a:t>There should be 4 teams with working clients and node servers</a:t>
-            </a:r>
-          </a:p>
-          <a:p>
-            <a:r>
-              <a:rPr lang="en-US" dirty="0" smtClean="0"/>
-              <a:t>The node servers are implementing a defined protocol</a:t>
-            </a:r>
-          </a:p>
-          <a:p>
-            <a:r>
-              <a:rPr lang="en-US" dirty="0" smtClean="0"/>
-              <a:t>So</a:t>
-            </a:r>
-            <a:r>
-              <a:rPr lang="mr-IN" dirty="0" smtClean="0"/>
-              <a:t>…</a:t>
-            </a:r>
-            <a:endParaRPr lang="en-GB" dirty="0" smtClean="0"/>
-          </a:p>
-          <a:p>
-            <a:pPr lvl="1"/>
-            <a:r>
-              <a:rPr lang="en-GB" dirty="0" smtClean="0"/>
-              <a:t>The client from any team should be able to talk to any node server</a:t>
-            </a:r>
-          </a:p>
-          <a:p>
-            <a:pPr lvl="1"/>
-            <a:r>
-              <a:rPr lang="en-GB" dirty="0" smtClean="0"/>
-              <a:t>Two clients from two different teams should be able to connect to the same node server and make a call</a:t>
-            </a:r>
-          </a:p>
-          <a:p>
-            <a:pPr lvl="1"/>
-            <a:endParaRPr lang="en-US" dirty="0" smtClean="0"/>
-          </a:p>
-          <a:p>
-            <a:r>
-              <a:rPr lang="en-US" dirty="0" smtClean="0"/>
-              <a:t>AIM:</a:t>
-            </a:r>
-          </a:p>
-          <a:p>
-            <a:pPr lvl="1"/>
-            <a:r>
-              <a:rPr lang="en-US" dirty="0" smtClean="0"/>
-              <a:t>Using any teams node server</a:t>
-            </a:r>
-          </a:p>
-          <a:p>
-            <a:pPr lvl="1"/>
-            <a:r>
-              <a:rPr lang="en-US" dirty="0" smtClean="0"/>
-              <a:t>Connect clients from all 4 teams to that server and make a call</a:t>
-            </a:r>
-          </a:p>
-          <a:p>
-            <a:endParaRPr lang="en-GB" dirty="0"/>
-          </a:p>
-        </p:txBody>
-      </p:sp>
-    </p:spTree>
-    <p:extLst>
-      <p:ext uri="{BB962C8B-B14F-4D97-AF65-F5344CB8AC3E}">
-        <p14:creationId xmlns:p14="http://schemas.microsoft.com/office/powerpoint/2010/main" val="295557802"/>
-      </p:ext>
-    </p:extLst>
-  </p:cSld>
-  <p:clrMapOvr>
-    <a:masterClrMapping/>
-  </p:clrMapOvr>
-</p:sld>
-</file>
-
 <file path=ppt/slides/slide34.xml><?xml version="1.0" encoding="utf-8"?>
 <p:sld xmlns:a="http://schemas.openxmlformats.org/drawingml/2006/main" xmlns:r="http://schemas.openxmlformats.org/officeDocument/2006/relationships" xmlns:p="http://schemas.openxmlformats.org/presentationml/2006/main">
   <p:cSld>
@@ -12850,77 +13774,24 @@
           <a:lstStyle/>
           <a:p>
             <a:r>
-              <a:rPr lang="en-US" dirty="0" smtClean="0"/>
-              <a:t>5. Cross team</a:t>
-            </a:r>
-            <a:endParaRPr lang="en-US" dirty="0"/>
-          </a:p>
-        </p:txBody>
-      </p:sp>
-      <p:sp>
-        <p:nvSpPr>
-          <p:cNvPr id="4" name="Oval 3"/>
-          <p:cNvSpPr/>
-          <p:nvPr/>
-        </p:nvSpPr>
-        <p:spPr>
-          <a:xfrm>
-            <a:off x="5260565" y="2536330"/>
-            <a:ext cx="1897626" cy="1897626"/>
-          </a:xfrm>
-          <a:prstGeom prst="ellipse">
-            <a:avLst/>
-          </a:prstGeom>
-        </p:spPr>
-        <p:style>
-          <a:lnRef idx="2">
-            <a:schemeClr val="accent1">
-              <a:shade val="50000"/>
-            </a:schemeClr>
-          </a:lnRef>
-          <a:fillRef idx="1">
-            <a:schemeClr val="accent1"/>
-          </a:fillRef>
-          <a:effectRef idx="0">
-            <a:schemeClr val="accent1"/>
-          </a:effectRef>
-          <a:fontRef idx="minor">
-            <a:schemeClr val="lt1"/>
-          </a:fontRef>
-        </p:style>
-        <p:txBody>
-          <a:bodyPr rtlCol="0" anchor="ctr"/>
-          <a:lstStyle/>
-          <a:p>
-            <a:pPr algn="ctr"/>
-            <a:r>
-              <a:rPr lang="en-US" dirty="0" smtClean="0"/>
-              <a:t>Node</a:t>
-            </a:r>
-            <a:br>
-              <a:rPr lang="en-US" dirty="0" smtClean="0"/>
-            </a:br>
+              <a:rPr lang="en-US" dirty="0"/>
+              <a:t>4. </a:t>
+            </a:r>
             <a:r>
               <a:rPr lang="en-US" dirty="0" err="1" smtClean="0"/>
               <a:t>Signalling</a:t>
             </a:r>
             <a:r>
               <a:rPr lang="en-US" dirty="0" smtClean="0"/>
-              <a:t/>
-            </a:r>
-            <a:br>
-              <a:rPr lang="en-US" dirty="0" smtClean="0"/>
-            </a:br>
-            <a:r>
-              <a:rPr lang="en-US" dirty="0" smtClean="0"/>
-              <a:t>Server</a:t>
-            </a:r>
-            <a:br>
-              <a:rPr lang="en-US" dirty="0" smtClean="0"/>
-            </a:br>
-            <a:r>
-              <a:rPr lang="en-US" dirty="0" smtClean="0"/>
-              <a:t>(Team 1)</a:t>
+              <a:t> </a:t>
+            </a:r>
+            <a:r>
+              <a:rPr lang="en-US" dirty="0"/>
+              <a:t>across a </a:t>
+            </a:r>
+            <a:r>
+              <a:rPr lang="en-US" dirty="0" smtClean="0"/>
+              <a:t>network (2)</a:t>
             </a:r>
             <a:endParaRPr lang="en-US" dirty="0"/>
           </a:p>
@@ -12928,648 +13799,79 @@
       </p:sp>
       <p:sp>
         <p:nvSpPr>
-          <p:cNvPr id="5" name="Oval 4"/>
-          <p:cNvSpPr/>
-          <p:nvPr/>
-        </p:nvSpPr>
-        <p:spPr>
-          <a:xfrm>
-            <a:off x="8052619" y="860757"/>
-            <a:ext cx="1415846" cy="1415846"/>
-          </a:xfrm>
-          <a:prstGeom prst="ellipse">
-            <a:avLst/>
-          </a:prstGeom>
-        </p:spPr>
-        <p:style>
-          <a:lnRef idx="2">
-            <a:schemeClr val="accent1">
-              <a:shade val="50000"/>
-            </a:schemeClr>
-          </a:lnRef>
-          <a:fillRef idx="1">
-            <a:schemeClr val="accent1"/>
-          </a:fillRef>
-          <a:effectRef idx="0">
-            <a:schemeClr val="accent1"/>
-          </a:effectRef>
-          <a:fontRef idx="minor">
-            <a:schemeClr val="lt1"/>
-          </a:fontRef>
-        </p:style>
-        <p:txBody>
-          <a:bodyPr rtlCol="0" anchor="ctr"/>
-          <a:lstStyle/>
-          <a:p>
-            <a:pPr algn="ctr"/>
-            <a:r>
-              <a:rPr lang="en-US" smtClean="0"/>
-              <a:t>Team 1</a:t>
-            </a:r>
-            <a:br>
-              <a:rPr lang="en-US" smtClean="0"/>
-            </a:br>
-            <a:r>
-              <a:rPr lang="en-US" smtClean="0"/>
-              <a:t>Client</a:t>
-            </a:r>
-            <a:endParaRPr lang="en-US" dirty="0"/>
-          </a:p>
-        </p:txBody>
-      </p:sp>
-      <p:sp>
-        <p:nvSpPr>
-          <p:cNvPr id="6" name="Oval 5"/>
-          <p:cNvSpPr/>
-          <p:nvPr/>
-        </p:nvSpPr>
-        <p:spPr>
-          <a:xfrm>
-            <a:off x="9241092" y="3308555"/>
-            <a:ext cx="1415846" cy="1415846"/>
-          </a:xfrm>
-          <a:prstGeom prst="ellipse">
-            <a:avLst/>
-          </a:prstGeom>
-        </p:spPr>
-        <p:style>
-          <a:lnRef idx="2">
-            <a:schemeClr val="accent1">
-              <a:shade val="50000"/>
-            </a:schemeClr>
-          </a:lnRef>
-          <a:fillRef idx="1">
-            <a:schemeClr val="accent1"/>
-          </a:fillRef>
-          <a:effectRef idx="0">
-            <a:schemeClr val="accent1"/>
-          </a:effectRef>
-          <a:fontRef idx="minor">
-            <a:schemeClr val="lt1"/>
-          </a:fontRef>
-        </p:style>
-        <p:txBody>
-          <a:bodyPr rtlCol="0" anchor="ctr"/>
-          <a:lstStyle/>
-          <a:p>
-            <a:pPr algn="ctr"/>
-            <a:r>
-              <a:rPr lang="en-US" dirty="0" smtClean="0"/>
-              <a:t>Team 2</a:t>
-            </a:r>
-            <a:br>
-              <a:rPr lang="en-US" dirty="0" smtClean="0"/>
-            </a:br>
-            <a:r>
-              <a:rPr lang="en-US" dirty="0" smtClean="0"/>
-              <a:t>Client</a:t>
-            </a:r>
-            <a:endParaRPr lang="en-US" dirty="0"/>
-          </a:p>
-        </p:txBody>
-      </p:sp>
-      <p:sp>
-        <p:nvSpPr>
-          <p:cNvPr id="7" name="Oval 6"/>
-          <p:cNvSpPr/>
-          <p:nvPr/>
-        </p:nvSpPr>
-        <p:spPr>
-          <a:xfrm>
-            <a:off x="4552642" y="5024285"/>
-            <a:ext cx="1415846" cy="1415846"/>
-          </a:xfrm>
-          <a:prstGeom prst="ellipse">
-            <a:avLst/>
-          </a:prstGeom>
-        </p:spPr>
-        <p:style>
-          <a:lnRef idx="2">
-            <a:schemeClr val="accent1">
-              <a:shade val="50000"/>
-            </a:schemeClr>
-          </a:lnRef>
-          <a:fillRef idx="1">
-            <a:schemeClr val="accent1"/>
-          </a:fillRef>
-          <a:effectRef idx="0">
-            <a:schemeClr val="accent1"/>
-          </a:effectRef>
-          <a:fontRef idx="minor">
-            <a:schemeClr val="lt1"/>
-          </a:fontRef>
-        </p:style>
-        <p:txBody>
-          <a:bodyPr rtlCol="0" anchor="ctr"/>
-          <a:lstStyle/>
-          <a:p>
-            <a:pPr algn="ctr"/>
-            <a:r>
-              <a:rPr lang="en-US" dirty="0" smtClean="0"/>
-              <a:t>Team 3</a:t>
-            </a:r>
-            <a:br>
-              <a:rPr lang="en-US" dirty="0" smtClean="0"/>
-            </a:br>
-            <a:r>
-              <a:rPr lang="en-US" dirty="0" smtClean="0"/>
-              <a:t>Client</a:t>
-            </a:r>
-            <a:endParaRPr lang="en-US" dirty="0"/>
-          </a:p>
-        </p:txBody>
-      </p:sp>
-      <p:sp>
-        <p:nvSpPr>
-          <p:cNvPr id="8" name="Oval 7"/>
-          <p:cNvSpPr/>
-          <p:nvPr/>
-        </p:nvSpPr>
-        <p:spPr>
-          <a:xfrm>
-            <a:off x="-4381496" y="6622027"/>
-            <a:ext cx="1415846" cy="1415846"/>
-          </a:xfrm>
-          <a:prstGeom prst="ellipse">
-            <a:avLst/>
-          </a:prstGeom>
-        </p:spPr>
-        <p:style>
-          <a:lnRef idx="2">
-            <a:schemeClr val="accent1">
-              <a:shade val="50000"/>
-            </a:schemeClr>
-          </a:lnRef>
-          <a:fillRef idx="1">
-            <a:schemeClr val="accent1"/>
-          </a:fillRef>
-          <a:effectRef idx="0">
-            <a:schemeClr val="accent1"/>
-          </a:effectRef>
-          <a:fontRef idx="minor">
-            <a:schemeClr val="lt1"/>
-          </a:fontRef>
-        </p:style>
-        <p:txBody>
-          <a:bodyPr rtlCol="0" anchor="ctr"/>
-          <a:lstStyle/>
-          <a:p>
-            <a:pPr algn="ctr"/>
-            <a:r>
-              <a:rPr lang="en-US" smtClean="0"/>
-              <a:t>Team 3</a:t>
-            </a:r>
-            <a:r>
-              <a:rPr lang="en-US" dirty="0" smtClean="0"/>
-              <a:t/>
-            </a:r>
-            <a:br>
-              <a:rPr lang="en-US" dirty="0" smtClean="0"/>
-            </a:br>
-            <a:r>
-              <a:rPr lang="en-US" dirty="0" smtClean="0"/>
-              <a:t>Client</a:t>
-            </a:r>
-            <a:endParaRPr lang="en-US" dirty="0"/>
-          </a:p>
-        </p:txBody>
-      </p:sp>
-      <p:sp>
-        <p:nvSpPr>
-          <p:cNvPr id="9" name="Oval 8"/>
-          <p:cNvSpPr/>
-          <p:nvPr/>
-        </p:nvSpPr>
-        <p:spPr>
-          <a:xfrm>
-            <a:off x="2950292" y="1690688"/>
-            <a:ext cx="1415846" cy="1415846"/>
-          </a:xfrm>
-          <a:prstGeom prst="ellipse">
-            <a:avLst/>
-          </a:prstGeom>
-        </p:spPr>
-        <p:style>
-          <a:lnRef idx="2">
-            <a:schemeClr val="accent1">
-              <a:shade val="50000"/>
-            </a:schemeClr>
-          </a:lnRef>
-          <a:fillRef idx="1">
-            <a:schemeClr val="accent1"/>
-          </a:fillRef>
-          <a:effectRef idx="0">
-            <a:schemeClr val="accent1"/>
-          </a:effectRef>
-          <a:fontRef idx="minor">
-            <a:schemeClr val="lt1"/>
-          </a:fontRef>
-        </p:style>
-        <p:txBody>
-          <a:bodyPr rtlCol="0" anchor="ctr"/>
-          <a:lstStyle/>
-          <a:p>
-            <a:pPr algn="ctr"/>
-            <a:r>
-              <a:rPr lang="en-US" dirty="0" smtClean="0"/>
-              <a:t>Team 4</a:t>
-            </a:r>
-            <a:br>
-              <a:rPr lang="en-US" dirty="0" smtClean="0"/>
-            </a:br>
-            <a:r>
-              <a:rPr lang="en-US" dirty="0" smtClean="0"/>
-              <a:t>Client</a:t>
-            </a:r>
-            <a:endParaRPr lang="en-US" dirty="0"/>
-          </a:p>
-        </p:txBody>
-      </p:sp>
-      <p:sp>
-        <p:nvSpPr>
-          <p:cNvPr id="10" name="Can 9"/>
-          <p:cNvSpPr/>
-          <p:nvPr/>
-        </p:nvSpPr>
-        <p:spPr>
-          <a:xfrm rot="4952751">
-            <a:off x="6005171" y="-61345"/>
-            <a:ext cx="353963" cy="3963965"/>
-          </a:xfrm>
-          <a:prstGeom prst="can">
-            <a:avLst/>
-          </a:prstGeom>
-          <a:solidFill>
-            <a:schemeClr val="accent4"/>
-          </a:solidFill>
-        </p:spPr>
-        <p:style>
-          <a:lnRef idx="2">
-            <a:schemeClr val="accent1">
-              <a:shade val="50000"/>
-            </a:schemeClr>
-          </a:lnRef>
-          <a:fillRef idx="1">
-            <a:schemeClr val="accent1"/>
-          </a:fillRef>
-          <a:effectRef idx="0">
-            <a:schemeClr val="accent1"/>
-          </a:effectRef>
-          <a:fontRef idx="minor">
-            <a:schemeClr val="lt1"/>
-          </a:fontRef>
-        </p:style>
-        <p:txBody>
-          <a:bodyPr rtlCol="0" anchor="ctr"/>
-          <a:lstStyle/>
-          <a:p>
-            <a:pPr algn="ctr"/>
-            <a:endParaRPr lang="en-US"/>
-          </a:p>
-        </p:txBody>
-      </p:sp>
-      <p:sp>
-        <p:nvSpPr>
-          <p:cNvPr id="11" name="TextBox 10"/>
-          <p:cNvSpPr txBox="1"/>
-          <p:nvPr/>
-        </p:nvSpPr>
-        <p:spPr>
-          <a:xfrm rot="21209306">
-            <a:off x="5347603" y="1699954"/>
-            <a:ext cx="1639360" cy="369332"/>
-          </a:xfrm>
-          <a:prstGeom prst="rect">
-            <a:avLst/>
-          </a:prstGeom>
-          <a:noFill/>
-        </p:spPr>
-        <p:txBody>
-          <a:bodyPr wrap="none" rtlCol="0">
-            <a:spAutoFit/>
-          </a:bodyPr>
-          <a:lstStyle/>
-          <a:p>
+          <p:cNvPr id="3" name="Content Placeholder 2"/>
+          <p:cNvSpPr>
+            <a:spLocks noGrp="1"/>
+          </p:cNvSpPr>
+          <p:nvPr>
+            <p:ph idx="1"/>
+          </p:nvPr>
+        </p:nvSpPr>
+        <p:spPr/>
+        <p:txBody>
+          <a:bodyPr/>
+          <a:lstStyle/>
+          <a:p>
+            <a:r>
+              <a:rPr lang="en-US" dirty="0" smtClean="0"/>
+              <a:t>If you’ve implemented part 3 well then</a:t>
+            </a:r>
+          </a:p>
+          <a:p>
+            <a:pPr lvl="1"/>
+            <a:r>
+              <a:rPr lang="en-US" dirty="0" smtClean="0"/>
+              <a:t>All you should have to do to the client/browser is rewrite </a:t>
+            </a:r>
             <a:r>
               <a:rPr lang="en-US" dirty="0" err="1" smtClean="0"/>
-              <a:t>webRTC</a:t>
-            </a:r>
-            <a:r>
-              <a:rPr lang="en-US" dirty="0" smtClean="0"/>
-              <a:t> AV Call</a:t>
-            </a:r>
-            <a:endParaRPr lang="en-US" dirty="0"/>
-          </a:p>
-        </p:txBody>
-      </p:sp>
-      <p:sp>
-        <p:nvSpPr>
-          <p:cNvPr id="12" name="Can 11"/>
-          <p:cNvSpPr/>
-          <p:nvPr/>
-        </p:nvSpPr>
-        <p:spPr>
-          <a:xfrm rot="4225162">
-            <a:off x="7443822" y="3038703"/>
-            <a:ext cx="353963" cy="3739263"/>
-          </a:xfrm>
-          <a:prstGeom prst="can">
-            <a:avLst/>
-          </a:prstGeom>
-          <a:solidFill>
-            <a:schemeClr val="accent4"/>
-          </a:solidFill>
-        </p:spPr>
-        <p:style>
-          <a:lnRef idx="2">
-            <a:schemeClr val="accent1">
-              <a:shade val="50000"/>
-            </a:schemeClr>
-          </a:lnRef>
-          <a:fillRef idx="1">
-            <a:schemeClr val="accent1"/>
-          </a:fillRef>
-          <a:effectRef idx="0">
-            <a:schemeClr val="accent1"/>
-          </a:effectRef>
-          <a:fontRef idx="minor">
-            <a:schemeClr val="lt1"/>
-          </a:fontRef>
-        </p:style>
-        <p:txBody>
-          <a:bodyPr rtlCol="0" anchor="ctr"/>
-          <a:lstStyle/>
-          <a:p>
-            <a:pPr algn="ctr"/>
-            <a:endParaRPr lang="en-US"/>
-          </a:p>
-        </p:txBody>
-      </p:sp>
-      <p:sp>
-        <p:nvSpPr>
-          <p:cNvPr id="13" name="TextBox 12"/>
-          <p:cNvSpPr txBox="1"/>
-          <p:nvPr/>
-        </p:nvSpPr>
-        <p:spPr>
-          <a:xfrm rot="20466159">
-            <a:off x="6801122" y="4711178"/>
-            <a:ext cx="1639360" cy="369332"/>
-          </a:xfrm>
-          <a:prstGeom prst="rect">
-            <a:avLst/>
-          </a:prstGeom>
-          <a:noFill/>
-        </p:spPr>
-        <p:txBody>
-          <a:bodyPr wrap="none" rtlCol="0">
-            <a:spAutoFit/>
-          </a:bodyPr>
-          <a:lstStyle/>
-          <a:p>
+              <a:t>EndPoint</a:t>
+            </a:r>
+            <a:endParaRPr lang="en-US" dirty="0" smtClean="0"/>
+          </a:p>
+          <a:p>
+            <a:pPr lvl="1"/>
+            <a:r>
+              <a:rPr lang="en-US" dirty="0" smtClean="0"/>
+              <a:t>There should be </a:t>
+            </a:r>
+            <a:r>
+              <a:rPr lang="en-US" b="1" dirty="0" smtClean="0"/>
+              <a:t>no changes</a:t>
+            </a:r>
+            <a:r>
+              <a:rPr lang="en-US" dirty="0" smtClean="0"/>
+              <a:t> required to </a:t>
+            </a:r>
             <a:r>
               <a:rPr lang="en-US" dirty="0" err="1" smtClean="0"/>
-              <a:t>webRTC</a:t>
-            </a:r>
-            <a:r>
-              <a:rPr lang="en-US" dirty="0" smtClean="0"/>
-              <a:t> AV Call</a:t>
-            </a:r>
-            <a:endParaRPr lang="en-US" dirty="0"/>
-          </a:p>
-        </p:txBody>
-      </p:sp>
-      <p:cxnSp>
-        <p:nvCxnSpPr>
-          <p:cNvPr id="15" name="Straight Arrow Connector 14"/>
-          <p:cNvCxnSpPr>
-            <a:stCxn id="9" idx="5"/>
-            <a:endCxn id="4" idx="2"/>
-          </p:cNvCxnSpPr>
-          <p:nvPr/>
-        </p:nvCxnSpPr>
-        <p:spPr>
-          <a:xfrm>
-            <a:off x="4158792" y="2899188"/>
-            <a:ext cx="1101773" cy="585955"/>
-          </a:xfrm>
-          <a:prstGeom prst="straightConnector1">
-            <a:avLst/>
-          </a:prstGeom>
-          <a:ln>
-            <a:solidFill>
-              <a:schemeClr val="accent6"/>
-            </a:solidFill>
-            <a:headEnd type="triangle" w="lg" len="lg"/>
-            <a:tailEnd type="triangle" w="lg" len="lg"/>
-          </a:ln>
-        </p:spPr>
-        <p:style>
-          <a:lnRef idx="1">
-            <a:schemeClr val="accent1"/>
-          </a:lnRef>
-          <a:fillRef idx="0">
-            <a:schemeClr val="accent1"/>
-          </a:fillRef>
-          <a:effectRef idx="0">
-            <a:schemeClr val="accent1"/>
-          </a:effectRef>
-          <a:fontRef idx="minor">
-            <a:schemeClr val="tx1"/>
-          </a:fontRef>
-        </p:style>
-      </p:cxnSp>
-      <p:cxnSp>
-        <p:nvCxnSpPr>
-          <p:cNvPr id="18" name="Straight Arrow Connector 17"/>
-          <p:cNvCxnSpPr>
-            <a:stCxn id="7" idx="0"/>
-            <a:endCxn id="4" idx="3"/>
-          </p:cNvCxnSpPr>
-          <p:nvPr/>
-        </p:nvCxnSpPr>
-        <p:spPr>
-          <a:xfrm flipV="1">
-            <a:off x="5260565" y="4156055"/>
-            <a:ext cx="277901" cy="868230"/>
-          </a:xfrm>
-          <a:prstGeom prst="straightConnector1">
-            <a:avLst/>
-          </a:prstGeom>
-          <a:ln>
-            <a:solidFill>
-              <a:schemeClr val="accent6"/>
-            </a:solidFill>
-            <a:headEnd type="triangle" w="lg" len="lg"/>
-            <a:tailEnd type="triangle" w="lg" len="lg"/>
-          </a:ln>
-        </p:spPr>
-        <p:style>
-          <a:lnRef idx="1">
-            <a:schemeClr val="accent1"/>
-          </a:lnRef>
-          <a:fillRef idx="0">
-            <a:schemeClr val="accent1"/>
-          </a:fillRef>
-          <a:effectRef idx="0">
-            <a:schemeClr val="accent1"/>
-          </a:effectRef>
-          <a:fontRef idx="minor">
-            <a:schemeClr val="tx1"/>
-          </a:fontRef>
-        </p:style>
-      </p:cxnSp>
-      <p:cxnSp>
-        <p:nvCxnSpPr>
-          <p:cNvPr id="21" name="Straight Arrow Connector 20"/>
-          <p:cNvCxnSpPr>
-            <a:stCxn id="6" idx="2"/>
-            <a:endCxn id="4" idx="6"/>
-          </p:cNvCxnSpPr>
-          <p:nvPr/>
-        </p:nvCxnSpPr>
-        <p:spPr>
-          <a:xfrm flipH="1" flipV="1">
-            <a:off x="7158191" y="3485143"/>
-            <a:ext cx="2082901" cy="531335"/>
-          </a:xfrm>
-          <a:prstGeom prst="straightConnector1">
-            <a:avLst/>
-          </a:prstGeom>
-          <a:ln>
-            <a:solidFill>
-              <a:schemeClr val="accent6"/>
-            </a:solidFill>
-            <a:headEnd type="triangle" w="lg" len="lg"/>
-            <a:tailEnd type="triangle" w="lg" len="lg"/>
-          </a:ln>
-        </p:spPr>
-        <p:style>
-          <a:lnRef idx="1">
-            <a:schemeClr val="accent1"/>
-          </a:lnRef>
-          <a:fillRef idx="0">
-            <a:schemeClr val="accent1"/>
-          </a:fillRef>
-          <a:effectRef idx="0">
-            <a:schemeClr val="accent1"/>
-          </a:effectRef>
-          <a:fontRef idx="minor">
-            <a:schemeClr val="tx1"/>
-          </a:fontRef>
-        </p:style>
-      </p:cxnSp>
-      <p:cxnSp>
-        <p:nvCxnSpPr>
-          <p:cNvPr id="24" name="Straight Arrow Connector 23"/>
-          <p:cNvCxnSpPr>
-            <a:stCxn id="5" idx="3"/>
-            <a:endCxn id="4" idx="7"/>
-          </p:cNvCxnSpPr>
-          <p:nvPr/>
-        </p:nvCxnSpPr>
-        <p:spPr>
-          <a:xfrm flipH="1">
-            <a:off x="6880290" y="2069257"/>
-            <a:ext cx="1379675" cy="744974"/>
-          </a:xfrm>
-          <a:prstGeom prst="straightConnector1">
-            <a:avLst/>
-          </a:prstGeom>
-          <a:ln>
-            <a:solidFill>
-              <a:schemeClr val="accent6"/>
-            </a:solidFill>
-            <a:headEnd type="triangle" w="lg" len="lg"/>
-            <a:tailEnd type="triangle" w="lg" len="lg"/>
-          </a:ln>
-        </p:spPr>
-        <p:style>
-          <a:lnRef idx="1">
-            <a:schemeClr val="accent1"/>
-          </a:lnRef>
-          <a:fillRef idx="0">
-            <a:schemeClr val="accent1"/>
-          </a:fillRef>
-          <a:effectRef idx="0">
-            <a:schemeClr val="accent1"/>
-          </a:effectRef>
-          <a:fontRef idx="minor">
-            <a:schemeClr val="tx1"/>
-          </a:fontRef>
-        </p:style>
-      </p:cxnSp>
-      <p:cxnSp>
-        <p:nvCxnSpPr>
-          <p:cNvPr id="27" name="Straight Arrow Connector 26"/>
-          <p:cNvCxnSpPr/>
-          <p:nvPr/>
-        </p:nvCxnSpPr>
-        <p:spPr>
-          <a:xfrm flipH="1">
-            <a:off x="2884893" y="4028426"/>
-            <a:ext cx="1088754" cy="228584"/>
-          </a:xfrm>
-          <a:prstGeom prst="straightConnector1">
-            <a:avLst/>
-          </a:prstGeom>
-          <a:ln w="38100">
-            <a:solidFill>
-              <a:schemeClr val="accent6"/>
-            </a:solidFill>
-            <a:headEnd type="triangle" w="lg" len="lg"/>
-            <a:tailEnd type="triangle" w="lg" len="lg"/>
-          </a:ln>
-        </p:spPr>
-        <p:style>
-          <a:lnRef idx="1">
-            <a:schemeClr val="accent1"/>
-          </a:lnRef>
-          <a:fillRef idx="0">
-            <a:schemeClr val="accent1"/>
-          </a:fillRef>
-          <a:effectRef idx="0">
-            <a:schemeClr val="accent1"/>
-          </a:effectRef>
-          <a:fontRef idx="minor">
-            <a:schemeClr val="tx1"/>
-          </a:fontRef>
-        </p:style>
-      </p:cxnSp>
-      <p:sp>
-        <p:nvSpPr>
-          <p:cNvPr id="29" name="TextBox 28"/>
-          <p:cNvSpPr txBox="1"/>
-          <p:nvPr/>
-        </p:nvSpPr>
-        <p:spPr>
-          <a:xfrm>
-            <a:off x="3291805" y="4072344"/>
-            <a:ext cx="1074333" cy="369332"/>
-          </a:xfrm>
-          <a:prstGeom prst="rect">
-            <a:avLst/>
-          </a:prstGeom>
-          <a:noFill/>
-        </p:spPr>
-        <p:txBody>
-          <a:bodyPr wrap="none" rtlCol="0">
-            <a:spAutoFit/>
-          </a:bodyPr>
-          <a:lstStyle/>
-          <a:p>
-            <a:r>
-              <a:rPr lang="en-US" smtClean="0"/>
-              <a:t>Signalling</a:t>
-            </a:r>
-            <a:endParaRPr lang="en-US" dirty="0"/>
+              <a:t>VideoEndPoint</a:t>
+            </a:r>
+            <a:endParaRPr lang="en-US" dirty="0" smtClean="0"/>
+          </a:p>
+          <a:p>
+            <a:r>
+              <a:rPr lang="en-US" dirty="0" smtClean="0"/>
+              <a:t>Extend the node server to implement the REST interface</a:t>
+            </a:r>
+          </a:p>
+          <a:p>
+            <a:pPr lvl="1"/>
+            <a:r>
+              <a:rPr lang="en-US" dirty="0" smtClean="0"/>
+              <a:t>Specified in the WIKI</a:t>
+            </a:r>
+          </a:p>
+          <a:p>
+            <a:pPr lvl="1"/>
+            <a:endParaRPr lang="en-US" dirty="0" smtClean="0"/>
           </a:p>
         </p:txBody>
       </p:sp>
     </p:spTree>
     <p:extLst>
       <p:ext uri="{BB962C8B-B14F-4D97-AF65-F5344CB8AC3E}">
-        <p14:creationId xmlns:p14="http://schemas.microsoft.com/office/powerpoint/2010/main" val="2037604623"/>
+        <p14:creationId xmlns:p14="http://schemas.microsoft.com/office/powerpoint/2010/main" val="283784917"/>
       </p:ext>
     </p:extLst>
   </p:cSld>
@@ -13612,739 +13914,103 @@
           <a:lstStyle/>
           <a:p>
             <a:r>
-              <a:rPr lang="en-US" dirty="0"/>
-              <a:t>6</a:t>
-            </a:r>
-            <a:r>
-              <a:rPr lang="en-US" dirty="0" smtClean="0"/>
-              <a:t>. Remote Presentations</a:t>
+              <a:rPr lang="en-US" dirty="0" smtClean="0"/>
+              <a:t>5. Talking between teams</a:t>
             </a:r>
             <a:endParaRPr lang="en-US" dirty="0"/>
           </a:p>
         </p:txBody>
       </p:sp>
-      <p:pic>
-        <p:nvPicPr>
-          <p:cNvPr id="4" name="Picture 3"/>
-          <p:cNvPicPr>
-            <a:picLocks noChangeAspect="1"/>
-          </p:cNvPicPr>
-          <p:nvPr/>
-        </p:nvPicPr>
-        <p:blipFill>
-          <a:blip r:embed="rId2"/>
-          <a:stretch>
-            <a:fillRect/>
-          </a:stretch>
-        </p:blipFill>
-        <p:spPr>
-          <a:xfrm>
-            <a:off x="524164" y="3776107"/>
-            <a:ext cx="1600200" cy="1600200"/>
-          </a:xfrm>
-          <a:prstGeom prst="rect">
-            <a:avLst/>
-          </a:prstGeom>
-        </p:spPr>
-      </p:pic>
-      <p:pic>
-        <p:nvPicPr>
-          <p:cNvPr id="5" name="Picture 4"/>
-          <p:cNvPicPr>
-            <a:picLocks noChangeAspect="1"/>
-          </p:cNvPicPr>
-          <p:nvPr/>
-        </p:nvPicPr>
-        <p:blipFill>
-          <a:blip r:embed="rId3"/>
-          <a:stretch>
-            <a:fillRect/>
-          </a:stretch>
-        </p:blipFill>
-        <p:spPr>
-          <a:xfrm flipH="1">
-            <a:off x="2124364" y="3033673"/>
-            <a:ext cx="1219200" cy="1169958"/>
-          </a:xfrm>
-          <a:prstGeom prst="rect">
-            <a:avLst/>
-          </a:prstGeom>
-        </p:spPr>
-      </p:pic>
-      <p:sp>
-        <p:nvSpPr>
-          <p:cNvPr id="6" name="Rectangle 5"/>
-          <p:cNvSpPr/>
-          <p:nvPr/>
-        </p:nvSpPr>
-        <p:spPr>
-          <a:xfrm>
-            <a:off x="4914900" y="1435100"/>
-            <a:ext cx="2095500" cy="805902"/>
-          </a:xfrm>
-          <a:prstGeom prst="rect">
-            <a:avLst/>
-          </a:prstGeom>
-          <a:solidFill>
-            <a:schemeClr val="bg1"/>
-          </a:solidFill>
-        </p:spPr>
-        <p:style>
-          <a:lnRef idx="2">
-            <a:schemeClr val="accent1">
-              <a:shade val="50000"/>
-            </a:schemeClr>
-          </a:lnRef>
-          <a:fillRef idx="1">
-            <a:schemeClr val="accent1"/>
-          </a:fillRef>
-          <a:effectRef idx="0">
-            <a:schemeClr val="accent1"/>
-          </a:effectRef>
-          <a:fontRef idx="minor">
-            <a:schemeClr val="lt1"/>
-          </a:fontRef>
-        </p:style>
-        <p:txBody>
-          <a:bodyPr rtlCol="0" anchor="ctr"/>
-          <a:lstStyle/>
-          <a:p>
-            <a:pPr algn="ctr"/>
-            <a:endParaRPr lang="en-US" dirty="0"/>
-          </a:p>
-        </p:txBody>
-      </p:sp>
-      <p:sp>
-        <p:nvSpPr>
-          <p:cNvPr id="7" name="TextBox 6"/>
-          <p:cNvSpPr txBox="1"/>
-          <p:nvPr/>
-        </p:nvSpPr>
-        <p:spPr>
-          <a:xfrm>
-            <a:off x="4947115" y="1435100"/>
-            <a:ext cx="2031069" cy="369332"/>
-          </a:xfrm>
-          <a:prstGeom prst="rect">
-            <a:avLst/>
-          </a:prstGeom>
-          <a:noFill/>
-        </p:spPr>
-        <p:txBody>
-          <a:bodyPr wrap="none" rtlCol="0">
-            <a:spAutoFit/>
-          </a:bodyPr>
-          <a:lstStyle/>
-          <a:p>
-            <a:r>
-              <a:rPr lang="en-US" dirty="0" smtClean="0"/>
-              <a:t>Presentation Server</a:t>
-            </a:r>
-            <a:endParaRPr lang="en-US" dirty="0"/>
-          </a:p>
-        </p:txBody>
-      </p:sp>
-      <p:sp>
-        <p:nvSpPr>
-          <p:cNvPr id="8" name="Rectangle 7"/>
-          <p:cNvSpPr/>
-          <p:nvPr/>
-        </p:nvSpPr>
-        <p:spPr>
-          <a:xfrm>
-            <a:off x="4914899" y="4576207"/>
-            <a:ext cx="2095500" cy="1354624"/>
-          </a:xfrm>
-          <a:prstGeom prst="rect">
-            <a:avLst/>
-          </a:prstGeom>
-          <a:solidFill>
-            <a:schemeClr val="bg1"/>
-          </a:solidFill>
-        </p:spPr>
-        <p:style>
-          <a:lnRef idx="2">
-            <a:schemeClr val="accent1">
-              <a:shade val="50000"/>
-            </a:schemeClr>
-          </a:lnRef>
-          <a:fillRef idx="1">
-            <a:schemeClr val="accent1"/>
-          </a:fillRef>
-          <a:effectRef idx="0">
-            <a:schemeClr val="accent1"/>
-          </a:effectRef>
-          <a:fontRef idx="minor">
-            <a:schemeClr val="lt1"/>
-          </a:fontRef>
-        </p:style>
-        <p:txBody>
-          <a:bodyPr rtlCol="0" anchor="ctr"/>
-          <a:lstStyle/>
-          <a:p>
-            <a:pPr algn="ctr"/>
-            <a:endParaRPr lang="en-US" dirty="0"/>
-          </a:p>
-        </p:txBody>
-      </p:sp>
-      <p:sp>
-        <p:nvSpPr>
-          <p:cNvPr id="9" name="TextBox 8"/>
-          <p:cNvSpPr txBox="1"/>
-          <p:nvPr/>
-        </p:nvSpPr>
-        <p:spPr>
-          <a:xfrm>
-            <a:off x="5098470" y="4576207"/>
-            <a:ext cx="1728358" cy="369332"/>
-          </a:xfrm>
-          <a:prstGeom prst="rect">
-            <a:avLst/>
-          </a:prstGeom>
-          <a:noFill/>
-        </p:spPr>
-        <p:txBody>
-          <a:bodyPr wrap="none" rtlCol="0">
-            <a:spAutoFit/>
-          </a:bodyPr>
-          <a:lstStyle/>
-          <a:p>
-            <a:r>
-              <a:rPr lang="en-US" dirty="0" err="1" smtClean="0"/>
-              <a:t>Signalling</a:t>
-            </a:r>
-            <a:r>
-              <a:rPr lang="en-US" dirty="0" smtClean="0"/>
-              <a:t> Server</a:t>
-            </a:r>
-          </a:p>
-        </p:txBody>
-      </p:sp>
-      <p:pic>
-        <p:nvPicPr>
-          <p:cNvPr id="10" name="Picture 9"/>
-          <p:cNvPicPr>
-            <a:picLocks noChangeAspect="1"/>
-          </p:cNvPicPr>
-          <p:nvPr/>
-        </p:nvPicPr>
-        <p:blipFill>
-          <a:blip r:embed="rId4"/>
-          <a:stretch>
-            <a:fillRect/>
-          </a:stretch>
-        </p:blipFill>
-        <p:spPr>
-          <a:xfrm flipH="1">
-            <a:off x="9474200" y="365125"/>
-            <a:ext cx="1612900" cy="1955800"/>
-          </a:xfrm>
-          <a:prstGeom prst="rect">
-            <a:avLst/>
-          </a:prstGeom>
-        </p:spPr>
-      </p:pic>
-      <p:pic>
-        <p:nvPicPr>
-          <p:cNvPr id="11" name="Picture 10"/>
-          <p:cNvPicPr>
-            <a:picLocks noChangeAspect="1"/>
-          </p:cNvPicPr>
-          <p:nvPr/>
-        </p:nvPicPr>
-        <p:blipFill>
-          <a:blip r:embed="rId4"/>
-          <a:stretch>
-            <a:fillRect/>
-          </a:stretch>
-        </p:blipFill>
-        <p:spPr>
-          <a:xfrm flipH="1">
-            <a:off x="10315808" y="1435100"/>
-            <a:ext cx="1612900" cy="1955800"/>
-          </a:xfrm>
-          <a:prstGeom prst="rect">
-            <a:avLst/>
-          </a:prstGeom>
-        </p:spPr>
-      </p:pic>
-      <p:pic>
-        <p:nvPicPr>
-          <p:cNvPr id="12" name="Picture 11"/>
-          <p:cNvPicPr>
-            <a:picLocks noChangeAspect="1"/>
-          </p:cNvPicPr>
-          <p:nvPr/>
-        </p:nvPicPr>
-        <p:blipFill>
-          <a:blip r:embed="rId4"/>
-          <a:stretch>
-            <a:fillRect/>
-          </a:stretch>
-        </p:blipFill>
-        <p:spPr>
-          <a:xfrm flipH="1">
-            <a:off x="9474200" y="2798143"/>
-            <a:ext cx="1612900" cy="1955800"/>
-          </a:xfrm>
-          <a:prstGeom prst="rect">
-            <a:avLst/>
-          </a:prstGeom>
-        </p:spPr>
-      </p:pic>
-      <p:pic>
-        <p:nvPicPr>
-          <p:cNvPr id="13" name="Picture 12"/>
-          <p:cNvPicPr>
-            <a:picLocks noChangeAspect="1"/>
-          </p:cNvPicPr>
-          <p:nvPr/>
-        </p:nvPicPr>
-        <p:blipFill>
-          <a:blip r:embed="rId4"/>
-          <a:stretch>
-            <a:fillRect/>
-          </a:stretch>
-        </p:blipFill>
-        <p:spPr>
-          <a:xfrm flipH="1">
-            <a:off x="8632592" y="4161186"/>
-            <a:ext cx="1612900" cy="1955800"/>
-          </a:xfrm>
-          <a:prstGeom prst="rect">
-            <a:avLst/>
-          </a:prstGeom>
-        </p:spPr>
-      </p:pic>
-      <p:sp>
-        <p:nvSpPr>
-          <p:cNvPr id="15" name="Bent-Up Arrow 14"/>
-          <p:cNvSpPr/>
-          <p:nvPr/>
-        </p:nvSpPr>
-        <p:spPr>
-          <a:xfrm rot="16200000" flipV="1">
-            <a:off x="1811789" y="672997"/>
-            <a:ext cx="2433082" cy="3773138"/>
-          </a:xfrm>
-          <a:prstGeom prst="bentUpArrow">
-            <a:avLst>
-              <a:gd name="adj1" fmla="val 7891"/>
-              <a:gd name="adj2" fmla="val 10546"/>
-              <a:gd name="adj3" fmla="val 18510"/>
-            </a:avLst>
-          </a:prstGeom>
-        </p:spPr>
-        <p:style>
-          <a:lnRef idx="2">
-            <a:schemeClr val="accent1">
-              <a:shade val="50000"/>
-            </a:schemeClr>
-          </a:lnRef>
-          <a:fillRef idx="1">
-            <a:schemeClr val="accent1"/>
-          </a:fillRef>
-          <a:effectRef idx="0">
-            <a:schemeClr val="accent1"/>
-          </a:effectRef>
-          <a:fontRef idx="minor">
-            <a:schemeClr val="lt1"/>
-          </a:fontRef>
-        </p:style>
-        <p:txBody>
-          <a:bodyPr rtlCol="0" anchor="ctr"/>
-          <a:lstStyle/>
-          <a:p>
-            <a:pPr algn="ctr"/>
-            <a:endParaRPr lang="en-US"/>
-          </a:p>
-        </p:txBody>
-      </p:sp>
-      <p:sp>
-        <p:nvSpPr>
-          <p:cNvPr id="16" name="TextBox 15"/>
-          <p:cNvSpPr txBox="1"/>
-          <p:nvPr/>
-        </p:nvSpPr>
-        <p:spPr>
-          <a:xfrm>
-            <a:off x="1721849" y="1719784"/>
-            <a:ext cx="2612959" cy="369332"/>
-          </a:xfrm>
-          <a:prstGeom prst="rect">
-            <a:avLst/>
-          </a:prstGeom>
-          <a:noFill/>
-        </p:spPr>
-        <p:txBody>
-          <a:bodyPr wrap="none" rtlCol="0">
-            <a:spAutoFit/>
-          </a:bodyPr>
-          <a:lstStyle/>
-          <a:p>
-            <a:r>
-              <a:rPr lang="en-US" dirty="0" smtClean="0"/>
-              <a:t>1. Announce Presentation</a:t>
-            </a:r>
-            <a:endParaRPr lang="en-US" dirty="0"/>
-          </a:p>
-        </p:txBody>
-      </p:sp>
-      <p:sp>
-        <p:nvSpPr>
-          <p:cNvPr id="17" name="Bent-Up Arrow 16"/>
-          <p:cNvSpPr/>
-          <p:nvPr/>
-        </p:nvSpPr>
-        <p:spPr>
-          <a:xfrm rot="16200000" flipH="1" flipV="1">
-            <a:off x="2573201" y="3474906"/>
-            <a:ext cx="1062658" cy="3620738"/>
-          </a:xfrm>
-          <a:prstGeom prst="bentUpArrow">
-            <a:avLst>
-              <a:gd name="adj1" fmla="val 19842"/>
-              <a:gd name="adj2" fmla="val 20107"/>
-              <a:gd name="adj3" fmla="val 28071"/>
-            </a:avLst>
-          </a:prstGeom>
-        </p:spPr>
-        <p:style>
-          <a:lnRef idx="2">
-            <a:schemeClr val="accent1">
-              <a:shade val="50000"/>
-            </a:schemeClr>
-          </a:lnRef>
-          <a:fillRef idx="1">
-            <a:schemeClr val="accent1"/>
-          </a:fillRef>
-          <a:effectRef idx="0">
-            <a:schemeClr val="accent1"/>
-          </a:effectRef>
-          <a:fontRef idx="minor">
-            <a:schemeClr val="lt1"/>
-          </a:fontRef>
-        </p:style>
-        <p:txBody>
-          <a:bodyPr rtlCol="0" anchor="ctr"/>
-          <a:lstStyle/>
-          <a:p>
-            <a:pPr algn="ctr"/>
-            <a:endParaRPr lang="en-US"/>
-          </a:p>
-        </p:txBody>
-      </p:sp>
-      <p:sp>
-        <p:nvSpPr>
-          <p:cNvPr id="18" name="TextBox 17"/>
-          <p:cNvSpPr txBox="1"/>
-          <p:nvPr/>
-        </p:nvSpPr>
-        <p:spPr>
-          <a:xfrm>
-            <a:off x="1721848" y="5139086"/>
-            <a:ext cx="2068836" cy="369332"/>
-          </a:xfrm>
-          <a:prstGeom prst="rect">
-            <a:avLst/>
-          </a:prstGeom>
-          <a:noFill/>
-        </p:spPr>
-        <p:txBody>
-          <a:bodyPr wrap="none" rtlCol="0">
-            <a:spAutoFit/>
-          </a:bodyPr>
-          <a:lstStyle/>
-          <a:p>
-            <a:r>
-              <a:rPr lang="en-US" dirty="0"/>
-              <a:t>3</a:t>
-            </a:r>
-            <a:r>
-              <a:rPr lang="en-US" dirty="0" smtClean="0"/>
-              <a:t>. Negotiate session</a:t>
-            </a:r>
-            <a:endParaRPr lang="en-US" dirty="0"/>
-          </a:p>
-        </p:txBody>
-      </p:sp>
-      <p:cxnSp>
-        <p:nvCxnSpPr>
-          <p:cNvPr id="21" name="Straight Arrow Connector 20"/>
-          <p:cNvCxnSpPr>
-            <a:endCxn id="6" idx="3"/>
-          </p:cNvCxnSpPr>
-          <p:nvPr/>
-        </p:nvCxnSpPr>
-        <p:spPr>
-          <a:xfrm flipH="1">
-            <a:off x="7010400" y="1435100"/>
-            <a:ext cx="2768600" cy="402951"/>
-          </a:xfrm>
-          <a:prstGeom prst="straightConnector1">
-            <a:avLst/>
-          </a:prstGeom>
-          <a:ln w="127000">
-            <a:tailEnd type="triangle"/>
-          </a:ln>
-        </p:spPr>
-        <p:style>
-          <a:lnRef idx="1">
-            <a:schemeClr val="accent1"/>
-          </a:lnRef>
-          <a:fillRef idx="0">
-            <a:schemeClr val="accent1"/>
-          </a:fillRef>
-          <a:effectRef idx="0">
-            <a:schemeClr val="accent1"/>
-          </a:effectRef>
-          <a:fontRef idx="minor">
-            <a:schemeClr val="tx1"/>
-          </a:fontRef>
-        </p:style>
-      </p:cxnSp>
-      <p:sp>
-        <p:nvSpPr>
-          <p:cNvPr id="23" name="TextBox 22"/>
-          <p:cNvSpPr txBox="1"/>
-          <p:nvPr/>
-        </p:nvSpPr>
-        <p:spPr>
-          <a:xfrm rot="21008253">
-            <a:off x="7567802" y="1674833"/>
-            <a:ext cx="2027863" cy="369332"/>
-          </a:xfrm>
-          <a:prstGeom prst="rect">
-            <a:avLst/>
-          </a:prstGeom>
-          <a:noFill/>
-        </p:spPr>
-        <p:txBody>
-          <a:bodyPr wrap="none" rtlCol="0">
-            <a:spAutoFit/>
-          </a:bodyPr>
-          <a:lstStyle/>
-          <a:p>
-            <a:r>
-              <a:rPr lang="en-US" dirty="0"/>
-              <a:t>2</a:t>
-            </a:r>
-            <a:r>
-              <a:rPr lang="en-US" dirty="0" smtClean="0"/>
-              <a:t>. Join Presentation</a:t>
-            </a:r>
-            <a:endParaRPr lang="en-US" dirty="0"/>
-          </a:p>
-        </p:txBody>
-      </p:sp>
-      <p:cxnSp>
-        <p:nvCxnSpPr>
-          <p:cNvPr id="24" name="Straight Arrow Connector 23"/>
-          <p:cNvCxnSpPr>
-            <a:endCxn id="8" idx="3"/>
-          </p:cNvCxnSpPr>
-          <p:nvPr/>
-        </p:nvCxnSpPr>
-        <p:spPr>
-          <a:xfrm flipH="1">
-            <a:off x="7010399" y="2061676"/>
-            <a:ext cx="2841393" cy="3191843"/>
-          </a:xfrm>
-          <a:prstGeom prst="straightConnector1">
-            <a:avLst/>
-          </a:prstGeom>
-          <a:ln w="127000">
-            <a:tailEnd type="triangle"/>
-          </a:ln>
-        </p:spPr>
-        <p:style>
-          <a:lnRef idx="1">
-            <a:schemeClr val="accent1"/>
-          </a:lnRef>
-          <a:fillRef idx="0">
-            <a:schemeClr val="accent1"/>
-          </a:fillRef>
-          <a:effectRef idx="0">
-            <a:schemeClr val="accent1"/>
-          </a:effectRef>
-          <a:fontRef idx="minor">
-            <a:schemeClr val="tx1"/>
-          </a:fontRef>
-        </p:style>
-      </p:cxnSp>
-      <p:sp>
-        <p:nvSpPr>
-          <p:cNvPr id="27" name="TextBox 26"/>
-          <p:cNvSpPr txBox="1"/>
-          <p:nvPr/>
-        </p:nvSpPr>
-        <p:spPr>
-          <a:xfrm rot="18804217">
-            <a:off x="6963047" y="3575531"/>
-            <a:ext cx="2068836" cy="369332"/>
-          </a:xfrm>
-          <a:prstGeom prst="rect">
-            <a:avLst/>
-          </a:prstGeom>
-          <a:noFill/>
-        </p:spPr>
-        <p:txBody>
-          <a:bodyPr wrap="none" rtlCol="0">
-            <a:spAutoFit/>
-          </a:bodyPr>
-          <a:lstStyle/>
-          <a:p>
-            <a:r>
-              <a:rPr lang="en-US" dirty="0"/>
-              <a:t>3</a:t>
-            </a:r>
-            <a:r>
-              <a:rPr lang="en-US" dirty="0" smtClean="0"/>
-              <a:t>. Negotiate session</a:t>
-            </a:r>
-            <a:endParaRPr lang="en-US" dirty="0"/>
-          </a:p>
-        </p:txBody>
-      </p:sp>
-      <p:cxnSp>
-        <p:nvCxnSpPr>
-          <p:cNvPr id="29" name="Straight Arrow Connector 28"/>
-          <p:cNvCxnSpPr>
-            <a:stCxn id="5" idx="1"/>
-          </p:cNvCxnSpPr>
-          <p:nvPr/>
-        </p:nvCxnSpPr>
-        <p:spPr>
-          <a:xfrm flipV="1">
-            <a:off x="3343564" y="1914313"/>
-            <a:ext cx="6268748" cy="1704339"/>
-          </a:xfrm>
-          <a:prstGeom prst="straightConnector1">
-            <a:avLst/>
-          </a:prstGeom>
-          <a:ln w="127000">
-            <a:tailEnd type="triangle"/>
-          </a:ln>
-        </p:spPr>
-        <p:style>
-          <a:lnRef idx="1">
-            <a:schemeClr val="accent1"/>
-          </a:lnRef>
-          <a:fillRef idx="0">
-            <a:schemeClr val="accent1"/>
-          </a:fillRef>
-          <a:effectRef idx="0">
-            <a:schemeClr val="accent1"/>
-          </a:effectRef>
-          <a:fontRef idx="minor">
-            <a:schemeClr val="tx1"/>
-          </a:fontRef>
-        </p:style>
-      </p:cxnSp>
-      <p:sp>
-        <p:nvSpPr>
-          <p:cNvPr id="32" name="TextBox 31"/>
-          <p:cNvSpPr txBox="1"/>
-          <p:nvPr/>
-        </p:nvSpPr>
-        <p:spPr>
-          <a:xfrm rot="20630512">
-            <a:off x="4977561" y="2803695"/>
-            <a:ext cx="2942922" cy="369332"/>
-          </a:xfrm>
-          <a:prstGeom prst="rect">
-            <a:avLst/>
-          </a:prstGeom>
-          <a:noFill/>
-        </p:spPr>
-        <p:txBody>
-          <a:bodyPr wrap="none" rtlCol="0">
-            <a:spAutoFit/>
-          </a:bodyPr>
-          <a:lstStyle/>
-          <a:p>
-            <a:r>
-              <a:rPr lang="en-US" dirty="0" smtClean="0"/>
-              <a:t>4. Send A/V Real time Stream</a:t>
-            </a:r>
-            <a:endParaRPr lang="en-US" dirty="0"/>
-          </a:p>
-        </p:txBody>
-      </p:sp>
-      <p:sp>
-        <p:nvSpPr>
-          <p:cNvPr id="34" name="TextBox 33"/>
-          <p:cNvSpPr txBox="1"/>
-          <p:nvPr/>
-        </p:nvSpPr>
-        <p:spPr>
-          <a:xfrm>
-            <a:off x="1555170" y="6169479"/>
-            <a:ext cx="7529497" cy="369332"/>
-          </a:xfrm>
-          <a:prstGeom prst="rect">
-            <a:avLst/>
-          </a:prstGeom>
-          <a:noFill/>
-        </p:spPr>
-        <p:txBody>
-          <a:bodyPr wrap="none" rtlCol="0">
-            <a:spAutoFit/>
-          </a:bodyPr>
-          <a:lstStyle/>
-          <a:p>
-            <a:r>
-              <a:rPr lang="en-US" dirty="0" err="1" smtClean="0"/>
-              <a:t>Signalling</a:t>
-            </a:r>
-            <a:r>
-              <a:rPr lang="en-US" dirty="0" smtClean="0"/>
-              <a:t>: EITHER using </a:t>
-            </a:r>
-            <a:r>
-              <a:rPr lang="en-US" dirty="0" err="1" smtClean="0"/>
-              <a:t>IpCortex</a:t>
-            </a:r>
-            <a:r>
-              <a:rPr lang="en-US" dirty="0" smtClean="0"/>
-              <a:t> </a:t>
-            </a:r>
-            <a:r>
-              <a:rPr lang="en-US" dirty="0" err="1" smtClean="0"/>
-              <a:t>api</a:t>
-            </a:r>
-            <a:r>
-              <a:rPr lang="en-US" dirty="0" smtClean="0"/>
-              <a:t> OR modified </a:t>
-            </a:r>
-            <a:r>
-              <a:rPr lang="en-US" dirty="0" err="1" smtClean="0"/>
-              <a:t>signalling</a:t>
-            </a:r>
-            <a:r>
-              <a:rPr lang="en-US" dirty="0" smtClean="0"/>
-              <a:t> from previous task</a:t>
-            </a:r>
+      <p:sp>
+        <p:nvSpPr>
+          <p:cNvPr id="3" name="Content Placeholder 2"/>
+          <p:cNvSpPr>
+            <a:spLocks noGrp="1"/>
+          </p:cNvSpPr>
+          <p:nvPr>
+            <p:ph idx="1"/>
+          </p:nvPr>
+        </p:nvSpPr>
+        <p:spPr/>
+        <p:txBody>
+          <a:bodyPr/>
+          <a:lstStyle/>
+          <a:p>
+            <a:r>
+              <a:rPr lang="en-US" dirty="0" smtClean="0"/>
+              <a:t>There should be 4 teams with working clients and node servers</a:t>
+            </a:r>
+          </a:p>
+          <a:p>
+            <a:r>
+              <a:rPr lang="en-US" dirty="0" smtClean="0"/>
+              <a:t>The node servers are implementing a defined protocol</a:t>
+            </a:r>
+          </a:p>
+          <a:p>
+            <a:r>
+              <a:rPr lang="en-US" dirty="0" smtClean="0"/>
+              <a:t>So</a:t>
+            </a:r>
+            <a:r>
+              <a:rPr lang="mr-IN" dirty="0" smtClean="0"/>
+              <a:t>…</a:t>
+            </a:r>
+            <a:endParaRPr lang="en-GB" dirty="0" smtClean="0"/>
+          </a:p>
+          <a:p>
+            <a:pPr lvl="1"/>
+            <a:r>
+              <a:rPr lang="en-GB" dirty="0" smtClean="0"/>
+              <a:t>The client from any team should be able to talk to any node server</a:t>
+            </a:r>
+          </a:p>
+          <a:p>
+            <a:pPr lvl="1"/>
+            <a:r>
+              <a:rPr lang="en-GB" dirty="0" smtClean="0"/>
+              <a:t>Two clients from two different teams should be able to connect to the same node server and make a call</a:t>
+            </a:r>
+          </a:p>
+          <a:p>
+            <a:pPr lvl="1"/>
+            <a:endParaRPr lang="en-US" dirty="0" smtClean="0"/>
+          </a:p>
+          <a:p>
+            <a:r>
+              <a:rPr lang="en-US" dirty="0" smtClean="0"/>
+              <a:t>AIM:</a:t>
+            </a:r>
+          </a:p>
+          <a:p>
+            <a:pPr lvl="1"/>
+            <a:r>
+              <a:rPr lang="en-US" dirty="0" smtClean="0"/>
+              <a:t>Using any teams node server</a:t>
+            </a:r>
+          </a:p>
+          <a:p>
+            <a:pPr lvl="1"/>
+            <a:r>
+              <a:rPr lang="en-US" dirty="0" smtClean="0"/>
+              <a:t>Connect clients from all 4 teams to that server and make a call</a:t>
+            </a:r>
+          </a:p>
+          <a:p>
+            <a:endParaRPr lang="en-GB" dirty="0"/>
           </a:p>
         </p:txBody>
       </p:sp>
     </p:spTree>
     <p:extLst>
       <p:ext uri="{BB962C8B-B14F-4D97-AF65-F5344CB8AC3E}">
-        <p14:creationId xmlns:p14="http://schemas.microsoft.com/office/powerpoint/2010/main" val="1513161978"/>
+        <p14:creationId xmlns:p14="http://schemas.microsoft.com/office/powerpoint/2010/main" val="295557802"/>
       </p:ext>
     </p:extLst>
   </p:cSld>
   <p:clrMapOvr>
     <a:masterClrMapping/>
   </p:clrMapOvr>
-  <p:timing>
-    <p:tnLst>
-      <p:par>
-        <p:cTn id="1" dur="indefinite" restart="never" nodeType="tmRoot"/>
-      </p:par>
-    </p:tnLst>
-  </p:timing>
 </p:sld>
 </file>
 
@@ -14377,90 +14043,722 @@
         </p:nvSpPr>
         <p:spPr/>
         <p:txBody>
-          <a:bodyPr>
-            <a:normAutofit/>
+          <a:bodyPr/>
+          <a:lstStyle/>
+          <a:p>
+            <a:r>
+              <a:rPr lang="en-US" dirty="0" smtClean="0"/>
+              <a:t>5. Cross team</a:t>
+            </a:r>
+            <a:endParaRPr lang="en-US" dirty="0"/>
+          </a:p>
+        </p:txBody>
+      </p:sp>
+      <p:sp>
+        <p:nvSpPr>
+          <p:cNvPr id="4" name="Oval 3"/>
+          <p:cNvSpPr/>
+          <p:nvPr/>
+        </p:nvSpPr>
+        <p:spPr>
+          <a:xfrm>
+            <a:off x="5260565" y="2536330"/>
+            <a:ext cx="1897626" cy="1897626"/>
+          </a:xfrm>
+          <a:prstGeom prst="ellipse">
+            <a:avLst/>
+          </a:prstGeom>
+        </p:spPr>
+        <p:style>
+          <a:lnRef idx="2">
+            <a:schemeClr val="accent1">
+              <a:shade val="50000"/>
+            </a:schemeClr>
+          </a:lnRef>
+          <a:fillRef idx="1">
+            <a:schemeClr val="accent1"/>
+          </a:fillRef>
+          <a:effectRef idx="0">
+            <a:schemeClr val="accent1"/>
+          </a:effectRef>
+          <a:fontRef idx="minor">
+            <a:schemeClr val="lt1"/>
+          </a:fontRef>
+        </p:style>
+        <p:txBody>
+          <a:bodyPr rtlCol="0" anchor="ctr"/>
+          <a:lstStyle/>
+          <a:p>
+            <a:pPr algn="ctr"/>
+            <a:r>
+              <a:rPr lang="en-US" dirty="0" smtClean="0"/>
+              <a:t>Node</a:t>
+            </a:r>
+            <a:br>
+              <a:rPr lang="en-US" dirty="0" smtClean="0"/>
+            </a:br>
+            <a:r>
+              <a:rPr lang="en-US" dirty="0" err="1" smtClean="0"/>
+              <a:t>Signalling</a:t>
+            </a:r>
+            <a:r>
+              <a:rPr lang="en-US" dirty="0" smtClean="0"/>
+              <a:t/>
+            </a:r>
+            <a:br>
+              <a:rPr lang="en-US" dirty="0" smtClean="0"/>
+            </a:br>
+            <a:r>
+              <a:rPr lang="en-US" dirty="0" smtClean="0"/>
+              <a:t>Server</a:t>
+            </a:r>
+            <a:br>
+              <a:rPr lang="en-US" dirty="0" smtClean="0"/>
+            </a:br>
+            <a:r>
+              <a:rPr lang="en-US" dirty="0" smtClean="0"/>
+              <a:t>(Team 1)</a:t>
+            </a:r>
+            <a:endParaRPr lang="en-US" dirty="0"/>
+          </a:p>
+        </p:txBody>
+      </p:sp>
+      <p:sp>
+        <p:nvSpPr>
+          <p:cNvPr id="5" name="Oval 4"/>
+          <p:cNvSpPr/>
+          <p:nvPr/>
+        </p:nvSpPr>
+        <p:spPr>
+          <a:xfrm>
+            <a:off x="8052619" y="860757"/>
+            <a:ext cx="1415846" cy="1415846"/>
+          </a:xfrm>
+          <a:prstGeom prst="ellipse">
+            <a:avLst/>
+          </a:prstGeom>
+        </p:spPr>
+        <p:style>
+          <a:lnRef idx="2">
+            <a:schemeClr val="accent1">
+              <a:shade val="50000"/>
+            </a:schemeClr>
+          </a:lnRef>
+          <a:fillRef idx="1">
+            <a:schemeClr val="accent1"/>
+          </a:fillRef>
+          <a:effectRef idx="0">
+            <a:schemeClr val="accent1"/>
+          </a:effectRef>
+          <a:fontRef idx="minor">
+            <a:schemeClr val="lt1"/>
+          </a:fontRef>
+        </p:style>
+        <p:txBody>
+          <a:bodyPr rtlCol="0" anchor="ctr"/>
+          <a:lstStyle/>
+          <a:p>
+            <a:pPr algn="ctr"/>
+            <a:r>
+              <a:rPr lang="en-US" smtClean="0"/>
+              <a:t>Team 1</a:t>
+            </a:r>
+            <a:br>
+              <a:rPr lang="en-US" smtClean="0"/>
+            </a:br>
+            <a:r>
+              <a:rPr lang="en-US" smtClean="0"/>
+              <a:t>Client</a:t>
+            </a:r>
+            <a:endParaRPr lang="en-US" dirty="0"/>
+          </a:p>
+        </p:txBody>
+      </p:sp>
+      <p:sp>
+        <p:nvSpPr>
+          <p:cNvPr id="6" name="Oval 5"/>
+          <p:cNvSpPr/>
+          <p:nvPr/>
+        </p:nvSpPr>
+        <p:spPr>
+          <a:xfrm>
+            <a:off x="9241092" y="3308555"/>
+            <a:ext cx="1415846" cy="1415846"/>
+          </a:xfrm>
+          <a:prstGeom prst="ellipse">
+            <a:avLst/>
+          </a:prstGeom>
+        </p:spPr>
+        <p:style>
+          <a:lnRef idx="2">
+            <a:schemeClr val="accent1">
+              <a:shade val="50000"/>
+            </a:schemeClr>
+          </a:lnRef>
+          <a:fillRef idx="1">
+            <a:schemeClr val="accent1"/>
+          </a:fillRef>
+          <a:effectRef idx="0">
+            <a:schemeClr val="accent1"/>
+          </a:effectRef>
+          <a:fontRef idx="minor">
+            <a:schemeClr val="lt1"/>
+          </a:fontRef>
+        </p:style>
+        <p:txBody>
+          <a:bodyPr rtlCol="0" anchor="ctr"/>
+          <a:lstStyle/>
+          <a:p>
+            <a:pPr algn="ctr"/>
+            <a:r>
+              <a:rPr lang="en-US" dirty="0" smtClean="0"/>
+              <a:t>Team 2</a:t>
+            </a:r>
+            <a:br>
+              <a:rPr lang="en-US" dirty="0" smtClean="0"/>
+            </a:br>
+            <a:r>
+              <a:rPr lang="en-US" dirty="0" smtClean="0"/>
+              <a:t>Client</a:t>
+            </a:r>
+            <a:endParaRPr lang="en-US" dirty="0"/>
+          </a:p>
+        </p:txBody>
+      </p:sp>
+      <p:sp>
+        <p:nvSpPr>
+          <p:cNvPr id="7" name="Oval 6"/>
+          <p:cNvSpPr/>
+          <p:nvPr/>
+        </p:nvSpPr>
+        <p:spPr>
+          <a:xfrm>
+            <a:off x="4552642" y="5024285"/>
+            <a:ext cx="1415846" cy="1415846"/>
+          </a:xfrm>
+          <a:prstGeom prst="ellipse">
+            <a:avLst/>
+          </a:prstGeom>
+        </p:spPr>
+        <p:style>
+          <a:lnRef idx="2">
+            <a:schemeClr val="accent1">
+              <a:shade val="50000"/>
+            </a:schemeClr>
+          </a:lnRef>
+          <a:fillRef idx="1">
+            <a:schemeClr val="accent1"/>
+          </a:fillRef>
+          <a:effectRef idx="0">
+            <a:schemeClr val="accent1"/>
+          </a:effectRef>
+          <a:fontRef idx="minor">
+            <a:schemeClr val="lt1"/>
+          </a:fontRef>
+        </p:style>
+        <p:txBody>
+          <a:bodyPr rtlCol="0" anchor="ctr"/>
+          <a:lstStyle/>
+          <a:p>
+            <a:pPr algn="ctr"/>
+            <a:r>
+              <a:rPr lang="en-US" dirty="0" smtClean="0"/>
+              <a:t>Team 3</a:t>
+            </a:r>
+            <a:br>
+              <a:rPr lang="en-US" dirty="0" smtClean="0"/>
+            </a:br>
+            <a:r>
+              <a:rPr lang="en-US" dirty="0" smtClean="0"/>
+              <a:t>Client</a:t>
+            </a:r>
+            <a:endParaRPr lang="en-US" dirty="0"/>
+          </a:p>
+        </p:txBody>
+      </p:sp>
+      <p:sp>
+        <p:nvSpPr>
+          <p:cNvPr id="8" name="Oval 7"/>
+          <p:cNvSpPr/>
+          <p:nvPr/>
+        </p:nvSpPr>
+        <p:spPr>
+          <a:xfrm>
+            <a:off x="-4381496" y="6622027"/>
+            <a:ext cx="1415846" cy="1415846"/>
+          </a:xfrm>
+          <a:prstGeom prst="ellipse">
+            <a:avLst/>
+          </a:prstGeom>
+        </p:spPr>
+        <p:style>
+          <a:lnRef idx="2">
+            <a:schemeClr val="accent1">
+              <a:shade val="50000"/>
+            </a:schemeClr>
+          </a:lnRef>
+          <a:fillRef idx="1">
+            <a:schemeClr val="accent1"/>
+          </a:fillRef>
+          <a:effectRef idx="0">
+            <a:schemeClr val="accent1"/>
+          </a:effectRef>
+          <a:fontRef idx="minor">
+            <a:schemeClr val="lt1"/>
+          </a:fontRef>
+        </p:style>
+        <p:txBody>
+          <a:bodyPr rtlCol="0" anchor="ctr"/>
+          <a:lstStyle/>
+          <a:p>
+            <a:pPr algn="ctr"/>
+            <a:r>
+              <a:rPr lang="en-US" smtClean="0"/>
+              <a:t>Team 3</a:t>
+            </a:r>
+            <a:r>
+              <a:rPr lang="en-US" dirty="0" smtClean="0"/>
+              <a:t/>
+            </a:r>
+            <a:br>
+              <a:rPr lang="en-US" dirty="0" smtClean="0"/>
+            </a:br>
+            <a:r>
+              <a:rPr lang="en-US" dirty="0" smtClean="0"/>
+              <a:t>Client</a:t>
+            </a:r>
+            <a:endParaRPr lang="en-US" dirty="0"/>
+          </a:p>
+        </p:txBody>
+      </p:sp>
+      <p:sp>
+        <p:nvSpPr>
+          <p:cNvPr id="9" name="Oval 8"/>
+          <p:cNvSpPr/>
+          <p:nvPr/>
+        </p:nvSpPr>
+        <p:spPr>
+          <a:xfrm>
+            <a:off x="2950292" y="1690688"/>
+            <a:ext cx="1415846" cy="1415846"/>
+          </a:xfrm>
+          <a:prstGeom prst="ellipse">
+            <a:avLst/>
+          </a:prstGeom>
+        </p:spPr>
+        <p:style>
+          <a:lnRef idx="2">
+            <a:schemeClr val="accent1">
+              <a:shade val="50000"/>
+            </a:schemeClr>
+          </a:lnRef>
+          <a:fillRef idx="1">
+            <a:schemeClr val="accent1"/>
+          </a:fillRef>
+          <a:effectRef idx="0">
+            <a:schemeClr val="accent1"/>
+          </a:effectRef>
+          <a:fontRef idx="minor">
+            <a:schemeClr val="lt1"/>
+          </a:fontRef>
+        </p:style>
+        <p:txBody>
+          <a:bodyPr rtlCol="0" anchor="ctr"/>
+          <a:lstStyle/>
+          <a:p>
+            <a:pPr algn="ctr"/>
+            <a:r>
+              <a:rPr lang="en-US" dirty="0" smtClean="0"/>
+              <a:t>Team 4</a:t>
+            </a:r>
+            <a:br>
+              <a:rPr lang="en-US" dirty="0" smtClean="0"/>
+            </a:br>
+            <a:r>
+              <a:rPr lang="en-US" dirty="0" smtClean="0"/>
+              <a:t>Client</a:t>
+            </a:r>
+            <a:endParaRPr lang="en-US" dirty="0"/>
+          </a:p>
+        </p:txBody>
+      </p:sp>
+      <p:sp>
+        <p:nvSpPr>
+          <p:cNvPr id="10" name="Can 9"/>
+          <p:cNvSpPr/>
+          <p:nvPr/>
+        </p:nvSpPr>
+        <p:spPr>
+          <a:xfrm rot="4952751">
+            <a:off x="6005171" y="-61345"/>
+            <a:ext cx="353963" cy="3963965"/>
+          </a:xfrm>
+          <a:prstGeom prst="can">
+            <a:avLst/>
+          </a:prstGeom>
+          <a:solidFill>
+            <a:schemeClr val="accent4"/>
+          </a:solidFill>
+        </p:spPr>
+        <p:style>
+          <a:lnRef idx="2">
+            <a:schemeClr val="accent1">
+              <a:shade val="50000"/>
+            </a:schemeClr>
+          </a:lnRef>
+          <a:fillRef idx="1">
+            <a:schemeClr val="accent1"/>
+          </a:fillRef>
+          <a:effectRef idx="0">
+            <a:schemeClr val="accent1"/>
+          </a:effectRef>
+          <a:fontRef idx="minor">
+            <a:schemeClr val="lt1"/>
+          </a:fontRef>
+        </p:style>
+        <p:txBody>
+          <a:bodyPr rtlCol="0" anchor="ctr"/>
+          <a:lstStyle/>
+          <a:p>
+            <a:pPr algn="ctr"/>
+            <a:endParaRPr lang="en-US"/>
+          </a:p>
+        </p:txBody>
+      </p:sp>
+      <p:sp>
+        <p:nvSpPr>
+          <p:cNvPr id="11" name="TextBox 10"/>
+          <p:cNvSpPr txBox="1"/>
+          <p:nvPr/>
+        </p:nvSpPr>
+        <p:spPr>
+          <a:xfrm rot="21209306">
+            <a:off x="5347603" y="1699954"/>
+            <a:ext cx="1639360" cy="369332"/>
+          </a:xfrm>
+          <a:prstGeom prst="rect">
+            <a:avLst/>
+          </a:prstGeom>
+          <a:noFill/>
+        </p:spPr>
+        <p:txBody>
+          <a:bodyPr wrap="none" rtlCol="0">
+            <a:spAutoFit/>
           </a:bodyPr>
           <a:lstStyle/>
           <a:p>
             <a:r>
-              <a:rPr lang="en-US" sz="4000" dirty="0" err="1" smtClean="0"/>
+              <a:rPr lang="en-US" dirty="0" err="1" smtClean="0"/>
+              <a:t>webRTC</a:t>
+            </a:r>
+            <a:r>
+              <a:rPr lang="en-US" dirty="0" smtClean="0"/>
+              <a:t> AV Call</a:t>
+            </a:r>
+            <a:endParaRPr lang="en-US" dirty="0"/>
+          </a:p>
+        </p:txBody>
+      </p:sp>
+      <p:sp>
+        <p:nvSpPr>
+          <p:cNvPr id="12" name="Can 11"/>
+          <p:cNvSpPr/>
+          <p:nvPr/>
+        </p:nvSpPr>
+        <p:spPr>
+          <a:xfrm rot="4225162">
+            <a:off x="7443822" y="3038703"/>
+            <a:ext cx="353963" cy="3739263"/>
+          </a:xfrm>
+          <a:prstGeom prst="can">
+            <a:avLst/>
+          </a:prstGeom>
+          <a:solidFill>
+            <a:schemeClr val="accent4"/>
+          </a:solidFill>
+        </p:spPr>
+        <p:style>
+          <a:lnRef idx="2">
+            <a:schemeClr val="accent1">
+              <a:shade val="50000"/>
+            </a:schemeClr>
+          </a:lnRef>
+          <a:fillRef idx="1">
+            <a:schemeClr val="accent1"/>
+          </a:fillRef>
+          <a:effectRef idx="0">
+            <a:schemeClr val="accent1"/>
+          </a:effectRef>
+          <a:fontRef idx="minor">
+            <a:schemeClr val="lt1"/>
+          </a:fontRef>
+        </p:style>
+        <p:txBody>
+          <a:bodyPr rtlCol="0" anchor="ctr"/>
+          <a:lstStyle/>
+          <a:p>
+            <a:pPr algn="ctr"/>
+            <a:endParaRPr lang="en-US"/>
+          </a:p>
+        </p:txBody>
+      </p:sp>
+      <p:sp>
+        <p:nvSpPr>
+          <p:cNvPr id="13" name="TextBox 12"/>
+          <p:cNvSpPr txBox="1"/>
+          <p:nvPr/>
+        </p:nvSpPr>
+        <p:spPr>
+          <a:xfrm rot="20466159">
+            <a:off x="6801122" y="4711178"/>
+            <a:ext cx="1639360" cy="369332"/>
+          </a:xfrm>
+          <a:prstGeom prst="rect">
+            <a:avLst/>
+          </a:prstGeom>
+          <a:noFill/>
+        </p:spPr>
+        <p:txBody>
+          <a:bodyPr wrap="none" rtlCol="0">
+            <a:spAutoFit/>
+          </a:bodyPr>
+          <a:lstStyle/>
+          <a:p>
+            <a:r>
+              <a:rPr lang="en-US" dirty="0" err="1" smtClean="0"/>
+              <a:t>webRTC</a:t>
+            </a:r>
+            <a:r>
+              <a:rPr lang="en-US" dirty="0" smtClean="0"/>
+              <a:t> AV Call</a:t>
+            </a:r>
+            <a:endParaRPr lang="en-US" dirty="0"/>
+          </a:p>
+        </p:txBody>
+      </p:sp>
+      <p:cxnSp>
+        <p:nvCxnSpPr>
+          <p:cNvPr id="15" name="Straight Arrow Connector 14"/>
+          <p:cNvCxnSpPr>
+            <a:stCxn id="9" idx="5"/>
+            <a:endCxn id="4" idx="2"/>
+          </p:cNvCxnSpPr>
+          <p:nvPr/>
+        </p:nvCxnSpPr>
+        <p:spPr>
+          <a:xfrm>
+            <a:off x="4158792" y="2899188"/>
+            <a:ext cx="1101773" cy="585955"/>
+          </a:xfrm>
+          <a:prstGeom prst="straightConnector1">
+            <a:avLst/>
+          </a:prstGeom>
+          <a:ln>
+            <a:solidFill>
+              <a:schemeClr val="accent6"/>
+            </a:solidFill>
+            <a:headEnd type="triangle" w="lg" len="lg"/>
+            <a:tailEnd type="triangle" w="lg" len="lg"/>
+          </a:ln>
+        </p:spPr>
+        <p:style>
+          <a:lnRef idx="1">
+            <a:schemeClr val="accent1"/>
+          </a:lnRef>
+          <a:fillRef idx="0">
+            <a:schemeClr val="accent1"/>
+          </a:fillRef>
+          <a:effectRef idx="0">
+            <a:schemeClr val="accent1"/>
+          </a:effectRef>
+          <a:fontRef idx="minor">
+            <a:schemeClr val="tx1"/>
+          </a:fontRef>
+        </p:style>
+      </p:cxnSp>
+      <p:cxnSp>
+        <p:nvCxnSpPr>
+          <p:cNvPr id="18" name="Straight Arrow Connector 17"/>
+          <p:cNvCxnSpPr>
+            <a:stCxn id="7" idx="0"/>
+            <a:endCxn id="4" idx="3"/>
+          </p:cNvCxnSpPr>
+          <p:nvPr/>
+        </p:nvCxnSpPr>
+        <p:spPr>
+          <a:xfrm flipV="1">
+            <a:off x="5260565" y="4156055"/>
+            <a:ext cx="277901" cy="868230"/>
+          </a:xfrm>
+          <a:prstGeom prst="straightConnector1">
+            <a:avLst/>
+          </a:prstGeom>
+          <a:ln>
+            <a:solidFill>
+              <a:schemeClr val="accent6"/>
+            </a:solidFill>
+            <a:headEnd type="triangle" w="lg" len="lg"/>
+            <a:tailEnd type="triangle" w="lg" len="lg"/>
+          </a:ln>
+        </p:spPr>
+        <p:style>
+          <a:lnRef idx="1">
+            <a:schemeClr val="accent1"/>
+          </a:lnRef>
+          <a:fillRef idx="0">
+            <a:schemeClr val="accent1"/>
+          </a:fillRef>
+          <a:effectRef idx="0">
+            <a:schemeClr val="accent1"/>
+          </a:effectRef>
+          <a:fontRef idx="minor">
+            <a:schemeClr val="tx1"/>
+          </a:fontRef>
+        </p:style>
+      </p:cxnSp>
+      <p:cxnSp>
+        <p:nvCxnSpPr>
+          <p:cNvPr id="21" name="Straight Arrow Connector 20"/>
+          <p:cNvCxnSpPr>
+            <a:stCxn id="6" idx="2"/>
+            <a:endCxn id="4" idx="6"/>
+          </p:cNvCxnSpPr>
+          <p:nvPr/>
+        </p:nvCxnSpPr>
+        <p:spPr>
+          <a:xfrm flipH="1" flipV="1">
+            <a:off x="7158191" y="3485143"/>
+            <a:ext cx="2082901" cy="531335"/>
+          </a:xfrm>
+          <a:prstGeom prst="straightConnector1">
+            <a:avLst/>
+          </a:prstGeom>
+          <a:ln>
+            <a:solidFill>
+              <a:schemeClr val="accent6"/>
+            </a:solidFill>
+            <a:headEnd type="triangle" w="lg" len="lg"/>
+            <a:tailEnd type="triangle" w="lg" len="lg"/>
+          </a:ln>
+        </p:spPr>
+        <p:style>
+          <a:lnRef idx="1">
+            <a:schemeClr val="accent1"/>
+          </a:lnRef>
+          <a:fillRef idx="0">
+            <a:schemeClr val="accent1"/>
+          </a:fillRef>
+          <a:effectRef idx="0">
+            <a:schemeClr val="accent1"/>
+          </a:effectRef>
+          <a:fontRef idx="minor">
+            <a:schemeClr val="tx1"/>
+          </a:fontRef>
+        </p:style>
+      </p:cxnSp>
+      <p:cxnSp>
+        <p:nvCxnSpPr>
+          <p:cNvPr id="24" name="Straight Arrow Connector 23"/>
+          <p:cNvCxnSpPr>
+            <a:stCxn id="5" idx="3"/>
+            <a:endCxn id="4" idx="7"/>
+          </p:cNvCxnSpPr>
+          <p:nvPr/>
+        </p:nvCxnSpPr>
+        <p:spPr>
+          <a:xfrm flipH="1">
+            <a:off x="6880290" y="2069257"/>
+            <a:ext cx="1379675" cy="744974"/>
+          </a:xfrm>
+          <a:prstGeom prst="straightConnector1">
+            <a:avLst/>
+          </a:prstGeom>
+          <a:ln>
+            <a:solidFill>
+              <a:schemeClr val="accent6"/>
+            </a:solidFill>
+            <a:headEnd type="triangle" w="lg" len="lg"/>
+            <a:tailEnd type="triangle" w="lg" len="lg"/>
+          </a:ln>
+        </p:spPr>
+        <p:style>
+          <a:lnRef idx="1">
+            <a:schemeClr val="accent1"/>
+          </a:lnRef>
+          <a:fillRef idx="0">
+            <a:schemeClr val="accent1"/>
+          </a:fillRef>
+          <a:effectRef idx="0">
+            <a:schemeClr val="accent1"/>
+          </a:effectRef>
+          <a:fontRef idx="minor">
+            <a:schemeClr val="tx1"/>
+          </a:fontRef>
+        </p:style>
+      </p:cxnSp>
+      <p:cxnSp>
+        <p:nvCxnSpPr>
+          <p:cNvPr id="27" name="Straight Arrow Connector 26"/>
+          <p:cNvCxnSpPr/>
+          <p:nvPr/>
+        </p:nvCxnSpPr>
+        <p:spPr>
+          <a:xfrm flipH="1">
+            <a:off x="2884893" y="4028426"/>
+            <a:ext cx="1088754" cy="228584"/>
+          </a:xfrm>
+          <a:prstGeom prst="straightConnector1">
+            <a:avLst/>
+          </a:prstGeom>
+          <a:ln w="38100">
+            <a:solidFill>
+              <a:schemeClr val="accent6"/>
+            </a:solidFill>
+            <a:headEnd type="triangle" w="lg" len="lg"/>
+            <a:tailEnd type="triangle" w="lg" len="lg"/>
+          </a:ln>
+        </p:spPr>
+        <p:style>
+          <a:lnRef idx="1">
+            <a:schemeClr val="accent1"/>
+          </a:lnRef>
+          <a:fillRef idx="0">
+            <a:schemeClr val="accent1"/>
+          </a:fillRef>
+          <a:effectRef idx="0">
+            <a:schemeClr val="accent1"/>
+          </a:effectRef>
+          <a:fontRef idx="minor">
+            <a:schemeClr val="tx1"/>
+          </a:fontRef>
+        </p:style>
+      </p:cxnSp>
+      <p:sp>
+        <p:nvSpPr>
+          <p:cNvPr id="29" name="TextBox 28"/>
+          <p:cNvSpPr txBox="1"/>
+          <p:nvPr/>
+        </p:nvSpPr>
+        <p:spPr>
+          <a:xfrm>
+            <a:off x="3291805" y="4072344"/>
+            <a:ext cx="1074333" cy="369332"/>
+          </a:xfrm>
+          <a:prstGeom prst="rect">
+            <a:avLst/>
+          </a:prstGeom>
+          <a:noFill/>
+        </p:spPr>
+        <p:txBody>
+          <a:bodyPr wrap="none" rtlCol="0">
+            <a:spAutoFit/>
+          </a:bodyPr>
+          <a:lstStyle/>
+          <a:p>
+            <a:r>
+              <a:rPr lang="en-US" smtClean="0"/>
               <a:t>Signalling</a:t>
             </a:r>
-            <a:r>
-              <a:rPr lang="en-US" sz="4000" dirty="0" smtClean="0"/>
-              <a:t> for Remote Presentations: Two Options</a:t>
-            </a:r>
-            <a:endParaRPr lang="en-US" sz="4000" dirty="0"/>
-          </a:p>
-        </p:txBody>
-      </p:sp>
-      <p:sp>
-        <p:nvSpPr>
-          <p:cNvPr id="3" name="Content Placeholder 2"/>
-          <p:cNvSpPr>
-            <a:spLocks noGrp="1"/>
-          </p:cNvSpPr>
-          <p:nvPr>
-            <p:ph idx="1"/>
-          </p:nvPr>
-        </p:nvSpPr>
-        <p:spPr/>
-        <p:txBody>
-          <a:bodyPr/>
-          <a:lstStyle/>
-          <a:p>
-            <a:r>
-              <a:rPr lang="en-US" dirty="0" smtClean="0"/>
-              <a:t>Evolution of simple </a:t>
-            </a:r>
-            <a:r>
-              <a:rPr lang="en-US" dirty="0" err="1" smtClean="0"/>
-              <a:t>signalling</a:t>
-            </a:r>
-            <a:r>
-              <a:rPr lang="en-US" dirty="0" smtClean="0"/>
-              <a:t> from previous example</a:t>
-            </a:r>
-          </a:p>
-          <a:p>
-            <a:pPr lvl="1"/>
-            <a:r>
-              <a:rPr lang="en-US" dirty="0" smtClean="0"/>
-              <a:t>Should work on a local LAN</a:t>
-            </a:r>
-          </a:p>
-          <a:p>
-            <a:pPr lvl="1"/>
-            <a:r>
-              <a:rPr lang="en-US" dirty="0" smtClean="0"/>
-              <a:t>Won’t work across the Internet without TURN/STUN servers (complexity)</a:t>
-            </a:r>
-          </a:p>
-          <a:p>
-            <a:r>
-              <a:rPr lang="en-US" dirty="0" err="1" smtClean="0"/>
-              <a:t>IPCortex</a:t>
-            </a:r>
-            <a:r>
-              <a:rPr lang="en-US" dirty="0" smtClean="0"/>
-              <a:t> API</a:t>
-            </a:r>
-          </a:p>
-          <a:p>
-            <a:pPr lvl="1"/>
-            <a:r>
-              <a:rPr lang="en-US" dirty="0" smtClean="0"/>
-              <a:t>Covers all the routing across the Internet</a:t>
-            </a:r>
-          </a:p>
-          <a:p>
-            <a:pPr lvl="1"/>
-            <a:r>
-              <a:rPr lang="en-US" dirty="0" smtClean="0"/>
-              <a:t>More complex to configure/run</a:t>
-            </a:r>
-          </a:p>
-          <a:p>
             <a:endParaRPr lang="en-US" dirty="0"/>
           </a:p>
         </p:txBody>
@@ -14468,20 +14766,13 @@
     </p:spTree>
     <p:extLst>
       <p:ext uri="{BB962C8B-B14F-4D97-AF65-F5344CB8AC3E}">
-        <p14:creationId xmlns:p14="http://schemas.microsoft.com/office/powerpoint/2010/main" val="814445932"/>
+        <p14:creationId xmlns:p14="http://schemas.microsoft.com/office/powerpoint/2010/main" val="2037604623"/>
       </p:ext>
     </p:extLst>
   </p:cSld>
   <p:clrMapOvr>
     <a:masterClrMapping/>
   </p:clrMapOvr>
-  <p:timing>
-    <p:tnLst>
-      <p:par>
-        <p:cTn id="1" dur="indefinite" restart="never" nodeType="tmRoot"/>
-      </p:par>
-    </p:tnLst>
-  </p:timing>
 </p:sld>
 </file>
 
@@ -14518,382 +14809,726 @@
           <a:lstStyle/>
           <a:p>
             <a:r>
-              <a:rPr lang="en-US" dirty="0" smtClean="0"/>
-              <a:t>References</a:t>
+              <a:rPr lang="en-US" dirty="0"/>
+              <a:t>6</a:t>
+            </a:r>
+            <a:r>
+              <a:rPr lang="en-US" dirty="0" smtClean="0"/>
+              <a:t>. Remote Presentations</a:t>
             </a:r>
             <a:endParaRPr lang="en-US" dirty="0"/>
           </a:p>
         </p:txBody>
       </p:sp>
-      <p:sp>
-        <p:nvSpPr>
-          <p:cNvPr id="3" name="Content Placeholder 2"/>
-          <p:cNvSpPr>
-            <a:spLocks noGrp="1"/>
-          </p:cNvSpPr>
-          <p:nvPr>
-            <p:ph idx="1"/>
-          </p:nvPr>
-        </p:nvSpPr>
+      <p:pic>
+        <p:nvPicPr>
+          <p:cNvPr id="4" name="Picture 3"/>
+          <p:cNvPicPr>
+            <a:picLocks noChangeAspect="1"/>
+          </p:cNvPicPr>
+          <p:nvPr/>
+        </p:nvPicPr>
+        <p:blipFill>
+          <a:blip r:embed="rId2"/>
+          <a:stretch>
+            <a:fillRect/>
+          </a:stretch>
+        </p:blipFill>
         <p:spPr>
           <a:xfrm>
-            <a:off x="838200" y="1409700"/>
-            <a:ext cx="10515600" cy="5168900"/>
-          </a:xfrm>
-        </p:spPr>
-        <p:txBody>
-          <a:bodyPr>
-            <a:normAutofit fontScale="92500" lnSpcReduction="10000"/>
+            <a:off x="524164" y="3776107"/>
+            <a:ext cx="1600200" cy="1600200"/>
+          </a:xfrm>
+          <a:prstGeom prst="rect">
+            <a:avLst/>
+          </a:prstGeom>
+        </p:spPr>
+      </p:pic>
+      <p:pic>
+        <p:nvPicPr>
+          <p:cNvPr id="5" name="Picture 4"/>
+          <p:cNvPicPr>
+            <a:picLocks noChangeAspect="1"/>
+          </p:cNvPicPr>
+          <p:nvPr/>
+        </p:nvPicPr>
+        <p:blipFill>
+          <a:blip r:embed="rId3"/>
+          <a:stretch>
+            <a:fillRect/>
+          </a:stretch>
+        </p:blipFill>
+        <p:spPr>
+          <a:xfrm flipH="1">
+            <a:off x="2124364" y="3033673"/>
+            <a:ext cx="1219200" cy="1169958"/>
+          </a:xfrm>
+          <a:prstGeom prst="rect">
+            <a:avLst/>
+          </a:prstGeom>
+        </p:spPr>
+      </p:pic>
+      <p:sp>
+        <p:nvSpPr>
+          <p:cNvPr id="6" name="Rectangle 5"/>
+          <p:cNvSpPr/>
+          <p:nvPr/>
+        </p:nvSpPr>
+        <p:spPr>
+          <a:xfrm>
+            <a:off x="4914900" y="1435100"/>
+            <a:ext cx="2095500" cy="805902"/>
+          </a:xfrm>
+          <a:prstGeom prst="rect">
+            <a:avLst/>
+          </a:prstGeom>
+          <a:solidFill>
+            <a:schemeClr val="bg1"/>
+          </a:solidFill>
+        </p:spPr>
+        <p:style>
+          <a:lnRef idx="2">
+            <a:schemeClr val="accent1">
+              <a:shade val="50000"/>
+            </a:schemeClr>
+          </a:lnRef>
+          <a:fillRef idx="1">
+            <a:schemeClr val="accent1"/>
+          </a:fillRef>
+          <a:effectRef idx="0">
+            <a:schemeClr val="accent1"/>
+          </a:effectRef>
+          <a:fontRef idx="minor">
+            <a:schemeClr val="lt1"/>
+          </a:fontRef>
+        </p:style>
+        <p:txBody>
+          <a:bodyPr rtlCol="0" anchor="ctr"/>
+          <a:lstStyle/>
+          <a:p>
+            <a:pPr algn="ctr"/>
+            <a:endParaRPr lang="en-US" dirty="0"/>
+          </a:p>
+        </p:txBody>
+      </p:sp>
+      <p:sp>
+        <p:nvSpPr>
+          <p:cNvPr id="7" name="TextBox 6"/>
+          <p:cNvSpPr txBox="1"/>
+          <p:nvPr/>
+        </p:nvSpPr>
+        <p:spPr>
+          <a:xfrm>
+            <a:off x="4947115" y="1435100"/>
+            <a:ext cx="2031069" cy="369332"/>
+          </a:xfrm>
+          <a:prstGeom prst="rect">
+            <a:avLst/>
+          </a:prstGeom>
+          <a:noFill/>
+        </p:spPr>
+        <p:txBody>
+          <a:bodyPr wrap="none" rtlCol="0">
+            <a:spAutoFit/>
           </a:bodyPr>
           <a:lstStyle/>
           <a:p>
             <a:r>
-              <a:rPr lang="en-US" sz="1600" dirty="0" err="1" smtClean="0"/>
-              <a:t>mediaDevices.getUserMedia</a:t>
-            </a:r>
-            <a:r>
-              <a:rPr lang="en-US" sz="1600" dirty="0" smtClean="0"/>
-              <a:t> MDN:</a:t>
-            </a:r>
-          </a:p>
-          <a:p>
-            <a:pPr lvl="1"/>
-            <a:r>
-              <a:rPr lang="en-US" sz="1500" dirty="0" smtClean="0">
-                <a:hlinkClick r:id="rId2"/>
-              </a:rPr>
-              <a:t>https</a:t>
-            </a:r>
-            <a:r>
-              <a:rPr lang="en-US" sz="1500" dirty="0">
-                <a:hlinkClick r:id="rId2"/>
-              </a:rPr>
-              <a:t>://</a:t>
-            </a:r>
-            <a:r>
-              <a:rPr lang="en-US" sz="1400" dirty="0">
-                <a:hlinkClick r:id="rId2"/>
-              </a:rPr>
-              <a:t>developer.mozilla.org/en-US/docs/Web/API/MediaDevices/getUserMedia</a:t>
-            </a:r>
-            <a:endParaRPr lang="en-US" sz="1400" dirty="0" smtClean="0"/>
-          </a:p>
-          <a:p>
-            <a:r>
-              <a:rPr lang="en-US" sz="1600" dirty="0" err="1" smtClean="0"/>
-              <a:t>WebRTC</a:t>
-            </a:r>
-            <a:endParaRPr lang="en-US" sz="1600" dirty="0"/>
-          </a:p>
-          <a:p>
-            <a:pPr lvl="1"/>
-            <a:r>
-              <a:rPr lang="en-US" sz="1400" dirty="0" smtClean="0">
-                <a:hlinkClick r:id="rId3"/>
-              </a:rPr>
-              <a:t>https://developer.mozilla.org/en-US/docs/Web/API/WebRTC_API</a:t>
-            </a:r>
-            <a:endParaRPr lang="en-US" sz="1400" dirty="0" smtClean="0"/>
-          </a:p>
-          <a:p>
-            <a:r>
-              <a:rPr lang="en-US" sz="1600" dirty="0" err="1" smtClean="0"/>
-              <a:t>WebRTC.org</a:t>
-            </a:r>
-            <a:r>
-              <a:rPr lang="en-US" sz="1600" dirty="0" smtClean="0"/>
+              <a:rPr lang="en-US" dirty="0" smtClean="0"/>
+              <a:t>Presentation Server</a:t>
+            </a:r>
+            <a:endParaRPr lang="en-US" dirty="0"/>
+          </a:p>
+        </p:txBody>
+      </p:sp>
+      <p:sp>
+        <p:nvSpPr>
+          <p:cNvPr id="8" name="Rectangle 7"/>
+          <p:cNvSpPr/>
+          <p:nvPr/>
+        </p:nvSpPr>
+        <p:spPr>
+          <a:xfrm>
+            <a:off x="4914899" y="4576207"/>
+            <a:ext cx="2095500" cy="1354624"/>
+          </a:xfrm>
+          <a:prstGeom prst="rect">
+            <a:avLst/>
+          </a:prstGeom>
+          <a:solidFill>
+            <a:schemeClr val="bg1"/>
+          </a:solidFill>
+        </p:spPr>
+        <p:style>
+          <a:lnRef idx="2">
+            <a:schemeClr val="accent1">
+              <a:shade val="50000"/>
+            </a:schemeClr>
+          </a:lnRef>
+          <a:fillRef idx="1">
+            <a:schemeClr val="accent1"/>
+          </a:fillRef>
+          <a:effectRef idx="0">
+            <a:schemeClr val="accent1"/>
+          </a:effectRef>
+          <a:fontRef idx="minor">
+            <a:schemeClr val="lt1"/>
+          </a:fontRef>
+        </p:style>
+        <p:txBody>
+          <a:bodyPr rtlCol="0" anchor="ctr"/>
+          <a:lstStyle/>
+          <a:p>
+            <a:pPr algn="ctr"/>
+            <a:endParaRPr lang="en-US" dirty="0"/>
+          </a:p>
+        </p:txBody>
+      </p:sp>
+      <p:sp>
+        <p:nvSpPr>
+          <p:cNvPr id="9" name="TextBox 8"/>
+          <p:cNvSpPr txBox="1"/>
+          <p:nvPr/>
+        </p:nvSpPr>
+        <p:spPr>
+          <a:xfrm>
+            <a:off x="5098470" y="4576207"/>
+            <a:ext cx="1728358" cy="369332"/>
+          </a:xfrm>
+          <a:prstGeom prst="rect">
+            <a:avLst/>
+          </a:prstGeom>
+          <a:noFill/>
+        </p:spPr>
+        <p:txBody>
+          <a:bodyPr wrap="none" rtlCol="0">
+            <a:spAutoFit/>
+          </a:bodyPr>
+          <a:lstStyle/>
+          <a:p>
+            <a:r>
+              <a:rPr lang="en-US" dirty="0" err="1" smtClean="0"/>
+              <a:t>Signalling</a:t>
+            </a:r>
+            <a:r>
+              <a:rPr lang="en-US" dirty="0" smtClean="0"/>
+              <a:t> Server</a:t>
+            </a:r>
+          </a:p>
+        </p:txBody>
+      </p:sp>
+      <p:pic>
+        <p:nvPicPr>
+          <p:cNvPr id="10" name="Picture 9"/>
+          <p:cNvPicPr>
+            <a:picLocks noChangeAspect="1"/>
+          </p:cNvPicPr>
+          <p:nvPr/>
+        </p:nvPicPr>
+        <p:blipFill>
+          <a:blip r:embed="rId4"/>
+          <a:stretch>
+            <a:fillRect/>
+          </a:stretch>
+        </p:blipFill>
+        <p:spPr>
+          <a:xfrm flipH="1">
+            <a:off x="9474200" y="365125"/>
+            <a:ext cx="1612900" cy="1955800"/>
+          </a:xfrm>
+          <a:prstGeom prst="rect">
+            <a:avLst/>
+          </a:prstGeom>
+        </p:spPr>
+      </p:pic>
+      <p:pic>
+        <p:nvPicPr>
+          <p:cNvPr id="11" name="Picture 10"/>
+          <p:cNvPicPr>
+            <a:picLocks noChangeAspect="1"/>
+          </p:cNvPicPr>
+          <p:nvPr/>
+        </p:nvPicPr>
+        <p:blipFill>
+          <a:blip r:embed="rId4"/>
+          <a:stretch>
+            <a:fillRect/>
+          </a:stretch>
+        </p:blipFill>
+        <p:spPr>
+          <a:xfrm flipH="1">
+            <a:off x="10315808" y="1435100"/>
+            <a:ext cx="1612900" cy="1955800"/>
+          </a:xfrm>
+          <a:prstGeom prst="rect">
+            <a:avLst/>
+          </a:prstGeom>
+        </p:spPr>
+      </p:pic>
+      <p:pic>
+        <p:nvPicPr>
+          <p:cNvPr id="12" name="Picture 11"/>
+          <p:cNvPicPr>
+            <a:picLocks noChangeAspect="1"/>
+          </p:cNvPicPr>
+          <p:nvPr/>
+        </p:nvPicPr>
+        <p:blipFill>
+          <a:blip r:embed="rId4"/>
+          <a:stretch>
+            <a:fillRect/>
+          </a:stretch>
+        </p:blipFill>
+        <p:spPr>
+          <a:xfrm flipH="1">
+            <a:off x="9474200" y="2798143"/>
+            <a:ext cx="1612900" cy="1955800"/>
+          </a:xfrm>
+          <a:prstGeom prst="rect">
+            <a:avLst/>
+          </a:prstGeom>
+        </p:spPr>
+      </p:pic>
+      <p:pic>
+        <p:nvPicPr>
+          <p:cNvPr id="13" name="Picture 12"/>
+          <p:cNvPicPr>
+            <a:picLocks noChangeAspect="1"/>
+          </p:cNvPicPr>
+          <p:nvPr/>
+        </p:nvPicPr>
+        <p:blipFill>
+          <a:blip r:embed="rId4"/>
+          <a:stretch>
+            <a:fillRect/>
+          </a:stretch>
+        </p:blipFill>
+        <p:spPr>
+          <a:xfrm flipH="1">
+            <a:off x="8632592" y="4161186"/>
+            <a:ext cx="1612900" cy="1955800"/>
+          </a:xfrm>
+          <a:prstGeom prst="rect">
+            <a:avLst/>
+          </a:prstGeom>
+        </p:spPr>
+      </p:pic>
+      <p:sp>
+        <p:nvSpPr>
+          <p:cNvPr id="15" name="Bent-Up Arrow 14"/>
+          <p:cNvSpPr/>
+          <p:nvPr/>
+        </p:nvSpPr>
+        <p:spPr>
+          <a:xfrm rot="16200000" flipV="1">
+            <a:off x="1811789" y="672997"/>
+            <a:ext cx="2433082" cy="3773138"/>
+          </a:xfrm>
+          <a:prstGeom prst="bentUpArrow">
+            <a:avLst>
+              <a:gd name="adj1" fmla="val 7891"/>
+              <a:gd name="adj2" fmla="val 10546"/>
+              <a:gd name="adj3" fmla="val 18510"/>
+            </a:avLst>
+          </a:prstGeom>
+        </p:spPr>
+        <p:style>
+          <a:lnRef idx="2">
+            <a:schemeClr val="accent1">
+              <a:shade val="50000"/>
+            </a:schemeClr>
+          </a:lnRef>
+          <a:fillRef idx="1">
+            <a:schemeClr val="accent1"/>
+          </a:fillRef>
+          <a:effectRef idx="0">
+            <a:schemeClr val="accent1"/>
+          </a:effectRef>
+          <a:fontRef idx="minor">
+            <a:schemeClr val="lt1"/>
+          </a:fontRef>
+        </p:style>
+        <p:txBody>
+          <a:bodyPr rtlCol="0" anchor="ctr"/>
+          <a:lstStyle/>
+          <a:p>
+            <a:pPr algn="ctr"/>
+            <a:endParaRPr lang="en-US"/>
+          </a:p>
+        </p:txBody>
+      </p:sp>
+      <p:sp>
+        <p:nvSpPr>
+          <p:cNvPr id="16" name="TextBox 15"/>
+          <p:cNvSpPr txBox="1"/>
+          <p:nvPr/>
+        </p:nvSpPr>
+        <p:spPr>
+          <a:xfrm>
+            <a:off x="1721849" y="1719784"/>
+            <a:ext cx="2612959" cy="369332"/>
+          </a:xfrm>
+          <a:prstGeom prst="rect">
+            <a:avLst/>
+          </a:prstGeom>
+          <a:noFill/>
+        </p:spPr>
+        <p:txBody>
+          <a:bodyPr wrap="none" rtlCol="0">
+            <a:spAutoFit/>
+          </a:bodyPr>
+          <a:lstStyle/>
+          <a:p>
+            <a:r>
+              <a:rPr lang="en-US" dirty="0" smtClean="0"/>
+              <a:t>1. Announce Presentation</a:t>
+            </a:r>
+            <a:endParaRPr lang="en-US" dirty="0"/>
+          </a:p>
+        </p:txBody>
+      </p:sp>
+      <p:sp>
+        <p:nvSpPr>
+          <p:cNvPr id="17" name="Bent-Up Arrow 16"/>
+          <p:cNvSpPr/>
+          <p:nvPr/>
+        </p:nvSpPr>
+        <p:spPr>
+          <a:xfrm rot="16200000" flipH="1" flipV="1">
+            <a:off x="2573201" y="3474906"/>
+            <a:ext cx="1062658" cy="3620738"/>
+          </a:xfrm>
+          <a:prstGeom prst="bentUpArrow">
+            <a:avLst>
+              <a:gd name="adj1" fmla="val 19842"/>
+              <a:gd name="adj2" fmla="val 20107"/>
+              <a:gd name="adj3" fmla="val 28071"/>
+            </a:avLst>
+          </a:prstGeom>
+        </p:spPr>
+        <p:style>
+          <a:lnRef idx="2">
+            <a:schemeClr val="accent1">
+              <a:shade val="50000"/>
+            </a:schemeClr>
+          </a:lnRef>
+          <a:fillRef idx="1">
+            <a:schemeClr val="accent1"/>
+          </a:fillRef>
+          <a:effectRef idx="0">
+            <a:schemeClr val="accent1"/>
+          </a:effectRef>
+          <a:fontRef idx="minor">
+            <a:schemeClr val="lt1"/>
+          </a:fontRef>
+        </p:style>
+        <p:txBody>
+          <a:bodyPr rtlCol="0" anchor="ctr"/>
+          <a:lstStyle/>
+          <a:p>
+            <a:pPr algn="ctr"/>
+            <a:endParaRPr lang="en-US"/>
+          </a:p>
+        </p:txBody>
+      </p:sp>
+      <p:sp>
+        <p:nvSpPr>
+          <p:cNvPr id="18" name="TextBox 17"/>
+          <p:cNvSpPr txBox="1"/>
+          <p:nvPr/>
+        </p:nvSpPr>
+        <p:spPr>
+          <a:xfrm>
+            <a:off x="1721848" y="5139086"/>
+            <a:ext cx="2068836" cy="369332"/>
+          </a:xfrm>
+          <a:prstGeom prst="rect">
+            <a:avLst/>
+          </a:prstGeom>
+          <a:noFill/>
+        </p:spPr>
+        <p:txBody>
+          <a:bodyPr wrap="none" rtlCol="0">
+            <a:spAutoFit/>
+          </a:bodyPr>
+          <a:lstStyle/>
+          <a:p>
+            <a:r>
+              <a:rPr lang="en-US" dirty="0"/>
+              <a:t>3</a:t>
+            </a:r>
+            <a:r>
+              <a:rPr lang="en-US" dirty="0" smtClean="0"/>
+              <a:t>. Negotiate session</a:t>
+            </a:r>
+            <a:endParaRPr lang="en-US" dirty="0"/>
+          </a:p>
+        </p:txBody>
+      </p:sp>
+      <p:cxnSp>
+        <p:nvCxnSpPr>
+          <p:cNvPr id="21" name="Straight Arrow Connector 20"/>
+          <p:cNvCxnSpPr>
+            <a:endCxn id="6" idx="3"/>
+          </p:cNvCxnSpPr>
+          <p:nvPr/>
+        </p:nvCxnSpPr>
+        <p:spPr>
+          <a:xfrm flipH="1">
+            <a:off x="7010400" y="1435100"/>
+            <a:ext cx="2768600" cy="402951"/>
+          </a:xfrm>
+          <a:prstGeom prst="straightConnector1">
+            <a:avLst/>
+          </a:prstGeom>
+          <a:ln w="127000">
+            <a:tailEnd type="triangle"/>
+          </a:ln>
+        </p:spPr>
+        <p:style>
+          <a:lnRef idx="1">
+            <a:schemeClr val="accent1"/>
+          </a:lnRef>
+          <a:fillRef idx="0">
+            <a:schemeClr val="accent1"/>
+          </a:fillRef>
+          <a:effectRef idx="0">
+            <a:schemeClr val="accent1"/>
+          </a:effectRef>
+          <a:fontRef idx="minor">
+            <a:schemeClr val="tx1"/>
+          </a:fontRef>
+        </p:style>
+      </p:cxnSp>
+      <p:sp>
+        <p:nvSpPr>
+          <p:cNvPr id="23" name="TextBox 22"/>
+          <p:cNvSpPr txBox="1"/>
+          <p:nvPr/>
+        </p:nvSpPr>
+        <p:spPr>
+          <a:xfrm rot="21008253">
+            <a:off x="7567802" y="1674833"/>
+            <a:ext cx="2027863" cy="369332"/>
+          </a:xfrm>
+          <a:prstGeom prst="rect">
+            <a:avLst/>
+          </a:prstGeom>
+          <a:noFill/>
+        </p:spPr>
+        <p:txBody>
+          <a:bodyPr wrap="none" rtlCol="0">
+            <a:spAutoFit/>
+          </a:bodyPr>
+          <a:lstStyle/>
+          <a:p>
+            <a:r>
+              <a:rPr lang="en-US" dirty="0"/>
+              <a:t>2</a:t>
+            </a:r>
+            <a:r>
+              <a:rPr lang="en-US" dirty="0" smtClean="0"/>
+              <a:t>. Join Presentation</a:t>
+            </a:r>
+            <a:endParaRPr lang="en-US" dirty="0"/>
+          </a:p>
+        </p:txBody>
+      </p:sp>
+      <p:cxnSp>
+        <p:nvCxnSpPr>
+          <p:cNvPr id="24" name="Straight Arrow Connector 23"/>
+          <p:cNvCxnSpPr>
+            <a:endCxn id="8" idx="3"/>
+          </p:cNvCxnSpPr>
+          <p:nvPr/>
+        </p:nvCxnSpPr>
+        <p:spPr>
+          <a:xfrm flipH="1">
+            <a:off x="7010399" y="2061676"/>
+            <a:ext cx="2841393" cy="3191843"/>
+          </a:xfrm>
+          <a:prstGeom prst="straightConnector1">
+            <a:avLst/>
+          </a:prstGeom>
+          <a:ln w="127000">
+            <a:tailEnd type="triangle"/>
+          </a:ln>
+        </p:spPr>
+        <p:style>
+          <a:lnRef idx="1">
+            <a:schemeClr val="accent1"/>
+          </a:lnRef>
+          <a:fillRef idx="0">
+            <a:schemeClr val="accent1"/>
+          </a:fillRef>
+          <a:effectRef idx="0">
+            <a:schemeClr val="accent1"/>
+          </a:effectRef>
+          <a:fontRef idx="minor">
+            <a:schemeClr val="tx1"/>
+          </a:fontRef>
+        </p:style>
+      </p:cxnSp>
+      <p:sp>
+        <p:nvSpPr>
+          <p:cNvPr id="27" name="TextBox 26"/>
+          <p:cNvSpPr txBox="1"/>
+          <p:nvPr/>
+        </p:nvSpPr>
+        <p:spPr>
+          <a:xfrm rot="18804217">
+            <a:off x="6963047" y="3575531"/>
+            <a:ext cx="2068836" cy="369332"/>
+          </a:xfrm>
+          <a:prstGeom prst="rect">
+            <a:avLst/>
+          </a:prstGeom>
+          <a:noFill/>
+        </p:spPr>
+        <p:txBody>
+          <a:bodyPr wrap="none" rtlCol="0">
+            <a:spAutoFit/>
+          </a:bodyPr>
+          <a:lstStyle/>
+          <a:p>
+            <a:r>
+              <a:rPr lang="en-US" dirty="0"/>
+              <a:t>3</a:t>
+            </a:r>
+            <a:r>
+              <a:rPr lang="en-US" dirty="0" smtClean="0"/>
+              <a:t>. Negotiate session</a:t>
+            </a:r>
+            <a:endParaRPr lang="en-US" dirty="0"/>
+          </a:p>
+        </p:txBody>
+      </p:sp>
+      <p:cxnSp>
+        <p:nvCxnSpPr>
+          <p:cNvPr id="29" name="Straight Arrow Connector 28"/>
+          <p:cNvCxnSpPr>
+            <a:stCxn id="5" idx="1"/>
+          </p:cNvCxnSpPr>
+          <p:nvPr/>
+        </p:nvCxnSpPr>
+        <p:spPr>
+          <a:xfrm flipV="1">
+            <a:off x="3343564" y="1914313"/>
+            <a:ext cx="6268748" cy="1704339"/>
+          </a:xfrm>
+          <a:prstGeom prst="straightConnector1">
+            <a:avLst/>
+          </a:prstGeom>
+          <a:ln w="127000">
+            <a:tailEnd type="triangle"/>
+          </a:ln>
+        </p:spPr>
+        <p:style>
+          <a:lnRef idx="1">
+            <a:schemeClr val="accent1"/>
+          </a:lnRef>
+          <a:fillRef idx="0">
+            <a:schemeClr val="accent1"/>
+          </a:fillRef>
+          <a:effectRef idx="0">
+            <a:schemeClr val="accent1"/>
+          </a:effectRef>
+          <a:fontRef idx="minor">
+            <a:schemeClr val="tx1"/>
+          </a:fontRef>
+        </p:style>
+      </p:cxnSp>
+      <p:sp>
+        <p:nvSpPr>
+          <p:cNvPr id="32" name="TextBox 31"/>
+          <p:cNvSpPr txBox="1"/>
+          <p:nvPr/>
+        </p:nvSpPr>
+        <p:spPr>
+          <a:xfrm rot="20630512">
+            <a:off x="4977561" y="2803695"/>
+            <a:ext cx="2942922" cy="369332"/>
+          </a:xfrm>
+          <a:prstGeom prst="rect">
+            <a:avLst/>
+          </a:prstGeom>
+          <a:noFill/>
+        </p:spPr>
+        <p:txBody>
+          <a:bodyPr wrap="none" rtlCol="0">
+            <a:spAutoFit/>
+          </a:bodyPr>
+          <a:lstStyle/>
+          <a:p>
+            <a:r>
+              <a:rPr lang="en-US" dirty="0" smtClean="0"/>
+              <a:t>4. Send A/V Real time Stream</a:t>
+            </a:r>
+            <a:endParaRPr lang="en-US" dirty="0"/>
+          </a:p>
+        </p:txBody>
+      </p:sp>
+      <p:sp>
+        <p:nvSpPr>
+          <p:cNvPr id="34" name="TextBox 33"/>
+          <p:cNvSpPr txBox="1"/>
+          <p:nvPr/>
+        </p:nvSpPr>
+        <p:spPr>
+          <a:xfrm>
+            <a:off x="1555170" y="6169479"/>
+            <a:ext cx="7529497" cy="369332"/>
+          </a:xfrm>
+          <a:prstGeom prst="rect">
+            <a:avLst/>
+          </a:prstGeom>
+          <a:noFill/>
+        </p:spPr>
+        <p:txBody>
+          <a:bodyPr wrap="none" rtlCol="0">
+            <a:spAutoFit/>
+          </a:bodyPr>
+          <a:lstStyle/>
+          <a:p>
+            <a:r>
+              <a:rPr lang="en-US" dirty="0" err="1" smtClean="0"/>
+              <a:t>Signalling</a:t>
+            </a:r>
+            <a:r>
+              <a:rPr lang="en-US" dirty="0" smtClean="0"/>
+              <a:t>: EITHER using </a:t>
+            </a:r>
+            <a:r>
+              <a:rPr lang="en-US" dirty="0" err="1" smtClean="0"/>
+              <a:t>IpCortex</a:t>
+            </a:r>
+            <a:r>
+              <a:rPr lang="en-US" dirty="0" smtClean="0"/>
               <a:t> </a:t>
             </a:r>
             <a:r>
-              <a:rPr lang="mr-IN" sz="1600" dirty="0" smtClean="0"/>
-              <a:t>–</a:t>
-            </a:r>
-            <a:r>
-              <a:rPr lang="en-US" sz="1600" dirty="0" smtClean="0"/>
-              <a:t> Getting Started</a:t>
-            </a:r>
-          </a:p>
-          <a:p>
-            <a:pPr lvl="1"/>
-            <a:r>
-              <a:rPr lang="en-US" sz="1400" dirty="0" smtClean="0">
-                <a:hlinkClick r:id="rId4"/>
-              </a:rPr>
-              <a:t>https://</a:t>
-            </a:r>
-            <a:r>
-              <a:rPr lang="en-US" sz="1400" dirty="0" err="1" smtClean="0">
-                <a:hlinkClick r:id="rId4"/>
-              </a:rPr>
-              <a:t>webrtc.org</a:t>
-            </a:r>
-            <a:r>
-              <a:rPr lang="en-US" sz="1400" dirty="0" smtClean="0">
-                <a:hlinkClick r:id="rId4"/>
-              </a:rPr>
-              <a:t>/start/</a:t>
-            </a:r>
-            <a:endParaRPr lang="en-US" sz="1400" dirty="0" smtClean="0"/>
-          </a:p>
-          <a:p>
-            <a:r>
-              <a:rPr lang="en-US" sz="1600" dirty="0" smtClean="0"/>
-              <a:t>HTML 5 Rocks </a:t>
-            </a:r>
-            <a:r>
-              <a:rPr lang="mr-IN" sz="1600" dirty="0" smtClean="0"/>
-              <a:t>–</a:t>
-            </a:r>
-            <a:r>
-              <a:rPr lang="en-US" sz="1600" dirty="0" smtClean="0"/>
-              <a:t> Getting started with </a:t>
-            </a:r>
-            <a:r>
-              <a:rPr lang="en-US" sz="1600" dirty="0" err="1" smtClean="0"/>
-              <a:t>WebRTC</a:t>
-            </a:r>
-            <a:r>
-              <a:rPr lang="en-US" sz="1600" dirty="0" smtClean="0"/>
-              <a:t> (2012)</a:t>
-            </a:r>
-          </a:p>
-          <a:p>
-            <a:pPr lvl="1"/>
-            <a:r>
-              <a:rPr lang="en-US" sz="1400" dirty="0" smtClean="0"/>
-              <a:t>Illustrates local </a:t>
-            </a:r>
-            <a:r>
-              <a:rPr lang="en-US" sz="1400" dirty="0" err="1" smtClean="0"/>
+              <a:rPr lang="en-US" dirty="0" err="1" smtClean="0"/>
+              <a:t>api</a:t>
+            </a:r>
+            <a:r>
+              <a:rPr lang="en-US" dirty="0" smtClean="0"/>
+              <a:t> OR modified </a:t>
+            </a:r>
+            <a:r>
+              <a:rPr lang="en-US" dirty="0" err="1" smtClean="0"/>
               <a:t>signalling</a:t>
             </a:r>
             <a:r>
-              <a:rPr lang="en-US" sz="1400" dirty="0" smtClean="0"/>
-              <a:t> </a:t>
-            </a:r>
-            <a:r>
-              <a:rPr lang="en-US" sz="1400" i="1" dirty="0" smtClean="0"/>
-              <a:t>but</a:t>
-            </a:r>
-            <a:r>
-              <a:rPr lang="en-US" sz="1400" dirty="0" smtClean="0"/>
-              <a:t> not is a portable way</a:t>
-            </a:r>
-          </a:p>
-          <a:p>
-            <a:pPr lvl="1"/>
-            <a:r>
-              <a:rPr lang="en-US" sz="1400" dirty="0" smtClean="0">
-                <a:hlinkClick r:id="rId5"/>
-              </a:rPr>
-              <a:t>https://www.html5rocks.com/en/tutorials/webrtc/basics/</a:t>
-            </a:r>
-            <a:endParaRPr lang="en-US" sz="1400" dirty="0" smtClean="0"/>
-          </a:p>
-          <a:p>
-            <a:r>
-              <a:rPr lang="en-US" sz="1600" dirty="0" smtClean="0"/>
-              <a:t>HTML 5 Rocks </a:t>
-            </a:r>
-            <a:r>
-              <a:rPr lang="mr-IN" sz="1600" dirty="0" smtClean="0"/>
-              <a:t>–</a:t>
-            </a:r>
-            <a:r>
-              <a:rPr lang="en-US" sz="1600" dirty="0" smtClean="0"/>
-              <a:t> </a:t>
-            </a:r>
-            <a:r>
-              <a:rPr lang="en-US" sz="1600" dirty="0" err="1" smtClean="0"/>
-              <a:t>WebRTC</a:t>
-            </a:r>
-            <a:r>
-              <a:rPr lang="en-US" sz="1600" dirty="0" smtClean="0"/>
-              <a:t> Infrastructure</a:t>
-            </a:r>
-          </a:p>
-          <a:p>
-            <a:pPr lvl="1"/>
-            <a:r>
-              <a:rPr lang="en-US" sz="1400" dirty="0" smtClean="0"/>
-              <a:t>Great overview of </a:t>
-            </a:r>
-            <a:r>
-              <a:rPr lang="en-US" sz="1400" dirty="0" err="1" smtClean="0"/>
-              <a:t>signalling</a:t>
-            </a:r>
-            <a:r>
-              <a:rPr lang="en-US" sz="1400" dirty="0" smtClean="0"/>
-              <a:t> </a:t>
-            </a:r>
-            <a:r>
-              <a:rPr lang="mr-IN" sz="1400" dirty="0" smtClean="0"/>
-              <a:t>–</a:t>
-            </a:r>
-            <a:r>
-              <a:rPr lang="en-US" sz="1400" dirty="0" smtClean="0"/>
-              <a:t> everything you need to know!</a:t>
-            </a:r>
-          </a:p>
-          <a:p>
-            <a:pPr lvl="1"/>
-            <a:r>
-              <a:rPr lang="en-US" sz="1400" dirty="0">
-                <a:hlinkClick r:id="rId6"/>
-              </a:rPr>
-              <a:t>https://www.html5rocks.com/</a:t>
-            </a:r>
-            <a:r>
-              <a:rPr lang="en-US" sz="1400" dirty="0" err="1">
-                <a:hlinkClick r:id="rId6"/>
-              </a:rPr>
-              <a:t>en</a:t>
-            </a:r>
-            <a:r>
-              <a:rPr lang="en-US" sz="1400" dirty="0">
-                <a:hlinkClick r:id="rId6"/>
-              </a:rPr>
-              <a:t>/tutorials/</a:t>
-            </a:r>
-            <a:r>
-              <a:rPr lang="en-US" sz="1400" dirty="0" err="1">
-                <a:hlinkClick r:id="rId6"/>
-              </a:rPr>
-              <a:t>webrtc</a:t>
-            </a:r>
-            <a:r>
-              <a:rPr lang="en-US" sz="1400" dirty="0">
-                <a:hlinkClick r:id="rId6"/>
-              </a:rPr>
-              <a:t>/infrastructure/</a:t>
-            </a:r>
-            <a:endParaRPr lang="en-US" sz="1400" dirty="0"/>
-          </a:p>
-          <a:p>
-            <a:r>
-              <a:rPr lang="en-US" sz="1600" dirty="0" err="1" smtClean="0"/>
-              <a:t>adapter.js</a:t>
-            </a:r>
-            <a:r>
-              <a:rPr lang="en-US" sz="1600" dirty="0" smtClean="0"/>
-              <a:t>: </a:t>
-            </a:r>
-            <a:r>
-              <a:rPr lang="en-US" sz="1400" dirty="0">
-                <a:hlinkClick r:id="rId7"/>
-              </a:rPr>
-              <a:t>https://github.com/webrtc/adapter</a:t>
-            </a:r>
-            <a:endParaRPr lang="en-US" sz="1400" dirty="0"/>
-          </a:p>
-          <a:p>
-            <a:pPr lvl="1"/>
-            <a:r>
-              <a:rPr lang="en-US" sz="1400" dirty="0" smtClean="0"/>
-              <a:t>Shim to isolate applications from browser incompatibilities</a:t>
-            </a:r>
-          </a:p>
-          <a:p>
-            <a:r>
-              <a:rPr lang="en-US" sz="1600" dirty="0"/>
-              <a:t>Promises</a:t>
-            </a:r>
-            <a:r>
-              <a:rPr lang="en-US" sz="1600" dirty="0" smtClean="0"/>
-              <a:t>:</a:t>
-            </a:r>
-          </a:p>
-          <a:p>
-            <a:pPr lvl="1"/>
-            <a:r>
-              <a:rPr lang="en-US" sz="1400" dirty="0">
-                <a:hlinkClick r:id="rId8"/>
-              </a:rPr>
-              <a:t>https://</a:t>
-            </a:r>
-            <a:r>
-              <a:rPr lang="en-US" sz="1400" dirty="0" err="1">
-                <a:hlinkClick r:id="rId8"/>
-              </a:rPr>
-              <a:t>kosamari.com</a:t>
-            </a:r>
-            <a:r>
-              <a:rPr lang="en-US" sz="1400" dirty="0">
-                <a:hlinkClick r:id="rId8"/>
-              </a:rPr>
-              <a:t>/notes/the-promise-of-a-burger-party</a:t>
-            </a:r>
-            <a:endParaRPr lang="en-US" sz="1400" dirty="0"/>
-          </a:p>
-          <a:p>
-            <a:pPr lvl="1"/>
-            <a:r>
-              <a:rPr lang="en-US" sz="1400" dirty="0" smtClean="0">
-                <a:hlinkClick r:id="rId9"/>
-              </a:rPr>
-              <a:t>https</a:t>
-            </a:r>
-            <a:r>
-              <a:rPr lang="en-US" sz="1400" dirty="0">
-                <a:hlinkClick r:id="rId9"/>
-              </a:rPr>
-              <a:t>://</a:t>
-            </a:r>
-            <a:r>
-              <a:rPr lang="en-US" sz="1400" dirty="0" smtClean="0">
-                <a:hlinkClick r:id="rId9"/>
-              </a:rPr>
-              <a:t>developer.mozilla.org/en/docs/Web/JavaScript/Reference/Global_Objects/Promise</a:t>
-            </a:r>
-            <a:endParaRPr lang="en-US" sz="1400" dirty="0" smtClean="0"/>
-          </a:p>
-          <a:p>
-            <a:r>
-              <a:rPr lang="en-US" sz="1600" dirty="0" smtClean="0"/>
-              <a:t>Classes/OOD/OOP: </a:t>
-            </a:r>
-            <a:r>
-              <a:rPr lang="en-US" sz="1400" dirty="0" smtClean="0">
-                <a:hlinkClick r:id="rId10"/>
-              </a:rPr>
-              <a:t>https</a:t>
-            </a:r>
-            <a:r>
-              <a:rPr lang="en-US" sz="1400" dirty="0">
-                <a:hlinkClick r:id="rId10"/>
-              </a:rPr>
-              <a:t>://</a:t>
-            </a:r>
-            <a:r>
-              <a:rPr lang="en-US" sz="1400" dirty="0" smtClean="0">
-                <a:hlinkClick r:id="rId10"/>
-              </a:rPr>
-              <a:t>developer.mozilla.org/en-US/docs/Learn/JavaScript/Objects/Object-oriented_JS</a:t>
-            </a:r>
-            <a:endParaRPr lang="en-US" sz="1400" dirty="0" smtClean="0"/>
-          </a:p>
-          <a:p>
-            <a:r>
-              <a:rPr lang="en-US" sz="1600" dirty="0" smtClean="0"/>
-              <a:t>Finite State Machine: </a:t>
-            </a:r>
-            <a:r>
-              <a:rPr lang="en-US" sz="1400" dirty="0" smtClean="0">
-                <a:hlinkClick r:id="rId11"/>
-              </a:rPr>
-              <a:t>https://developer.mozilla.org/en-US/docs/Glossary/State_machine</a:t>
-            </a:r>
-            <a:endParaRPr lang="en-US" sz="1400" dirty="0" smtClean="0"/>
-          </a:p>
-          <a:p>
-            <a:endParaRPr lang="en-US" sz="1600" dirty="0"/>
+              <a:rPr lang="en-US" dirty="0" smtClean="0"/>
+              <a:t> from previous task</a:t>
+            </a:r>
           </a:p>
         </p:txBody>
       </p:sp>
     </p:spTree>
     <p:extLst>
       <p:ext uri="{BB962C8B-B14F-4D97-AF65-F5344CB8AC3E}">
-        <p14:creationId xmlns:p14="http://schemas.microsoft.com/office/powerpoint/2010/main" val="162938005"/>
+        <p14:creationId xmlns:p14="http://schemas.microsoft.com/office/powerpoint/2010/main" val="1513161978"/>
       </p:ext>
     </p:extLst>
   </p:cSld>
@@ -14929,6 +15564,666 @@
       </p:grpSpPr>
       <p:sp>
         <p:nvSpPr>
+          <p:cNvPr id="2" name="Title 1"/>
+          <p:cNvSpPr>
+            <a:spLocks noGrp="1"/>
+          </p:cNvSpPr>
+          <p:nvPr>
+            <p:ph type="title"/>
+          </p:nvPr>
+        </p:nvSpPr>
+        <p:spPr/>
+        <p:txBody>
+          <a:bodyPr>
+            <a:normAutofit/>
+          </a:bodyPr>
+          <a:lstStyle/>
+          <a:p>
+            <a:r>
+              <a:rPr lang="en-US" sz="4000" dirty="0" err="1" smtClean="0"/>
+              <a:t>Signalling</a:t>
+            </a:r>
+            <a:r>
+              <a:rPr lang="en-US" sz="4000" dirty="0" smtClean="0"/>
+              <a:t> for Remote Presentations: Two Options</a:t>
+            </a:r>
+            <a:endParaRPr lang="en-US" sz="4000" dirty="0"/>
+          </a:p>
+        </p:txBody>
+      </p:sp>
+      <p:sp>
+        <p:nvSpPr>
+          <p:cNvPr id="3" name="Content Placeholder 2"/>
+          <p:cNvSpPr>
+            <a:spLocks noGrp="1"/>
+          </p:cNvSpPr>
+          <p:nvPr>
+            <p:ph idx="1"/>
+          </p:nvPr>
+        </p:nvSpPr>
+        <p:spPr/>
+        <p:txBody>
+          <a:bodyPr/>
+          <a:lstStyle/>
+          <a:p>
+            <a:r>
+              <a:rPr lang="en-US" dirty="0" smtClean="0"/>
+              <a:t>Evolution of simple </a:t>
+            </a:r>
+            <a:r>
+              <a:rPr lang="en-US" dirty="0" err="1" smtClean="0"/>
+              <a:t>signalling</a:t>
+            </a:r>
+            <a:r>
+              <a:rPr lang="en-US" dirty="0" smtClean="0"/>
+              <a:t> from previous example</a:t>
+            </a:r>
+          </a:p>
+          <a:p>
+            <a:pPr lvl="1"/>
+            <a:r>
+              <a:rPr lang="en-US" dirty="0" smtClean="0"/>
+              <a:t>Should work on a local LAN</a:t>
+            </a:r>
+          </a:p>
+          <a:p>
+            <a:pPr lvl="1"/>
+            <a:r>
+              <a:rPr lang="en-US" dirty="0" smtClean="0"/>
+              <a:t>Won’t work across the Internet without TURN/STUN servers (complexity)</a:t>
+            </a:r>
+          </a:p>
+          <a:p>
+            <a:r>
+              <a:rPr lang="en-US" dirty="0" err="1" smtClean="0"/>
+              <a:t>IPCortex</a:t>
+            </a:r>
+            <a:r>
+              <a:rPr lang="en-US" dirty="0" smtClean="0"/>
+              <a:t> API</a:t>
+            </a:r>
+          </a:p>
+          <a:p>
+            <a:pPr lvl="1"/>
+            <a:r>
+              <a:rPr lang="en-US" dirty="0" smtClean="0"/>
+              <a:t>Covers all the routing across the Internet</a:t>
+            </a:r>
+          </a:p>
+          <a:p>
+            <a:pPr lvl="1"/>
+            <a:r>
+              <a:rPr lang="en-US" dirty="0" smtClean="0"/>
+              <a:t>More complex to configure/run</a:t>
+            </a:r>
+          </a:p>
+          <a:p>
+            <a:endParaRPr lang="en-US" dirty="0"/>
+          </a:p>
+        </p:txBody>
+      </p:sp>
+    </p:spTree>
+    <p:extLst>
+      <p:ext uri="{BB962C8B-B14F-4D97-AF65-F5344CB8AC3E}">
+        <p14:creationId xmlns:p14="http://schemas.microsoft.com/office/powerpoint/2010/main" val="814445932"/>
+      </p:ext>
+    </p:extLst>
+  </p:cSld>
+  <p:clrMapOvr>
+    <a:masterClrMapping/>
+  </p:clrMapOvr>
+  <mc:AlternateContent xmlns:mc="http://schemas.openxmlformats.org/markup-compatibility/2006">
+    <mc:Choice xmlns:p14="http://schemas.microsoft.com/office/powerpoint/2010/main" Requires="p14">
+      <p:transition spd="slow" p14:dur="2000"/>
+    </mc:Choice>
+    <mc:Fallback>
+      <p:transition spd="slow"/>
+    </mc:Fallback>
+  </mc:AlternateContent>
+  <p:timing>
+    <p:tnLst>
+      <p:par>
+        <p:cTn id="1" dur="indefinite" restart="never" nodeType="tmRoot"/>
+      </p:par>
+    </p:tnLst>
+  </p:timing>
+</p:sld>
+</file>
+
+<file path=ppt/slides/slide39.xml><?xml version="1.0" encoding="utf-8"?>
+<p:sld xmlns:a="http://schemas.openxmlformats.org/drawingml/2006/main" xmlns:r="http://schemas.openxmlformats.org/officeDocument/2006/relationships" xmlns:p="http://schemas.openxmlformats.org/presentationml/2006/main">
+  <p:cSld>
+    <p:spTree>
+      <p:nvGrpSpPr>
+        <p:cNvPr id="1" name=""/>
+        <p:cNvGrpSpPr/>
+        <p:nvPr/>
+      </p:nvGrpSpPr>
+      <p:grpSpPr>
+        <a:xfrm>
+          <a:off x="0" y="0"/>
+          <a:ext cx="0" cy="0"/>
+          <a:chOff x="0" y="0"/>
+          <a:chExt cx="0" cy="0"/>
+        </a:xfrm>
+      </p:grpSpPr>
+      <p:sp>
+        <p:nvSpPr>
+          <p:cNvPr id="2" name="Title 1"/>
+          <p:cNvSpPr>
+            <a:spLocks noGrp="1"/>
+          </p:cNvSpPr>
+          <p:nvPr>
+            <p:ph type="title"/>
+          </p:nvPr>
+        </p:nvSpPr>
+        <p:spPr/>
+        <p:txBody>
+          <a:bodyPr/>
+          <a:lstStyle/>
+          <a:p>
+            <a:r>
+              <a:rPr lang="en-US" dirty="0" smtClean="0"/>
+              <a:t>References</a:t>
+            </a:r>
+            <a:endParaRPr lang="en-US" dirty="0"/>
+          </a:p>
+        </p:txBody>
+      </p:sp>
+      <p:sp>
+        <p:nvSpPr>
+          <p:cNvPr id="3" name="Content Placeholder 2"/>
+          <p:cNvSpPr>
+            <a:spLocks noGrp="1"/>
+          </p:cNvSpPr>
+          <p:nvPr>
+            <p:ph idx="1"/>
+          </p:nvPr>
+        </p:nvSpPr>
+        <p:spPr>
+          <a:xfrm>
+            <a:off x="838200" y="1409700"/>
+            <a:ext cx="10515600" cy="5168900"/>
+          </a:xfrm>
+        </p:spPr>
+        <p:txBody>
+          <a:bodyPr>
+            <a:normAutofit fontScale="92500" lnSpcReduction="10000"/>
+          </a:bodyPr>
+          <a:lstStyle/>
+          <a:p>
+            <a:r>
+              <a:rPr lang="en-US" sz="1600" dirty="0" err="1" smtClean="0"/>
+              <a:t>mediaDevices.getUserMedia</a:t>
+            </a:r>
+            <a:r>
+              <a:rPr lang="en-US" sz="1600" dirty="0" smtClean="0"/>
+              <a:t> MDN:</a:t>
+            </a:r>
+          </a:p>
+          <a:p>
+            <a:pPr lvl="1"/>
+            <a:r>
+              <a:rPr lang="en-US" sz="1500" dirty="0" smtClean="0">
+                <a:hlinkClick r:id="rId2"/>
+              </a:rPr>
+              <a:t>https</a:t>
+            </a:r>
+            <a:r>
+              <a:rPr lang="en-US" sz="1500" dirty="0">
+                <a:hlinkClick r:id="rId2"/>
+              </a:rPr>
+              <a:t>://</a:t>
+            </a:r>
+            <a:r>
+              <a:rPr lang="en-US" sz="1400" dirty="0">
+                <a:hlinkClick r:id="rId2"/>
+              </a:rPr>
+              <a:t>developer.mozilla.org/en-US/docs/Web/API/MediaDevices/getUserMedia</a:t>
+            </a:r>
+            <a:endParaRPr lang="en-US" sz="1400" dirty="0" smtClean="0"/>
+          </a:p>
+          <a:p>
+            <a:r>
+              <a:rPr lang="en-US" sz="1600" dirty="0" err="1" smtClean="0"/>
+              <a:t>WebRTC</a:t>
+            </a:r>
+            <a:endParaRPr lang="en-US" sz="1600" dirty="0"/>
+          </a:p>
+          <a:p>
+            <a:pPr lvl="1"/>
+            <a:r>
+              <a:rPr lang="en-US" sz="1400" dirty="0" smtClean="0">
+                <a:hlinkClick r:id="rId3"/>
+              </a:rPr>
+              <a:t>https://developer.mozilla.org/en-US/docs/Web/API/WebRTC_API</a:t>
+            </a:r>
+            <a:endParaRPr lang="en-US" sz="1400" dirty="0" smtClean="0"/>
+          </a:p>
+          <a:p>
+            <a:r>
+              <a:rPr lang="en-US" sz="1600" dirty="0" err="1" smtClean="0"/>
+              <a:t>WebRTC.org</a:t>
+            </a:r>
+            <a:r>
+              <a:rPr lang="en-US" sz="1600" dirty="0" smtClean="0"/>
+              <a:t> </a:t>
+            </a:r>
+            <a:r>
+              <a:rPr lang="mr-IN" sz="1600" dirty="0" smtClean="0"/>
+              <a:t>–</a:t>
+            </a:r>
+            <a:r>
+              <a:rPr lang="en-US" sz="1600" dirty="0" smtClean="0"/>
+              <a:t> Getting Started</a:t>
+            </a:r>
+          </a:p>
+          <a:p>
+            <a:pPr lvl="1"/>
+            <a:r>
+              <a:rPr lang="en-US" sz="1400" dirty="0" smtClean="0">
+                <a:hlinkClick r:id="rId4"/>
+              </a:rPr>
+              <a:t>https://</a:t>
+            </a:r>
+            <a:r>
+              <a:rPr lang="en-US" sz="1400" dirty="0" err="1" smtClean="0">
+                <a:hlinkClick r:id="rId4"/>
+              </a:rPr>
+              <a:t>webrtc.org</a:t>
+            </a:r>
+            <a:r>
+              <a:rPr lang="en-US" sz="1400" dirty="0" smtClean="0">
+                <a:hlinkClick r:id="rId4"/>
+              </a:rPr>
+              <a:t>/start/</a:t>
+            </a:r>
+            <a:endParaRPr lang="en-US" sz="1400" dirty="0" smtClean="0"/>
+          </a:p>
+          <a:p>
+            <a:r>
+              <a:rPr lang="en-US" sz="1600" dirty="0" smtClean="0"/>
+              <a:t>HTML 5 Rocks </a:t>
+            </a:r>
+            <a:r>
+              <a:rPr lang="mr-IN" sz="1600" dirty="0" smtClean="0"/>
+              <a:t>–</a:t>
+            </a:r>
+            <a:r>
+              <a:rPr lang="en-US" sz="1600" dirty="0" smtClean="0"/>
+              <a:t> Getting started with </a:t>
+            </a:r>
+            <a:r>
+              <a:rPr lang="en-US" sz="1600" dirty="0" err="1" smtClean="0"/>
+              <a:t>WebRTC</a:t>
+            </a:r>
+            <a:r>
+              <a:rPr lang="en-US" sz="1600" dirty="0" smtClean="0"/>
+              <a:t> (2012)</a:t>
+            </a:r>
+          </a:p>
+          <a:p>
+            <a:pPr lvl="1"/>
+            <a:r>
+              <a:rPr lang="en-US" sz="1400" dirty="0" smtClean="0"/>
+              <a:t>Illustrates local </a:t>
+            </a:r>
+            <a:r>
+              <a:rPr lang="en-US" sz="1400" dirty="0" err="1" smtClean="0"/>
+              <a:t>signalling</a:t>
+            </a:r>
+            <a:r>
+              <a:rPr lang="en-US" sz="1400" dirty="0" smtClean="0"/>
+              <a:t> </a:t>
+            </a:r>
+            <a:r>
+              <a:rPr lang="en-US" sz="1400" i="1" dirty="0" smtClean="0"/>
+              <a:t>but</a:t>
+            </a:r>
+            <a:r>
+              <a:rPr lang="en-US" sz="1400" dirty="0" smtClean="0"/>
+              <a:t> not is a portable way</a:t>
+            </a:r>
+          </a:p>
+          <a:p>
+            <a:pPr lvl="1"/>
+            <a:r>
+              <a:rPr lang="en-US" sz="1400" dirty="0" smtClean="0">
+                <a:hlinkClick r:id="rId5"/>
+              </a:rPr>
+              <a:t>https://www.html5rocks.com/en/tutorials/webrtc/basics/</a:t>
+            </a:r>
+            <a:endParaRPr lang="en-US" sz="1400" dirty="0" smtClean="0"/>
+          </a:p>
+          <a:p>
+            <a:r>
+              <a:rPr lang="en-US" sz="1600" dirty="0" smtClean="0"/>
+              <a:t>HTML 5 Rocks </a:t>
+            </a:r>
+            <a:r>
+              <a:rPr lang="mr-IN" sz="1600" dirty="0" smtClean="0"/>
+              <a:t>–</a:t>
+            </a:r>
+            <a:r>
+              <a:rPr lang="en-US" sz="1600" dirty="0" smtClean="0"/>
+              <a:t> </a:t>
+            </a:r>
+            <a:r>
+              <a:rPr lang="en-US" sz="1600" dirty="0" err="1" smtClean="0"/>
+              <a:t>WebRTC</a:t>
+            </a:r>
+            <a:r>
+              <a:rPr lang="en-US" sz="1600" dirty="0" smtClean="0"/>
+              <a:t> Infrastructure</a:t>
+            </a:r>
+          </a:p>
+          <a:p>
+            <a:pPr lvl="1"/>
+            <a:r>
+              <a:rPr lang="en-US" sz="1400" dirty="0" smtClean="0"/>
+              <a:t>Great overview of </a:t>
+            </a:r>
+            <a:r>
+              <a:rPr lang="en-US" sz="1400" dirty="0" err="1" smtClean="0"/>
+              <a:t>signalling</a:t>
+            </a:r>
+            <a:r>
+              <a:rPr lang="en-US" sz="1400" dirty="0" smtClean="0"/>
+              <a:t> </a:t>
+            </a:r>
+            <a:r>
+              <a:rPr lang="mr-IN" sz="1400" dirty="0" smtClean="0"/>
+              <a:t>–</a:t>
+            </a:r>
+            <a:r>
+              <a:rPr lang="en-US" sz="1400" dirty="0" smtClean="0"/>
+              <a:t> everything you need to know!</a:t>
+            </a:r>
+          </a:p>
+          <a:p>
+            <a:pPr lvl="1"/>
+            <a:r>
+              <a:rPr lang="en-US" sz="1400" dirty="0">
+                <a:hlinkClick r:id="rId6"/>
+              </a:rPr>
+              <a:t>https://www.html5rocks.com/</a:t>
+            </a:r>
+            <a:r>
+              <a:rPr lang="en-US" sz="1400" dirty="0" err="1">
+                <a:hlinkClick r:id="rId6"/>
+              </a:rPr>
+              <a:t>en</a:t>
+            </a:r>
+            <a:r>
+              <a:rPr lang="en-US" sz="1400" dirty="0">
+                <a:hlinkClick r:id="rId6"/>
+              </a:rPr>
+              <a:t>/tutorials/</a:t>
+            </a:r>
+            <a:r>
+              <a:rPr lang="en-US" sz="1400" dirty="0" err="1">
+                <a:hlinkClick r:id="rId6"/>
+              </a:rPr>
+              <a:t>webrtc</a:t>
+            </a:r>
+            <a:r>
+              <a:rPr lang="en-US" sz="1400" dirty="0">
+                <a:hlinkClick r:id="rId6"/>
+              </a:rPr>
+              <a:t>/infrastructure/</a:t>
+            </a:r>
+            <a:endParaRPr lang="en-US" sz="1400" dirty="0"/>
+          </a:p>
+          <a:p>
+            <a:r>
+              <a:rPr lang="en-US" sz="1600" dirty="0" err="1" smtClean="0"/>
+              <a:t>adapter.js</a:t>
+            </a:r>
+            <a:r>
+              <a:rPr lang="en-US" sz="1600" dirty="0" smtClean="0"/>
+              <a:t>: </a:t>
+            </a:r>
+            <a:r>
+              <a:rPr lang="en-US" sz="1400" dirty="0">
+                <a:hlinkClick r:id="rId7"/>
+              </a:rPr>
+              <a:t>https://github.com/webrtc/adapter</a:t>
+            </a:r>
+            <a:endParaRPr lang="en-US" sz="1400" dirty="0"/>
+          </a:p>
+          <a:p>
+            <a:pPr lvl="1"/>
+            <a:r>
+              <a:rPr lang="en-US" sz="1400" dirty="0" smtClean="0"/>
+              <a:t>Shim to isolate applications from browser incompatibilities</a:t>
+            </a:r>
+          </a:p>
+          <a:p>
+            <a:r>
+              <a:rPr lang="en-US" sz="1600" dirty="0"/>
+              <a:t>Promises</a:t>
+            </a:r>
+            <a:r>
+              <a:rPr lang="en-US" sz="1600" dirty="0" smtClean="0"/>
+              <a:t>:</a:t>
+            </a:r>
+          </a:p>
+          <a:p>
+            <a:pPr lvl="1"/>
+            <a:r>
+              <a:rPr lang="en-US" sz="1400" dirty="0">
+                <a:hlinkClick r:id="rId8"/>
+              </a:rPr>
+              <a:t>https://</a:t>
+            </a:r>
+            <a:r>
+              <a:rPr lang="en-US" sz="1400" dirty="0" err="1">
+                <a:hlinkClick r:id="rId8"/>
+              </a:rPr>
+              <a:t>kosamari.com</a:t>
+            </a:r>
+            <a:r>
+              <a:rPr lang="en-US" sz="1400" dirty="0">
+                <a:hlinkClick r:id="rId8"/>
+              </a:rPr>
+              <a:t>/notes/the-promise-of-a-burger-party</a:t>
+            </a:r>
+            <a:endParaRPr lang="en-US" sz="1400" dirty="0"/>
+          </a:p>
+          <a:p>
+            <a:pPr lvl="1"/>
+            <a:r>
+              <a:rPr lang="en-US" sz="1400" dirty="0" smtClean="0">
+                <a:hlinkClick r:id="rId9"/>
+              </a:rPr>
+              <a:t>https</a:t>
+            </a:r>
+            <a:r>
+              <a:rPr lang="en-US" sz="1400" dirty="0">
+                <a:hlinkClick r:id="rId9"/>
+              </a:rPr>
+              <a:t>://</a:t>
+            </a:r>
+            <a:r>
+              <a:rPr lang="en-US" sz="1400" dirty="0" smtClean="0">
+                <a:hlinkClick r:id="rId9"/>
+              </a:rPr>
+              <a:t>developer.mozilla.org/en/docs/Web/JavaScript/Reference/Global_Objects/Promise</a:t>
+            </a:r>
+            <a:endParaRPr lang="en-US" sz="1400" dirty="0" smtClean="0"/>
+          </a:p>
+          <a:p>
+            <a:r>
+              <a:rPr lang="en-US" sz="1600" dirty="0" smtClean="0"/>
+              <a:t>Classes/OOD/OOP: </a:t>
+            </a:r>
+            <a:r>
+              <a:rPr lang="en-US" sz="1400" dirty="0" smtClean="0">
+                <a:hlinkClick r:id="rId10"/>
+              </a:rPr>
+              <a:t>https</a:t>
+            </a:r>
+            <a:r>
+              <a:rPr lang="en-US" sz="1400" dirty="0">
+                <a:hlinkClick r:id="rId10"/>
+              </a:rPr>
+              <a:t>://</a:t>
+            </a:r>
+            <a:r>
+              <a:rPr lang="en-US" sz="1400" dirty="0" smtClean="0">
+                <a:hlinkClick r:id="rId10"/>
+              </a:rPr>
+              <a:t>developer.mozilla.org/en-US/docs/Learn/JavaScript/Objects/Object-oriented_JS</a:t>
+            </a:r>
+            <a:endParaRPr lang="en-US" sz="1400" dirty="0" smtClean="0"/>
+          </a:p>
+          <a:p>
+            <a:r>
+              <a:rPr lang="en-US" sz="1600" dirty="0" smtClean="0"/>
+              <a:t>Finite State Machine: </a:t>
+            </a:r>
+            <a:r>
+              <a:rPr lang="en-US" sz="1400" dirty="0" smtClean="0">
+                <a:hlinkClick r:id="rId11"/>
+              </a:rPr>
+              <a:t>https://developer.mozilla.org/en-US/docs/Glossary/State_machine</a:t>
+            </a:r>
+            <a:endParaRPr lang="en-US" sz="1400" dirty="0" smtClean="0"/>
+          </a:p>
+          <a:p>
+            <a:endParaRPr lang="en-US" sz="1600" dirty="0"/>
+          </a:p>
+        </p:txBody>
+      </p:sp>
+    </p:spTree>
+    <p:extLst>
+      <p:ext uri="{BB962C8B-B14F-4D97-AF65-F5344CB8AC3E}">
+        <p14:creationId xmlns:p14="http://schemas.microsoft.com/office/powerpoint/2010/main" val="162938005"/>
+      </p:ext>
+    </p:extLst>
+  </p:cSld>
+  <p:clrMapOvr>
+    <a:masterClrMapping/>
+  </p:clrMapOvr>
+  <p:timing>
+    <p:tnLst>
+      <p:par>
+        <p:cTn id="1" dur="indefinite" restart="never" nodeType="tmRoot"/>
+      </p:par>
+    </p:tnLst>
+  </p:timing>
+</p:sld>
+</file>
+
+<file path=ppt/slides/slide4.xml><?xml version="1.0" encoding="utf-8"?>
+<p:sld xmlns:a="http://schemas.openxmlformats.org/drawingml/2006/main" xmlns:r="http://schemas.openxmlformats.org/officeDocument/2006/relationships" xmlns:p="http://schemas.openxmlformats.org/presentationml/2006/main">
+  <p:cSld>
+    <p:spTree>
+      <p:nvGrpSpPr>
+        <p:cNvPr id="1" name=""/>
+        <p:cNvGrpSpPr/>
+        <p:nvPr/>
+      </p:nvGrpSpPr>
+      <p:grpSpPr>
+        <a:xfrm>
+          <a:off x="0" y="0"/>
+          <a:ext cx="0" cy="0"/>
+          <a:chOff x="0" y="0"/>
+          <a:chExt cx="0" cy="0"/>
+        </a:xfrm>
+      </p:grpSpPr>
+      <p:sp>
+        <p:nvSpPr>
+          <p:cNvPr id="2" name="Title 1"/>
+          <p:cNvSpPr>
+            <a:spLocks noGrp="1"/>
+          </p:cNvSpPr>
+          <p:nvPr>
+            <p:ph type="title"/>
+          </p:nvPr>
+        </p:nvSpPr>
+        <p:spPr/>
+        <p:txBody>
+          <a:bodyPr/>
+          <a:lstStyle/>
+          <a:p>
+            <a:r>
+              <a:rPr lang="en-US" dirty="0" smtClean="0"/>
+              <a:t>Apple Safari</a:t>
+            </a:r>
+            <a:endParaRPr lang="en-US" dirty="0"/>
+          </a:p>
+        </p:txBody>
+      </p:sp>
+      <p:pic>
+        <p:nvPicPr>
+          <p:cNvPr id="4" name="Picture 3"/>
+          <p:cNvPicPr>
+            <a:picLocks noChangeAspect="1"/>
+          </p:cNvPicPr>
+          <p:nvPr/>
+        </p:nvPicPr>
+        <p:blipFill>
+          <a:blip r:embed="rId2">
+            <a:extLst>
+              <a:ext uri="{28A0092B-C50C-407E-A947-70E740481C1C}">
+                <a14:useLocalDpi xmlns:a14="http://schemas.microsoft.com/office/drawing/2010/main" val="0"/>
+              </a:ext>
+            </a:extLst>
+          </a:blip>
+          <a:stretch>
+            <a:fillRect/>
+          </a:stretch>
+        </p:blipFill>
+        <p:spPr>
+          <a:xfrm>
+            <a:off x="1320800" y="1506405"/>
+            <a:ext cx="9931400" cy="4776810"/>
+          </a:xfrm>
+          <a:prstGeom prst="rect">
+            <a:avLst/>
+          </a:prstGeom>
+        </p:spPr>
+      </p:pic>
+    </p:spTree>
+    <p:extLst>
+      <p:ext uri="{BB962C8B-B14F-4D97-AF65-F5344CB8AC3E}">
+        <p14:creationId xmlns:p14="http://schemas.microsoft.com/office/powerpoint/2010/main" val="1636119626"/>
+      </p:ext>
+    </p:extLst>
+  </p:cSld>
+  <p:clrMapOvr>
+    <a:masterClrMapping/>
+  </p:clrMapOvr>
+  <p:timing>
+    <p:tnLst>
+      <p:par>
+        <p:cTn id="1" dur="indefinite" restart="never" nodeType="tmRoot"/>
+      </p:par>
+    </p:tnLst>
+  </p:timing>
+</p:sld>
+</file>
+
+<file path=ppt/slides/slide40.xml><?xml version="1.0" encoding="utf-8"?>
+<p:sld xmlns:a="http://schemas.openxmlformats.org/drawingml/2006/main" xmlns:r="http://schemas.openxmlformats.org/officeDocument/2006/relationships" xmlns:p="http://schemas.openxmlformats.org/presentationml/2006/main" show="0">
+  <p:cSld>
+    <p:spTree>
+      <p:nvGrpSpPr>
+        <p:cNvPr id="1" name=""/>
+        <p:cNvGrpSpPr/>
+        <p:nvPr/>
+      </p:nvGrpSpPr>
+      <p:grpSpPr>
+        <a:xfrm>
+          <a:off x="0" y="0"/>
+          <a:ext cx="0" cy="0"/>
+          <a:chOff x="0" y="0"/>
+          <a:chExt cx="0" cy="0"/>
+        </a:xfrm>
+      </p:grpSpPr>
+      <p:sp>
+        <p:nvSpPr>
           <p:cNvPr id="3" name="Content Placeholder 2"/>
           <p:cNvSpPr>
             <a:spLocks noGrp="1"/>
@@ -15031,7 +16326,7 @@
 </p:sld>
 </file>
 
-<file path=ppt/slides/slide39.xml><?xml version="1.0" encoding="utf-8"?>
+<file path=ppt/slides/slide41.xml><?xml version="1.0" encoding="utf-8"?>
 <p:sld xmlns:a="http://schemas.openxmlformats.org/drawingml/2006/main" xmlns:r="http://schemas.openxmlformats.org/officeDocument/2006/relationships" xmlns:p="http://schemas.openxmlformats.org/presentationml/2006/main" show="0">
   <p:cSld>
     <p:spTree>
@@ -16218,97 +17513,7 @@
 </p:sld>
 </file>
 
-<file path=ppt/slides/slide4.xml><?xml version="1.0" encoding="utf-8"?>
-<p:sld xmlns:a="http://schemas.openxmlformats.org/drawingml/2006/main" xmlns:r="http://schemas.openxmlformats.org/officeDocument/2006/relationships" xmlns:p="http://schemas.openxmlformats.org/presentationml/2006/main">
-  <p:cSld>
-    <p:spTree>
-      <p:nvGrpSpPr>
-        <p:cNvPr id="1" name=""/>
-        <p:cNvGrpSpPr/>
-        <p:nvPr/>
-      </p:nvGrpSpPr>
-      <p:grpSpPr>
-        <a:xfrm>
-          <a:off x="0" y="0"/>
-          <a:ext cx="0" cy="0"/>
-          <a:chOff x="0" y="0"/>
-          <a:chExt cx="0" cy="0"/>
-        </a:xfrm>
-      </p:grpSpPr>
-      <p:sp>
-        <p:nvSpPr>
-          <p:cNvPr id="2" name="Title 1"/>
-          <p:cNvSpPr>
-            <a:spLocks noGrp="1"/>
-          </p:cNvSpPr>
-          <p:nvPr>
-            <p:ph type="title"/>
-          </p:nvPr>
-        </p:nvSpPr>
-        <p:spPr/>
-        <p:txBody>
-          <a:bodyPr/>
-          <a:lstStyle/>
-          <a:p>
-            <a:r>
-              <a:rPr lang="en-US" dirty="0" smtClean="0"/>
-              <a:t>Apple Safari</a:t>
-            </a:r>
-            <a:endParaRPr lang="en-US" dirty="0"/>
-          </a:p>
-        </p:txBody>
-      </p:sp>
-      <p:pic>
-        <p:nvPicPr>
-          <p:cNvPr id="4" name="Picture 3"/>
-          <p:cNvPicPr>
-            <a:picLocks noChangeAspect="1"/>
-          </p:cNvPicPr>
-          <p:nvPr/>
-        </p:nvPicPr>
-        <p:blipFill>
-          <a:blip r:embed="rId2">
-            <a:extLst>
-              <a:ext uri="{28A0092B-C50C-407E-A947-70E740481C1C}">
-                <a14:useLocalDpi xmlns:a14="http://schemas.microsoft.com/office/drawing/2010/main" val="0"/>
-              </a:ext>
-            </a:extLst>
-          </a:blip>
-          <a:stretch>
-            <a:fillRect/>
-          </a:stretch>
-        </p:blipFill>
-        <p:spPr>
-          <a:xfrm>
-            <a:off x="1320800" y="1506405"/>
-            <a:ext cx="9931400" cy="4776810"/>
-          </a:xfrm>
-          <a:prstGeom prst="rect">
-            <a:avLst/>
-          </a:prstGeom>
-        </p:spPr>
-      </p:pic>
-    </p:spTree>
-    <p:extLst>
-      <p:ext uri="{BB962C8B-B14F-4D97-AF65-F5344CB8AC3E}">
-        <p14:creationId xmlns:p14="http://schemas.microsoft.com/office/powerpoint/2010/main" val="1636119626"/>
-      </p:ext>
-    </p:extLst>
-  </p:cSld>
-  <p:clrMapOvr>
-    <a:masterClrMapping/>
-  </p:clrMapOvr>
-  <p:timing>
-    <p:tnLst>
-      <p:par>
-        <p:cTn id="1" dur="indefinite" restart="never" nodeType="tmRoot"/>
-      </p:par>
-    </p:tnLst>
-  </p:timing>
-</p:sld>
-</file>
-
-<file path=ppt/slides/slide40.xml><?xml version="1.0" encoding="utf-8"?>
+<file path=ppt/slides/slide42.xml><?xml version="1.0" encoding="utf-8"?>
 <p:sld xmlns:a="http://schemas.openxmlformats.org/drawingml/2006/main" xmlns:r="http://schemas.openxmlformats.org/officeDocument/2006/relationships" xmlns:p="http://schemas.openxmlformats.org/presentationml/2006/main" show="0">
   <p:cSld>
     <p:spTree>

--- a/presentations/FAC9 Workshop.pptx
+++ b/presentations/FAC9 Workshop.pptx
@@ -5,7 +5,7 @@
     <p:sldMasterId id="2147483648" r:id="rId1"/>
   </p:sldMasterIdLst>
   <p:notesMasterIdLst>
-    <p:notesMasterId r:id="rId44"/>
+    <p:notesMasterId r:id="rId46"/>
   </p:notesMasterIdLst>
   <p:sldIdLst>
     <p:sldId id="256" r:id="rId2"/>
@@ -39,17 +39,19 @@
     <p:sldId id="296" r:id="rId30"/>
     <p:sldId id="303" r:id="rId31"/>
     <p:sldId id="304" r:id="rId32"/>
-    <p:sldId id="269" r:id="rId33"/>
-    <p:sldId id="277" r:id="rId34"/>
-    <p:sldId id="297" r:id="rId35"/>
-    <p:sldId id="298" r:id="rId36"/>
-    <p:sldId id="299" r:id="rId37"/>
-    <p:sldId id="270" r:id="rId38"/>
-    <p:sldId id="271" r:id="rId39"/>
-    <p:sldId id="272" r:id="rId40"/>
-    <p:sldId id="281" r:id="rId41"/>
-    <p:sldId id="282" r:id="rId42"/>
-    <p:sldId id="283" r:id="rId43"/>
+    <p:sldId id="305" r:id="rId33"/>
+    <p:sldId id="306" r:id="rId34"/>
+    <p:sldId id="269" r:id="rId35"/>
+    <p:sldId id="277" r:id="rId36"/>
+    <p:sldId id="297" r:id="rId37"/>
+    <p:sldId id="298" r:id="rId38"/>
+    <p:sldId id="299" r:id="rId39"/>
+    <p:sldId id="270" r:id="rId40"/>
+    <p:sldId id="271" r:id="rId41"/>
+    <p:sldId id="272" r:id="rId42"/>
+    <p:sldId id="281" r:id="rId43"/>
+    <p:sldId id="282" r:id="rId44"/>
+    <p:sldId id="283" r:id="rId45"/>
   </p:sldIdLst>
   <p:sldSz cx="12192000" cy="6858000"/>
   <p:notesSz cx="6858000" cy="9144000"/>
@@ -12643,6 +12645,797 @@
           <a:p>
             <a:r>
               <a:rPr lang="en-US" dirty="0" smtClean="0"/>
+              <a:t>3. Steps to start/end calls</a:t>
+            </a:r>
+            <a:endParaRPr lang="en-US" dirty="0"/>
+          </a:p>
+        </p:txBody>
+      </p:sp>
+      <p:sp>
+        <p:nvSpPr>
+          <p:cNvPr id="3" name="Content Placeholder 2"/>
+          <p:cNvSpPr>
+            <a:spLocks noGrp="1"/>
+          </p:cNvSpPr>
+          <p:nvPr>
+            <p:ph idx="1"/>
+          </p:nvPr>
+        </p:nvSpPr>
+        <p:spPr/>
+        <p:txBody>
+          <a:bodyPr>
+            <a:normAutofit lnSpcReduction="10000"/>
+          </a:bodyPr>
+          <a:lstStyle/>
+          <a:p>
+            <a:pPr marL="514350" indent="-514350">
+              <a:buFont typeface="+mj-lt"/>
+              <a:buAutoNum type="arabicPeriod"/>
+            </a:pPr>
+            <a:r>
+              <a:rPr lang="en-US" dirty="0" smtClean="0"/>
+              <a:t>Write HTML for 4 ‘virtual’ callers</a:t>
+            </a:r>
+          </a:p>
+          <a:p>
+            <a:pPr lvl="1"/>
+            <a:r>
+              <a:rPr lang="en-US" dirty="0" smtClean="0"/>
+              <a:t>4 video tags showing person called + 4 small video tags showing local video</a:t>
+            </a:r>
+          </a:p>
+          <a:p>
+            <a:pPr lvl="1"/>
+            <a:r>
+              <a:rPr lang="en-US" dirty="0" smtClean="0"/>
+              <a:t>&lt;input type=“text’&gt; to enter the name of the person to call</a:t>
+            </a:r>
+          </a:p>
+          <a:p>
+            <a:pPr lvl="1"/>
+            <a:r>
+              <a:rPr lang="en-US" dirty="0" smtClean="0"/>
+              <a:t>Display the current state (in HTML)</a:t>
+            </a:r>
+          </a:p>
+          <a:p>
+            <a:pPr marL="514350" indent="-514350">
+              <a:buFont typeface="+mj-lt"/>
+              <a:buAutoNum type="arabicPeriod"/>
+            </a:pPr>
+            <a:r>
+              <a:rPr lang="en-US" dirty="0" smtClean="0"/>
+              <a:t>Add ‘click’ event handlers for ‘call’ and ‘</a:t>
+            </a:r>
+            <a:r>
+              <a:rPr lang="en-US" dirty="0" err="1" smtClean="0"/>
+              <a:t>hangup</a:t>
+            </a:r>
+            <a:r>
+              <a:rPr lang="en-US" dirty="0" smtClean="0"/>
+              <a:t>’</a:t>
+            </a:r>
+          </a:p>
+          <a:p>
+            <a:pPr lvl="1"/>
+            <a:r>
+              <a:rPr lang="en-US" dirty="0" smtClean="0"/>
+              <a:t>Add these into ‘</a:t>
+            </a:r>
+            <a:r>
+              <a:rPr lang="en-US" dirty="0" err="1" smtClean="0"/>
+              <a:t>driver.js</a:t>
+            </a:r>
+            <a:r>
+              <a:rPr lang="en-US" dirty="0" smtClean="0"/>
+              <a:t>’</a:t>
+            </a:r>
+          </a:p>
+          <a:p>
+            <a:pPr marL="514350" indent="-514350">
+              <a:buFont typeface="+mj-lt"/>
+              <a:buAutoNum type="arabicPeriod"/>
+            </a:pPr>
+            <a:r>
+              <a:rPr lang="en-US" dirty="0" smtClean="0"/>
+              <a:t>For each caller, create a </a:t>
+            </a:r>
+            <a:r>
+              <a:rPr lang="en-US" dirty="0" err="1" smtClean="0"/>
+              <a:t>VirtualEndPoint</a:t>
+            </a:r>
+            <a:r>
+              <a:rPr lang="en-US" dirty="0" smtClean="0"/>
+              <a:t> object</a:t>
+            </a:r>
+          </a:p>
+          <a:p>
+            <a:pPr lvl="1"/>
+            <a:r>
+              <a:rPr lang="en-US" dirty="0" smtClean="0"/>
+              <a:t>Pass in the video tags and the ‘status’ display tag to the constructor</a:t>
+            </a:r>
+            <a:br>
+              <a:rPr lang="en-US" dirty="0" smtClean="0"/>
+            </a:br>
+            <a:r>
+              <a:rPr lang="en-US" dirty="0" smtClean="0"/>
+              <a:t/>
+            </a:r>
+            <a:br>
+              <a:rPr lang="en-US" dirty="0" smtClean="0"/>
+            </a:br>
+            <a:r>
+              <a:rPr lang="en-US" sz="1800" dirty="0" smtClean="0">
+                <a:latin typeface="Courier New" charset="0"/>
+                <a:ea typeface="Courier New" charset="0"/>
+                <a:cs typeface="Courier New" charset="0"/>
+              </a:rPr>
+              <a:t>new </a:t>
+            </a:r>
+            <a:r>
+              <a:rPr lang="en-US" sz="1800" dirty="0" err="1" smtClean="0">
+                <a:latin typeface="Courier New" charset="0"/>
+                <a:ea typeface="Courier New" charset="0"/>
+                <a:cs typeface="Courier New" charset="0"/>
+              </a:rPr>
+              <a:t>VideoEndPoint</a:t>
+            </a:r>
+            <a:r>
+              <a:rPr lang="en-US" sz="1800" dirty="0" smtClean="0">
+                <a:latin typeface="Courier New" charset="0"/>
+                <a:ea typeface="Courier New" charset="0"/>
+                <a:cs typeface="Courier New" charset="0"/>
+              </a:rPr>
+              <a:t>(</a:t>
+            </a:r>
+            <a:br>
+              <a:rPr lang="en-US" sz="1800" dirty="0" smtClean="0">
+                <a:latin typeface="Courier New" charset="0"/>
+                <a:ea typeface="Courier New" charset="0"/>
+                <a:cs typeface="Courier New" charset="0"/>
+              </a:rPr>
+            </a:br>
+            <a:r>
+              <a:rPr lang="en-US" sz="1800" dirty="0" smtClean="0">
+                <a:latin typeface="Courier New" charset="0"/>
+                <a:ea typeface="Courier New" charset="0"/>
+                <a:cs typeface="Courier New" charset="0"/>
+              </a:rPr>
+              <a:t>    ‘name’,</a:t>
+            </a:r>
+            <a:r>
+              <a:rPr lang="en-US" sz="1800" dirty="0" err="1" smtClean="0">
+                <a:latin typeface="Courier New" charset="0"/>
+                <a:ea typeface="Courier New" charset="0"/>
+                <a:cs typeface="Courier New" charset="0"/>
+              </a:rPr>
+              <a:t>remoteVideoDOMtag</a:t>
+            </a:r>
+            <a:r>
+              <a:rPr lang="en-US" sz="1800" dirty="0" smtClean="0">
+                <a:latin typeface="Courier New" charset="0"/>
+                <a:ea typeface="Courier New" charset="0"/>
+                <a:cs typeface="Courier New" charset="0"/>
+              </a:rPr>
+              <a:t>,</a:t>
+            </a:r>
+            <a:r>
+              <a:rPr lang="en-US" sz="1800" dirty="0">
+                <a:latin typeface="Courier New" charset="0"/>
+                <a:ea typeface="Courier New" charset="0"/>
+                <a:cs typeface="Courier New" charset="0"/>
+              </a:rPr>
+              <a:t> </a:t>
+            </a:r>
+            <a:r>
+              <a:rPr lang="en-US" sz="1800" dirty="0" err="1" smtClean="0">
+                <a:latin typeface="Courier New" charset="0"/>
+                <a:ea typeface="Courier New" charset="0"/>
+                <a:cs typeface="Courier New" charset="0"/>
+              </a:rPr>
+              <a:t>remoteVideoDOMtag</a:t>
+            </a:r>
+            <a:r>
+              <a:rPr lang="en-US" sz="1800" dirty="0" smtClean="0">
+                <a:latin typeface="Courier New" charset="0"/>
+                <a:ea typeface="Courier New" charset="0"/>
+                <a:cs typeface="Courier New" charset="0"/>
+              </a:rPr>
+              <a:t>, </a:t>
+            </a:r>
+            <a:r>
+              <a:rPr lang="en-US" sz="1800" dirty="0" err="1" smtClean="0">
+                <a:latin typeface="Courier New" charset="0"/>
+                <a:ea typeface="Courier New" charset="0"/>
+                <a:cs typeface="Courier New" charset="0"/>
+              </a:rPr>
+              <a:t>statusDOMtag</a:t>
+            </a:r>
+            <a:r>
+              <a:rPr lang="en-US" sz="1800" dirty="0" smtClean="0">
+                <a:latin typeface="Courier New" charset="0"/>
+                <a:ea typeface="Courier New" charset="0"/>
+                <a:cs typeface="Courier New" charset="0"/>
+              </a:rPr>
+              <a:t/>
+            </a:r>
+            <a:br>
+              <a:rPr lang="en-US" sz="1800" dirty="0" smtClean="0">
+                <a:latin typeface="Courier New" charset="0"/>
+                <a:ea typeface="Courier New" charset="0"/>
+                <a:cs typeface="Courier New" charset="0"/>
+              </a:rPr>
+            </a:br>
+            <a:r>
+              <a:rPr lang="en-US" sz="1800" dirty="0" smtClean="0">
+                <a:latin typeface="Courier New" charset="0"/>
+                <a:ea typeface="Courier New" charset="0"/>
+                <a:cs typeface="Courier New" charset="0"/>
+              </a:rPr>
+              <a:t>)</a:t>
+            </a:r>
+            <a:endParaRPr lang="en-US" dirty="0" smtClean="0">
+              <a:latin typeface="Courier New" charset="0"/>
+              <a:ea typeface="Courier New" charset="0"/>
+              <a:cs typeface="Courier New" charset="0"/>
+            </a:endParaRPr>
+          </a:p>
+          <a:p>
+            <a:pPr lvl="1"/>
+            <a:endParaRPr lang="en-US" dirty="0"/>
+          </a:p>
+        </p:txBody>
+      </p:sp>
+    </p:spTree>
+    <p:extLst>
+      <p:ext uri="{BB962C8B-B14F-4D97-AF65-F5344CB8AC3E}">
+        <p14:creationId xmlns:p14="http://schemas.microsoft.com/office/powerpoint/2010/main" val="1417700207"/>
+      </p:ext>
+    </p:extLst>
+  </p:cSld>
+  <p:clrMapOvr>
+    <a:masterClrMapping/>
+  </p:clrMapOvr>
+</p:sld>
+</file>
+
+<file path=ppt/slides/slide33.xml><?xml version="1.0" encoding="utf-8"?>
+<p:sld xmlns:a="http://schemas.openxmlformats.org/drawingml/2006/main" xmlns:r="http://schemas.openxmlformats.org/officeDocument/2006/relationships" xmlns:p="http://schemas.openxmlformats.org/presentationml/2006/main">
+  <p:cSld>
+    <p:spTree>
+      <p:nvGrpSpPr>
+        <p:cNvPr id="1" name=""/>
+        <p:cNvGrpSpPr/>
+        <p:nvPr/>
+      </p:nvGrpSpPr>
+      <p:grpSpPr>
+        <a:xfrm>
+          <a:off x="0" y="0"/>
+          <a:ext cx="0" cy="0"/>
+          <a:chOff x="0" y="0"/>
+          <a:chExt cx="0" cy="0"/>
+        </a:xfrm>
+      </p:grpSpPr>
+      <p:sp>
+        <p:nvSpPr>
+          <p:cNvPr id="2" name="Title 1"/>
+          <p:cNvSpPr>
+            <a:spLocks noGrp="1"/>
+          </p:cNvSpPr>
+          <p:nvPr>
+            <p:ph type="title"/>
+          </p:nvPr>
+        </p:nvSpPr>
+        <p:spPr/>
+        <p:txBody>
+          <a:bodyPr/>
+          <a:lstStyle/>
+          <a:p>
+            <a:r>
+              <a:rPr lang="en-US" smtClean="0"/>
+              <a:t>Responsive HTML layout</a:t>
+            </a:r>
+            <a:endParaRPr lang="en-US"/>
+          </a:p>
+        </p:txBody>
+      </p:sp>
+      <p:sp>
+        <p:nvSpPr>
+          <p:cNvPr id="3" name="Content Placeholder 2"/>
+          <p:cNvSpPr>
+            <a:spLocks noGrp="1"/>
+          </p:cNvSpPr>
+          <p:nvPr>
+            <p:ph idx="1"/>
+          </p:nvPr>
+        </p:nvSpPr>
+        <p:spPr/>
+        <p:txBody>
+          <a:bodyPr>
+            <a:normAutofit fontScale="77500" lnSpcReduction="20000"/>
+          </a:bodyPr>
+          <a:lstStyle/>
+          <a:p>
+            <a:r>
+              <a:rPr lang="en-US" dirty="0" smtClean="0">
+                <a:latin typeface="Courier New" charset="0"/>
+                <a:ea typeface="Courier New" charset="0"/>
+                <a:cs typeface="Courier New" charset="0"/>
+              </a:rPr>
+              <a:t>&lt;div class=”container”&gt;</a:t>
+            </a:r>
+            <a:br>
+              <a:rPr lang="en-US" dirty="0" smtClean="0">
+                <a:latin typeface="Courier New" charset="0"/>
+                <a:ea typeface="Courier New" charset="0"/>
+                <a:cs typeface="Courier New" charset="0"/>
+              </a:rPr>
+            </a:br>
+            <a:r>
+              <a:rPr lang="en-US" dirty="0" smtClean="0">
+                <a:latin typeface="Courier New" charset="0"/>
+                <a:ea typeface="Courier New" charset="0"/>
+                <a:cs typeface="Courier New" charset="0"/>
+              </a:rPr>
+              <a:t>  &lt;div class=“row”&gt;</a:t>
+            </a:r>
+            <a:r>
+              <a:rPr lang="en-US" dirty="0">
+                <a:latin typeface="Courier New" charset="0"/>
+                <a:ea typeface="Courier New" charset="0"/>
+                <a:cs typeface="Courier New" charset="0"/>
+              </a:rPr>
+              <a:t/>
+            </a:r>
+            <a:br>
+              <a:rPr lang="en-US" dirty="0">
+                <a:latin typeface="Courier New" charset="0"/>
+                <a:ea typeface="Courier New" charset="0"/>
+                <a:cs typeface="Courier New" charset="0"/>
+              </a:rPr>
+            </a:br>
+            <a:r>
+              <a:rPr lang="en-US" dirty="0" smtClean="0">
+                <a:latin typeface="Courier New" charset="0"/>
+                <a:ea typeface="Courier New" charset="0"/>
+                <a:cs typeface="Courier New" charset="0"/>
+              </a:rPr>
+              <a:t>    &lt;div class=”col-xs-12 col-sm-6”&gt;</a:t>
+            </a:r>
+            <a:br>
+              <a:rPr lang="en-US" dirty="0" smtClean="0">
+                <a:latin typeface="Courier New" charset="0"/>
+                <a:ea typeface="Courier New" charset="0"/>
+                <a:cs typeface="Courier New" charset="0"/>
+              </a:rPr>
+            </a:br>
+            <a:r>
+              <a:rPr lang="en-US" dirty="0" smtClean="0">
+                <a:latin typeface="Courier New" charset="0"/>
+                <a:ea typeface="Courier New" charset="0"/>
+                <a:cs typeface="Courier New" charset="0"/>
+              </a:rPr>
+              <a:t>      </a:t>
+            </a:r>
+            <a:r>
+              <a:rPr lang="mr-IN" dirty="0" smtClean="0">
+                <a:latin typeface="Courier New" charset="0"/>
+                <a:ea typeface="Courier New" charset="0"/>
+                <a:cs typeface="Courier New" charset="0"/>
+              </a:rPr>
+              <a:t>…</a:t>
+            </a:r>
+            <a:r>
+              <a:rPr lang="en-GB" dirty="0" smtClean="0">
+                <a:latin typeface="Courier New" charset="0"/>
+                <a:ea typeface="Courier New" charset="0"/>
+                <a:cs typeface="Courier New" charset="0"/>
+              </a:rPr>
+              <a:t/>
+            </a:r>
+            <a:br>
+              <a:rPr lang="en-GB" dirty="0" smtClean="0">
+                <a:latin typeface="Courier New" charset="0"/>
+                <a:ea typeface="Courier New" charset="0"/>
+                <a:cs typeface="Courier New" charset="0"/>
+              </a:rPr>
+            </a:br>
+            <a:r>
+              <a:rPr lang="en-GB" dirty="0" smtClean="0">
+                <a:latin typeface="Courier New" charset="0"/>
+                <a:ea typeface="Courier New" charset="0"/>
+                <a:cs typeface="Courier New" charset="0"/>
+              </a:rPr>
+              <a:t>    &lt;/div&gt;</a:t>
+            </a:r>
+            <a:br>
+              <a:rPr lang="en-GB" dirty="0" smtClean="0">
+                <a:latin typeface="Courier New" charset="0"/>
+                <a:ea typeface="Courier New" charset="0"/>
+                <a:cs typeface="Courier New" charset="0"/>
+              </a:rPr>
+            </a:br>
+            <a:r>
+              <a:rPr lang="en-GB" dirty="0" smtClean="0">
+                <a:latin typeface="Courier New" charset="0"/>
+                <a:ea typeface="Courier New" charset="0"/>
+                <a:cs typeface="Courier New" charset="0"/>
+              </a:rPr>
+              <a:t>   </a:t>
+            </a:r>
+            <a:r>
+              <a:rPr lang="en-US" dirty="0" smtClean="0">
+                <a:latin typeface="Courier New" charset="0"/>
+                <a:ea typeface="Courier New" charset="0"/>
+                <a:cs typeface="Courier New" charset="0"/>
+              </a:rPr>
+              <a:t> </a:t>
+            </a:r>
+            <a:r>
+              <a:rPr lang="en-US" dirty="0">
+                <a:latin typeface="Courier New" charset="0"/>
+                <a:ea typeface="Courier New" charset="0"/>
+                <a:cs typeface="Courier New" charset="0"/>
+              </a:rPr>
+              <a:t>&lt;div class=”</a:t>
+            </a:r>
+            <a:r>
+              <a:rPr lang="en-US" dirty="0" smtClean="0">
+                <a:latin typeface="Courier New" charset="0"/>
+                <a:ea typeface="Courier New" charset="0"/>
+                <a:cs typeface="Courier New" charset="0"/>
+              </a:rPr>
+              <a:t>col-xs-12</a:t>
+            </a:r>
+            <a:r>
+              <a:rPr lang="en-US" dirty="0">
+                <a:latin typeface="Courier New" charset="0"/>
+                <a:ea typeface="Courier New" charset="0"/>
+                <a:cs typeface="Courier New" charset="0"/>
+              </a:rPr>
+              <a:t> </a:t>
+            </a:r>
+            <a:r>
+              <a:rPr lang="en-US" dirty="0" smtClean="0">
+                <a:latin typeface="Courier New" charset="0"/>
+                <a:ea typeface="Courier New" charset="0"/>
+                <a:cs typeface="Courier New" charset="0"/>
+              </a:rPr>
+              <a:t>col-sm-6”&gt;</a:t>
+            </a:r>
+            <a:r>
+              <a:rPr lang="en-US" dirty="0">
+                <a:latin typeface="Courier New" charset="0"/>
+                <a:ea typeface="Courier New" charset="0"/>
+                <a:cs typeface="Courier New" charset="0"/>
+              </a:rPr>
+              <a:t/>
+            </a:r>
+            <a:br>
+              <a:rPr lang="en-US" dirty="0">
+                <a:latin typeface="Courier New" charset="0"/>
+                <a:ea typeface="Courier New" charset="0"/>
+                <a:cs typeface="Courier New" charset="0"/>
+              </a:rPr>
+            </a:br>
+            <a:r>
+              <a:rPr lang="en-US" dirty="0">
+                <a:latin typeface="Courier New" charset="0"/>
+                <a:ea typeface="Courier New" charset="0"/>
+                <a:cs typeface="Courier New" charset="0"/>
+              </a:rPr>
+              <a:t>      </a:t>
+            </a:r>
+            <a:r>
+              <a:rPr lang="mr-IN" dirty="0">
+                <a:latin typeface="Courier New" charset="0"/>
+                <a:ea typeface="Courier New" charset="0"/>
+                <a:cs typeface="Courier New" charset="0"/>
+              </a:rPr>
+              <a:t>…</a:t>
+            </a:r>
+            <a:r>
+              <a:rPr lang="en-GB" dirty="0">
+                <a:latin typeface="Courier New" charset="0"/>
+                <a:ea typeface="Courier New" charset="0"/>
+                <a:cs typeface="Courier New" charset="0"/>
+              </a:rPr>
+              <a:t/>
+            </a:r>
+            <a:br>
+              <a:rPr lang="en-GB" dirty="0">
+                <a:latin typeface="Courier New" charset="0"/>
+                <a:ea typeface="Courier New" charset="0"/>
+                <a:cs typeface="Courier New" charset="0"/>
+              </a:rPr>
+            </a:br>
+            <a:r>
+              <a:rPr lang="en-GB" dirty="0">
+                <a:latin typeface="Courier New" charset="0"/>
+                <a:ea typeface="Courier New" charset="0"/>
+                <a:cs typeface="Courier New" charset="0"/>
+              </a:rPr>
+              <a:t>    &lt;/div&gt;</a:t>
+            </a:r>
+            <a:br>
+              <a:rPr lang="en-GB" dirty="0">
+                <a:latin typeface="Courier New" charset="0"/>
+                <a:ea typeface="Courier New" charset="0"/>
+                <a:cs typeface="Courier New" charset="0"/>
+              </a:rPr>
+            </a:br>
+            <a:r>
+              <a:rPr lang="en-GB" dirty="0" smtClean="0">
+                <a:latin typeface="Courier New" charset="0"/>
+                <a:ea typeface="Courier New" charset="0"/>
+                <a:cs typeface="Courier New" charset="0"/>
+              </a:rPr>
+              <a:t>   </a:t>
+            </a:r>
+            <a:r>
+              <a:rPr lang="en-US" dirty="0" smtClean="0">
+                <a:latin typeface="Courier New" charset="0"/>
+                <a:ea typeface="Courier New" charset="0"/>
+                <a:cs typeface="Courier New" charset="0"/>
+              </a:rPr>
+              <a:t> </a:t>
+            </a:r>
+            <a:r>
+              <a:rPr lang="en-US" dirty="0">
+                <a:latin typeface="Courier New" charset="0"/>
+                <a:ea typeface="Courier New" charset="0"/>
+                <a:cs typeface="Courier New" charset="0"/>
+              </a:rPr>
+              <a:t>&lt;div class=”col-xs-12 </a:t>
+            </a:r>
+            <a:r>
+              <a:rPr lang="en-US" dirty="0" smtClean="0">
+                <a:latin typeface="Courier New" charset="0"/>
+                <a:ea typeface="Courier New" charset="0"/>
+                <a:cs typeface="Courier New" charset="0"/>
+              </a:rPr>
+              <a:t>col-sm-6</a:t>
+            </a:r>
+            <a:r>
+              <a:rPr lang="en-US" dirty="0">
+                <a:latin typeface="Courier New" charset="0"/>
+                <a:ea typeface="Courier New" charset="0"/>
+                <a:cs typeface="Courier New" charset="0"/>
+              </a:rPr>
+              <a:t>”&gt;</a:t>
+            </a:r>
+            <a:br>
+              <a:rPr lang="en-US" dirty="0">
+                <a:latin typeface="Courier New" charset="0"/>
+                <a:ea typeface="Courier New" charset="0"/>
+                <a:cs typeface="Courier New" charset="0"/>
+              </a:rPr>
+            </a:br>
+            <a:r>
+              <a:rPr lang="en-US" dirty="0">
+                <a:latin typeface="Courier New" charset="0"/>
+                <a:ea typeface="Courier New" charset="0"/>
+                <a:cs typeface="Courier New" charset="0"/>
+              </a:rPr>
+              <a:t>      </a:t>
+            </a:r>
+            <a:r>
+              <a:rPr lang="mr-IN" dirty="0">
+                <a:latin typeface="Courier New" charset="0"/>
+                <a:ea typeface="Courier New" charset="0"/>
+                <a:cs typeface="Courier New" charset="0"/>
+              </a:rPr>
+              <a:t>…</a:t>
+            </a:r>
+            <a:r>
+              <a:rPr lang="en-GB" dirty="0">
+                <a:latin typeface="Courier New" charset="0"/>
+                <a:ea typeface="Courier New" charset="0"/>
+                <a:cs typeface="Courier New" charset="0"/>
+              </a:rPr>
+              <a:t/>
+            </a:r>
+            <a:br>
+              <a:rPr lang="en-GB" dirty="0">
+                <a:latin typeface="Courier New" charset="0"/>
+                <a:ea typeface="Courier New" charset="0"/>
+                <a:cs typeface="Courier New" charset="0"/>
+              </a:rPr>
+            </a:br>
+            <a:r>
+              <a:rPr lang="en-GB" dirty="0">
+                <a:latin typeface="Courier New" charset="0"/>
+                <a:ea typeface="Courier New" charset="0"/>
+                <a:cs typeface="Courier New" charset="0"/>
+              </a:rPr>
+              <a:t>    &lt;/div&gt;</a:t>
+            </a:r>
+            <a:br>
+              <a:rPr lang="en-GB" dirty="0">
+                <a:latin typeface="Courier New" charset="0"/>
+                <a:ea typeface="Courier New" charset="0"/>
+                <a:cs typeface="Courier New" charset="0"/>
+              </a:rPr>
+            </a:br>
+            <a:r>
+              <a:rPr lang="en-GB" dirty="0" smtClean="0">
+                <a:latin typeface="Courier New" charset="0"/>
+                <a:ea typeface="Courier New" charset="0"/>
+                <a:cs typeface="Courier New" charset="0"/>
+              </a:rPr>
+              <a:t>   </a:t>
+            </a:r>
+            <a:r>
+              <a:rPr lang="en-US" dirty="0" smtClean="0">
+                <a:latin typeface="Courier New" charset="0"/>
+                <a:ea typeface="Courier New" charset="0"/>
+                <a:cs typeface="Courier New" charset="0"/>
+              </a:rPr>
+              <a:t> </a:t>
+            </a:r>
+            <a:r>
+              <a:rPr lang="en-US" dirty="0">
+                <a:latin typeface="Courier New" charset="0"/>
+                <a:ea typeface="Courier New" charset="0"/>
+                <a:cs typeface="Courier New" charset="0"/>
+              </a:rPr>
+              <a:t>&lt;div class=”col-xs-12 </a:t>
+            </a:r>
+            <a:r>
+              <a:rPr lang="en-US" dirty="0" smtClean="0">
+                <a:latin typeface="Courier New" charset="0"/>
+                <a:ea typeface="Courier New" charset="0"/>
+                <a:cs typeface="Courier New" charset="0"/>
+              </a:rPr>
+              <a:t>col-sm-6</a:t>
+            </a:r>
+            <a:r>
+              <a:rPr lang="en-US" dirty="0">
+                <a:latin typeface="Courier New" charset="0"/>
+                <a:ea typeface="Courier New" charset="0"/>
+                <a:cs typeface="Courier New" charset="0"/>
+              </a:rPr>
+              <a:t>”&gt;</a:t>
+            </a:r>
+            <a:br>
+              <a:rPr lang="en-US" dirty="0">
+                <a:latin typeface="Courier New" charset="0"/>
+                <a:ea typeface="Courier New" charset="0"/>
+                <a:cs typeface="Courier New" charset="0"/>
+              </a:rPr>
+            </a:br>
+            <a:r>
+              <a:rPr lang="en-US" dirty="0">
+                <a:latin typeface="Courier New" charset="0"/>
+                <a:ea typeface="Courier New" charset="0"/>
+                <a:cs typeface="Courier New" charset="0"/>
+              </a:rPr>
+              <a:t>      </a:t>
+            </a:r>
+            <a:r>
+              <a:rPr lang="mr-IN" dirty="0">
+                <a:latin typeface="Courier New" charset="0"/>
+                <a:ea typeface="Courier New" charset="0"/>
+                <a:cs typeface="Courier New" charset="0"/>
+              </a:rPr>
+              <a:t>…</a:t>
+            </a:r>
+            <a:r>
+              <a:rPr lang="en-GB" dirty="0">
+                <a:latin typeface="Courier New" charset="0"/>
+                <a:ea typeface="Courier New" charset="0"/>
+                <a:cs typeface="Courier New" charset="0"/>
+              </a:rPr>
+              <a:t/>
+            </a:r>
+            <a:br>
+              <a:rPr lang="en-GB" dirty="0">
+                <a:latin typeface="Courier New" charset="0"/>
+                <a:ea typeface="Courier New" charset="0"/>
+                <a:cs typeface="Courier New" charset="0"/>
+              </a:rPr>
+            </a:br>
+            <a:r>
+              <a:rPr lang="en-GB" dirty="0">
+                <a:latin typeface="Courier New" charset="0"/>
+                <a:ea typeface="Courier New" charset="0"/>
+                <a:cs typeface="Courier New" charset="0"/>
+              </a:rPr>
+              <a:t>    &lt;/div&gt;</a:t>
+            </a:r>
+            <a:br>
+              <a:rPr lang="en-GB" dirty="0">
+                <a:latin typeface="Courier New" charset="0"/>
+                <a:ea typeface="Courier New" charset="0"/>
+                <a:cs typeface="Courier New" charset="0"/>
+              </a:rPr>
+            </a:br>
+            <a:r>
+              <a:rPr lang="en-GB" dirty="0" smtClean="0">
+                <a:latin typeface="Courier New" charset="0"/>
+                <a:ea typeface="Courier New" charset="0"/>
+                <a:cs typeface="Courier New" charset="0"/>
+              </a:rPr>
+              <a:t> &lt;/div&gt;</a:t>
+            </a:r>
+            <a:br>
+              <a:rPr lang="en-GB" dirty="0" smtClean="0">
+                <a:latin typeface="Courier New" charset="0"/>
+                <a:ea typeface="Courier New" charset="0"/>
+                <a:cs typeface="Courier New" charset="0"/>
+              </a:rPr>
+            </a:br>
+            <a:r>
+              <a:rPr lang="en-GB" dirty="0" smtClean="0">
+                <a:latin typeface="Courier New" charset="0"/>
+                <a:ea typeface="Courier New" charset="0"/>
+                <a:cs typeface="Courier New" charset="0"/>
+              </a:rPr>
+              <a:t>&lt;div&gt;</a:t>
+            </a:r>
+            <a:br>
+              <a:rPr lang="en-GB" dirty="0" smtClean="0">
+                <a:latin typeface="Courier New" charset="0"/>
+                <a:ea typeface="Courier New" charset="0"/>
+                <a:cs typeface="Courier New" charset="0"/>
+              </a:rPr>
+            </a:br>
+            <a:endParaRPr lang="en-US" dirty="0" smtClean="0">
+              <a:latin typeface="Courier New" charset="0"/>
+              <a:ea typeface="Courier New" charset="0"/>
+              <a:cs typeface="Courier New" charset="0"/>
+            </a:endParaRPr>
+          </a:p>
+        </p:txBody>
+      </p:sp>
+    </p:spTree>
+    <p:extLst>
+      <p:ext uri="{BB962C8B-B14F-4D97-AF65-F5344CB8AC3E}">
+        <p14:creationId xmlns:p14="http://schemas.microsoft.com/office/powerpoint/2010/main" val="1644456374"/>
+      </p:ext>
+    </p:extLst>
+  </p:cSld>
+  <p:clrMapOvr>
+    <a:masterClrMapping/>
+  </p:clrMapOvr>
+</p:sld>
+</file>
+
+<file path=ppt/slides/slide34.xml><?xml version="1.0" encoding="utf-8"?>
+<p:sld xmlns:a="http://schemas.openxmlformats.org/drawingml/2006/main" xmlns:r="http://schemas.openxmlformats.org/officeDocument/2006/relationships" xmlns:p="http://schemas.openxmlformats.org/presentationml/2006/main">
+  <p:cSld>
+    <p:spTree>
+      <p:nvGrpSpPr>
+        <p:cNvPr id="1" name=""/>
+        <p:cNvGrpSpPr/>
+        <p:nvPr/>
+      </p:nvGrpSpPr>
+      <p:grpSpPr>
+        <a:xfrm>
+          <a:off x="0" y="0"/>
+          <a:ext cx="0" cy="0"/>
+          <a:chOff x="0" y="0"/>
+          <a:chExt cx="0" cy="0"/>
+        </a:xfrm>
+      </p:grpSpPr>
+      <p:sp>
+        <p:nvSpPr>
+          <p:cNvPr id="2" name="Title 1"/>
+          <p:cNvSpPr>
+            <a:spLocks noGrp="1"/>
+          </p:cNvSpPr>
+          <p:nvPr>
+            <p:ph type="title"/>
+          </p:nvPr>
+        </p:nvSpPr>
+        <p:spPr/>
+        <p:txBody>
+          <a:bodyPr/>
+          <a:lstStyle/>
+          <a:p>
+            <a:r>
+              <a:rPr lang="en-US" dirty="0" smtClean="0"/>
               <a:t>4. Remote Peer Connections</a:t>
             </a:r>
             <a:endParaRPr lang="en-US" dirty="0"/>
@@ -13257,7 +14050,7 @@
 </p:sld>
 </file>
 
-<file path=ppt/slides/slide33.xml><?xml version="1.0" encoding="utf-8"?>
+<file path=ppt/slides/slide35.xml><?xml version="1.0" encoding="utf-8"?>
 <p:sld xmlns:a="http://schemas.openxmlformats.org/drawingml/2006/main" xmlns:r="http://schemas.openxmlformats.org/officeDocument/2006/relationships" xmlns:p="http://schemas.openxmlformats.org/presentationml/2006/main">
   <p:cSld>
     <p:spTree>
@@ -13741,7 +14534,7 @@
 </p:sld>
 </file>
 
-<file path=ppt/slides/slide34.xml><?xml version="1.0" encoding="utf-8"?>
+<file path=ppt/slides/slide36.xml><?xml version="1.0" encoding="utf-8"?>
 <p:sld xmlns:a="http://schemas.openxmlformats.org/drawingml/2006/main" xmlns:r="http://schemas.openxmlformats.org/officeDocument/2006/relationships" xmlns:p="http://schemas.openxmlformats.org/presentationml/2006/main">
   <p:cSld>
     <p:spTree>
@@ -13881,7 +14674,7 @@
 </p:sld>
 </file>
 
-<file path=ppt/slides/slide35.xml><?xml version="1.0" encoding="utf-8"?>
+<file path=ppt/slides/slide37.xml><?xml version="1.0" encoding="utf-8"?>
 <p:sld xmlns:a="http://schemas.openxmlformats.org/drawingml/2006/main" xmlns:r="http://schemas.openxmlformats.org/officeDocument/2006/relationships" xmlns:p="http://schemas.openxmlformats.org/presentationml/2006/main">
   <p:cSld>
     <p:spTree>
@@ -14014,7 +14807,7 @@
 </p:sld>
 </file>
 
-<file path=ppt/slides/slide36.xml><?xml version="1.0" encoding="utf-8"?>
+<file path=ppt/slides/slide38.xml><?xml version="1.0" encoding="utf-8"?>
 <p:sld xmlns:a="http://schemas.openxmlformats.org/drawingml/2006/main" xmlns:r="http://schemas.openxmlformats.org/officeDocument/2006/relationships" xmlns:p="http://schemas.openxmlformats.org/presentationml/2006/main">
   <p:cSld>
     <p:spTree>
@@ -14776,7 +15569,7 @@
 </p:sld>
 </file>
 
-<file path=ppt/slides/slide37.xml><?xml version="1.0" encoding="utf-8"?>
+<file path=ppt/slides/slide39.xml><?xml version="1.0" encoding="utf-8"?>
 <p:sld xmlns:a="http://schemas.openxmlformats.org/drawingml/2006/main" xmlns:r="http://schemas.openxmlformats.org/officeDocument/2006/relationships" xmlns:p="http://schemas.openxmlformats.org/presentationml/2006/main">
   <p:cSld>
     <p:spTree>
@@ -15545,576 +16338,6 @@
 </p:sld>
 </file>
 
-<file path=ppt/slides/slide38.xml><?xml version="1.0" encoding="utf-8"?>
-<p:sld xmlns:a="http://schemas.openxmlformats.org/drawingml/2006/main" xmlns:r="http://schemas.openxmlformats.org/officeDocument/2006/relationships" xmlns:p="http://schemas.openxmlformats.org/presentationml/2006/main" show="0">
-  <p:cSld>
-    <p:spTree>
-      <p:nvGrpSpPr>
-        <p:cNvPr id="1" name=""/>
-        <p:cNvGrpSpPr/>
-        <p:nvPr/>
-      </p:nvGrpSpPr>
-      <p:grpSpPr>
-        <a:xfrm>
-          <a:off x="0" y="0"/>
-          <a:ext cx="0" cy="0"/>
-          <a:chOff x="0" y="0"/>
-          <a:chExt cx="0" cy="0"/>
-        </a:xfrm>
-      </p:grpSpPr>
-      <p:sp>
-        <p:nvSpPr>
-          <p:cNvPr id="2" name="Title 1"/>
-          <p:cNvSpPr>
-            <a:spLocks noGrp="1"/>
-          </p:cNvSpPr>
-          <p:nvPr>
-            <p:ph type="title"/>
-          </p:nvPr>
-        </p:nvSpPr>
-        <p:spPr/>
-        <p:txBody>
-          <a:bodyPr>
-            <a:normAutofit/>
-          </a:bodyPr>
-          <a:lstStyle/>
-          <a:p>
-            <a:r>
-              <a:rPr lang="en-US" sz="4000" dirty="0" err="1" smtClean="0"/>
-              <a:t>Signalling</a:t>
-            </a:r>
-            <a:r>
-              <a:rPr lang="en-US" sz="4000" dirty="0" smtClean="0"/>
-              <a:t> for Remote Presentations: Two Options</a:t>
-            </a:r>
-            <a:endParaRPr lang="en-US" sz="4000" dirty="0"/>
-          </a:p>
-        </p:txBody>
-      </p:sp>
-      <p:sp>
-        <p:nvSpPr>
-          <p:cNvPr id="3" name="Content Placeholder 2"/>
-          <p:cNvSpPr>
-            <a:spLocks noGrp="1"/>
-          </p:cNvSpPr>
-          <p:nvPr>
-            <p:ph idx="1"/>
-          </p:nvPr>
-        </p:nvSpPr>
-        <p:spPr/>
-        <p:txBody>
-          <a:bodyPr/>
-          <a:lstStyle/>
-          <a:p>
-            <a:r>
-              <a:rPr lang="en-US" dirty="0" smtClean="0"/>
-              <a:t>Evolution of simple </a:t>
-            </a:r>
-            <a:r>
-              <a:rPr lang="en-US" dirty="0" err="1" smtClean="0"/>
-              <a:t>signalling</a:t>
-            </a:r>
-            <a:r>
-              <a:rPr lang="en-US" dirty="0" smtClean="0"/>
-              <a:t> from previous example</a:t>
-            </a:r>
-          </a:p>
-          <a:p>
-            <a:pPr lvl="1"/>
-            <a:r>
-              <a:rPr lang="en-US" dirty="0" smtClean="0"/>
-              <a:t>Should work on a local LAN</a:t>
-            </a:r>
-          </a:p>
-          <a:p>
-            <a:pPr lvl="1"/>
-            <a:r>
-              <a:rPr lang="en-US" dirty="0" smtClean="0"/>
-              <a:t>Won’t work across the Internet without TURN/STUN servers (complexity)</a:t>
-            </a:r>
-          </a:p>
-          <a:p>
-            <a:r>
-              <a:rPr lang="en-US" dirty="0" err="1" smtClean="0"/>
-              <a:t>IPCortex</a:t>
-            </a:r>
-            <a:r>
-              <a:rPr lang="en-US" dirty="0" smtClean="0"/>
-              <a:t> API</a:t>
-            </a:r>
-          </a:p>
-          <a:p>
-            <a:pPr lvl="1"/>
-            <a:r>
-              <a:rPr lang="en-US" dirty="0" smtClean="0"/>
-              <a:t>Covers all the routing across the Internet</a:t>
-            </a:r>
-          </a:p>
-          <a:p>
-            <a:pPr lvl="1"/>
-            <a:r>
-              <a:rPr lang="en-US" dirty="0" smtClean="0"/>
-              <a:t>More complex to configure/run</a:t>
-            </a:r>
-          </a:p>
-          <a:p>
-            <a:endParaRPr lang="en-US" dirty="0"/>
-          </a:p>
-        </p:txBody>
-      </p:sp>
-    </p:spTree>
-    <p:extLst>
-      <p:ext uri="{BB962C8B-B14F-4D97-AF65-F5344CB8AC3E}">
-        <p14:creationId xmlns:p14="http://schemas.microsoft.com/office/powerpoint/2010/main" val="814445932"/>
-      </p:ext>
-    </p:extLst>
-  </p:cSld>
-  <p:clrMapOvr>
-    <a:masterClrMapping/>
-  </p:clrMapOvr>
-  <mc:AlternateContent xmlns:mc="http://schemas.openxmlformats.org/markup-compatibility/2006">
-    <mc:Choice xmlns:p14="http://schemas.microsoft.com/office/powerpoint/2010/main" Requires="p14">
-      <p:transition spd="slow" p14:dur="2000"/>
-    </mc:Choice>
-    <mc:Fallback>
-      <p:transition spd="slow"/>
-    </mc:Fallback>
-  </mc:AlternateContent>
-  <p:timing>
-    <p:tnLst>
-      <p:par>
-        <p:cTn id="1" dur="indefinite" restart="never" nodeType="tmRoot"/>
-      </p:par>
-    </p:tnLst>
-  </p:timing>
-</p:sld>
-</file>
-
-<file path=ppt/slides/slide39.xml><?xml version="1.0" encoding="utf-8"?>
-<p:sld xmlns:a="http://schemas.openxmlformats.org/drawingml/2006/main" xmlns:r="http://schemas.openxmlformats.org/officeDocument/2006/relationships" xmlns:p="http://schemas.openxmlformats.org/presentationml/2006/main">
-  <p:cSld>
-    <p:spTree>
-      <p:nvGrpSpPr>
-        <p:cNvPr id="1" name=""/>
-        <p:cNvGrpSpPr/>
-        <p:nvPr/>
-      </p:nvGrpSpPr>
-      <p:grpSpPr>
-        <a:xfrm>
-          <a:off x="0" y="0"/>
-          <a:ext cx="0" cy="0"/>
-          <a:chOff x="0" y="0"/>
-          <a:chExt cx="0" cy="0"/>
-        </a:xfrm>
-      </p:grpSpPr>
-      <p:sp>
-        <p:nvSpPr>
-          <p:cNvPr id="2" name="Title 1"/>
-          <p:cNvSpPr>
-            <a:spLocks noGrp="1"/>
-          </p:cNvSpPr>
-          <p:nvPr>
-            <p:ph type="title"/>
-          </p:nvPr>
-        </p:nvSpPr>
-        <p:spPr/>
-        <p:txBody>
-          <a:bodyPr/>
-          <a:lstStyle/>
-          <a:p>
-            <a:r>
-              <a:rPr lang="en-US" dirty="0" smtClean="0"/>
-              <a:t>References</a:t>
-            </a:r>
-            <a:endParaRPr lang="en-US" dirty="0"/>
-          </a:p>
-        </p:txBody>
-      </p:sp>
-      <p:sp>
-        <p:nvSpPr>
-          <p:cNvPr id="3" name="Content Placeholder 2"/>
-          <p:cNvSpPr>
-            <a:spLocks noGrp="1"/>
-          </p:cNvSpPr>
-          <p:nvPr>
-            <p:ph idx="1"/>
-          </p:nvPr>
-        </p:nvSpPr>
-        <p:spPr>
-          <a:xfrm>
-            <a:off x="838200" y="1409700"/>
-            <a:ext cx="10515600" cy="5168900"/>
-          </a:xfrm>
-        </p:spPr>
-        <p:txBody>
-          <a:bodyPr>
-            <a:normAutofit fontScale="92500" lnSpcReduction="10000"/>
-          </a:bodyPr>
-          <a:lstStyle/>
-          <a:p>
-            <a:r>
-              <a:rPr lang="en-US" sz="1600" dirty="0" err="1" smtClean="0"/>
-              <a:t>mediaDevices.getUserMedia</a:t>
-            </a:r>
-            <a:r>
-              <a:rPr lang="en-US" sz="1600" dirty="0" smtClean="0"/>
-              <a:t> MDN:</a:t>
-            </a:r>
-          </a:p>
-          <a:p>
-            <a:pPr lvl="1"/>
-            <a:r>
-              <a:rPr lang="en-US" sz="1500" dirty="0" smtClean="0">
-                <a:hlinkClick r:id="rId2"/>
-              </a:rPr>
-              <a:t>https</a:t>
-            </a:r>
-            <a:r>
-              <a:rPr lang="en-US" sz="1500" dirty="0">
-                <a:hlinkClick r:id="rId2"/>
-              </a:rPr>
-              <a:t>://</a:t>
-            </a:r>
-            <a:r>
-              <a:rPr lang="en-US" sz="1400" dirty="0">
-                <a:hlinkClick r:id="rId2"/>
-              </a:rPr>
-              <a:t>developer.mozilla.org/en-US/docs/Web/API/MediaDevices/getUserMedia</a:t>
-            </a:r>
-            <a:endParaRPr lang="en-US" sz="1400" dirty="0" smtClean="0"/>
-          </a:p>
-          <a:p>
-            <a:r>
-              <a:rPr lang="en-US" sz="1600" dirty="0" err="1" smtClean="0"/>
-              <a:t>WebRTC</a:t>
-            </a:r>
-            <a:endParaRPr lang="en-US" sz="1600" dirty="0"/>
-          </a:p>
-          <a:p>
-            <a:pPr lvl="1"/>
-            <a:r>
-              <a:rPr lang="en-US" sz="1400" dirty="0" smtClean="0">
-                <a:hlinkClick r:id="rId3"/>
-              </a:rPr>
-              <a:t>https://developer.mozilla.org/en-US/docs/Web/API/WebRTC_API</a:t>
-            </a:r>
-            <a:endParaRPr lang="en-US" sz="1400" dirty="0" smtClean="0"/>
-          </a:p>
-          <a:p>
-            <a:r>
-              <a:rPr lang="en-US" sz="1600" dirty="0" err="1" smtClean="0"/>
-              <a:t>WebRTC.org</a:t>
-            </a:r>
-            <a:r>
-              <a:rPr lang="en-US" sz="1600" dirty="0" smtClean="0"/>
-              <a:t> </a:t>
-            </a:r>
-            <a:r>
-              <a:rPr lang="mr-IN" sz="1600" dirty="0" smtClean="0"/>
-              <a:t>–</a:t>
-            </a:r>
-            <a:r>
-              <a:rPr lang="en-US" sz="1600" dirty="0" smtClean="0"/>
-              <a:t> Getting Started</a:t>
-            </a:r>
-          </a:p>
-          <a:p>
-            <a:pPr lvl="1"/>
-            <a:r>
-              <a:rPr lang="en-US" sz="1400" dirty="0" smtClean="0">
-                <a:hlinkClick r:id="rId4"/>
-              </a:rPr>
-              <a:t>https://</a:t>
-            </a:r>
-            <a:r>
-              <a:rPr lang="en-US" sz="1400" dirty="0" err="1" smtClean="0">
-                <a:hlinkClick r:id="rId4"/>
-              </a:rPr>
-              <a:t>webrtc.org</a:t>
-            </a:r>
-            <a:r>
-              <a:rPr lang="en-US" sz="1400" dirty="0" smtClean="0">
-                <a:hlinkClick r:id="rId4"/>
-              </a:rPr>
-              <a:t>/start/</a:t>
-            </a:r>
-            <a:endParaRPr lang="en-US" sz="1400" dirty="0" smtClean="0"/>
-          </a:p>
-          <a:p>
-            <a:r>
-              <a:rPr lang="en-US" sz="1600" dirty="0" smtClean="0"/>
-              <a:t>HTML 5 Rocks </a:t>
-            </a:r>
-            <a:r>
-              <a:rPr lang="mr-IN" sz="1600" dirty="0" smtClean="0"/>
-              <a:t>–</a:t>
-            </a:r>
-            <a:r>
-              <a:rPr lang="en-US" sz="1600" dirty="0" smtClean="0"/>
-              <a:t> Getting started with </a:t>
-            </a:r>
-            <a:r>
-              <a:rPr lang="en-US" sz="1600" dirty="0" err="1" smtClean="0"/>
-              <a:t>WebRTC</a:t>
-            </a:r>
-            <a:r>
-              <a:rPr lang="en-US" sz="1600" dirty="0" smtClean="0"/>
-              <a:t> (2012)</a:t>
-            </a:r>
-          </a:p>
-          <a:p>
-            <a:pPr lvl="1"/>
-            <a:r>
-              <a:rPr lang="en-US" sz="1400" dirty="0" smtClean="0"/>
-              <a:t>Illustrates local </a:t>
-            </a:r>
-            <a:r>
-              <a:rPr lang="en-US" sz="1400" dirty="0" err="1" smtClean="0"/>
-              <a:t>signalling</a:t>
-            </a:r>
-            <a:r>
-              <a:rPr lang="en-US" sz="1400" dirty="0" smtClean="0"/>
-              <a:t> </a:t>
-            </a:r>
-            <a:r>
-              <a:rPr lang="en-US" sz="1400" i="1" dirty="0" smtClean="0"/>
-              <a:t>but</a:t>
-            </a:r>
-            <a:r>
-              <a:rPr lang="en-US" sz="1400" dirty="0" smtClean="0"/>
-              <a:t> not is a portable way</a:t>
-            </a:r>
-          </a:p>
-          <a:p>
-            <a:pPr lvl="1"/>
-            <a:r>
-              <a:rPr lang="en-US" sz="1400" dirty="0" smtClean="0">
-                <a:hlinkClick r:id="rId5"/>
-              </a:rPr>
-              <a:t>https://www.html5rocks.com/en/tutorials/webrtc/basics/</a:t>
-            </a:r>
-            <a:endParaRPr lang="en-US" sz="1400" dirty="0" smtClean="0"/>
-          </a:p>
-          <a:p>
-            <a:r>
-              <a:rPr lang="en-US" sz="1600" dirty="0" smtClean="0"/>
-              <a:t>HTML 5 Rocks </a:t>
-            </a:r>
-            <a:r>
-              <a:rPr lang="mr-IN" sz="1600" dirty="0" smtClean="0"/>
-              <a:t>–</a:t>
-            </a:r>
-            <a:r>
-              <a:rPr lang="en-US" sz="1600" dirty="0" smtClean="0"/>
-              <a:t> </a:t>
-            </a:r>
-            <a:r>
-              <a:rPr lang="en-US" sz="1600" dirty="0" err="1" smtClean="0"/>
-              <a:t>WebRTC</a:t>
-            </a:r>
-            <a:r>
-              <a:rPr lang="en-US" sz="1600" dirty="0" smtClean="0"/>
-              <a:t> Infrastructure</a:t>
-            </a:r>
-          </a:p>
-          <a:p>
-            <a:pPr lvl="1"/>
-            <a:r>
-              <a:rPr lang="en-US" sz="1400" dirty="0" smtClean="0"/>
-              <a:t>Great overview of </a:t>
-            </a:r>
-            <a:r>
-              <a:rPr lang="en-US" sz="1400" dirty="0" err="1" smtClean="0"/>
-              <a:t>signalling</a:t>
-            </a:r>
-            <a:r>
-              <a:rPr lang="en-US" sz="1400" dirty="0" smtClean="0"/>
-              <a:t> </a:t>
-            </a:r>
-            <a:r>
-              <a:rPr lang="mr-IN" sz="1400" dirty="0" smtClean="0"/>
-              <a:t>–</a:t>
-            </a:r>
-            <a:r>
-              <a:rPr lang="en-US" sz="1400" dirty="0" smtClean="0"/>
-              <a:t> everything you need to know!</a:t>
-            </a:r>
-          </a:p>
-          <a:p>
-            <a:pPr lvl="1"/>
-            <a:r>
-              <a:rPr lang="en-US" sz="1400" dirty="0">
-                <a:hlinkClick r:id="rId6"/>
-              </a:rPr>
-              <a:t>https://www.html5rocks.com/</a:t>
-            </a:r>
-            <a:r>
-              <a:rPr lang="en-US" sz="1400" dirty="0" err="1">
-                <a:hlinkClick r:id="rId6"/>
-              </a:rPr>
-              <a:t>en</a:t>
-            </a:r>
-            <a:r>
-              <a:rPr lang="en-US" sz="1400" dirty="0">
-                <a:hlinkClick r:id="rId6"/>
-              </a:rPr>
-              <a:t>/tutorials/</a:t>
-            </a:r>
-            <a:r>
-              <a:rPr lang="en-US" sz="1400" dirty="0" err="1">
-                <a:hlinkClick r:id="rId6"/>
-              </a:rPr>
-              <a:t>webrtc</a:t>
-            </a:r>
-            <a:r>
-              <a:rPr lang="en-US" sz="1400" dirty="0">
-                <a:hlinkClick r:id="rId6"/>
-              </a:rPr>
-              <a:t>/infrastructure/</a:t>
-            </a:r>
-            <a:endParaRPr lang="en-US" sz="1400" dirty="0"/>
-          </a:p>
-          <a:p>
-            <a:r>
-              <a:rPr lang="en-US" sz="1600" dirty="0" err="1" smtClean="0"/>
-              <a:t>adapter.js</a:t>
-            </a:r>
-            <a:r>
-              <a:rPr lang="en-US" sz="1600" dirty="0" smtClean="0"/>
-              <a:t>: </a:t>
-            </a:r>
-            <a:r>
-              <a:rPr lang="en-US" sz="1400" dirty="0">
-                <a:hlinkClick r:id="rId7"/>
-              </a:rPr>
-              <a:t>https://github.com/webrtc/adapter</a:t>
-            </a:r>
-            <a:endParaRPr lang="en-US" sz="1400" dirty="0"/>
-          </a:p>
-          <a:p>
-            <a:pPr lvl="1"/>
-            <a:r>
-              <a:rPr lang="en-US" sz="1400" dirty="0" smtClean="0"/>
-              <a:t>Shim to isolate applications from browser incompatibilities</a:t>
-            </a:r>
-          </a:p>
-          <a:p>
-            <a:r>
-              <a:rPr lang="en-US" sz="1600" dirty="0"/>
-              <a:t>Promises</a:t>
-            </a:r>
-            <a:r>
-              <a:rPr lang="en-US" sz="1600" dirty="0" smtClean="0"/>
-              <a:t>:</a:t>
-            </a:r>
-          </a:p>
-          <a:p>
-            <a:pPr lvl="1"/>
-            <a:r>
-              <a:rPr lang="en-US" sz="1400" dirty="0">
-                <a:hlinkClick r:id="rId8"/>
-              </a:rPr>
-              <a:t>https://</a:t>
-            </a:r>
-            <a:r>
-              <a:rPr lang="en-US" sz="1400" dirty="0" err="1">
-                <a:hlinkClick r:id="rId8"/>
-              </a:rPr>
-              <a:t>kosamari.com</a:t>
-            </a:r>
-            <a:r>
-              <a:rPr lang="en-US" sz="1400" dirty="0">
-                <a:hlinkClick r:id="rId8"/>
-              </a:rPr>
-              <a:t>/notes/the-promise-of-a-burger-party</a:t>
-            </a:r>
-            <a:endParaRPr lang="en-US" sz="1400" dirty="0"/>
-          </a:p>
-          <a:p>
-            <a:pPr lvl="1"/>
-            <a:r>
-              <a:rPr lang="en-US" sz="1400" dirty="0" smtClean="0">
-                <a:hlinkClick r:id="rId9"/>
-              </a:rPr>
-              <a:t>https</a:t>
-            </a:r>
-            <a:r>
-              <a:rPr lang="en-US" sz="1400" dirty="0">
-                <a:hlinkClick r:id="rId9"/>
-              </a:rPr>
-              <a:t>://</a:t>
-            </a:r>
-            <a:r>
-              <a:rPr lang="en-US" sz="1400" dirty="0" smtClean="0">
-                <a:hlinkClick r:id="rId9"/>
-              </a:rPr>
-              <a:t>developer.mozilla.org/en/docs/Web/JavaScript/Reference/Global_Objects/Promise</a:t>
-            </a:r>
-            <a:endParaRPr lang="en-US" sz="1400" dirty="0" smtClean="0"/>
-          </a:p>
-          <a:p>
-            <a:r>
-              <a:rPr lang="en-US" sz="1600" dirty="0" smtClean="0"/>
-              <a:t>Classes/OOD/OOP: </a:t>
-            </a:r>
-            <a:r>
-              <a:rPr lang="en-US" sz="1400" dirty="0" smtClean="0">
-                <a:hlinkClick r:id="rId10"/>
-              </a:rPr>
-              <a:t>https</a:t>
-            </a:r>
-            <a:r>
-              <a:rPr lang="en-US" sz="1400" dirty="0">
-                <a:hlinkClick r:id="rId10"/>
-              </a:rPr>
-              <a:t>://</a:t>
-            </a:r>
-            <a:r>
-              <a:rPr lang="en-US" sz="1400" dirty="0" smtClean="0">
-                <a:hlinkClick r:id="rId10"/>
-              </a:rPr>
-              <a:t>developer.mozilla.org/en-US/docs/Learn/JavaScript/Objects/Object-oriented_JS</a:t>
-            </a:r>
-            <a:endParaRPr lang="en-US" sz="1400" dirty="0" smtClean="0"/>
-          </a:p>
-          <a:p>
-            <a:r>
-              <a:rPr lang="en-US" sz="1600" dirty="0" smtClean="0"/>
-              <a:t>Finite State Machine: </a:t>
-            </a:r>
-            <a:r>
-              <a:rPr lang="en-US" sz="1400" dirty="0" smtClean="0">
-                <a:hlinkClick r:id="rId11"/>
-              </a:rPr>
-              <a:t>https://developer.mozilla.org/en-US/docs/Glossary/State_machine</a:t>
-            </a:r>
-            <a:endParaRPr lang="en-US" sz="1400" dirty="0" smtClean="0"/>
-          </a:p>
-          <a:p>
-            <a:endParaRPr lang="en-US" sz="1600" dirty="0"/>
-          </a:p>
-        </p:txBody>
-      </p:sp>
-    </p:spTree>
-    <p:extLst>
-      <p:ext uri="{BB962C8B-B14F-4D97-AF65-F5344CB8AC3E}">
-        <p14:creationId xmlns:p14="http://schemas.microsoft.com/office/powerpoint/2010/main" val="162938005"/>
-      </p:ext>
-    </p:extLst>
-  </p:cSld>
-  <p:clrMapOvr>
-    <a:masterClrMapping/>
-  </p:clrMapOvr>
-  <p:timing>
-    <p:tnLst>
-      <p:par>
-        <p:cTn id="1" dur="indefinite" restart="never" nodeType="tmRoot"/>
-      </p:par>
-    </p:tnLst>
-  </p:timing>
-</p:sld>
-</file>
-
 <file path=ppt/slides/slide4.xml><?xml version="1.0" encoding="utf-8"?>
 <p:sld xmlns:a="http://schemas.openxmlformats.org/drawingml/2006/main" xmlns:r="http://schemas.openxmlformats.org/officeDocument/2006/relationships" xmlns:p="http://schemas.openxmlformats.org/presentationml/2006/main">
   <p:cSld>
@@ -16224,6 +16447,576 @@
       </p:grpSpPr>
       <p:sp>
         <p:nvSpPr>
+          <p:cNvPr id="2" name="Title 1"/>
+          <p:cNvSpPr>
+            <a:spLocks noGrp="1"/>
+          </p:cNvSpPr>
+          <p:nvPr>
+            <p:ph type="title"/>
+          </p:nvPr>
+        </p:nvSpPr>
+        <p:spPr/>
+        <p:txBody>
+          <a:bodyPr>
+            <a:normAutofit/>
+          </a:bodyPr>
+          <a:lstStyle/>
+          <a:p>
+            <a:r>
+              <a:rPr lang="en-US" sz="4000" dirty="0" err="1" smtClean="0"/>
+              <a:t>Signalling</a:t>
+            </a:r>
+            <a:r>
+              <a:rPr lang="en-US" sz="4000" dirty="0" smtClean="0"/>
+              <a:t> for Remote Presentations: Two Options</a:t>
+            </a:r>
+            <a:endParaRPr lang="en-US" sz="4000" dirty="0"/>
+          </a:p>
+        </p:txBody>
+      </p:sp>
+      <p:sp>
+        <p:nvSpPr>
+          <p:cNvPr id="3" name="Content Placeholder 2"/>
+          <p:cNvSpPr>
+            <a:spLocks noGrp="1"/>
+          </p:cNvSpPr>
+          <p:nvPr>
+            <p:ph idx="1"/>
+          </p:nvPr>
+        </p:nvSpPr>
+        <p:spPr/>
+        <p:txBody>
+          <a:bodyPr/>
+          <a:lstStyle/>
+          <a:p>
+            <a:r>
+              <a:rPr lang="en-US" dirty="0" smtClean="0"/>
+              <a:t>Evolution of simple </a:t>
+            </a:r>
+            <a:r>
+              <a:rPr lang="en-US" dirty="0" err="1" smtClean="0"/>
+              <a:t>signalling</a:t>
+            </a:r>
+            <a:r>
+              <a:rPr lang="en-US" dirty="0" smtClean="0"/>
+              <a:t> from previous example</a:t>
+            </a:r>
+          </a:p>
+          <a:p>
+            <a:pPr lvl="1"/>
+            <a:r>
+              <a:rPr lang="en-US" dirty="0" smtClean="0"/>
+              <a:t>Should work on a local LAN</a:t>
+            </a:r>
+          </a:p>
+          <a:p>
+            <a:pPr lvl="1"/>
+            <a:r>
+              <a:rPr lang="en-US" dirty="0" smtClean="0"/>
+              <a:t>Won’t work across the Internet without TURN/STUN servers (complexity)</a:t>
+            </a:r>
+          </a:p>
+          <a:p>
+            <a:r>
+              <a:rPr lang="en-US" dirty="0" err="1" smtClean="0"/>
+              <a:t>IPCortex</a:t>
+            </a:r>
+            <a:r>
+              <a:rPr lang="en-US" dirty="0" smtClean="0"/>
+              <a:t> API</a:t>
+            </a:r>
+          </a:p>
+          <a:p>
+            <a:pPr lvl="1"/>
+            <a:r>
+              <a:rPr lang="en-US" dirty="0" smtClean="0"/>
+              <a:t>Covers all the routing across the Internet</a:t>
+            </a:r>
+          </a:p>
+          <a:p>
+            <a:pPr lvl="1"/>
+            <a:r>
+              <a:rPr lang="en-US" dirty="0" smtClean="0"/>
+              <a:t>More complex to configure/run</a:t>
+            </a:r>
+          </a:p>
+          <a:p>
+            <a:endParaRPr lang="en-US" dirty="0"/>
+          </a:p>
+        </p:txBody>
+      </p:sp>
+    </p:spTree>
+    <p:extLst>
+      <p:ext uri="{BB962C8B-B14F-4D97-AF65-F5344CB8AC3E}">
+        <p14:creationId xmlns:p14="http://schemas.microsoft.com/office/powerpoint/2010/main" val="814445932"/>
+      </p:ext>
+    </p:extLst>
+  </p:cSld>
+  <p:clrMapOvr>
+    <a:masterClrMapping/>
+  </p:clrMapOvr>
+  <mc:AlternateContent xmlns:mc="http://schemas.openxmlformats.org/markup-compatibility/2006">
+    <mc:Choice xmlns:p14="http://schemas.microsoft.com/office/powerpoint/2010/main" Requires="p14">
+      <p:transition spd="slow" p14:dur="2000"/>
+    </mc:Choice>
+    <mc:Fallback>
+      <p:transition spd="slow"/>
+    </mc:Fallback>
+  </mc:AlternateContent>
+  <p:timing>
+    <p:tnLst>
+      <p:par>
+        <p:cTn id="1" dur="indefinite" restart="never" nodeType="tmRoot"/>
+      </p:par>
+    </p:tnLst>
+  </p:timing>
+</p:sld>
+</file>
+
+<file path=ppt/slides/slide41.xml><?xml version="1.0" encoding="utf-8"?>
+<p:sld xmlns:a="http://schemas.openxmlformats.org/drawingml/2006/main" xmlns:r="http://schemas.openxmlformats.org/officeDocument/2006/relationships" xmlns:p="http://schemas.openxmlformats.org/presentationml/2006/main">
+  <p:cSld>
+    <p:spTree>
+      <p:nvGrpSpPr>
+        <p:cNvPr id="1" name=""/>
+        <p:cNvGrpSpPr/>
+        <p:nvPr/>
+      </p:nvGrpSpPr>
+      <p:grpSpPr>
+        <a:xfrm>
+          <a:off x="0" y="0"/>
+          <a:ext cx="0" cy="0"/>
+          <a:chOff x="0" y="0"/>
+          <a:chExt cx="0" cy="0"/>
+        </a:xfrm>
+      </p:grpSpPr>
+      <p:sp>
+        <p:nvSpPr>
+          <p:cNvPr id="2" name="Title 1"/>
+          <p:cNvSpPr>
+            <a:spLocks noGrp="1"/>
+          </p:cNvSpPr>
+          <p:nvPr>
+            <p:ph type="title"/>
+          </p:nvPr>
+        </p:nvSpPr>
+        <p:spPr/>
+        <p:txBody>
+          <a:bodyPr/>
+          <a:lstStyle/>
+          <a:p>
+            <a:r>
+              <a:rPr lang="en-US" dirty="0" smtClean="0"/>
+              <a:t>References</a:t>
+            </a:r>
+            <a:endParaRPr lang="en-US" dirty="0"/>
+          </a:p>
+        </p:txBody>
+      </p:sp>
+      <p:sp>
+        <p:nvSpPr>
+          <p:cNvPr id="3" name="Content Placeholder 2"/>
+          <p:cNvSpPr>
+            <a:spLocks noGrp="1"/>
+          </p:cNvSpPr>
+          <p:nvPr>
+            <p:ph idx="1"/>
+          </p:nvPr>
+        </p:nvSpPr>
+        <p:spPr>
+          <a:xfrm>
+            <a:off x="838200" y="1409700"/>
+            <a:ext cx="10515600" cy="5168900"/>
+          </a:xfrm>
+        </p:spPr>
+        <p:txBody>
+          <a:bodyPr>
+            <a:normAutofit fontScale="92500" lnSpcReduction="10000"/>
+          </a:bodyPr>
+          <a:lstStyle/>
+          <a:p>
+            <a:r>
+              <a:rPr lang="en-US" sz="1600" dirty="0" err="1" smtClean="0"/>
+              <a:t>mediaDevices.getUserMedia</a:t>
+            </a:r>
+            <a:r>
+              <a:rPr lang="en-US" sz="1600" dirty="0" smtClean="0"/>
+              <a:t> MDN:</a:t>
+            </a:r>
+          </a:p>
+          <a:p>
+            <a:pPr lvl="1"/>
+            <a:r>
+              <a:rPr lang="en-US" sz="1500" dirty="0" smtClean="0">
+                <a:hlinkClick r:id="rId2"/>
+              </a:rPr>
+              <a:t>https</a:t>
+            </a:r>
+            <a:r>
+              <a:rPr lang="en-US" sz="1500" dirty="0">
+                <a:hlinkClick r:id="rId2"/>
+              </a:rPr>
+              <a:t>://</a:t>
+            </a:r>
+            <a:r>
+              <a:rPr lang="en-US" sz="1400" dirty="0">
+                <a:hlinkClick r:id="rId2"/>
+              </a:rPr>
+              <a:t>developer.mozilla.org/en-US/docs/Web/API/MediaDevices/getUserMedia</a:t>
+            </a:r>
+            <a:endParaRPr lang="en-US" sz="1400" dirty="0" smtClean="0"/>
+          </a:p>
+          <a:p>
+            <a:r>
+              <a:rPr lang="en-US" sz="1600" dirty="0" err="1" smtClean="0"/>
+              <a:t>WebRTC</a:t>
+            </a:r>
+            <a:endParaRPr lang="en-US" sz="1600" dirty="0"/>
+          </a:p>
+          <a:p>
+            <a:pPr lvl="1"/>
+            <a:r>
+              <a:rPr lang="en-US" sz="1400" dirty="0" smtClean="0">
+                <a:hlinkClick r:id="rId3"/>
+              </a:rPr>
+              <a:t>https://developer.mozilla.org/en-US/docs/Web/API/WebRTC_API</a:t>
+            </a:r>
+            <a:endParaRPr lang="en-US" sz="1400" dirty="0" smtClean="0"/>
+          </a:p>
+          <a:p>
+            <a:r>
+              <a:rPr lang="en-US" sz="1600" dirty="0" err="1" smtClean="0"/>
+              <a:t>WebRTC.org</a:t>
+            </a:r>
+            <a:r>
+              <a:rPr lang="en-US" sz="1600" dirty="0" smtClean="0"/>
+              <a:t> </a:t>
+            </a:r>
+            <a:r>
+              <a:rPr lang="mr-IN" sz="1600" dirty="0" smtClean="0"/>
+              <a:t>–</a:t>
+            </a:r>
+            <a:r>
+              <a:rPr lang="en-US" sz="1600" dirty="0" smtClean="0"/>
+              <a:t> Getting Started</a:t>
+            </a:r>
+          </a:p>
+          <a:p>
+            <a:pPr lvl="1"/>
+            <a:r>
+              <a:rPr lang="en-US" sz="1400" dirty="0" smtClean="0">
+                <a:hlinkClick r:id="rId4"/>
+              </a:rPr>
+              <a:t>https://</a:t>
+            </a:r>
+            <a:r>
+              <a:rPr lang="en-US" sz="1400" dirty="0" err="1" smtClean="0">
+                <a:hlinkClick r:id="rId4"/>
+              </a:rPr>
+              <a:t>webrtc.org</a:t>
+            </a:r>
+            <a:r>
+              <a:rPr lang="en-US" sz="1400" dirty="0" smtClean="0">
+                <a:hlinkClick r:id="rId4"/>
+              </a:rPr>
+              <a:t>/start/</a:t>
+            </a:r>
+            <a:endParaRPr lang="en-US" sz="1400" dirty="0" smtClean="0"/>
+          </a:p>
+          <a:p>
+            <a:r>
+              <a:rPr lang="en-US" sz="1600" dirty="0" smtClean="0"/>
+              <a:t>HTML 5 Rocks </a:t>
+            </a:r>
+            <a:r>
+              <a:rPr lang="mr-IN" sz="1600" dirty="0" smtClean="0"/>
+              <a:t>–</a:t>
+            </a:r>
+            <a:r>
+              <a:rPr lang="en-US" sz="1600" dirty="0" smtClean="0"/>
+              <a:t> Getting started with </a:t>
+            </a:r>
+            <a:r>
+              <a:rPr lang="en-US" sz="1600" dirty="0" err="1" smtClean="0"/>
+              <a:t>WebRTC</a:t>
+            </a:r>
+            <a:r>
+              <a:rPr lang="en-US" sz="1600" dirty="0" smtClean="0"/>
+              <a:t> (2012)</a:t>
+            </a:r>
+          </a:p>
+          <a:p>
+            <a:pPr lvl="1"/>
+            <a:r>
+              <a:rPr lang="en-US" sz="1400" dirty="0" smtClean="0"/>
+              <a:t>Illustrates local </a:t>
+            </a:r>
+            <a:r>
+              <a:rPr lang="en-US" sz="1400" dirty="0" err="1" smtClean="0"/>
+              <a:t>signalling</a:t>
+            </a:r>
+            <a:r>
+              <a:rPr lang="en-US" sz="1400" dirty="0" smtClean="0"/>
+              <a:t> </a:t>
+            </a:r>
+            <a:r>
+              <a:rPr lang="en-US" sz="1400" i="1" dirty="0" smtClean="0"/>
+              <a:t>but</a:t>
+            </a:r>
+            <a:r>
+              <a:rPr lang="en-US" sz="1400" dirty="0" smtClean="0"/>
+              <a:t> not is a portable way</a:t>
+            </a:r>
+          </a:p>
+          <a:p>
+            <a:pPr lvl="1"/>
+            <a:r>
+              <a:rPr lang="en-US" sz="1400" dirty="0" smtClean="0">
+                <a:hlinkClick r:id="rId5"/>
+              </a:rPr>
+              <a:t>https://www.html5rocks.com/en/tutorials/webrtc/basics/</a:t>
+            </a:r>
+            <a:endParaRPr lang="en-US" sz="1400" dirty="0" smtClean="0"/>
+          </a:p>
+          <a:p>
+            <a:r>
+              <a:rPr lang="en-US" sz="1600" dirty="0" smtClean="0"/>
+              <a:t>HTML 5 Rocks </a:t>
+            </a:r>
+            <a:r>
+              <a:rPr lang="mr-IN" sz="1600" dirty="0" smtClean="0"/>
+              <a:t>–</a:t>
+            </a:r>
+            <a:r>
+              <a:rPr lang="en-US" sz="1600" dirty="0" smtClean="0"/>
+              <a:t> </a:t>
+            </a:r>
+            <a:r>
+              <a:rPr lang="en-US" sz="1600" dirty="0" err="1" smtClean="0"/>
+              <a:t>WebRTC</a:t>
+            </a:r>
+            <a:r>
+              <a:rPr lang="en-US" sz="1600" dirty="0" smtClean="0"/>
+              <a:t> Infrastructure</a:t>
+            </a:r>
+          </a:p>
+          <a:p>
+            <a:pPr lvl="1"/>
+            <a:r>
+              <a:rPr lang="en-US" sz="1400" dirty="0" smtClean="0"/>
+              <a:t>Great overview of </a:t>
+            </a:r>
+            <a:r>
+              <a:rPr lang="en-US" sz="1400" dirty="0" err="1" smtClean="0"/>
+              <a:t>signalling</a:t>
+            </a:r>
+            <a:r>
+              <a:rPr lang="en-US" sz="1400" dirty="0" smtClean="0"/>
+              <a:t> </a:t>
+            </a:r>
+            <a:r>
+              <a:rPr lang="mr-IN" sz="1400" dirty="0" smtClean="0"/>
+              <a:t>–</a:t>
+            </a:r>
+            <a:r>
+              <a:rPr lang="en-US" sz="1400" dirty="0" smtClean="0"/>
+              <a:t> everything you need to know!</a:t>
+            </a:r>
+          </a:p>
+          <a:p>
+            <a:pPr lvl="1"/>
+            <a:r>
+              <a:rPr lang="en-US" sz="1400" dirty="0">
+                <a:hlinkClick r:id="rId6"/>
+              </a:rPr>
+              <a:t>https://www.html5rocks.com/</a:t>
+            </a:r>
+            <a:r>
+              <a:rPr lang="en-US" sz="1400" dirty="0" err="1">
+                <a:hlinkClick r:id="rId6"/>
+              </a:rPr>
+              <a:t>en</a:t>
+            </a:r>
+            <a:r>
+              <a:rPr lang="en-US" sz="1400" dirty="0">
+                <a:hlinkClick r:id="rId6"/>
+              </a:rPr>
+              <a:t>/tutorials/</a:t>
+            </a:r>
+            <a:r>
+              <a:rPr lang="en-US" sz="1400" dirty="0" err="1">
+                <a:hlinkClick r:id="rId6"/>
+              </a:rPr>
+              <a:t>webrtc</a:t>
+            </a:r>
+            <a:r>
+              <a:rPr lang="en-US" sz="1400" dirty="0">
+                <a:hlinkClick r:id="rId6"/>
+              </a:rPr>
+              <a:t>/infrastructure/</a:t>
+            </a:r>
+            <a:endParaRPr lang="en-US" sz="1400" dirty="0"/>
+          </a:p>
+          <a:p>
+            <a:r>
+              <a:rPr lang="en-US" sz="1600" dirty="0" err="1" smtClean="0"/>
+              <a:t>adapter.js</a:t>
+            </a:r>
+            <a:r>
+              <a:rPr lang="en-US" sz="1600" dirty="0" smtClean="0"/>
+              <a:t>: </a:t>
+            </a:r>
+            <a:r>
+              <a:rPr lang="en-US" sz="1400" dirty="0">
+                <a:hlinkClick r:id="rId7"/>
+              </a:rPr>
+              <a:t>https://github.com/webrtc/adapter</a:t>
+            </a:r>
+            <a:endParaRPr lang="en-US" sz="1400" dirty="0"/>
+          </a:p>
+          <a:p>
+            <a:pPr lvl="1"/>
+            <a:r>
+              <a:rPr lang="en-US" sz="1400" dirty="0" smtClean="0"/>
+              <a:t>Shim to isolate applications from browser incompatibilities</a:t>
+            </a:r>
+          </a:p>
+          <a:p>
+            <a:r>
+              <a:rPr lang="en-US" sz="1600" dirty="0"/>
+              <a:t>Promises</a:t>
+            </a:r>
+            <a:r>
+              <a:rPr lang="en-US" sz="1600" dirty="0" smtClean="0"/>
+              <a:t>:</a:t>
+            </a:r>
+          </a:p>
+          <a:p>
+            <a:pPr lvl="1"/>
+            <a:r>
+              <a:rPr lang="en-US" sz="1400" dirty="0">
+                <a:hlinkClick r:id="rId8"/>
+              </a:rPr>
+              <a:t>https://</a:t>
+            </a:r>
+            <a:r>
+              <a:rPr lang="en-US" sz="1400" dirty="0" err="1">
+                <a:hlinkClick r:id="rId8"/>
+              </a:rPr>
+              <a:t>kosamari.com</a:t>
+            </a:r>
+            <a:r>
+              <a:rPr lang="en-US" sz="1400" dirty="0">
+                <a:hlinkClick r:id="rId8"/>
+              </a:rPr>
+              <a:t>/notes/the-promise-of-a-burger-party</a:t>
+            </a:r>
+            <a:endParaRPr lang="en-US" sz="1400" dirty="0"/>
+          </a:p>
+          <a:p>
+            <a:pPr lvl="1"/>
+            <a:r>
+              <a:rPr lang="en-US" sz="1400" dirty="0" smtClean="0">
+                <a:hlinkClick r:id="rId9"/>
+              </a:rPr>
+              <a:t>https</a:t>
+            </a:r>
+            <a:r>
+              <a:rPr lang="en-US" sz="1400" dirty="0">
+                <a:hlinkClick r:id="rId9"/>
+              </a:rPr>
+              <a:t>://</a:t>
+            </a:r>
+            <a:r>
+              <a:rPr lang="en-US" sz="1400" dirty="0" smtClean="0">
+                <a:hlinkClick r:id="rId9"/>
+              </a:rPr>
+              <a:t>developer.mozilla.org/en/docs/Web/JavaScript/Reference/Global_Objects/Promise</a:t>
+            </a:r>
+            <a:endParaRPr lang="en-US" sz="1400" dirty="0" smtClean="0"/>
+          </a:p>
+          <a:p>
+            <a:r>
+              <a:rPr lang="en-US" sz="1600" dirty="0" smtClean="0"/>
+              <a:t>Classes/OOD/OOP: </a:t>
+            </a:r>
+            <a:r>
+              <a:rPr lang="en-US" sz="1400" dirty="0" smtClean="0">
+                <a:hlinkClick r:id="rId10"/>
+              </a:rPr>
+              <a:t>https</a:t>
+            </a:r>
+            <a:r>
+              <a:rPr lang="en-US" sz="1400" dirty="0">
+                <a:hlinkClick r:id="rId10"/>
+              </a:rPr>
+              <a:t>://</a:t>
+            </a:r>
+            <a:r>
+              <a:rPr lang="en-US" sz="1400" dirty="0" smtClean="0">
+                <a:hlinkClick r:id="rId10"/>
+              </a:rPr>
+              <a:t>developer.mozilla.org/en-US/docs/Learn/JavaScript/Objects/Object-oriented_JS</a:t>
+            </a:r>
+            <a:endParaRPr lang="en-US" sz="1400" dirty="0" smtClean="0"/>
+          </a:p>
+          <a:p>
+            <a:r>
+              <a:rPr lang="en-US" sz="1600" dirty="0" smtClean="0"/>
+              <a:t>Finite State Machine: </a:t>
+            </a:r>
+            <a:r>
+              <a:rPr lang="en-US" sz="1400" dirty="0" smtClean="0">
+                <a:hlinkClick r:id="rId11"/>
+              </a:rPr>
+              <a:t>https://developer.mozilla.org/en-US/docs/Glossary/State_machine</a:t>
+            </a:r>
+            <a:endParaRPr lang="en-US" sz="1400" dirty="0" smtClean="0"/>
+          </a:p>
+          <a:p>
+            <a:endParaRPr lang="en-US" sz="1600" dirty="0"/>
+          </a:p>
+        </p:txBody>
+      </p:sp>
+    </p:spTree>
+    <p:extLst>
+      <p:ext uri="{BB962C8B-B14F-4D97-AF65-F5344CB8AC3E}">
+        <p14:creationId xmlns:p14="http://schemas.microsoft.com/office/powerpoint/2010/main" val="162938005"/>
+      </p:ext>
+    </p:extLst>
+  </p:cSld>
+  <p:clrMapOvr>
+    <a:masterClrMapping/>
+  </p:clrMapOvr>
+  <p:timing>
+    <p:tnLst>
+      <p:par>
+        <p:cTn id="1" dur="indefinite" restart="never" nodeType="tmRoot"/>
+      </p:par>
+    </p:tnLst>
+  </p:timing>
+</p:sld>
+</file>
+
+<file path=ppt/slides/slide42.xml><?xml version="1.0" encoding="utf-8"?>
+<p:sld xmlns:a="http://schemas.openxmlformats.org/drawingml/2006/main" xmlns:r="http://schemas.openxmlformats.org/officeDocument/2006/relationships" xmlns:p="http://schemas.openxmlformats.org/presentationml/2006/main" show="0">
+  <p:cSld>
+    <p:spTree>
+      <p:nvGrpSpPr>
+        <p:cNvPr id="1" name=""/>
+        <p:cNvGrpSpPr/>
+        <p:nvPr/>
+      </p:nvGrpSpPr>
+      <p:grpSpPr>
+        <a:xfrm>
+          <a:off x="0" y="0"/>
+          <a:ext cx="0" cy="0"/>
+          <a:chOff x="0" y="0"/>
+          <a:chExt cx="0" cy="0"/>
+        </a:xfrm>
+      </p:grpSpPr>
+      <p:sp>
+        <p:nvSpPr>
           <p:cNvPr id="3" name="Content Placeholder 2"/>
           <p:cNvSpPr>
             <a:spLocks noGrp="1"/>
@@ -16326,7 +17119,7 @@
 </p:sld>
 </file>
 
-<file path=ppt/slides/slide41.xml><?xml version="1.0" encoding="utf-8"?>
+<file path=ppt/slides/slide43.xml><?xml version="1.0" encoding="utf-8"?>
 <p:sld xmlns:a="http://schemas.openxmlformats.org/drawingml/2006/main" xmlns:r="http://schemas.openxmlformats.org/officeDocument/2006/relationships" xmlns:p="http://schemas.openxmlformats.org/presentationml/2006/main" show="0">
   <p:cSld>
     <p:spTree>
@@ -17513,7 +18306,7 @@
 </p:sld>
 </file>
 
-<file path=ppt/slides/slide42.xml><?xml version="1.0" encoding="utf-8"?>
+<file path=ppt/slides/slide44.xml><?xml version="1.0" encoding="utf-8"?>
 <p:sld xmlns:a="http://schemas.openxmlformats.org/drawingml/2006/main" xmlns:r="http://schemas.openxmlformats.org/officeDocument/2006/relationships" xmlns:p="http://schemas.openxmlformats.org/presentationml/2006/main" show="0">
   <p:cSld>
     <p:spTree>

--- a/presentations/FAC9 Workshop.pptx
+++ b/presentations/FAC9 Workshop.pptx
@@ -5,7 +5,7 @@
     <p:sldMasterId id="2147483648" r:id="rId1"/>
   </p:sldMasterIdLst>
   <p:notesMasterIdLst>
-    <p:notesMasterId r:id="rId46"/>
+    <p:notesMasterId r:id="rId47"/>
   </p:notesMasterIdLst>
   <p:sldIdLst>
     <p:sldId id="256" r:id="rId2"/>
@@ -40,18 +40,19 @@
     <p:sldId id="303" r:id="rId31"/>
     <p:sldId id="304" r:id="rId32"/>
     <p:sldId id="305" r:id="rId33"/>
-    <p:sldId id="306" r:id="rId34"/>
-    <p:sldId id="269" r:id="rId35"/>
-    <p:sldId id="277" r:id="rId36"/>
-    <p:sldId id="297" r:id="rId37"/>
-    <p:sldId id="298" r:id="rId38"/>
-    <p:sldId id="299" r:id="rId39"/>
-    <p:sldId id="270" r:id="rId40"/>
-    <p:sldId id="271" r:id="rId41"/>
-    <p:sldId id="272" r:id="rId42"/>
-    <p:sldId id="281" r:id="rId43"/>
-    <p:sldId id="282" r:id="rId44"/>
-    <p:sldId id="283" r:id="rId45"/>
+    <p:sldId id="307" r:id="rId34"/>
+    <p:sldId id="306" r:id="rId35"/>
+    <p:sldId id="269" r:id="rId36"/>
+    <p:sldId id="277" r:id="rId37"/>
+    <p:sldId id="297" r:id="rId38"/>
+    <p:sldId id="298" r:id="rId39"/>
+    <p:sldId id="299" r:id="rId40"/>
+    <p:sldId id="270" r:id="rId41"/>
+    <p:sldId id="271" r:id="rId42"/>
+    <p:sldId id="272" r:id="rId43"/>
+    <p:sldId id="281" r:id="rId44"/>
+    <p:sldId id="282" r:id="rId45"/>
+    <p:sldId id="283" r:id="rId46"/>
   </p:sldIdLst>
   <p:sldSz cx="12192000" cy="6858000"/>
   <p:notesSz cx="6858000" cy="9144000"/>
@@ -12664,7 +12665,7 @@
         <p:spPr/>
         <p:txBody>
           <a:bodyPr>
-            <a:normAutofit lnSpcReduction="10000"/>
+            <a:normAutofit fontScale="85000" lnSpcReduction="20000"/>
           </a:bodyPr>
           <a:lstStyle/>
           <a:p>
@@ -12704,32 +12705,141 @@
               <a:buAutoNum type="arabicPeriod"/>
             </a:pPr>
             <a:r>
-              <a:rPr lang="en-US" dirty="0" smtClean="0"/>
-              <a:t>Add ‘click’ event handlers for ‘call’ and ‘</a:t>
-            </a:r>
-            <a:r>
-              <a:rPr lang="en-US" dirty="0" err="1" smtClean="0"/>
-              <a:t>hangup</a:t>
-            </a:r>
-            <a:r>
-              <a:rPr lang="en-US" dirty="0" smtClean="0"/>
-              <a:t>’</a:t>
+              <a:rPr lang="en-US" dirty="0"/>
+              <a:t>For each caller, create a </a:t>
+            </a:r>
+            <a:r>
+              <a:rPr lang="en-US" dirty="0" err="1"/>
+              <a:t>VideoEndPoint</a:t>
+            </a:r>
+            <a:r>
+              <a:rPr lang="en-US" dirty="0"/>
+              <a:t> object</a:t>
             </a:r>
           </a:p>
           <a:p>
             <a:pPr lvl="1"/>
             <a:r>
-              <a:rPr lang="en-US" dirty="0" smtClean="0"/>
-              <a:t>Add these into ‘</a:t>
-            </a:r>
-            <a:r>
-              <a:rPr lang="en-US" dirty="0" err="1" smtClean="0"/>
-              <a:t>driver.js</a:t>
-            </a:r>
-            <a:r>
-              <a:rPr lang="en-US" dirty="0" smtClean="0"/>
-              <a:t>’</a:t>
-            </a:r>
+              <a:rPr lang="en-US" dirty="0"/>
+              <a:t>Pass in the video tags and the ‘status’ display tag to the constructor</a:t>
+            </a:r>
+            <a:br>
+              <a:rPr lang="en-US" dirty="0"/>
+            </a:br>
+            <a:r>
+              <a:rPr lang="en-US" dirty="0"/>
+              <a:t/>
+            </a:r>
+            <a:br>
+              <a:rPr lang="en-US" dirty="0"/>
+            </a:br>
+            <a:r>
+              <a:rPr lang="en-US" sz="1800" dirty="0">
+                <a:latin typeface="Courier New" charset="0"/>
+                <a:ea typeface="Courier New" charset="0"/>
+                <a:cs typeface="Courier New" charset="0"/>
+              </a:rPr>
+              <a:t>new </a:t>
+            </a:r>
+            <a:r>
+              <a:rPr lang="en-US" sz="1800" dirty="0" err="1">
+                <a:latin typeface="Courier New" charset="0"/>
+                <a:ea typeface="Courier New" charset="0"/>
+                <a:cs typeface="Courier New" charset="0"/>
+              </a:rPr>
+              <a:t>VideoEndPoint</a:t>
+            </a:r>
+            <a:r>
+              <a:rPr lang="en-US" sz="1800" dirty="0">
+                <a:latin typeface="Courier New" charset="0"/>
+                <a:ea typeface="Courier New" charset="0"/>
+                <a:cs typeface="Courier New" charset="0"/>
+              </a:rPr>
+              <a:t>(</a:t>
+            </a:r>
+            <a:br>
+              <a:rPr lang="en-US" sz="1800" dirty="0">
+                <a:latin typeface="Courier New" charset="0"/>
+                <a:ea typeface="Courier New" charset="0"/>
+                <a:cs typeface="Courier New" charset="0"/>
+              </a:rPr>
+            </a:br>
+            <a:r>
+              <a:rPr lang="en-US" sz="1800" dirty="0">
+                <a:latin typeface="Courier New" charset="0"/>
+                <a:ea typeface="Courier New" charset="0"/>
+                <a:cs typeface="Courier New" charset="0"/>
+              </a:rPr>
+              <a:t>    ‘name’,</a:t>
+            </a:r>
+            <a:r>
+              <a:rPr lang="en-US" sz="1800" dirty="0" err="1">
+                <a:latin typeface="Courier New" charset="0"/>
+                <a:ea typeface="Courier New" charset="0"/>
+                <a:cs typeface="Courier New" charset="0"/>
+              </a:rPr>
+              <a:t>remoteVideoDOMtag</a:t>
+            </a:r>
+            <a:r>
+              <a:rPr lang="en-US" sz="1800" dirty="0">
+                <a:latin typeface="Courier New" charset="0"/>
+                <a:ea typeface="Courier New" charset="0"/>
+                <a:cs typeface="Courier New" charset="0"/>
+              </a:rPr>
+              <a:t>, </a:t>
+            </a:r>
+            <a:r>
+              <a:rPr lang="en-US" sz="1800" dirty="0" err="1">
+                <a:latin typeface="Courier New" charset="0"/>
+                <a:ea typeface="Courier New" charset="0"/>
+                <a:cs typeface="Courier New" charset="0"/>
+              </a:rPr>
+              <a:t>localVideoDOMtag</a:t>
+            </a:r>
+            <a:r>
+              <a:rPr lang="en-US" sz="1800" dirty="0">
+                <a:latin typeface="Courier New" charset="0"/>
+                <a:ea typeface="Courier New" charset="0"/>
+                <a:cs typeface="Courier New" charset="0"/>
+              </a:rPr>
+              <a:t>, </a:t>
+            </a:r>
+            <a:r>
+              <a:rPr lang="en-US" sz="1800" dirty="0" err="1">
+                <a:latin typeface="Courier New" charset="0"/>
+                <a:ea typeface="Courier New" charset="0"/>
+                <a:cs typeface="Courier New" charset="0"/>
+              </a:rPr>
+              <a:t>statusDOMtag</a:t>
+            </a:r>
+            <a:r>
+              <a:rPr lang="en-US" sz="1800" dirty="0">
+                <a:latin typeface="Courier New" charset="0"/>
+                <a:ea typeface="Courier New" charset="0"/>
+                <a:cs typeface="Courier New" charset="0"/>
+              </a:rPr>
+              <a:t/>
+            </a:r>
+            <a:br>
+              <a:rPr lang="en-US" sz="1800" dirty="0">
+                <a:latin typeface="Courier New" charset="0"/>
+                <a:ea typeface="Courier New" charset="0"/>
+                <a:cs typeface="Courier New" charset="0"/>
+              </a:rPr>
+            </a:br>
+            <a:r>
+              <a:rPr lang="en-US" sz="1800" dirty="0">
+                <a:latin typeface="Courier New" charset="0"/>
+                <a:ea typeface="Courier New" charset="0"/>
+                <a:cs typeface="Courier New" charset="0"/>
+              </a:rPr>
+              <a:t>)</a:t>
+            </a:r>
+            <a:endParaRPr lang="en-US" dirty="0">
+              <a:latin typeface="Courier New" charset="0"/>
+              <a:ea typeface="Courier New" charset="0"/>
+              <a:cs typeface="Courier New" charset="0"/>
+            </a:endParaRPr>
           </a:p>
           <a:p>
             <a:pPr marL="514350" indent="-514350">
@@ -12738,11 +12848,48 @@
             </a:pPr>
             <a:r>
               <a:rPr lang="en-US" dirty="0" smtClean="0"/>
-              <a:t>For each caller, create a </a:t>
+              <a:t>Add ‘click’ event handlers for ‘call’</a:t>
+            </a:r>
+          </a:p>
+          <a:p>
+            <a:pPr lvl="1"/>
+            <a:r>
+              <a:rPr lang="en-US" dirty="0" smtClean="0"/>
+              <a:t>Add these into ‘</a:t>
             </a:r>
             <a:r>
               <a:rPr lang="en-US" dirty="0" err="1" smtClean="0"/>
-              <a:t>VirtualEndPoint</a:t>
+              <a:t>driver.js</a:t>
+            </a:r>
+            <a:r>
+              <a:rPr lang="en-US" dirty="0" smtClean="0"/>
+              <a:t>’</a:t>
+            </a:r>
+          </a:p>
+          <a:p>
+            <a:pPr lvl="1"/>
+            <a:r>
+              <a:rPr lang="en-US" dirty="0" smtClean="0"/>
+              <a:t>When ‘call’ button clicked:</a:t>
+            </a:r>
+          </a:p>
+          <a:p>
+            <a:pPr lvl="2"/>
+            <a:r>
+              <a:rPr lang="en-US" dirty="0" smtClean="0"/>
+              <a:t>Work out who the caller is (who clicked call) </a:t>
+            </a:r>
+            <a:r>
+              <a:rPr lang="mr-IN" dirty="0" smtClean="0"/>
+              <a:t>–</a:t>
+            </a:r>
+            <a:r>
+              <a:rPr lang="en-US" dirty="0" smtClean="0"/>
+              <a:t> find the </a:t>
+            </a:r>
+            <a:r>
+              <a:rPr lang="en-US" dirty="0" err="1" smtClean="0"/>
+              <a:t>VideoEndPoint</a:t>
             </a:r>
             <a:r>
               <a:rPr lang="en-US" dirty="0" smtClean="0"/>
@@ -12750,136 +12897,22 @@
             </a:r>
           </a:p>
           <a:p>
-            <a:pPr lvl="1"/>
-            <a:r>
-              <a:rPr lang="en-US" dirty="0" smtClean="0"/>
-              <a:t>Pass in the video tags and the ‘status’ display tag to the constructor</a:t>
-            </a:r>
-            <a:br>
-              <a:rPr lang="en-US" dirty="0" smtClean="0"/>
-            </a:br>
-            <a:r>
-              <a:rPr lang="en-US" dirty="0" smtClean="0"/>
-              <a:t/>
-            </a:r>
-            <a:br>
-              <a:rPr lang="en-US" dirty="0" smtClean="0"/>
-            </a:br>
-            <a:r>
-              <a:rPr lang="en-US" sz="1800" dirty="0" smtClean="0">
-                <a:latin typeface="Courier New" charset="0"/>
-                <a:ea typeface="Courier New" charset="0"/>
-                <a:cs typeface="Courier New" charset="0"/>
-              </a:rPr>
-              <a:t>new </a:t>
-            </a:r>
-            <a:r>
-              <a:rPr lang="en-US" sz="1800" dirty="0" err="1" smtClean="0">
-                <a:latin typeface="Courier New" charset="0"/>
-                <a:ea typeface="Courier New" charset="0"/>
-                <a:cs typeface="Courier New" charset="0"/>
-              </a:rPr>
-              <a:t>VideoEndPoint</a:t>
-            </a:r>
-            <a:r>
-              <a:rPr lang="en-US" sz="1800" dirty="0" smtClean="0">
-                <a:latin typeface="Courier New" charset="0"/>
-                <a:ea typeface="Courier New" charset="0"/>
-                <a:cs typeface="Courier New" charset="0"/>
-              </a:rPr>
-              <a:t>(</a:t>
-            </a:r>
-            <a:br>
-              <a:rPr lang="en-US" sz="1800" dirty="0" smtClean="0">
-                <a:latin typeface="Courier New" charset="0"/>
-                <a:ea typeface="Courier New" charset="0"/>
-                <a:cs typeface="Courier New" charset="0"/>
-              </a:rPr>
-            </a:br>
-            <a:r>
-              <a:rPr lang="en-US" sz="1800" dirty="0" smtClean="0">
-                <a:latin typeface="Courier New" charset="0"/>
-                <a:ea typeface="Courier New" charset="0"/>
-                <a:cs typeface="Courier New" charset="0"/>
-              </a:rPr>
-              <a:t>    ‘name’,</a:t>
-            </a:r>
-            <a:r>
-              <a:rPr lang="en-US" sz="1800" dirty="0" err="1" smtClean="0">
-                <a:latin typeface="Courier New" charset="0"/>
-                <a:ea typeface="Courier New" charset="0"/>
-                <a:cs typeface="Courier New" charset="0"/>
-              </a:rPr>
-              <a:t>remoteVideoDOMtag</a:t>
-            </a:r>
-            <a:r>
-              <a:rPr lang="en-US" sz="1800" dirty="0" smtClean="0">
-                <a:latin typeface="Courier New" charset="0"/>
-                <a:ea typeface="Courier New" charset="0"/>
-                <a:cs typeface="Courier New" charset="0"/>
-              </a:rPr>
-              <a:t>,</a:t>
-            </a:r>
-            <a:r>
-              <a:rPr lang="en-US" sz="1800" dirty="0">
-                <a:latin typeface="Courier New" charset="0"/>
-                <a:ea typeface="Courier New" charset="0"/>
-                <a:cs typeface="Courier New" charset="0"/>
-              </a:rPr>
-              <a:t> </a:t>
-            </a:r>
-            <a:r>
-              <a:rPr lang="en-US" sz="1800" dirty="0" err="1" smtClean="0">
-                <a:latin typeface="Courier New" charset="0"/>
-                <a:ea typeface="Courier New" charset="0"/>
-                <a:cs typeface="Courier New" charset="0"/>
-              </a:rPr>
-              <a:t>remoteVideoDOMtag</a:t>
-            </a:r>
-            <a:r>
-              <a:rPr lang="en-US" sz="1800" dirty="0" smtClean="0">
-                <a:latin typeface="Courier New" charset="0"/>
-                <a:ea typeface="Courier New" charset="0"/>
-                <a:cs typeface="Courier New" charset="0"/>
-              </a:rPr>
-              <a:t>, </a:t>
-            </a:r>
-            <a:r>
-              <a:rPr lang="en-US" sz="1800" dirty="0" err="1" smtClean="0">
-                <a:latin typeface="Courier New" charset="0"/>
-                <a:ea typeface="Courier New" charset="0"/>
-                <a:cs typeface="Courier New" charset="0"/>
-              </a:rPr>
-              <a:t>statusDOMtag</a:t>
-            </a:r>
-            <a:r>
-              <a:rPr lang="en-US" sz="1800" dirty="0" smtClean="0">
-                <a:latin typeface="Courier New" charset="0"/>
-                <a:ea typeface="Courier New" charset="0"/>
-                <a:cs typeface="Courier New" charset="0"/>
-              </a:rPr>
-              <a:t/>
-            </a:r>
-            <a:br>
-              <a:rPr lang="en-US" sz="1800" dirty="0" smtClean="0">
-                <a:latin typeface="Courier New" charset="0"/>
-                <a:ea typeface="Courier New" charset="0"/>
-                <a:cs typeface="Courier New" charset="0"/>
-              </a:rPr>
-            </a:br>
-            <a:r>
-              <a:rPr lang="en-US" sz="1800" dirty="0" smtClean="0">
-                <a:latin typeface="Courier New" charset="0"/>
-                <a:ea typeface="Courier New" charset="0"/>
-                <a:cs typeface="Courier New" charset="0"/>
-              </a:rPr>
-              <a:t>)</a:t>
-            </a:r>
-            <a:endParaRPr lang="en-US" dirty="0" smtClean="0">
-              <a:latin typeface="Courier New" charset="0"/>
-              <a:ea typeface="Courier New" charset="0"/>
-              <a:cs typeface="Courier New" charset="0"/>
-            </a:endParaRPr>
+            <a:pPr lvl="2"/>
+            <a:r>
+              <a:rPr lang="en-US" dirty="0" smtClean="0"/>
+              <a:t>Get the value from the ‘target’ field</a:t>
+            </a:r>
+          </a:p>
+          <a:p>
+            <a:pPr lvl="2"/>
+            <a:r>
+              <a:rPr lang="en-US" dirty="0"/>
+              <a:t>Send ‘</a:t>
+            </a:r>
+            <a:r>
+              <a:rPr lang="en-US" dirty="0" smtClean="0"/>
+              <a:t>CALL_REQUEST’ to the target</a:t>
+            </a:r>
           </a:p>
           <a:p>
             <a:pPr lvl="1"/>
@@ -12933,10 +12966,149 @@
           <a:lstStyle/>
           <a:p>
             <a:r>
+              <a:rPr lang="en-US" dirty="0" smtClean="0"/>
+              <a:t>3. State Machine first steps</a:t>
+            </a:r>
+            <a:r>
+              <a:rPr lang="mr-IN" dirty="0" smtClean="0"/>
+              <a:t>…</a:t>
+            </a:r>
+            <a:endParaRPr lang="en-US" dirty="0"/>
+          </a:p>
+        </p:txBody>
+      </p:sp>
+      <p:sp>
+        <p:nvSpPr>
+          <p:cNvPr id="3" name="Content Placeholder 2"/>
+          <p:cNvSpPr>
+            <a:spLocks noGrp="1"/>
+          </p:cNvSpPr>
+          <p:nvPr>
+            <p:ph idx="1"/>
+          </p:nvPr>
+        </p:nvSpPr>
+        <p:spPr/>
+        <p:txBody>
+          <a:bodyPr/>
+          <a:lstStyle/>
+          <a:p>
+            <a:r>
+              <a:rPr lang="en-US" dirty="0" smtClean="0"/>
+              <a:t>Add a </a:t>
+            </a:r>
+            <a:r>
+              <a:rPr lang="en-US" dirty="0" err="1" smtClean="0"/>
+              <a:t>setState</a:t>
+            </a:r>
+            <a:r>
+              <a:rPr lang="en-US" dirty="0" smtClean="0"/>
+              <a:t>(</a:t>
+            </a:r>
+            <a:r>
+              <a:rPr lang="en-US" dirty="0" err="1" smtClean="0"/>
+              <a:t>newState</a:t>
+            </a:r>
+            <a:r>
+              <a:rPr lang="en-US" dirty="0" smtClean="0"/>
+              <a:t>) method to </a:t>
+            </a:r>
+            <a:r>
+              <a:rPr lang="en-US" dirty="0" err="1" smtClean="0"/>
+              <a:t>VideoEndPoint</a:t>
+            </a:r>
+            <a:endParaRPr lang="en-US" dirty="0" smtClean="0"/>
+          </a:p>
+          <a:p>
+            <a:pPr lvl="1"/>
+            <a:r>
+              <a:rPr lang="en-US" dirty="0" smtClean="0"/>
+              <a:t>Use this to update the state DOM element you added to the constructor</a:t>
+            </a:r>
+          </a:p>
+          <a:p>
+            <a:r>
+              <a:rPr lang="en-US" dirty="0" smtClean="0"/>
+              <a:t>Add a method to </a:t>
+            </a:r>
+            <a:r>
+              <a:rPr lang="en-US" dirty="0" err="1" smtClean="0"/>
+              <a:t>VideoEndPoint</a:t>
+            </a:r>
+            <a:r>
+              <a:rPr lang="en-US" dirty="0" smtClean="0"/>
+              <a:t> to implement ‘CALL_REQUEST’</a:t>
+            </a:r>
+          </a:p>
+          <a:p>
+            <a:pPr lvl="1"/>
+            <a:r>
+              <a:rPr lang="en-US" dirty="0" smtClean="0"/>
+              <a:t>And call that from the switch statement in ‘receive’</a:t>
+            </a:r>
+          </a:p>
+          <a:p>
+            <a:r>
+              <a:rPr lang="en-US" dirty="0" smtClean="0"/>
+              <a:t>Make a call and check the states of the two end </a:t>
+            </a:r>
+            <a:r>
               <a:rPr lang="en-US" smtClean="0"/>
+              <a:t>points involved</a:t>
+            </a:r>
+            <a:endParaRPr lang="en-US"/>
+          </a:p>
+        </p:txBody>
+      </p:sp>
+    </p:spTree>
+    <p:extLst>
+      <p:ext uri="{BB962C8B-B14F-4D97-AF65-F5344CB8AC3E}">
+        <p14:creationId xmlns:p14="http://schemas.microsoft.com/office/powerpoint/2010/main" val="2066108973"/>
+      </p:ext>
+    </p:extLst>
+  </p:cSld>
+  <p:clrMapOvr>
+    <a:masterClrMapping/>
+  </p:clrMapOvr>
+</p:sld>
+</file>
+
+<file path=ppt/slides/slide34.xml><?xml version="1.0" encoding="utf-8"?>
+<p:sld xmlns:a="http://schemas.openxmlformats.org/drawingml/2006/main" xmlns:r="http://schemas.openxmlformats.org/officeDocument/2006/relationships" xmlns:p="http://schemas.openxmlformats.org/presentationml/2006/main">
+  <p:cSld>
+    <p:spTree>
+      <p:nvGrpSpPr>
+        <p:cNvPr id="1" name=""/>
+        <p:cNvGrpSpPr/>
+        <p:nvPr/>
+      </p:nvGrpSpPr>
+      <p:grpSpPr>
+        <a:xfrm>
+          <a:off x="0" y="0"/>
+          <a:ext cx="0" cy="0"/>
+          <a:chOff x="0" y="0"/>
+          <a:chExt cx="0" cy="0"/>
+        </a:xfrm>
+      </p:grpSpPr>
+      <p:sp>
+        <p:nvSpPr>
+          <p:cNvPr id="2" name="Title 1"/>
+          <p:cNvSpPr>
+            <a:spLocks noGrp="1"/>
+          </p:cNvSpPr>
+          <p:nvPr>
+            <p:ph type="title"/>
+          </p:nvPr>
+        </p:nvSpPr>
+        <p:spPr/>
+        <p:txBody>
+          <a:bodyPr/>
+          <a:lstStyle/>
+          <a:p>
+            <a:r>
+              <a:rPr lang="en-US" dirty="0" smtClean="0"/>
               <a:t>Responsive HTML layout</a:t>
             </a:r>
-            <a:endParaRPr lang="en-US"/>
+            <a:endParaRPr lang="en-US" dirty="0"/>
           </a:p>
         </p:txBody>
       </p:sp>
@@ -13402,7 +13574,7 @@
 </p:sld>
 </file>
 
-<file path=ppt/slides/slide34.xml><?xml version="1.0" encoding="utf-8"?>
+<file path=ppt/slides/slide35.xml><?xml version="1.0" encoding="utf-8"?>
 <p:sld xmlns:a="http://schemas.openxmlformats.org/drawingml/2006/main" xmlns:r="http://schemas.openxmlformats.org/officeDocument/2006/relationships" xmlns:p="http://schemas.openxmlformats.org/presentationml/2006/main">
   <p:cSld>
     <p:spTree>
@@ -14034,490 +14206,6 @@
     <p:extLst>
       <p:ext uri="{BB962C8B-B14F-4D97-AF65-F5344CB8AC3E}">
         <p14:creationId xmlns:p14="http://schemas.microsoft.com/office/powerpoint/2010/main" val="2059734890"/>
-      </p:ext>
-    </p:extLst>
-  </p:cSld>
-  <p:clrMapOvr>
-    <a:masterClrMapping/>
-  </p:clrMapOvr>
-  <p:timing>
-    <p:tnLst>
-      <p:par>
-        <p:cTn id="1" dur="indefinite" restart="never" nodeType="tmRoot"/>
-      </p:par>
-    </p:tnLst>
-  </p:timing>
-</p:sld>
-</file>
-
-<file path=ppt/slides/slide35.xml><?xml version="1.0" encoding="utf-8"?>
-<p:sld xmlns:a="http://schemas.openxmlformats.org/drawingml/2006/main" xmlns:r="http://schemas.openxmlformats.org/officeDocument/2006/relationships" xmlns:p="http://schemas.openxmlformats.org/presentationml/2006/main">
-  <p:cSld>
-    <p:spTree>
-      <p:nvGrpSpPr>
-        <p:cNvPr id="1" name=""/>
-        <p:cNvGrpSpPr/>
-        <p:nvPr/>
-      </p:nvGrpSpPr>
-      <p:grpSpPr>
-        <a:xfrm>
-          <a:off x="0" y="0"/>
-          <a:ext cx="0" cy="0"/>
-          <a:chOff x="0" y="0"/>
-          <a:chExt cx="0" cy="0"/>
-        </a:xfrm>
-      </p:grpSpPr>
-      <p:sp>
-        <p:nvSpPr>
-          <p:cNvPr id="2" name="Title 1"/>
-          <p:cNvSpPr>
-            <a:spLocks noGrp="1"/>
-          </p:cNvSpPr>
-          <p:nvPr>
-            <p:ph type="title"/>
-          </p:nvPr>
-        </p:nvSpPr>
-        <p:spPr/>
-        <p:txBody>
-          <a:bodyPr/>
-          <a:lstStyle/>
-          <a:p>
-            <a:r>
-              <a:rPr lang="en-US" dirty="0" smtClean="0"/>
-              <a:t>4. </a:t>
-            </a:r>
-            <a:r>
-              <a:rPr lang="en-US" dirty="0" err="1" smtClean="0"/>
-              <a:t>Signalling</a:t>
-            </a:r>
-            <a:r>
-              <a:rPr lang="en-US" dirty="0" smtClean="0"/>
-              <a:t> across a network</a:t>
-            </a:r>
-            <a:endParaRPr lang="en-US" dirty="0"/>
-          </a:p>
-        </p:txBody>
-      </p:sp>
-      <p:sp>
-        <p:nvSpPr>
-          <p:cNvPr id="3" name="Content Placeholder 2"/>
-          <p:cNvSpPr>
-            <a:spLocks noGrp="1"/>
-          </p:cNvSpPr>
-          <p:nvPr>
-            <p:ph idx="1"/>
-          </p:nvPr>
-        </p:nvSpPr>
-        <p:spPr>
-          <a:xfrm>
-            <a:off x="2070459" y="1661616"/>
-            <a:ext cx="8432800" cy="4351338"/>
-          </a:xfrm>
-        </p:spPr>
-        <p:txBody>
-          <a:bodyPr/>
-          <a:lstStyle/>
-          <a:p>
-            <a:r>
-              <a:rPr lang="en-US" dirty="0" smtClean="0"/>
-              <a:t>Split your </a:t>
-            </a:r>
-            <a:r>
-              <a:rPr lang="en-US" dirty="0" err="1" smtClean="0"/>
-              <a:t>signalling</a:t>
-            </a:r>
-            <a:r>
-              <a:rPr lang="en-US" dirty="0" smtClean="0"/>
-              <a:t> into two parts:</a:t>
-            </a:r>
-          </a:p>
-          <a:p>
-            <a:pPr lvl="1"/>
-            <a:r>
-              <a:rPr lang="en-US" dirty="0" smtClean="0"/>
-              <a:t>Carry information across the local network</a:t>
-            </a:r>
-          </a:p>
-          <a:p>
-            <a:pPr lvl="1"/>
-            <a:r>
-              <a:rPr lang="en-US" dirty="0" smtClean="0"/>
-              <a:t>Modify the application to have one end point per browser</a:t>
-            </a:r>
-            <a:endParaRPr lang="en-US" dirty="0"/>
-          </a:p>
-        </p:txBody>
-      </p:sp>
-      <p:sp>
-        <p:nvSpPr>
-          <p:cNvPr id="4" name="Chord 3"/>
-          <p:cNvSpPr/>
-          <p:nvPr/>
-        </p:nvSpPr>
-        <p:spPr>
-          <a:xfrm>
-            <a:off x="2997200" y="3302000"/>
-            <a:ext cx="2565400" cy="2324100"/>
-          </a:xfrm>
-          <a:prstGeom prst="chord">
-            <a:avLst>
-              <a:gd name="adj1" fmla="val 5370605"/>
-              <a:gd name="adj2" fmla="val 16200000"/>
-            </a:avLst>
-          </a:prstGeom>
-        </p:spPr>
-        <p:style>
-          <a:lnRef idx="2">
-            <a:schemeClr val="accent1">
-              <a:shade val="50000"/>
-            </a:schemeClr>
-          </a:lnRef>
-          <a:fillRef idx="1">
-            <a:schemeClr val="accent1"/>
-          </a:fillRef>
-          <a:effectRef idx="0">
-            <a:schemeClr val="accent1"/>
-          </a:effectRef>
-          <a:fontRef idx="minor">
-            <a:schemeClr val="lt1"/>
-          </a:fontRef>
-        </p:style>
-        <p:txBody>
-          <a:bodyPr rtlCol="0" anchor="ctr"/>
-          <a:lstStyle/>
-          <a:p>
-            <a:pPr algn="ctr"/>
-            <a:endParaRPr lang="en-US"/>
-          </a:p>
-        </p:txBody>
-      </p:sp>
-      <p:sp>
-        <p:nvSpPr>
-          <p:cNvPr id="5" name="Chord 4"/>
-          <p:cNvSpPr/>
-          <p:nvPr/>
-        </p:nvSpPr>
-        <p:spPr>
-          <a:xfrm rot="10800000">
-            <a:off x="6121400" y="3315948"/>
-            <a:ext cx="2565400" cy="2324100"/>
-          </a:xfrm>
-          <a:prstGeom prst="chord">
-            <a:avLst>
-              <a:gd name="adj1" fmla="val 5370605"/>
-              <a:gd name="adj2" fmla="val 16200000"/>
-            </a:avLst>
-          </a:prstGeom>
-        </p:spPr>
-        <p:style>
-          <a:lnRef idx="2">
-            <a:schemeClr val="accent1">
-              <a:shade val="50000"/>
-            </a:schemeClr>
-          </a:lnRef>
-          <a:fillRef idx="1">
-            <a:schemeClr val="accent1"/>
-          </a:fillRef>
-          <a:effectRef idx="0">
-            <a:schemeClr val="accent1"/>
-          </a:effectRef>
-          <a:fontRef idx="minor">
-            <a:schemeClr val="lt1"/>
-          </a:fontRef>
-        </p:style>
-        <p:txBody>
-          <a:bodyPr rtlCol="0" anchor="ctr"/>
-          <a:lstStyle/>
-          <a:p>
-            <a:pPr algn="ctr"/>
-            <a:endParaRPr lang="en-US"/>
-          </a:p>
-        </p:txBody>
-      </p:sp>
-      <p:cxnSp>
-        <p:nvCxnSpPr>
-          <p:cNvPr id="7" name="Straight Arrow Connector 6"/>
-          <p:cNvCxnSpPr/>
-          <p:nvPr/>
-        </p:nvCxnSpPr>
-        <p:spPr>
-          <a:xfrm>
-            <a:off x="1765300" y="3302000"/>
-            <a:ext cx="1346200" cy="571500"/>
-          </a:xfrm>
-          <a:prstGeom prst="straightConnector1">
-            <a:avLst/>
-          </a:prstGeom>
-          <a:ln>
-            <a:tailEnd type="triangle"/>
-          </a:ln>
-        </p:spPr>
-        <p:style>
-          <a:lnRef idx="1">
-            <a:schemeClr val="accent1"/>
-          </a:lnRef>
-          <a:fillRef idx="0">
-            <a:schemeClr val="accent1"/>
-          </a:fillRef>
-          <a:effectRef idx="0">
-            <a:schemeClr val="accent1"/>
-          </a:effectRef>
-          <a:fontRef idx="minor">
-            <a:schemeClr val="tx1"/>
-          </a:fontRef>
-        </p:style>
-      </p:cxnSp>
-      <p:sp>
-        <p:nvSpPr>
-          <p:cNvPr id="9" name="TextBox 8"/>
-          <p:cNvSpPr txBox="1"/>
-          <p:nvPr/>
-        </p:nvSpPr>
-        <p:spPr>
-          <a:xfrm rot="1313127">
-            <a:off x="1397577" y="3548170"/>
-            <a:ext cx="1580882" cy="369332"/>
-          </a:xfrm>
-          <a:prstGeom prst="rect">
-            <a:avLst/>
-          </a:prstGeom>
-          <a:noFill/>
-        </p:spPr>
-        <p:txBody>
-          <a:bodyPr wrap="none" rtlCol="0">
-            <a:spAutoFit/>
-          </a:bodyPr>
-          <a:lstStyle/>
-          <a:p>
-            <a:r>
-              <a:rPr lang="en-US" dirty="0" smtClean="0"/>
-              <a:t>Announce(me)</a:t>
-            </a:r>
-            <a:endParaRPr lang="en-US" dirty="0"/>
-          </a:p>
-        </p:txBody>
-      </p:sp>
-      <p:cxnSp>
-        <p:nvCxnSpPr>
-          <p:cNvPr id="10" name="Straight Arrow Connector 9"/>
-          <p:cNvCxnSpPr/>
-          <p:nvPr/>
-        </p:nvCxnSpPr>
-        <p:spPr>
-          <a:xfrm flipV="1">
-            <a:off x="1562100" y="4739481"/>
-            <a:ext cx="1435098" cy="1021556"/>
-          </a:xfrm>
-          <a:prstGeom prst="straightConnector1">
-            <a:avLst/>
-          </a:prstGeom>
-          <a:ln>
-            <a:tailEnd type="triangle"/>
-          </a:ln>
-        </p:spPr>
-        <p:style>
-          <a:lnRef idx="1">
-            <a:schemeClr val="accent1"/>
-          </a:lnRef>
-          <a:fillRef idx="0">
-            <a:schemeClr val="accent1"/>
-          </a:fillRef>
-          <a:effectRef idx="0">
-            <a:schemeClr val="accent1"/>
-          </a:effectRef>
-          <a:fontRef idx="minor">
-            <a:schemeClr val="tx1"/>
-          </a:fontRef>
-        </p:style>
-      </p:cxnSp>
-      <p:sp>
-        <p:nvSpPr>
-          <p:cNvPr id="13" name="TextBox 12"/>
-          <p:cNvSpPr txBox="1"/>
-          <p:nvPr/>
-        </p:nvSpPr>
-        <p:spPr>
-          <a:xfrm rot="19450736">
-            <a:off x="1576798" y="5016727"/>
-            <a:ext cx="987322" cy="369332"/>
-          </a:xfrm>
-          <a:prstGeom prst="rect">
-            <a:avLst/>
-          </a:prstGeom>
-          <a:noFill/>
-        </p:spPr>
-        <p:txBody>
-          <a:bodyPr wrap="none" rtlCol="0">
-            <a:spAutoFit/>
-          </a:bodyPr>
-          <a:lstStyle/>
-          <a:p>
-            <a:r>
-              <a:rPr lang="en-US" dirty="0" smtClean="0"/>
-              <a:t>Send(to)</a:t>
-            </a:r>
-            <a:endParaRPr lang="en-US" dirty="0"/>
-          </a:p>
-        </p:txBody>
-      </p:sp>
-      <p:cxnSp>
-        <p:nvCxnSpPr>
-          <p:cNvPr id="14" name="Straight Arrow Connector 13"/>
-          <p:cNvCxnSpPr/>
-          <p:nvPr/>
-        </p:nvCxnSpPr>
-        <p:spPr>
-          <a:xfrm>
-            <a:off x="8686800" y="4464050"/>
-            <a:ext cx="2247900" cy="0"/>
-          </a:xfrm>
-          <a:prstGeom prst="straightConnector1">
-            <a:avLst/>
-          </a:prstGeom>
-          <a:ln>
-            <a:tailEnd type="triangle"/>
-          </a:ln>
-        </p:spPr>
-        <p:style>
-          <a:lnRef idx="1">
-            <a:schemeClr val="accent1"/>
-          </a:lnRef>
-          <a:fillRef idx="0">
-            <a:schemeClr val="accent1"/>
-          </a:fillRef>
-          <a:effectRef idx="0">
-            <a:schemeClr val="accent1"/>
-          </a:effectRef>
-          <a:fontRef idx="minor">
-            <a:schemeClr val="tx1"/>
-          </a:fontRef>
-        </p:style>
-      </p:cxnSp>
-      <p:sp>
-        <p:nvSpPr>
-          <p:cNvPr id="21" name="TextBox 20"/>
-          <p:cNvSpPr txBox="1"/>
-          <p:nvPr/>
-        </p:nvSpPr>
-        <p:spPr>
-          <a:xfrm>
-            <a:off x="8993598" y="4102894"/>
-            <a:ext cx="1258614" cy="369332"/>
-          </a:xfrm>
-          <a:prstGeom prst="rect">
-            <a:avLst/>
-          </a:prstGeom>
-          <a:noFill/>
-        </p:spPr>
-        <p:txBody>
-          <a:bodyPr wrap="none" rtlCol="0">
-            <a:spAutoFit/>
-          </a:bodyPr>
-          <a:lstStyle/>
-          <a:p>
-            <a:r>
-              <a:rPr lang="en-US" dirty="0" smtClean="0"/>
-              <a:t>Listen(</a:t>
-            </a:r>
-            <a:r>
-              <a:rPr lang="en-US" dirty="0" err="1" smtClean="0"/>
-              <a:t>msg</a:t>
-            </a:r>
-            <a:r>
-              <a:rPr lang="en-US" dirty="0" smtClean="0"/>
-              <a:t>)</a:t>
-            </a:r>
-            <a:endParaRPr lang="en-US" dirty="0"/>
-          </a:p>
-        </p:txBody>
-      </p:sp>
-      <p:sp>
-        <p:nvSpPr>
-          <p:cNvPr id="6" name="Left-Right Arrow 5"/>
-          <p:cNvSpPr/>
-          <p:nvPr/>
-        </p:nvSpPr>
-        <p:spPr>
-          <a:xfrm>
-            <a:off x="4330700" y="3873500"/>
-            <a:ext cx="3073400" cy="1028700"/>
-          </a:xfrm>
-          <a:prstGeom prst="leftRightArrow">
-            <a:avLst/>
-          </a:prstGeom>
-        </p:spPr>
-        <p:style>
-          <a:lnRef idx="2">
-            <a:schemeClr val="accent1">
-              <a:shade val="50000"/>
-            </a:schemeClr>
-          </a:lnRef>
-          <a:fillRef idx="1">
-            <a:schemeClr val="accent1"/>
-          </a:fillRef>
-          <a:effectRef idx="0">
-            <a:schemeClr val="accent1"/>
-          </a:effectRef>
-          <a:fontRef idx="minor">
-            <a:schemeClr val="lt1"/>
-          </a:fontRef>
-        </p:style>
-        <p:txBody>
-          <a:bodyPr rtlCol="0" anchor="ctr"/>
-          <a:lstStyle/>
-          <a:p>
-            <a:pPr algn="ctr"/>
-            <a:endParaRPr lang="en-US"/>
-          </a:p>
-        </p:txBody>
-      </p:sp>
-      <p:sp>
-        <p:nvSpPr>
-          <p:cNvPr id="12" name="Cloud 11"/>
-          <p:cNvSpPr/>
-          <p:nvPr/>
-        </p:nvSpPr>
-        <p:spPr>
-          <a:xfrm>
-            <a:off x="5156198" y="3837285"/>
-            <a:ext cx="1497881" cy="1253530"/>
-          </a:xfrm>
-          <a:prstGeom prst="cloud">
-            <a:avLst/>
-          </a:prstGeom>
-          <a:solidFill>
-            <a:schemeClr val="bg1"/>
-          </a:solidFill>
-        </p:spPr>
-        <p:style>
-          <a:lnRef idx="2">
-            <a:schemeClr val="accent1">
-              <a:shade val="50000"/>
-            </a:schemeClr>
-          </a:lnRef>
-          <a:fillRef idx="1">
-            <a:schemeClr val="accent1"/>
-          </a:fillRef>
-          <a:effectRef idx="0">
-            <a:schemeClr val="accent1"/>
-          </a:effectRef>
-          <a:fontRef idx="minor">
-            <a:schemeClr val="lt1"/>
-          </a:fontRef>
-        </p:style>
-        <p:txBody>
-          <a:bodyPr rtlCol="0" anchor="ctr"/>
-          <a:lstStyle/>
-          <a:p>
-            <a:pPr algn="ctr"/>
-            <a:endParaRPr lang="en-US"/>
-          </a:p>
-        </p:txBody>
-      </p:sp>
-    </p:spTree>
-    <p:extLst>
-      <p:ext uri="{BB962C8B-B14F-4D97-AF65-F5344CB8AC3E}">
-        <p14:creationId xmlns:p14="http://schemas.microsoft.com/office/powerpoint/2010/main" val="912214221"/>
       </p:ext>
     </p:extLst>
   </p:cSld>
@@ -14567,7 +14255,7 @@
           <a:lstStyle/>
           <a:p>
             <a:r>
-              <a:rPr lang="en-US" dirty="0"/>
+              <a:rPr lang="en-US" dirty="0" smtClean="0"/>
               <a:t>4. </a:t>
             </a:r>
             <a:r>
@@ -14576,15 +14264,7 @@
             </a:r>
             <a:r>
               <a:rPr lang="en-US" dirty="0" smtClean="0"/>
-              <a:t> </a:t>
-            </a:r>
-            <a:r>
-              <a:rPr lang="en-US" dirty="0"/>
-              <a:t>across a </a:t>
-            </a:r>
-            <a:r>
-              <a:rPr lang="en-US" dirty="0" smtClean="0"/>
-              <a:t>network (2)</a:t>
+              <a:t> across a network</a:t>
             </a:r>
             <a:endParaRPr lang="en-US" dirty="0"/>
           </a:p>
@@ -14600,77 +14280,429 @@
             <p:ph idx="1"/>
           </p:nvPr>
         </p:nvSpPr>
-        <p:spPr/>
+        <p:spPr>
+          <a:xfrm>
+            <a:off x="2070459" y="1661616"/>
+            <a:ext cx="8432800" cy="4351338"/>
+          </a:xfrm>
+        </p:spPr>
         <p:txBody>
           <a:bodyPr/>
           <a:lstStyle/>
           <a:p>
             <a:r>
               <a:rPr lang="en-US" dirty="0" smtClean="0"/>
-              <a:t>If you’ve implemented part 3 well then</a:t>
+              <a:t>Split your </a:t>
+            </a:r>
+            <a:r>
+              <a:rPr lang="en-US" dirty="0" err="1" smtClean="0"/>
+              <a:t>signalling</a:t>
+            </a:r>
+            <a:r>
+              <a:rPr lang="en-US" dirty="0" smtClean="0"/>
+              <a:t> into two parts:</a:t>
             </a:r>
           </a:p>
           <a:p>
             <a:pPr lvl="1"/>
             <a:r>
               <a:rPr lang="en-US" dirty="0" smtClean="0"/>
-              <a:t>All you should have to do to the client/browser is rewrite </a:t>
+              <a:t>Carry information across the local network</a:t>
+            </a:r>
+          </a:p>
+          <a:p>
+            <a:pPr lvl="1"/>
+            <a:r>
+              <a:rPr lang="en-US" dirty="0" smtClean="0"/>
+              <a:t>Modify the application to have one end point per browser</a:t>
+            </a:r>
+            <a:endParaRPr lang="en-US" dirty="0"/>
+          </a:p>
+        </p:txBody>
+      </p:sp>
+      <p:sp>
+        <p:nvSpPr>
+          <p:cNvPr id="4" name="Chord 3"/>
+          <p:cNvSpPr/>
+          <p:nvPr/>
+        </p:nvSpPr>
+        <p:spPr>
+          <a:xfrm>
+            <a:off x="2997200" y="3302000"/>
+            <a:ext cx="2565400" cy="2324100"/>
+          </a:xfrm>
+          <a:prstGeom prst="chord">
+            <a:avLst>
+              <a:gd name="adj1" fmla="val 5370605"/>
+              <a:gd name="adj2" fmla="val 16200000"/>
+            </a:avLst>
+          </a:prstGeom>
+        </p:spPr>
+        <p:style>
+          <a:lnRef idx="2">
+            <a:schemeClr val="accent1">
+              <a:shade val="50000"/>
+            </a:schemeClr>
+          </a:lnRef>
+          <a:fillRef idx="1">
+            <a:schemeClr val="accent1"/>
+          </a:fillRef>
+          <a:effectRef idx="0">
+            <a:schemeClr val="accent1"/>
+          </a:effectRef>
+          <a:fontRef idx="minor">
+            <a:schemeClr val="lt1"/>
+          </a:fontRef>
+        </p:style>
+        <p:txBody>
+          <a:bodyPr rtlCol="0" anchor="ctr"/>
+          <a:lstStyle/>
+          <a:p>
+            <a:pPr algn="ctr"/>
+            <a:endParaRPr lang="en-US"/>
+          </a:p>
+        </p:txBody>
+      </p:sp>
+      <p:sp>
+        <p:nvSpPr>
+          <p:cNvPr id="5" name="Chord 4"/>
+          <p:cNvSpPr/>
+          <p:nvPr/>
+        </p:nvSpPr>
+        <p:spPr>
+          <a:xfrm rot="10800000">
+            <a:off x="6121400" y="3315948"/>
+            <a:ext cx="2565400" cy="2324100"/>
+          </a:xfrm>
+          <a:prstGeom prst="chord">
+            <a:avLst>
+              <a:gd name="adj1" fmla="val 5370605"/>
+              <a:gd name="adj2" fmla="val 16200000"/>
+            </a:avLst>
+          </a:prstGeom>
+        </p:spPr>
+        <p:style>
+          <a:lnRef idx="2">
+            <a:schemeClr val="accent1">
+              <a:shade val="50000"/>
+            </a:schemeClr>
+          </a:lnRef>
+          <a:fillRef idx="1">
+            <a:schemeClr val="accent1"/>
+          </a:fillRef>
+          <a:effectRef idx="0">
+            <a:schemeClr val="accent1"/>
+          </a:effectRef>
+          <a:fontRef idx="minor">
+            <a:schemeClr val="lt1"/>
+          </a:fontRef>
+        </p:style>
+        <p:txBody>
+          <a:bodyPr rtlCol="0" anchor="ctr"/>
+          <a:lstStyle/>
+          <a:p>
+            <a:pPr algn="ctr"/>
+            <a:endParaRPr lang="en-US"/>
+          </a:p>
+        </p:txBody>
+      </p:sp>
+      <p:cxnSp>
+        <p:nvCxnSpPr>
+          <p:cNvPr id="7" name="Straight Arrow Connector 6"/>
+          <p:cNvCxnSpPr/>
+          <p:nvPr/>
+        </p:nvCxnSpPr>
+        <p:spPr>
+          <a:xfrm>
+            <a:off x="1765300" y="3302000"/>
+            <a:ext cx="1346200" cy="571500"/>
+          </a:xfrm>
+          <a:prstGeom prst="straightConnector1">
+            <a:avLst/>
+          </a:prstGeom>
+          <a:ln>
+            <a:tailEnd type="triangle"/>
+          </a:ln>
+        </p:spPr>
+        <p:style>
+          <a:lnRef idx="1">
+            <a:schemeClr val="accent1"/>
+          </a:lnRef>
+          <a:fillRef idx="0">
+            <a:schemeClr val="accent1"/>
+          </a:fillRef>
+          <a:effectRef idx="0">
+            <a:schemeClr val="accent1"/>
+          </a:effectRef>
+          <a:fontRef idx="minor">
+            <a:schemeClr val="tx1"/>
+          </a:fontRef>
+        </p:style>
+      </p:cxnSp>
+      <p:sp>
+        <p:nvSpPr>
+          <p:cNvPr id="9" name="TextBox 8"/>
+          <p:cNvSpPr txBox="1"/>
+          <p:nvPr/>
+        </p:nvSpPr>
+        <p:spPr>
+          <a:xfrm rot="1313127">
+            <a:off x="1397577" y="3548170"/>
+            <a:ext cx="1580882" cy="369332"/>
+          </a:xfrm>
+          <a:prstGeom prst="rect">
+            <a:avLst/>
+          </a:prstGeom>
+          <a:noFill/>
+        </p:spPr>
+        <p:txBody>
+          <a:bodyPr wrap="none" rtlCol="0">
+            <a:spAutoFit/>
+          </a:bodyPr>
+          <a:lstStyle/>
+          <a:p>
+            <a:r>
+              <a:rPr lang="en-US" dirty="0" smtClean="0"/>
+              <a:t>Announce(me)</a:t>
+            </a:r>
+            <a:endParaRPr lang="en-US" dirty="0"/>
+          </a:p>
+        </p:txBody>
+      </p:sp>
+      <p:cxnSp>
+        <p:nvCxnSpPr>
+          <p:cNvPr id="10" name="Straight Arrow Connector 9"/>
+          <p:cNvCxnSpPr/>
+          <p:nvPr/>
+        </p:nvCxnSpPr>
+        <p:spPr>
+          <a:xfrm flipV="1">
+            <a:off x="1562100" y="4739481"/>
+            <a:ext cx="1435098" cy="1021556"/>
+          </a:xfrm>
+          <a:prstGeom prst="straightConnector1">
+            <a:avLst/>
+          </a:prstGeom>
+          <a:ln>
+            <a:tailEnd type="triangle"/>
+          </a:ln>
+        </p:spPr>
+        <p:style>
+          <a:lnRef idx="1">
+            <a:schemeClr val="accent1"/>
+          </a:lnRef>
+          <a:fillRef idx="0">
+            <a:schemeClr val="accent1"/>
+          </a:fillRef>
+          <a:effectRef idx="0">
+            <a:schemeClr val="accent1"/>
+          </a:effectRef>
+          <a:fontRef idx="minor">
+            <a:schemeClr val="tx1"/>
+          </a:fontRef>
+        </p:style>
+      </p:cxnSp>
+      <p:sp>
+        <p:nvSpPr>
+          <p:cNvPr id="13" name="TextBox 12"/>
+          <p:cNvSpPr txBox="1"/>
+          <p:nvPr/>
+        </p:nvSpPr>
+        <p:spPr>
+          <a:xfrm rot="19450736">
+            <a:off x="1576798" y="5016727"/>
+            <a:ext cx="987322" cy="369332"/>
+          </a:xfrm>
+          <a:prstGeom prst="rect">
+            <a:avLst/>
+          </a:prstGeom>
+          <a:noFill/>
+        </p:spPr>
+        <p:txBody>
+          <a:bodyPr wrap="none" rtlCol="0">
+            <a:spAutoFit/>
+          </a:bodyPr>
+          <a:lstStyle/>
+          <a:p>
+            <a:r>
+              <a:rPr lang="en-US" dirty="0" smtClean="0"/>
+              <a:t>Send(to)</a:t>
+            </a:r>
+            <a:endParaRPr lang="en-US" dirty="0"/>
+          </a:p>
+        </p:txBody>
+      </p:sp>
+      <p:cxnSp>
+        <p:nvCxnSpPr>
+          <p:cNvPr id="14" name="Straight Arrow Connector 13"/>
+          <p:cNvCxnSpPr/>
+          <p:nvPr/>
+        </p:nvCxnSpPr>
+        <p:spPr>
+          <a:xfrm>
+            <a:off x="8686800" y="4464050"/>
+            <a:ext cx="2247900" cy="0"/>
+          </a:xfrm>
+          <a:prstGeom prst="straightConnector1">
+            <a:avLst/>
+          </a:prstGeom>
+          <a:ln>
+            <a:tailEnd type="triangle"/>
+          </a:ln>
+        </p:spPr>
+        <p:style>
+          <a:lnRef idx="1">
+            <a:schemeClr val="accent1"/>
+          </a:lnRef>
+          <a:fillRef idx="0">
+            <a:schemeClr val="accent1"/>
+          </a:fillRef>
+          <a:effectRef idx="0">
+            <a:schemeClr val="accent1"/>
+          </a:effectRef>
+          <a:fontRef idx="minor">
+            <a:schemeClr val="tx1"/>
+          </a:fontRef>
+        </p:style>
+      </p:cxnSp>
+      <p:sp>
+        <p:nvSpPr>
+          <p:cNvPr id="21" name="TextBox 20"/>
+          <p:cNvSpPr txBox="1"/>
+          <p:nvPr/>
+        </p:nvSpPr>
+        <p:spPr>
+          <a:xfrm>
+            <a:off x="8993598" y="4102894"/>
+            <a:ext cx="1258614" cy="369332"/>
+          </a:xfrm>
+          <a:prstGeom prst="rect">
+            <a:avLst/>
+          </a:prstGeom>
+          <a:noFill/>
+        </p:spPr>
+        <p:txBody>
+          <a:bodyPr wrap="none" rtlCol="0">
+            <a:spAutoFit/>
+          </a:bodyPr>
+          <a:lstStyle/>
+          <a:p>
+            <a:r>
+              <a:rPr lang="en-US" dirty="0" smtClean="0"/>
+              <a:t>Listen(</a:t>
             </a:r>
             <a:r>
               <a:rPr lang="en-US" dirty="0" err="1" smtClean="0"/>
-              <a:t>EndPoint</a:t>
-            </a:r>
-            <a:endParaRPr lang="en-US" dirty="0" smtClean="0"/>
-          </a:p>
-          <a:p>
-            <a:pPr lvl="1"/>
-            <a:r>
-              <a:rPr lang="en-US" dirty="0" smtClean="0"/>
-              <a:t>There should be </a:t>
-            </a:r>
-            <a:r>
-              <a:rPr lang="en-US" b="1" dirty="0" smtClean="0"/>
-              <a:t>no changes</a:t>
-            </a:r>
-            <a:r>
-              <a:rPr lang="en-US" dirty="0" smtClean="0"/>
-              <a:t> required to </a:t>
-            </a:r>
-            <a:r>
-              <a:rPr lang="en-US" dirty="0" err="1" smtClean="0"/>
-              <a:t>VideoEndPoint</a:t>
-            </a:r>
-            <a:endParaRPr lang="en-US" dirty="0" smtClean="0"/>
-          </a:p>
-          <a:p>
-            <a:r>
-              <a:rPr lang="en-US" dirty="0" smtClean="0"/>
-              <a:t>Extend the node server to implement the REST interface</a:t>
-            </a:r>
-          </a:p>
-          <a:p>
-            <a:pPr lvl="1"/>
-            <a:r>
-              <a:rPr lang="en-US" dirty="0" smtClean="0"/>
-              <a:t>Specified in the WIKI</a:t>
-            </a:r>
-          </a:p>
-          <a:p>
-            <a:pPr lvl="1"/>
-            <a:endParaRPr lang="en-US" dirty="0" smtClean="0"/>
+              <a:t>msg</a:t>
+            </a:r>
+            <a:r>
+              <a:rPr lang="en-US" dirty="0" smtClean="0"/>
+              <a:t>)</a:t>
+            </a:r>
+            <a:endParaRPr lang="en-US" dirty="0"/>
+          </a:p>
+        </p:txBody>
+      </p:sp>
+      <p:sp>
+        <p:nvSpPr>
+          <p:cNvPr id="6" name="Left-Right Arrow 5"/>
+          <p:cNvSpPr/>
+          <p:nvPr/>
+        </p:nvSpPr>
+        <p:spPr>
+          <a:xfrm>
+            <a:off x="4330700" y="3873500"/>
+            <a:ext cx="3073400" cy="1028700"/>
+          </a:xfrm>
+          <a:prstGeom prst="leftRightArrow">
+            <a:avLst/>
+          </a:prstGeom>
+        </p:spPr>
+        <p:style>
+          <a:lnRef idx="2">
+            <a:schemeClr val="accent1">
+              <a:shade val="50000"/>
+            </a:schemeClr>
+          </a:lnRef>
+          <a:fillRef idx="1">
+            <a:schemeClr val="accent1"/>
+          </a:fillRef>
+          <a:effectRef idx="0">
+            <a:schemeClr val="accent1"/>
+          </a:effectRef>
+          <a:fontRef idx="minor">
+            <a:schemeClr val="lt1"/>
+          </a:fontRef>
+        </p:style>
+        <p:txBody>
+          <a:bodyPr rtlCol="0" anchor="ctr"/>
+          <a:lstStyle/>
+          <a:p>
+            <a:pPr algn="ctr"/>
+            <a:endParaRPr lang="en-US"/>
+          </a:p>
+        </p:txBody>
+      </p:sp>
+      <p:sp>
+        <p:nvSpPr>
+          <p:cNvPr id="12" name="Cloud 11"/>
+          <p:cNvSpPr/>
+          <p:nvPr/>
+        </p:nvSpPr>
+        <p:spPr>
+          <a:xfrm>
+            <a:off x="5156198" y="3837285"/>
+            <a:ext cx="1497881" cy="1253530"/>
+          </a:xfrm>
+          <a:prstGeom prst="cloud">
+            <a:avLst/>
+          </a:prstGeom>
+          <a:solidFill>
+            <a:schemeClr val="bg1"/>
+          </a:solidFill>
+        </p:spPr>
+        <p:style>
+          <a:lnRef idx="2">
+            <a:schemeClr val="accent1">
+              <a:shade val="50000"/>
+            </a:schemeClr>
+          </a:lnRef>
+          <a:fillRef idx="1">
+            <a:schemeClr val="accent1"/>
+          </a:fillRef>
+          <a:effectRef idx="0">
+            <a:schemeClr val="accent1"/>
+          </a:effectRef>
+          <a:fontRef idx="minor">
+            <a:schemeClr val="lt1"/>
+          </a:fontRef>
+        </p:style>
+        <p:txBody>
+          <a:bodyPr rtlCol="0" anchor="ctr"/>
+          <a:lstStyle/>
+          <a:p>
+            <a:pPr algn="ctr"/>
+            <a:endParaRPr lang="en-US"/>
           </a:p>
         </p:txBody>
       </p:sp>
     </p:spTree>
     <p:extLst>
       <p:ext uri="{BB962C8B-B14F-4D97-AF65-F5344CB8AC3E}">
-        <p14:creationId xmlns:p14="http://schemas.microsoft.com/office/powerpoint/2010/main" val="283784917"/>
+        <p14:creationId xmlns:p14="http://schemas.microsoft.com/office/powerpoint/2010/main" val="912214221"/>
       </p:ext>
     </p:extLst>
   </p:cSld>
   <p:clrMapOvr>
     <a:masterClrMapping/>
   </p:clrMapOvr>
+  <p:timing>
+    <p:tnLst>
+      <p:par>
+        <p:cTn id="1" dur="indefinite" restart="never" nodeType="tmRoot"/>
+      </p:par>
+    </p:tnLst>
+  </p:timing>
 </p:sld>
 </file>
 
@@ -14707,6 +14739,146 @@
           <a:lstStyle/>
           <a:p>
             <a:r>
+              <a:rPr lang="en-US" dirty="0"/>
+              <a:t>4. </a:t>
+            </a:r>
+            <a:r>
+              <a:rPr lang="en-US" dirty="0" err="1" smtClean="0"/>
+              <a:t>Signalling</a:t>
+            </a:r>
+            <a:r>
+              <a:rPr lang="en-US" dirty="0" smtClean="0"/>
+              <a:t> </a:t>
+            </a:r>
+            <a:r>
+              <a:rPr lang="en-US" dirty="0"/>
+              <a:t>across a </a:t>
+            </a:r>
+            <a:r>
+              <a:rPr lang="en-US" dirty="0" smtClean="0"/>
+              <a:t>network (2)</a:t>
+            </a:r>
+            <a:endParaRPr lang="en-US" dirty="0"/>
+          </a:p>
+        </p:txBody>
+      </p:sp>
+      <p:sp>
+        <p:nvSpPr>
+          <p:cNvPr id="3" name="Content Placeholder 2"/>
+          <p:cNvSpPr>
+            <a:spLocks noGrp="1"/>
+          </p:cNvSpPr>
+          <p:nvPr>
+            <p:ph idx="1"/>
+          </p:nvPr>
+        </p:nvSpPr>
+        <p:spPr/>
+        <p:txBody>
+          <a:bodyPr/>
+          <a:lstStyle/>
+          <a:p>
+            <a:r>
+              <a:rPr lang="en-US" dirty="0" smtClean="0"/>
+              <a:t>If you’ve implemented part 3 well then</a:t>
+            </a:r>
+          </a:p>
+          <a:p>
+            <a:pPr lvl="1"/>
+            <a:r>
+              <a:rPr lang="en-US" dirty="0" smtClean="0"/>
+              <a:t>All you should have to do to the client/browser is rewrite </a:t>
+            </a:r>
+            <a:r>
+              <a:rPr lang="en-US" dirty="0" err="1" smtClean="0"/>
+              <a:t>EndPoint</a:t>
+            </a:r>
+            <a:endParaRPr lang="en-US" dirty="0" smtClean="0"/>
+          </a:p>
+          <a:p>
+            <a:pPr lvl="1"/>
+            <a:r>
+              <a:rPr lang="en-US" dirty="0" smtClean="0"/>
+              <a:t>There should be </a:t>
+            </a:r>
+            <a:r>
+              <a:rPr lang="en-US" b="1" dirty="0" smtClean="0"/>
+              <a:t>no changes</a:t>
+            </a:r>
+            <a:r>
+              <a:rPr lang="en-US" dirty="0" smtClean="0"/>
+              <a:t> required to </a:t>
+            </a:r>
+            <a:r>
+              <a:rPr lang="en-US" dirty="0" err="1" smtClean="0"/>
+              <a:t>VideoEndPoint</a:t>
+            </a:r>
+            <a:endParaRPr lang="en-US" dirty="0" smtClean="0"/>
+          </a:p>
+          <a:p>
+            <a:r>
+              <a:rPr lang="en-US" dirty="0" smtClean="0"/>
+              <a:t>Extend the node server to implement the REST interface</a:t>
+            </a:r>
+          </a:p>
+          <a:p>
+            <a:pPr lvl="1"/>
+            <a:r>
+              <a:rPr lang="en-US" dirty="0" smtClean="0"/>
+              <a:t>Specified in the WIKI</a:t>
+            </a:r>
+          </a:p>
+          <a:p>
+            <a:pPr lvl="1"/>
+            <a:endParaRPr lang="en-US" dirty="0" smtClean="0"/>
+          </a:p>
+        </p:txBody>
+      </p:sp>
+    </p:spTree>
+    <p:extLst>
+      <p:ext uri="{BB962C8B-B14F-4D97-AF65-F5344CB8AC3E}">
+        <p14:creationId xmlns:p14="http://schemas.microsoft.com/office/powerpoint/2010/main" val="283784917"/>
+      </p:ext>
+    </p:extLst>
+  </p:cSld>
+  <p:clrMapOvr>
+    <a:masterClrMapping/>
+  </p:clrMapOvr>
+</p:sld>
+</file>
+
+<file path=ppt/slides/slide38.xml><?xml version="1.0" encoding="utf-8"?>
+<p:sld xmlns:a="http://schemas.openxmlformats.org/drawingml/2006/main" xmlns:r="http://schemas.openxmlformats.org/officeDocument/2006/relationships" xmlns:p="http://schemas.openxmlformats.org/presentationml/2006/main">
+  <p:cSld>
+    <p:spTree>
+      <p:nvGrpSpPr>
+        <p:cNvPr id="1" name=""/>
+        <p:cNvGrpSpPr/>
+        <p:nvPr/>
+      </p:nvGrpSpPr>
+      <p:grpSpPr>
+        <a:xfrm>
+          <a:off x="0" y="0"/>
+          <a:ext cx="0" cy="0"/>
+          <a:chOff x="0" y="0"/>
+          <a:chExt cx="0" cy="0"/>
+        </a:xfrm>
+      </p:grpSpPr>
+      <p:sp>
+        <p:nvSpPr>
+          <p:cNvPr id="2" name="Title 1"/>
+          <p:cNvSpPr>
+            <a:spLocks noGrp="1"/>
+          </p:cNvSpPr>
+          <p:nvPr>
+            <p:ph type="title"/>
+          </p:nvPr>
+        </p:nvSpPr>
+        <p:spPr/>
+        <p:txBody>
+          <a:bodyPr/>
+          <a:lstStyle/>
+          <a:p>
+            <a:r>
               <a:rPr lang="en-US" dirty="0" smtClean="0"/>
               <a:t>5. Talking between teams</a:t>
             </a:r>
@@ -14807,7 +14979,7 @@
 </p:sld>
 </file>
 
-<file path=ppt/slides/slide38.xml><?xml version="1.0" encoding="utf-8"?>
+<file path=ppt/slides/slide39.xml><?xml version="1.0" encoding="utf-8"?>
 <p:sld xmlns:a="http://schemas.openxmlformats.org/drawingml/2006/main" xmlns:r="http://schemas.openxmlformats.org/officeDocument/2006/relationships" xmlns:p="http://schemas.openxmlformats.org/presentationml/2006/main">
   <p:cSld>
     <p:spTree>
@@ -15569,7 +15741,97 @@
 </p:sld>
 </file>
 
-<file path=ppt/slides/slide39.xml><?xml version="1.0" encoding="utf-8"?>
+<file path=ppt/slides/slide4.xml><?xml version="1.0" encoding="utf-8"?>
+<p:sld xmlns:a="http://schemas.openxmlformats.org/drawingml/2006/main" xmlns:r="http://schemas.openxmlformats.org/officeDocument/2006/relationships" xmlns:p="http://schemas.openxmlformats.org/presentationml/2006/main">
+  <p:cSld>
+    <p:spTree>
+      <p:nvGrpSpPr>
+        <p:cNvPr id="1" name=""/>
+        <p:cNvGrpSpPr/>
+        <p:nvPr/>
+      </p:nvGrpSpPr>
+      <p:grpSpPr>
+        <a:xfrm>
+          <a:off x="0" y="0"/>
+          <a:ext cx="0" cy="0"/>
+          <a:chOff x="0" y="0"/>
+          <a:chExt cx="0" cy="0"/>
+        </a:xfrm>
+      </p:grpSpPr>
+      <p:sp>
+        <p:nvSpPr>
+          <p:cNvPr id="2" name="Title 1"/>
+          <p:cNvSpPr>
+            <a:spLocks noGrp="1"/>
+          </p:cNvSpPr>
+          <p:nvPr>
+            <p:ph type="title"/>
+          </p:nvPr>
+        </p:nvSpPr>
+        <p:spPr/>
+        <p:txBody>
+          <a:bodyPr/>
+          <a:lstStyle/>
+          <a:p>
+            <a:r>
+              <a:rPr lang="en-US" dirty="0" smtClean="0"/>
+              <a:t>Apple Safari</a:t>
+            </a:r>
+            <a:endParaRPr lang="en-US" dirty="0"/>
+          </a:p>
+        </p:txBody>
+      </p:sp>
+      <p:pic>
+        <p:nvPicPr>
+          <p:cNvPr id="4" name="Picture 3"/>
+          <p:cNvPicPr>
+            <a:picLocks noChangeAspect="1"/>
+          </p:cNvPicPr>
+          <p:nvPr/>
+        </p:nvPicPr>
+        <p:blipFill>
+          <a:blip r:embed="rId2">
+            <a:extLst>
+              <a:ext uri="{28A0092B-C50C-407E-A947-70E740481C1C}">
+                <a14:useLocalDpi xmlns:a14="http://schemas.microsoft.com/office/drawing/2010/main" val="0"/>
+              </a:ext>
+            </a:extLst>
+          </a:blip>
+          <a:stretch>
+            <a:fillRect/>
+          </a:stretch>
+        </p:blipFill>
+        <p:spPr>
+          <a:xfrm>
+            <a:off x="1320800" y="1506405"/>
+            <a:ext cx="9931400" cy="4776810"/>
+          </a:xfrm>
+          <a:prstGeom prst="rect">
+            <a:avLst/>
+          </a:prstGeom>
+        </p:spPr>
+      </p:pic>
+    </p:spTree>
+    <p:extLst>
+      <p:ext uri="{BB962C8B-B14F-4D97-AF65-F5344CB8AC3E}">
+        <p14:creationId xmlns:p14="http://schemas.microsoft.com/office/powerpoint/2010/main" val="1636119626"/>
+      </p:ext>
+    </p:extLst>
+  </p:cSld>
+  <p:clrMapOvr>
+    <a:masterClrMapping/>
+  </p:clrMapOvr>
+  <p:timing>
+    <p:tnLst>
+      <p:par>
+        <p:cTn id="1" dur="indefinite" restart="never" nodeType="tmRoot"/>
+      </p:par>
+    </p:tnLst>
+  </p:timing>
+</p:sld>
+</file>
+
+<file path=ppt/slides/slide40.xml><?xml version="1.0" encoding="utf-8"?>
 <p:sld xmlns:a="http://schemas.openxmlformats.org/drawingml/2006/main" xmlns:r="http://schemas.openxmlformats.org/officeDocument/2006/relationships" xmlns:p="http://schemas.openxmlformats.org/presentationml/2006/main">
   <p:cSld>
     <p:spTree>
@@ -16338,97 +16600,7 @@
 </p:sld>
 </file>
 
-<file path=ppt/slides/slide4.xml><?xml version="1.0" encoding="utf-8"?>
-<p:sld xmlns:a="http://schemas.openxmlformats.org/drawingml/2006/main" xmlns:r="http://schemas.openxmlformats.org/officeDocument/2006/relationships" xmlns:p="http://schemas.openxmlformats.org/presentationml/2006/main">
-  <p:cSld>
-    <p:spTree>
-      <p:nvGrpSpPr>
-        <p:cNvPr id="1" name=""/>
-        <p:cNvGrpSpPr/>
-        <p:nvPr/>
-      </p:nvGrpSpPr>
-      <p:grpSpPr>
-        <a:xfrm>
-          <a:off x="0" y="0"/>
-          <a:ext cx="0" cy="0"/>
-          <a:chOff x="0" y="0"/>
-          <a:chExt cx="0" cy="0"/>
-        </a:xfrm>
-      </p:grpSpPr>
-      <p:sp>
-        <p:nvSpPr>
-          <p:cNvPr id="2" name="Title 1"/>
-          <p:cNvSpPr>
-            <a:spLocks noGrp="1"/>
-          </p:cNvSpPr>
-          <p:nvPr>
-            <p:ph type="title"/>
-          </p:nvPr>
-        </p:nvSpPr>
-        <p:spPr/>
-        <p:txBody>
-          <a:bodyPr/>
-          <a:lstStyle/>
-          <a:p>
-            <a:r>
-              <a:rPr lang="en-US" dirty="0" smtClean="0"/>
-              <a:t>Apple Safari</a:t>
-            </a:r>
-            <a:endParaRPr lang="en-US" dirty="0"/>
-          </a:p>
-        </p:txBody>
-      </p:sp>
-      <p:pic>
-        <p:nvPicPr>
-          <p:cNvPr id="4" name="Picture 3"/>
-          <p:cNvPicPr>
-            <a:picLocks noChangeAspect="1"/>
-          </p:cNvPicPr>
-          <p:nvPr/>
-        </p:nvPicPr>
-        <p:blipFill>
-          <a:blip r:embed="rId2">
-            <a:extLst>
-              <a:ext uri="{28A0092B-C50C-407E-A947-70E740481C1C}">
-                <a14:useLocalDpi xmlns:a14="http://schemas.microsoft.com/office/drawing/2010/main" val="0"/>
-              </a:ext>
-            </a:extLst>
-          </a:blip>
-          <a:stretch>
-            <a:fillRect/>
-          </a:stretch>
-        </p:blipFill>
-        <p:spPr>
-          <a:xfrm>
-            <a:off x="1320800" y="1506405"/>
-            <a:ext cx="9931400" cy="4776810"/>
-          </a:xfrm>
-          <a:prstGeom prst="rect">
-            <a:avLst/>
-          </a:prstGeom>
-        </p:spPr>
-      </p:pic>
-    </p:spTree>
-    <p:extLst>
-      <p:ext uri="{BB962C8B-B14F-4D97-AF65-F5344CB8AC3E}">
-        <p14:creationId xmlns:p14="http://schemas.microsoft.com/office/powerpoint/2010/main" val="1636119626"/>
-      </p:ext>
-    </p:extLst>
-  </p:cSld>
-  <p:clrMapOvr>
-    <a:masterClrMapping/>
-  </p:clrMapOvr>
-  <p:timing>
-    <p:tnLst>
-      <p:par>
-        <p:cTn id="1" dur="indefinite" restart="never" nodeType="tmRoot"/>
-      </p:par>
-    </p:tnLst>
-  </p:timing>
-</p:sld>
-</file>
-
-<file path=ppt/slides/slide40.xml><?xml version="1.0" encoding="utf-8"?>
+<file path=ppt/slides/slide41.xml><?xml version="1.0" encoding="utf-8"?>
 <p:sld xmlns:a="http://schemas.openxmlformats.org/drawingml/2006/main" xmlns:r="http://schemas.openxmlformats.org/officeDocument/2006/relationships" xmlns:p="http://schemas.openxmlformats.org/presentationml/2006/main" show="0">
   <p:cSld>
     <p:spTree>
@@ -16573,7 +16745,7 @@
 </p:sld>
 </file>
 
-<file path=ppt/slides/slide41.xml><?xml version="1.0" encoding="utf-8"?>
+<file path=ppt/slides/slide42.xml><?xml version="1.0" encoding="utf-8"?>
 <p:sld xmlns:a="http://schemas.openxmlformats.org/drawingml/2006/main" xmlns:r="http://schemas.openxmlformats.org/officeDocument/2006/relationships" xmlns:p="http://schemas.openxmlformats.org/presentationml/2006/main">
   <p:cSld>
     <p:spTree>
@@ -16998,7 +17170,7 @@
 </p:sld>
 </file>
 
-<file path=ppt/slides/slide42.xml><?xml version="1.0" encoding="utf-8"?>
+<file path=ppt/slides/slide43.xml><?xml version="1.0" encoding="utf-8"?>
 <p:sld xmlns:a="http://schemas.openxmlformats.org/drawingml/2006/main" xmlns:r="http://schemas.openxmlformats.org/officeDocument/2006/relationships" xmlns:p="http://schemas.openxmlformats.org/presentationml/2006/main" show="0">
   <p:cSld>
     <p:spTree>
@@ -17119,7 +17291,7 @@
 </p:sld>
 </file>
 
-<file path=ppt/slides/slide43.xml><?xml version="1.0" encoding="utf-8"?>
+<file path=ppt/slides/slide44.xml><?xml version="1.0" encoding="utf-8"?>
 <p:sld xmlns:a="http://schemas.openxmlformats.org/drawingml/2006/main" xmlns:r="http://schemas.openxmlformats.org/officeDocument/2006/relationships" xmlns:p="http://schemas.openxmlformats.org/presentationml/2006/main" show="0">
   <p:cSld>
     <p:spTree>
@@ -18306,7 +18478,7 @@
 </p:sld>
 </file>
 
-<file path=ppt/slides/slide44.xml><?xml version="1.0" encoding="utf-8"?>
+<file path=ppt/slides/slide45.xml><?xml version="1.0" encoding="utf-8"?>
 <p:sld xmlns:a="http://schemas.openxmlformats.org/drawingml/2006/main" xmlns:r="http://schemas.openxmlformats.org/officeDocument/2006/relationships" xmlns:p="http://schemas.openxmlformats.org/presentationml/2006/main" show="0">
   <p:cSld>
     <p:spTree>

--- a/presentations/FAC9 Workshop.pptx
+++ b/presentations/FAC9 Workshop.pptx
@@ -5,7 +5,7 @@
     <p:sldMasterId id="2147483648" r:id="rId1"/>
   </p:sldMasterIdLst>
   <p:notesMasterIdLst>
-    <p:notesMasterId r:id="rId53"/>
+    <p:notesMasterId r:id="rId58"/>
   </p:notesMasterIdLst>
   <p:sldIdLst>
     <p:sldId id="256" r:id="rId2"/>
@@ -43,22 +43,27 @@
     <p:sldId id="307" r:id="rId34"/>
     <p:sldId id="308" r:id="rId35"/>
     <p:sldId id="306" r:id="rId36"/>
-    <p:sldId id="309" r:id="rId37"/>
-    <p:sldId id="310" r:id="rId38"/>
-    <p:sldId id="311" r:id="rId39"/>
-    <p:sldId id="313" r:id="rId40"/>
-    <p:sldId id="314" r:id="rId41"/>
-    <p:sldId id="269" r:id="rId42"/>
-    <p:sldId id="277" r:id="rId43"/>
-    <p:sldId id="297" r:id="rId44"/>
-    <p:sldId id="298" r:id="rId45"/>
-    <p:sldId id="299" r:id="rId46"/>
-    <p:sldId id="270" r:id="rId47"/>
-    <p:sldId id="271" r:id="rId48"/>
-    <p:sldId id="272" r:id="rId49"/>
-    <p:sldId id="281" r:id="rId50"/>
-    <p:sldId id="282" r:id="rId51"/>
-    <p:sldId id="283" r:id="rId52"/>
+    <p:sldId id="315" r:id="rId37"/>
+    <p:sldId id="318" r:id="rId38"/>
+    <p:sldId id="310" r:id="rId39"/>
+    <p:sldId id="317" r:id="rId40"/>
+    <p:sldId id="313" r:id="rId41"/>
+    <p:sldId id="316" r:id="rId42"/>
+    <p:sldId id="319" r:id="rId43"/>
+    <p:sldId id="311" r:id="rId44"/>
+    <p:sldId id="314" r:id="rId45"/>
+    <p:sldId id="309" r:id="rId46"/>
+    <p:sldId id="269" r:id="rId47"/>
+    <p:sldId id="277" r:id="rId48"/>
+    <p:sldId id="297" r:id="rId49"/>
+    <p:sldId id="298" r:id="rId50"/>
+    <p:sldId id="299" r:id="rId51"/>
+    <p:sldId id="270" r:id="rId52"/>
+    <p:sldId id="271" r:id="rId53"/>
+    <p:sldId id="272" r:id="rId54"/>
+    <p:sldId id="281" r:id="rId55"/>
+    <p:sldId id="282" r:id="rId56"/>
+    <p:sldId id="283" r:id="rId57"/>
   </p:sldIdLst>
   <p:sldSz cx="12192000" cy="6858000"/>
   <p:notesSz cx="6858000" cy="9144000"/>
@@ -14002,7 +14007,7 @@
           <a:p>
             <a:r>
               <a:rPr lang="en-US" dirty="0" smtClean="0"/>
-              <a:t>Connecting video to the call</a:t>
+              <a:t>A trick with Promises</a:t>
             </a:r>
             <a:endParaRPr lang="en-US" dirty="0"/>
           </a:p>
@@ -14020,119 +14025,93 @@
         </p:nvSpPr>
         <p:spPr/>
         <p:txBody>
-          <a:bodyPr/>
-          <a:lstStyle/>
-          <a:p>
-            <a:r>
-              <a:rPr lang="en-US" dirty="0" smtClean="0"/>
-              <a:t>Similar to ‘</a:t>
-            </a:r>
-            <a:r>
-              <a:rPr lang="en-US" dirty="0" err="1" smtClean="0"/>
-              <a:t>getUserMedia</a:t>
-            </a:r>
-            <a:r>
-              <a:rPr lang="en-US" dirty="0" smtClean="0"/>
-              <a:t>’ </a:t>
-            </a:r>
-            <a:r>
-              <a:rPr lang="en-US" i="1" dirty="0" smtClean="0"/>
-              <a:t>and then</a:t>
-            </a:r>
-            <a:r>
-              <a:rPr lang="en-US" dirty="0" smtClean="0"/>
-              <a:t> attach to &lt;video&gt; tag</a:t>
-            </a:r>
-          </a:p>
-          <a:p>
-            <a:r>
-              <a:rPr lang="en-US" dirty="0" smtClean="0"/>
-              <a:t>Instead ’</a:t>
-            </a:r>
-            <a:r>
-              <a:rPr lang="en-US" dirty="0" err="1" smtClean="0"/>
-              <a:t>getUserMedia</a:t>
-            </a:r>
-            <a:r>
-              <a:rPr lang="en-US" dirty="0" smtClean="0"/>
-              <a:t>’ </a:t>
-            </a:r>
-            <a:r>
-              <a:rPr lang="en-US" i="1" dirty="0" smtClean="0"/>
-              <a:t>and then</a:t>
-            </a:r>
-            <a:r>
-              <a:rPr lang="en-US" dirty="0" smtClean="0"/>
-              <a:t> attach to Peer Connection</a:t>
-            </a:r>
-          </a:p>
-          <a:p>
-            <a:r>
-              <a:rPr lang="en-US" dirty="0" smtClean="0"/>
-              <a:t>To do this </a:t>
-            </a:r>
-            <a:r>
-              <a:rPr lang="mr-IN" dirty="0" smtClean="0"/>
-              <a:t>–</a:t>
-            </a:r>
-            <a:r>
-              <a:rPr lang="en-US" dirty="0" smtClean="0"/>
-              <a:t> we need a Peer Connection:</a:t>
-            </a:r>
-          </a:p>
-          <a:p>
-            <a:pPr lvl="1"/>
-            <a:r>
-              <a:rPr lang="en-US" dirty="0" smtClean="0"/>
-              <a:t>Caller: create Peer Connection when call is accepted</a:t>
-            </a:r>
-          </a:p>
-          <a:p>
-            <a:pPr lvl="1"/>
-            <a:r>
-              <a:rPr lang="en-US" dirty="0" smtClean="0"/>
-              <a:t>Called: create Peer Connection when accepting a call</a:t>
-            </a:r>
-          </a:p>
-          <a:p>
-            <a:pPr lvl="1"/>
-            <a:endParaRPr lang="en-US" dirty="0"/>
-          </a:p>
-          <a:p>
-            <a:pPr lvl="1"/>
-            <a:endParaRPr lang="en-US" dirty="0" smtClean="0"/>
-          </a:p>
-          <a:p>
-            <a:pPr lvl="1"/>
-            <a:endParaRPr lang="en-US" dirty="0"/>
-          </a:p>
-          <a:p>
-            <a:pPr marL="457200" lvl="1" indent="0" algn="ctr">
+          <a:bodyPr>
+            <a:normAutofit/>
+          </a:bodyPr>
+          <a:lstStyle/>
+          <a:p>
+            <a:pPr marL="0" indent="0">
               <a:buNone/>
             </a:pPr>
             <a:r>
-              <a:rPr lang="en-US" dirty="0">
-                <a:hlinkClick r:id="rId2"/>
-              </a:rPr>
-              <a:t>https://www.html5rocks.com/en/tutorials/webrtc/infrastructure/</a:t>
-            </a:r>
-            <a:endParaRPr lang="en-US" dirty="0" smtClean="0"/>
-          </a:p>
-          <a:p>
-            <a:endParaRPr lang="en-US" dirty="0"/>
+              <a:rPr lang="en-US" sz="2000" dirty="0" err="1" smtClean="0">
+                <a:latin typeface="Courier New" charset="0"/>
+                <a:ea typeface="Courier New" charset="0"/>
+                <a:cs typeface="Courier New" charset="0"/>
+              </a:rPr>
+              <a:t>promiseFunction</a:t>
+            </a:r>
+            <a:r>
+              <a:rPr lang="en-US" sz="2000" dirty="0" smtClean="0">
+                <a:latin typeface="Courier New" charset="0"/>
+                <a:ea typeface="Courier New" charset="0"/>
+                <a:cs typeface="Courier New" charset="0"/>
+              </a:rPr>
+              <a:t>().then((result) =&gt; </a:t>
+            </a:r>
+            <a:r>
+              <a:rPr lang="en-US" sz="2000" dirty="0" err="1" smtClean="0">
+                <a:latin typeface="Courier New" charset="0"/>
+                <a:ea typeface="Courier New" charset="0"/>
+                <a:cs typeface="Courier New" charset="0"/>
+              </a:rPr>
+              <a:t>doSomething</a:t>
+            </a:r>
+            <a:r>
+              <a:rPr lang="en-US" sz="2000" dirty="0" smtClean="0">
+                <a:latin typeface="Courier New" charset="0"/>
+                <a:ea typeface="Courier New" charset="0"/>
+                <a:cs typeface="Courier New" charset="0"/>
+              </a:rPr>
+              <a:t>);</a:t>
+            </a:r>
+            <a:r>
+              <a:rPr lang="en-US" sz="2000" dirty="0">
+                <a:latin typeface="Courier New" charset="0"/>
+                <a:ea typeface="Courier New" charset="0"/>
+                <a:cs typeface="Courier New" charset="0"/>
+              </a:rPr>
+              <a:t/>
+            </a:r>
+            <a:br>
+              <a:rPr lang="en-US" sz="2000" dirty="0">
+                <a:latin typeface="Courier New" charset="0"/>
+                <a:ea typeface="Courier New" charset="0"/>
+                <a:cs typeface="Courier New" charset="0"/>
+              </a:rPr>
+            </a:br>
+            <a:r>
+              <a:rPr lang="en-US" dirty="0" smtClean="0"/>
+              <a:t/>
+            </a:r>
+            <a:br>
+              <a:rPr lang="en-US" dirty="0" smtClean="0"/>
+            </a:br>
+            <a:endParaRPr lang="en-US" sz="2000" dirty="0" smtClean="0">
+              <a:latin typeface="Courier New" charset="0"/>
+              <a:ea typeface="Courier New" charset="0"/>
+              <a:cs typeface="Courier New" charset="0"/>
+            </a:endParaRPr>
           </a:p>
         </p:txBody>
       </p:sp>
     </p:spTree>
     <p:extLst>
       <p:ext uri="{BB962C8B-B14F-4D97-AF65-F5344CB8AC3E}">
-        <p14:creationId xmlns:p14="http://schemas.microsoft.com/office/powerpoint/2010/main" val="1511586448"/>
+        <p14:creationId xmlns:p14="http://schemas.microsoft.com/office/powerpoint/2010/main" val="926397363"/>
       </p:ext>
     </p:extLst>
   </p:cSld>
   <p:clrMapOvr>
     <a:masterClrMapping/>
   </p:clrMapOvr>
+  <p:timing>
+    <p:tnLst>
+      <p:par>
+        <p:cTn id="1" dur="indefinite" restart="never" nodeType="tmRoot"/>
+      </p:par>
+    </p:tnLst>
+  </p:timing>
 </p:sld>
 </file>
 
@@ -14155,49 +14134,6 @@
       </p:grpSpPr>
       <p:sp>
         <p:nvSpPr>
-          <p:cNvPr id="18" name="Cube 17"/>
-          <p:cNvSpPr/>
-          <p:nvPr/>
-        </p:nvSpPr>
-        <p:spPr>
-          <a:xfrm>
-            <a:off x="2502249" y="2798764"/>
-            <a:ext cx="660051" cy="1700608"/>
-          </a:xfrm>
-          <a:prstGeom prst="cube">
-            <a:avLst/>
-          </a:prstGeom>
-          <a:solidFill>
-            <a:schemeClr val="accent4"/>
-          </a:solidFill>
-        </p:spPr>
-        <p:style>
-          <a:lnRef idx="2">
-            <a:schemeClr val="accent1">
-              <a:shade val="50000"/>
-            </a:schemeClr>
-          </a:lnRef>
-          <a:fillRef idx="1">
-            <a:schemeClr val="accent1"/>
-          </a:fillRef>
-          <a:effectRef idx="0">
-            <a:schemeClr val="accent1"/>
-          </a:effectRef>
-          <a:fontRef idx="minor">
-            <a:schemeClr val="lt1"/>
-          </a:fontRef>
-        </p:style>
-        <p:txBody>
-          <a:bodyPr rtlCol="0" anchor="ctr"/>
-          <a:lstStyle/>
-          <a:p>
-            <a:pPr algn="ctr"/>
-            <a:endParaRPr lang="en-US"/>
-          </a:p>
-        </p:txBody>
-      </p:sp>
-      <p:sp>
-        <p:nvSpPr>
           <p:cNvPr id="2" name="Title 1"/>
           <p:cNvSpPr>
             <a:spLocks noGrp="1"/>
@@ -14213,586 +14149,286 @@
           <a:p>
             <a:r>
               <a:rPr lang="en-US" dirty="0" smtClean="0"/>
-              <a:t>Connecting between devices</a:t>
+              <a:t>A trick with Promises</a:t>
             </a:r>
             <a:endParaRPr lang="en-US" dirty="0"/>
           </a:p>
         </p:txBody>
       </p:sp>
-      <p:pic>
-        <p:nvPicPr>
-          <p:cNvPr id="5" name="Picture 4"/>
-          <p:cNvPicPr>
-            <a:picLocks noChangeAspect="1"/>
-          </p:cNvPicPr>
-          <p:nvPr/>
-        </p:nvPicPr>
-        <p:blipFill>
-          <a:blip r:embed="rId2"/>
-          <a:stretch>
-            <a:fillRect/>
-          </a:stretch>
-        </p:blipFill>
-        <p:spPr>
-          <a:xfrm>
-            <a:off x="9182100" y="1690688"/>
-            <a:ext cx="1473200" cy="1473200"/>
-          </a:xfrm>
-          <a:prstGeom prst="rect">
-            <a:avLst/>
-          </a:prstGeom>
-        </p:spPr>
-      </p:pic>
-      <p:sp>
-        <p:nvSpPr>
-          <p:cNvPr id="7" name="Can 6"/>
-          <p:cNvSpPr/>
-          <p:nvPr/>
-        </p:nvSpPr>
-        <p:spPr>
-          <a:xfrm rot="5400000">
-            <a:off x="3793728" y="2538016"/>
-            <a:ext cx="616744" cy="2159000"/>
-          </a:xfrm>
-          <a:prstGeom prst="can">
-            <a:avLst/>
-          </a:prstGeom>
-          <a:solidFill>
-            <a:schemeClr val="bg1"/>
-          </a:solidFill>
-        </p:spPr>
-        <p:style>
-          <a:lnRef idx="2">
-            <a:schemeClr val="accent1">
-              <a:shade val="50000"/>
-            </a:schemeClr>
-          </a:lnRef>
-          <a:fillRef idx="1">
-            <a:schemeClr val="accent1"/>
-          </a:fillRef>
-          <a:effectRef idx="0">
-            <a:schemeClr val="accent1"/>
-          </a:effectRef>
-          <a:fontRef idx="minor">
-            <a:schemeClr val="lt1"/>
-          </a:fontRef>
-        </p:style>
-        <p:txBody>
-          <a:bodyPr rtlCol="0" anchor="ctr"/>
-          <a:lstStyle/>
-          <a:p>
-            <a:pPr algn="ctr"/>
-            <a:endParaRPr lang="en-US" dirty="0"/>
-          </a:p>
-        </p:txBody>
-      </p:sp>
-      <p:sp>
-        <p:nvSpPr>
-          <p:cNvPr id="8" name="Can 7"/>
-          <p:cNvSpPr/>
-          <p:nvPr/>
-        </p:nvSpPr>
-        <p:spPr>
-          <a:xfrm rot="5400000">
-            <a:off x="7248327" y="2627116"/>
-            <a:ext cx="616744" cy="1980802"/>
-          </a:xfrm>
-          <a:prstGeom prst="can">
-            <a:avLst/>
-          </a:prstGeom>
-          <a:solidFill>
-            <a:schemeClr val="bg1"/>
-          </a:solidFill>
-        </p:spPr>
-        <p:style>
-          <a:lnRef idx="2">
-            <a:schemeClr val="accent1">
-              <a:shade val="50000"/>
-            </a:schemeClr>
-          </a:lnRef>
-          <a:fillRef idx="1">
-            <a:schemeClr val="accent1"/>
-          </a:fillRef>
-          <a:effectRef idx="0">
-            <a:schemeClr val="accent1"/>
-          </a:effectRef>
-          <a:fontRef idx="minor">
-            <a:schemeClr val="lt1"/>
-          </a:fontRef>
-        </p:style>
-        <p:txBody>
-          <a:bodyPr rtlCol="0" anchor="ctr"/>
-          <a:lstStyle/>
-          <a:p>
-            <a:pPr algn="ctr"/>
-            <a:endParaRPr lang="en-US"/>
-          </a:p>
-        </p:txBody>
-      </p:sp>
-      <p:sp>
-        <p:nvSpPr>
-          <p:cNvPr id="6" name="Cloud 5"/>
-          <p:cNvSpPr/>
-          <p:nvPr/>
-        </p:nvSpPr>
-        <p:spPr>
-          <a:xfrm>
-            <a:off x="4692650" y="2735660"/>
-            <a:ext cx="2806700" cy="1763712"/>
-          </a:xfrm>
-          <a:prstGeom prst="cloud">
-            <a:avLst/>
-          </a:prstGeom>
-          <a:solidFill>
-            <a:schemeClr val="bg1"/>
-          </a:solidFill>
-        </p:spPr>
-        <p:style>
-          <a:lnRef idx="2">
-            <a:schemeClr val="accent1">
-              <a:shade val="50000"/>
-            </a:schemeClr>
-          </a:lnRef>
-          <a:fillRef idx="1">
-            <a:schemeClr val="accent1"/>
-          </a:fillRef>
-          <a:effectRef idx="0">
-            <a:schemeClr val="accent1"/>
-          </a:effectRef>
-          <a:fontRef idx="minor">
-            <a:schemeClr val="lt1"/>
-          </a:fontRef>
-        </p:style>
-        <p:txBody>
-          <a:bodyPr rtlCol="0" anchor="ctr"/>
-          <a:lstStyle/>
-          <a:p>
-            <a:pPr algn="ctr"/>
-            <a:endParaRPr lang="en-US"/>
-          </a:p>
-        </p:txBody>
-      </p:sp>
-      <p:sp>
-        <p:nvSpPr>
-          <p:cNvPr id="9" name="TextBox 8"/>
-          <p:cNvSpPr txBox="1"/>
-          <p:nvPr/>
-        </p:nvSpPr>
-        <p:spPr>
-          <a:xfrm>
-            <a:off x="3530718" y="3432850"/>
-            <a:ext cx="939168" cy="369332"/>
-          </a:xfrm>
-          <a:prstGeom prst="rect">
-            <a:avLst/>
-          </a:prstGeom>
-          <a:noFill/>
-        </p:spPr>
-        <p:txBody>
-          <a:bodyPr wrap="none" rtlCol="0">
-            <a:spAutoFit/>
+      <p:sp>
+        <p:nvSpPr>
+          <p:cNvPr id="3" name="Content Placeholder 2"/>
+          <p:cNvSpPr>
+            <a:spLocks noGrp="1"/>
+          </p:cNvSpPr>
+          <p:nvPr>
+            <p:ph idx="1"/>
+          </p:nvPr>
+        </p:nvSpPr>
+        <p:spPr/>
+        <p:txBody>
+          <a:bodyPr>
+            <a:normAutofit/>
           </a:bodyPr>
           <a:lstStyle/>
           <a:p>
-            <a:r>
-              <a:rPr lang="en-US" dirty="0" err="1" smtClean="0"/>
-              <a:t>webRTC</a:t>
-            </a:r>
-            <a:endParaRPr lang="en-US" dirty="0"/>
-          </a:p>
-        </p:txBody>
-      </p:sp>
-      <p:sp>
-        <p:nvSpPr>
-          <p:cNvPr id="10" name="TextBox 9"/>
-          <p:cNvSpPr txBox="1"/>
-          <p:nvPr/>
-        </p:nvSpPr>
-        <p:spPr>
-          <a:xfrm>
-            <a:off x="1625600" y="1473201"/>
-            <a:ext cx="495649" cy="369332"/>
-          </a:xfrm>
-          <a:prstGeom prst="rect">
-            <a:avLst/>
-          </a:prstGeom>
-          <a:noFill/>
-        </p:spPr>
-        <p:txBody>
-          <a:bodyPr wrap="none" rtlCol="0">
-            <a:spAutoFit/>
-          </a:bodyPr>
-          <a:lstStyle/>
-          <a:p>
-            <a:r>
-              <a:rPr lang="en-US" dirty="0" smtClean="0"/>
-              <a:t>Jim</a:t>
-            </a:r>
-            <a:endParaRPr lang="en-US" dirty="0"/>
-          </a:p>
-        </p:txBody>
-      </p:sp>
-      <p:sp>
-        <p:nvSpPr>
-          <p:cNvPr id="11" name="TextBox 10"/>
-          <p:cNvSpPr txBox="1"/>
-          <p:nvPr/>
-        </p:nvSpPr>
-        <p:spPr>
-          <a:xfrm>
-            <a:off x="9880600" y="1473201"/>
-            <a:ext cx="606256" cy="369332"/>
-          </a:xfrm>
-          <a:prstGeom prst="rect">
-            <a:avLst/>
-          </a:prstGeom>
-          <a:noFill/>
-        </p:spPr>
-        <p:txBody>
-          <a:bodyPr wrap="none" rtlCol="0">
-            <a:spAutoFit/>
-          </a:bodyPr>
-          <a:lstStyle/>
-          <a:p>
-            <a:r>
-              <a:rPr lang="en-US" smtClean="0"/>
-              <a:t>Jane</a:t>
-            </a:r>
-            <a:endParaRPr lang="en-US"/>
-          </a:p>
-        </p:txBody>
-      </p:sp>
-      <p:sp>
-        <p:nvSpPr>
-          <p:cNvPr id="12" name="Bent-Up Arrow 11"/>
-          <p:cNvSpPr/>
-          <p:nvPr/>
-        </p:nvSpPr>
-        <p:spPr>
-          <a:xfrm rot="5400000">
-            <a:off x="1556099" y="2906714"/>
-            <a:ext cx="1054100" cy="838200"/>
-          </a:xfrm>
-          <a:prstGeom prst="bentUpArrow">
-            <a:avLst/>
-          </a:prstGeom>
-        </p:spPr>
-        <p:style>
-          <a:lnRef idx="2">
-            <a:schemeClr val="accent1">
-              <a:shade val="50000"/>
-            </a:schemeClr>
-          </a:lnRef>
-          <a:fillRef idx="1">
-            <a:schemeClr val="accent1"/>
-          </a:fillRef>
-          <a:effectRef idx="0">
-            <a:schemeClr val="accent1"/>
-          </a:effectRef>
-          <a:fontRef idx="minor">
-            <a:schemeClr val="lt1"/>
-          </a:fontRef>
-        </p:style>
-        <p:txBody>
-          <a:bodyPr rtlCol="0" anchor="ctr"/>
-          <a:lstStyle/>
-          <a:p>
-            <a:pPr algn="ctr"/>
-            <a:endParaRPr lang="en-US"/>
-          </a:p>
-        </p:txBody>
-      </p:sp>
-      <p:pic>
-        <p:nvPicPr>
-          <p:cNvPr id="4" name="Picture 3"/>
-          <p:cNvPicPr>
-            <a:picLocks noChangeAspect="1"/>
-          </p:cNvPicPr>
-          <p:nvPr/>
-        </p:nvPicPr>
-        <p:blipFill>
-          <a:blip r:embed="rId2"/>
-          <a:stretch>
-            <a:fillRect/>
-          </a:stretch>
-        </p:blipFill>
-        <p:spPr>
-          <a:xfrm>
-            <a:off x="901700" y="1690688"/>
-            <a:ext cx="1473200" cy="1473200"/>
-          </a:xfrm>
-          <a:prstGeom prst="rect">
-            <a:avLst/>
-          </a:prstGeom>
-        </p:spPr>
-      </p:pic>
-      <p:sp>
-        <p:nvSpPr>
-          <p:cNvPr id="14" name="TextBox 13"/>
-          <p:cNvSpPr txBox="1"/>
-          <p:nvPr/>
-        </p:nvSpPr>
-        <p:spPr>
-          <a:xfrm>
-            <a:off x="1002691" y="3783530"/>
-            <a:ext cx="1505733" cy="369332"/>
-          </a:xfrm>
-          <a:prstGeom prst="rect">
-            <a:avLst/>
-          </a:prstGeom>
-          <a:noFill/>
-        </p:spPr>
-        <p:txBody>
-          <a:bodyPr wrap="none" rtlCol="0">
-            <a:spAutoFit/>
-          </a:bodyPr>
-          <a:lstStyle/>
-          <a:p>
-            <a:r>
-              <a:rPr lang="en-US" smtClean="0"/>
-              <a:t>Media Stream</a:t>
-            </a:r>
-            <a:endParaRPr lang="en-US"/>
-          </a:p>
-        </p:txBody>
-      </p:sp>
-      <p:sp>
-        <p:nvSpPr>
-          <p:cNvPr id="15" name="TextBox 14"/>
-          <p:cNvSpPr txBox="1"/>
-          <p:nvPr/>
-        </p:nvSpPr>
-        <p:spPr>
-          <a:xfrm>
-            <a:off x="1873424" y="4713010"/>
-            <a:ext cx="8007176" cy="923330"/>
-          </a:xfrm>
-          <a:prstGeom prst="rect">
-            <a:avLst/>
-          </a:prstGeom>
-          <a:noFill/>
-        </p:spPr>
-        <p:txBody>
-          <a:bodyPr wrap="square" rtlCol="0">
-            <a:spAutoFit/>
-          </a:bodyPr>
-          <a:lstStyle/>
-          <a:p>
-            <a:pPr marL="285750" indent="-285750">
-              <a:buFont typeface="Arial" charset="0"/>
-              <a:buChar char="•"/>
+            <a:pPr marL="0" indent="0">
+              <a:buNone/>
             </a:pPr>
             <a:r>
-              <a:rPr lang="en-US" dirty="0" smtClean="0"/>
-              <a:t>How do Jim and Jane find each other?</a:t>
-            </a:r>
-          </a:p>
-          <a:p>
-            <a:pPr marL="285750" indent="-285750">
-              <a:buFont typeface="Arial" charset="0"/>
-              <a:buChar char="•"/>
+              <a:rPr lang="en-US" sz="2000" dirty="0" err="1" smtClean="0">
+                <a:latin typeface="Courier New" charset="0"/>
+                <a:ea typeface="Courier New" charset="0"/>
+                <a:cs typeface="Courier New" charset="0"/>
+              </a:rPr>
+              <a:t>promiseFunction</a:t>
+            </a:r>
+            <a:r>
+              <a:rPr lang="en-US" sz="2000" dirty="0" smtClean="0">
+                <a:latin typeface="Courier New" charset="0"/>
+                <a:ea typeface="Courier New" charset="0"/>
+                <a:cs typeface="Courier New" charset="0"/>
+              </a:rPr>
+              <a:t>().then((result) =&gt; </a:t>
+            </a:r>
+            <a:r>
+              <a:rPr lang="en-US" sz="2000" dirty="0" err="1" smtClean="0">
+                <a:latin typeface="Courier New" charset="0"/>
+                <a:ea typeface="Courier New" charset="0"/>
+                <a:cs typeface="Courier New" charset="0"/>
+              </a:rPr>
+              <a:t>doSomething</a:t>
+            </a:r>
+            <a:r>
+              <a:rPr lang="en-US" sz="2000" dirty="0" smtClean="0">
+                <a:latin typeface="Courier New" charset="0"/>
+                <a:ea typeface="Courier New" charset="0"/>
+                <a:cs typeface="Courier New" charset="0"/>
+              </a:rPr>
+              <a:t>);</a:t>
+            </a:r>
+            <a:r>
+              <a:rPr lang="en-US" sz="2000" dirty="0">
+                <a:latin typeface="Courier New" charset="0"/>
+                <a:ea typeface="Courier New" charset="0"/>
+                <a:cs typeface="Courier New" charset="0"/>
+              </a:rPr>
+              <a:t/>
+            </a:r>
+            <a:br>
+              <a:rPr lang="en-US" sz="2000" dirty="0">
+                <a:latin typeface="Courier New" charset="0"/>
+                <a:ea typeface="Courier New" charset="0"/>
+                <a:cs typeface="Courier New" charset="0"/>
+              </a:rPr>
+            </a:br>
+            <a:r>
+              <a:rPr lang="en-US" dirty="0" smtClean="0"/>
+              <a:t/>
+            </a:r>
+            <a:br>
+              <a:rPr lang="en-US" dirty="0" smtClean="0"/>
+            </a:br>
+            <a:r>
+              <a:rPr lang="en-US" sz="2400" dirty="0" smtClean="0"/>
+              <a:t>but the Promise can also be saved and be used many times:</a:t>
+            </a:r>
+            <a:br>
+              <a:rPr lang="en-US" sz="2400" dirty="0" smtClean="0"/>
+            </a:br>
+            <a:r>
+              <a:rPr lang="en-US" dirty="0" smtClean="0"/>
+              <a:t/>
+            </a:r>
+            <a:br>
+              <a:rPr lang="en-US" dirty="0" smtClean="0"/>
+            </a:br>
+            <a:r>
+              <a:rPr lang="en-US" sz="2000" dirty="0" err="1" smtClean="0">
+                <a:latin typeface="Courier New" charset="0"/>
+                <a:ea typeface="Courier New" charset="0"/>
+                <a:cs typeface="Courier New" charset="0"/>
+              </a:rPr>
+              <a:t>this.myPromise</a:t>
+            </a:r>
+            <a:r>
+              <a:rPr lang="en-US" sz="2000" dirty="0" smtClean="0">
+                <a:latin typeface="Courier New" charset="0"/>
+                <a:ea typeface="Courier New" charset="0"/>
+                <a:cs typeface="Courier New" charset="0"/>
+              </a:rPr>
+              <a:t> = </a:t>
+            </a:r>
+            <a:r>
+              <a:rPr lang="en-US" sz="2000" dirty="0" err="1" smtClean="0">
+                <a:latin typeface="Courier New" charset="0"/>
+                <a:ea typeface="Courier New" charset="0"/>
+                <a:cs typeface="Courier New" charset="0"/>
+              </a:rPr>
+              <a:t>promiseFunction</a:t>
+            </a:r>
+            <a:r>
+              <a:rPr lang="en-US" sz="2000" dirty="0" smtClean="0">
+                <a:latin typeface="Courier New" charset="0"/>
+                <a:ea typeface="Courier New" charset="0"/>
+                <a:cs typeface="Courier New" charset="0"/>
+              </a:rPr>
+              <a:t>();</a:t>
+            </a:r>
+            <a:br>
+              <a:rPr lang="en-US" sz="2000" dirty="0" smtClean="0">
+                <a:latin typeface="Courier New" charset="0"/>
+                <a:ea typeface="Courier New" charset="0"/>
+                <a:cs typeface="Courier New" charset="0"/>
+              </a:rPr>
+            </a:br>
+            <a:r>
+              <a:rPr lang="en-US" sz="2000" dirty="0" smtClean="0">
+                <a:latin typeface="Courier New" charset="0"/>
+                <a:ea typeface="Courier New" charset="0"/>
+                <a:cs typeface="Courier New" charset="0"/>
+              </a:rPr>
+              <a:t/>
+            </a:r>
+            <a:br>
+              <a:rPr lang="en-US" sz="2000" dirty="0" smtClean="0">
+                <a:latin typeface="Courier New" charset="0"/>
+                <a:ea typeface="Courier New" charset="0"/>
+                <a:cs typeface="Courier New" charset="0"/>
+              </a:rPr>
+            </a:br>
+            <a:r>
+              <a:rPr lang="en-US" sz="2000" dirty="0" err="1" smtClean="0">
+                <a:latin typeface="Courier New" charset="0"/>
+                <a:ea typeface="Courier New" charset="0"/>
+                <a:cs typeface="Courier New" charset="0"/>
+              </a:rPr>
+              <a:t>this.myPromise.then</a:t>
+            </a:r>
+            <a:r>
+              <a:rPr lang="en-US" sz="2000" dirty="0" smtClean="0">
+                <a:latin typeface="Courier New" charset="0"/>
+                <a:ea typeface="Courier New" charset="0"/>
+                <a:cs typeface="Courier New" charset="0"/>
+              </a:rPr>
+              <a:t>((result) =&gt; {</a:t>
+            </a:r>
+            <a:r>
+              <a:rPr lang="en-US" sz="2000" dirty="0" err="1" smtClean="0">
+                <a:latin typeface="Courier New" charset="0"/>
+                <a:ea typeface="Courier New" charset="0"/>
+                <a:cs typeface="Courier New" charset="0"/>
+              </a:rPr>
+              <a:t>doFirstThing</a:t>
+            </a:r>
+            <a:r>
+              <a:rPr lang="en-US" sz="2000" dirty="0" smtClean="0">
+                <a:latin typeface="Courier New" charset="0"/>
+                <a:ea typeface="Courier New" charset="0"/>
+                <a:cs typeface="Courier New" charset="0"/>
+              </a:rPr>
+              <a:t>});</a:t>
+            </a:r>
+            <a:br>
+              <a:rPr lang="en-US" sz="2000" dirty="0" smtClean="0">
+                <a:latin typeface="Courier New" charset="0"/>
+                <a:ea typeface="Courier New" charset="0"/>
+                <a:cs typeface="Courier New" charset="0"/>
+              </a:rPr>
+            </a:br>
+            <a:r>
+              <a:rPr lang="mr-IN" sz="2000" dirty="0" smtClean="0">
+                <a:latin typeface="Courier New" charset="0"/>
+                <a:ea typeface="Courier New" charset="0"/>
+                <a:cs typeface="Courier New" charset="0"/>
+              </a:rPr>
+              <a:t>…</a:t>
+            </a:r>
+            <a:endParaRPr lang="en-GB" sz="2000" dirty="0" smtClean="0">
+              <a:latin typeface="Courier New" charset="0"/>
+              <a:ea typeface="Courier New" charset="0"/>
+              <a:cs typeface="Courier New" charset="0"/>
+            </a:endParaRPr>
+          </a:p>
+          <a:p>
+            <a:pPr marL="0" indent="0">
+              <a:buNone/>
             </a:pPr>
             <a:r>
-              <a:rPr lang="en-US" dirty="0" smtClean="0"/>
-              <a:t>How is their traffic routed across the Internet through corporate firewalls?</a:t>
-            </a:r>
-          </a:p>
-          <a:p>
-            <a:pPr marL="285750" indent="-285750">
-              <a:buFont typeface="Arial" charset="0"/>
-              <a:buChar char="•"/>
+              <a:rPr lang="en-US" sz="2000" dirty="0" err="1">
+                <a:latin typeface="Courier New" charset="0"/>
+                <a:ea typeface="Courier New" charset="0"/>
+                <a:cs typeface="Courier New" charset="0"/>
+              </a:rPr>
+              <a:t>this.myPromise.then</a:t>
+            </a:r>
+            <a:r>
+              <a:rPr lang="en-US" sz="2000" dirty="0">
+                <a:latin typeface="Courier New" charset="0"/>
+                <a:ea typeface="Courier New" charset="0"/>
+                <a:cs typeface="Courier New" charset="0"/>
+              </a:rPr>
+              <a:t>((result) =&gt; </a:t>
+            </a:r>
+            <a:r>
+              <a:rPr lang="en-US" sz="2000" dirty="0" smtClean="0">
+                <a:latin typeface="Courier New" charset="0"/>
+                <a:ea typeface="Courier New" charset="0"/>
+                <a:cs typeface="Courier New" charset="0"/>
+              </a:rPr>
+              <a:t>{</a:t>
+            </a:r>
+            <a:r>
+              <a:rPr lang="en-US" sz="2000" dirty="0" err="1" smtClean="0">
+                <a:latin typeface="Courier New" charset="0"/>
+                <a:ea typeface="Courier New" charset="0"/>
+                <a:cs typeface="Courier New" charset="0"/>
+              </a:rPr>
+              <a:t>doAnotherThing</a:t>
+            </a:r>
+            <a:r>
+              <a:rPr lang="en-US" sz="2000" dirty="0" smtClean="0">
+                <a:latin typeface="Courier New" charset="0"/>
+                <a:ea typeface="Courier New" charset="0"/>
+                <a:cs typeface="Courier New" charset="0"/>
+              </a:rPr>
+              <a:t>});</a:t>
+            </a:r>
+          </a:p>
+          <a:p>
+            <a:pPr marL="0" indent="0">
+              <a:buNone/>
             </a:pPr>
             <a:r>
-              <a:rPr lang="en-US" dirty="0" smtClean="0"/>
-              <a:t>How is permission asked to accept the call at the receiving end?</a:t>
-            </a:r>
-            <a:endParaRPr lang="en-US" dirty="0"/>
-          </a:p>
-        </p:txBody>
-      </p:sp>
-      <p:sp>
-        <p:nvSpPr>
-          <p:cNvPr id="19" name="Cube 18"/>
-          <p:cNvSpPr/>
-          <p:nvPr/>
-        </p:nvSpPr>
-        <p:spPr>
-          <a:xfrm>
-            <a:off x="8390197" y="2767212"/>
-            <a:ext cx="660051" cy="1700608"/>
-          </a:xfrm>
-          <a:prstGeom prst="cube">
-            <a:avLst/>
-          </a:prstGeom>
-          <a:solidFill>
-            <a:schemeClr val="accent4"/>
-          </a:solidFill>
-        </p:spPr>
-        <p:style>
-          <a:lnRef idx="2">
-            <a:schemeClr val="accent1">
-              <a:shade val="50000"/>
-            </a:schemeClr>
-          </a:lnRef>
-          <a:fillRef idx="1">
-            <a:schemeClr val="accent1"/>
-          </a:fillRef>
-          <a:effectRef idx="0">
-            <a:schemeClr val="accent1"/>
-          </a:effectRef>
-          <a:fontRef idx="minor">
-            <a:schemeClr val="lt1"/>
-          </a:fontRef>
-        </p:style>
-        <p:txBody>
-          <a:bodyPr rtlCol="0" anchor="ctr"/>
-          <a:lstStyle/>
-          <a:p>
-            <a:pPr algn="ctr"/>
-            <a:endParaRPr lang="en-US"/>
-          </a:p>
-        </p:txBody>
-      </p:sp>
-      <p:sp>
-        <p:nvSpPr>
-          <p:cNvPr id="20" name="TextBox 19"/>
-          <p:cNvSpPr txBox="1"/>
-          <p:nvPr/>
-        </p:nvSpPr>
-        <p:spPr>
-          <a:xfrm>
-            <a:off x="4730750" y="1714916"/>
-            <a:ext cx="2095500" cy="369332"/>
-          </a:xfrm>
-          <a:prstGeom prst="rect">
-            <a:avLst/>
-          </a:prstGeom>
-          <a:noFill/>
-        </p:spPr>
-        <p:txBody>
-          <a:bodyPr wrap="square" rtlCol="0">
-            <a:spAutoFit/>
-          </a:bodyPr>
-          <a:lstStyle/>
-          <a:p>
-            <a:r>
-              <a:rPr lang="en-US" smtClean="0"/>
-              <a:t>RTCPeerConnection</a:t>
-            </a:r>
-            <a:endParaRPr lang="en-US" dirty="0"/>
-          </a:p>
-        </p:txBody>
-      </p:sp>
-      <p:cxnSp>
-        <p:nvCxnSpPr>
-          <p:cNvPr id="22" name="Straight Arrow Connector 21"/>
-          <p:cNvCxnSpPr/>
-          <p:nvPr/>
-        </p:nvCxnSpPr>
-        <p:spPr>
-          <a:xfrm>
-            <a:off x="6256248" y="2122538"/>
-            <a:ext cx="2133949" cy="676226"/>
-          </a:xfrm>
-          <a:prstGeom prst="straightConnector1">
-            <a:avLst/>
-          </a:prstGeom>
-          <a:ln>
-            <a:tailEnd type="triangle"/>
-          </a:ln>
-        </p:spPr>
-        <p:style>
-          <a:lnRef idx="1">
-            <a:schemeClr val="accent1"/>
-          </a:lnRef>
-          <a:fillRef idx="0">
-            <a:schemeClr val="accent1"/>
-          </a:fillRef>
-          <a:effectRef idx="0">
-            <a:schemeClr val="accent1"/>
-          </a:effectRef>
-          <a:fontRef idx="minor">
-            <a:schemeClr val="tx1"/>
-          </a:fontRef>
-        </p:style>
-      </p:cxnSp>
-      <p:cxnSp>
-        <p:nvCxnSpPr>
-          <p:cNvPr id="23" name="Straight Arrow Connector 22"/>
-          <p:cNvCxnSpPr/>
-          <p:nvPr/>
-        </p:nvCxnSpPr>
-        <p:spPr>
-          <a:xfrm flipH="1">
-            <a:off x="3036258" y="2100430"/>
-            <a:ext cx="2316443" cy="669970"/>
-          </a:xfrm>
-          <a:prstGeom prst="straightConnector1">
-            <a:avLst/>
-          </a:prstGeom>
-          <a:ln>
-            <a:tailEnd type="triangle"/>
-          </a:ln>
-        </p:spPr>
-        <p:style>
-          <a:lnRef idx="1">
-            <a:schemeClr val="accent1"/>
-          </a:lnRef>
-          <a:fillRef idx="0">
-            <a:schemeClr val="accent1"/>
-          </a:fillRef>
-          <a:effectRef idx="0">
-            <a:schemeClr val="accent1"/>
-          </a:effectRef>
-          <a:fontRef idx="minor">
-            <a:schemeClr val="tx1"/>
-          </a:fontRef>
-        </p:style>
-      </p:cxnSp>
-      <p:sp>
-        <p:nvSpPr>
-          <p:cNvPr id="13" name="Bent-Up Arrow 12"/>
-          <p:cNvSpPr/>
-          <p:nvPr/>
-        </p:nvSpPr>
-        <p:spPr>
-          <a:xfrm>
-            <a:off x="9010999" y="2890044"/>
-            <a:ext cx="1272657" cy="838200"/>
-          </a:xfrm>
-          <a:prstGeom prst="bentUpArrow">
-            <a:avLst/>
-          </a:prstGeom>
-        </p:spPr>
-        <p:style>
-          <a:lnRef idx="2">
-            <a:schemeClr val="accent1">
-              <a:shade val="50000"/>
-            </a:schemeClr>
-          </a:lnRef>
-          <a:fillRef idx="1">
-            <a:schemeClr val="accent1"/>
-          </a:fillRef>
-          <a:effectRef idx="0">
-            <a:schemeClr val="accent1"/>
-          </a:effectRef>
-          <a:fontRef idx="minor">
-            <a:schemeClr val="lt1"/>
-          </a:fontRef>
-        </p:style>
-        <p:txBody>
-          <a:bodyPr rtlCol="0" anchor="ctr"/>
-          <a:lstStyle/>
-          <a:p>
-            <a:pPr algn="ctr"/>
-            <a:endParaRPr lang="en-US"/>
+              <a:rPr lang="en-US" sz="2000" dirty="0" smtClean="0"/>
+              <a:t/>
+            </a:r>
+            <a:br>
+              <a:rPr lang="en-US" sz="2000" dirty="0" smtClean="0"/>
+            </a:br>
+            <a:r>
+              <a:rPr lang="en-US" sz="2400" dirty="0" smtClean="0"/>
+              <a:t>Use this where a value that may take a time to resolve is needed in multiple places</a:t>
+            </a:r>
+            <a:r>
+              <a:rPr lang="en-US" sz="2000" dirty="0"/>
+              <a:t/>
+            </a:r>
+            <a:br>
+              <a:rPr lang="en-US" sz="2000" dirty="0"/>
+            </a:br>
+            <a:endParaRPr lang="en-US" sz="2000" dirty="0" smtClean="0">
+              <a:latin typeface="Courier New" charset="0"/>
+              <a:ea typeface="Courier New" charset="0"/>
+              <a:cs typeface="Courier New" charset="0"/>
+            </a:endParaRPr>
           </a:p>
         </p:txBody>
       </p:sp>
     </p:spTree>
     <p:extLst>
       <p:ext uri="{BB962C8B-B14F-4D97-AF65-F5344CB8AC3E}">
-        <p14:creationId xmlns:p14="http://schemas.microsoft.com/office/powerpoint/2010/main" val="367277196"/>
+        <p14:creationId xmlns:p14="http://schemas.microsoft.com/office/powerpoint/2010/main" val="1356177253"/>
       </p:ext>
     </p:extLst>
   </p:cSld>
@@ -14828,6 +14464,49 @@
       </p:grpSpPr>
       <p:sp>
         <p:nvSpPr>
+          <p:cNvPr id="18" name="Cube 17"/>
+          <p:cNvSpPr/>
+          <p:nvPr/>
+        </p:nvSpPr>
+        <p:spPr>
+          <a:xfrm>
+            <a:off x="2502249" y="2798764"/>
+            <a:ext cx="660051" cy="1700608"/>
+          </a:xfrm>
+          <a:prstGeom prst="cube">
+            <a:avLst/>
+          </a:prstGeom>
+          <a:solidFill>
+            <a:schemeClr val="accent4"/>
+          </a:solidFill>
+        </p:spPr>
+        <p:style>
+          <a:lnRef idx="2">
+            <a:schemeClr val="accent1">
+              <a:shade val="50000"/>
+            </a:schemeClr>
+          </a:lnRef>
+          <a:fillRef idx="1">
+            <a:schemeClr val="accent1"/>
+          </a:fillRef>
+          <a:effectRef idx="0">
+            <a:schemeClr val="accent1"/>
+          </a:effectRef>
+          <a:fontRef idx="minor">
+            <a:schemeClr val="lt1"/>
+          </a:fontRef>
+        </p:style>
+        <p:txBody>
+          <a:bodyPr rtlCol="0" anchor="ctr"/>
+          <a:lstStyle/>
+          <a:p>
+            <a:pPr algn="ctr"/>
+            <a:endParaRPr lang="en-US"/>
+          </a:p>
+        </p:txBody>
+      </p:sp>
+      <p:sp>
+        <p:nvSpPr>
           <p:cNvPr id="2" name="Title 1"/>
           <p:cNvSpPr>
             <a:spLocks noGrp="1"/>
@@ -14843,70 +14522,175 @@
           <a:p>
             <a:r>
               <a:rPr lang="en-US" dirty="0" smtClean="0"/>
-              <a:t>Using </a:t>
-            </a:r>
-            <a:r>
-              <a:rPr lang="en-US" dirty="0" err="1" smtClean="0"/>
-              <a:t>RTCPeerConnection</a:t>
-            </a:r>
-            <a:r>
-              <a:rPr lang="en-US" dirty="0" smtClean="0"/>
-              <a:t> objects</a:t>
+              <a:t>Connecting between devices</a:t>
             </a:r>
             <a:endParaRPr lang="en-US" dirty="0"/>
           </a:p>
         </p:txBody>
       </p:sp>
-      <p:sp>
-        <p:nvSpPr>
-          <p:cNvPr id="3" name="Content Placeholder 2"/>
-          <p:cNvSpPr>
-            <a:spLocks noGrp="1"/>
-          </p:cNvSpPr>
-          <p:nvPr>
-            <p:ph idx="1"/>
-          </p:nvPr>
-        </p:nvSpPr>
+      <p:pic>
+        <p:nvPicPr>
+          <p:cNvPr id="5" name="Picture 4"/>
+          <p:cNvPicPr>
+            <a:picLocks noChangeAspect="1"/>
+          </p:cNvPicPr>
+          <p:nvPr/>
+        </p:nvPicPr>
+        <p:blipFill>
+          <a:blip r:embed="rId2"/>
+          <a:stretch>
+            <a:fillRect/>
+          </a:stretch>
+        </p:blipFill>
         <p:spPr>
           <a:xfrm>
-            <a:off x="838200" y="1825625"/>
-            <a:ext cx="10515600" cy="455459"/>
+            <a:off x="9182100" y="1690688"/>
+            <a:ext cx="1473200" cy="1473200"/>
           </a:xfrm>
+          <a:prstGeom prst="rect">
+            <a:avLst/>
+          </a:prstGeom>
         </p:spPr>
-        <p:txBody>
-          <a:bodyPr>
-            <a:normAutofit fontScale="92500"/>
-          </a:bodyPr>
-          <a:lstStyle/>
-          <a:p>
-            <a:r>
-              <a:rPr lang="en-US" dirty="0" smtClean="0"/>
-              <a:t>The basic sequence is the same for the caller and sender (</a:t>
-            </a:r>
-            <a:r>
-              <a:rPr lang="en-US" dirty="0" err="1" smtClean="0"/>
-              <a:t>psuedo</a:t>
-            </a:r>
-            <a:r>
-              <a:rPr lang="en-US" dirty="0" smtClean="0"/>
-              <a:t> code)</a:t>
-            </a:r>
-          </a:p>
-          <a:p>
+      </p:pic>
+      <p:sp>
+        <p:nvSpPr>
+          <p:cNvPr id="7" name="Can 6"/>
+          <p:cNvSpPr/>
+          <p:nvPr/>
+        </p:nvSpPr>
+        <p:spPr>
+          <a:xfrm rot="5400000">
+            <a:off x="3793728" y="2538016"/>
+            <a:ext cx="616744" cy="2159000"/>
+          </a:xfrm>
+          <a:prstGeom prst="can">
+            <a:avLst/>
+          </a:prstGeom>
+          <a:solidFill>
+            <a:schemeClr val="bg1"/>
+          </a:solidFill>
+        </p:spPr>
+        <p:style>
+          <a:lnRef idx="2">
+            <a:schemeClr val="accent1">
+              <a:shade val="50000"/>
+            </a:schemeClr>
+          </a:lnRef>
+          <a:fillRef idx="1">
+            <a:schemeClr val="accent1"/>
+          </a:fillRef>
+          <a:effectRef idx="0">
+            <a:schemeClr val="accent1"/>
+          </a:effectRef>
+          <a:fontRef idx="minor">
+            <a:schemeClr val="lt1"/>
+          </a:fontRef>
+        </p:style>
+        <p:txBody>
+          <a:bodyPr rtlCol="0" anchor="ctr"/>
+          <a:lstStyle/>
+          <a:p>
+            <a:pPr algn="ctr"/>
             <a:endParaRPr lang="en-US" dirty="0"/>
           </a:p>
         </p:txBody>
       </p:sp>
       <p:sp>
         <p:nvSpPr>
-          <p:cNvPr id="4" name="TextBox 3"/>
+          <p:cNvPr id="8" name="Can 7"/>
+          <p:cNvSpPr/>
+          <p:nvPr/>
+        </p:nvSpPr>
+        <p:spPr>
+          <a:xfrm rot="5400000">
+            <a:off x="7248327" y="2627116"/>
+            <a:ext cx="616744" cy="1980802"/>
+          </a:xfrm>
+          <a:prstGeom prst="can">
+            <a:avLst/>
+          </a:prstGeom>
+          <a:solidFill>
+            <a:schemeClr val="bg1"/>
+          </a:solidFill>
+        </p:spPr>
+        <p:style>
+          <a:lnRef idx="2">
+            <a:schemeClr val="accent1">
+              <a:shade val="50000"/>
+            </a:schemeClr>
+          </a:lnRef>
+          <a:fillRef idx="1">
+            <a:schemeClr val="accent1"/>
+          </a:fillRef>
+          <a:effectRef idx="0">
+            <a:schemeClr val="accent1"/>
+          </a:effectRef>
+          <a:fontRef idx="minor">
+            <a:schemeClr val="lt1"/>
+          </a:fontRef>
+        </p:style>
+        <p:txBody>
+          <a:bodyPr rtlCol="0" anchor="ctr"/>
+          <a:lstStyle/>
+          <a:p>
+            <a:pPr algn="ctr"/>
+            <a:endParaRPr lang="en-US"/>
+          </a:p>
+        </p:txBody>
+      </p:sp>
+      <p:sp>
+        <p:nvSpPr>
+          <p:cNvPr id="6" name="Cloud 5"/>
+          <p:cNvSpPr/>
+          <p:nvPr/>
+        </p:nvSpPr>
+        <p:spPr>
+          <a:xfrm>
+            <a:off x="4692650" y="2735660"/>
+            <a:ext cx="2806700" cy="1763712"/>
+          </a:xfrm>
+          <a:prstGeom prst="cloud">
+            <a:avLst/>
+          </a:prstGeom>
+          <a:solidFill>
+            <a:schemeClr val="bg1"/>
+          </a:solidFill>
+        </p:spPr>
+        <p:style>
+          <a:lnRef idx="2">
+            <a:schemeClr val="accent1">
+              <a:shade val="50000"/>
+            </a:schemeClr>
+          </a:lnRef>
+          <a:fillRef idx="1">
+            <a:schemeClr val="accent1"/>
+          </a:fillRef>
+          <a:effectRef idx="0">
+            <a:schemeClr val="accent1"/>
+          </a:effectRef>
+          <a:fontRef idx="minor">
+            <a:schemeClr val="lt1"/>
+          </a:fontRef>
+        </p:style>
+        <p:txBody>
+          <a:bodyPr rtlCol="0" anchor="ctr"/>
+          <a:lstStyle/>
+          <a:p>
+            <a:pPr algn="ctr"/>
+            <a:endParaRPr lang="en-US"/>
+          </a:p>
+        </p:txBody>
+      </p:sp>
+      <p:sp>
+        <p:nvSpPr>
+          <p:cNvPr id="9" name="TextBox 8"/>
           <p:cNvSpPr txBox="1"/>
           <p:nvPr/>
         </p:nvSpPr>
         <p:spPr>
           <a:xfrm>
-            <a:off x="1042220" y="2416021"/>
-            <a:ext cx="5142270" cy="3416320"/>
+            <a:off x="3530718" y="3432850"/>
+            <a:ext cx="939168" cy="369332"/>
           </a:xfrm>
           <a:prstGeom prst="rect">
             <a:avLst/>
@@ -14914,100 +14698,14 @@
           <a:noFill/>
         </p:spPr>
         <p:txBody>
-          <a:bodyPr wrap="square" rtlCol="0">
+          <a:bodyPr wrap="none" rtlCol="0">
             <a:spAutoFit/>
           </a:bodyPr>
           <a:lstStyle/>
           <a:p>
             <a:r>
-              <a:rPr lang="en-US" dirty="0" smtClean="0"/>
-              <a:t>CALLER:</a:t>
-            </a:r>
-          </a:p>
-          <a:p>
-            <a:pPr marL="342900" indent="-342900">
-              <a:buFont typeface="+mj-lt"/>
-              <a:buAutoNum type="arabicPeriod"/>
-            </a:pPr>
-            <a:r>
-              <a:rPr lang="en-US" dirty="0" smtClean="0"/>
-              <a:t>Create a Peer Connection when call accepted</a:t>
-            </a:r>
-          </a:p>
-          <a:p>
-            <a:pPr marL="342900" indent="-342900">
-              <a:buFont typeface="+mj-lt"/>
-              <a:buAutoNum type="arabicPeriod"/>
-            </a:pPr>
-            <a:r>
-              <a:rPr lang="en-US" dirty="0" smtClean="0"/>
-              <a:t>Get local media (as you did for a video tag)</a:t>
-            </a:r>
-          </a:p>
-          <a:p>
-            <a:pPr marL="342900" indent="-342900">
-              <a:buFont typeface="+mj-lt"/>
-              <a:buAutoNum type="arabicPeriod"/>
-            </a:pPr>
-            <a:r>
-              <a:rPr lang="en-US" dirty="0" smtClean="0"/>
-              <a:t>Attach media to the Peer Connection</a:t>
-            </a:r>
-            <a:br>
-              <a:rPr lang="en-US" dirty="0" smtClean="0"/>
-            </a:br>
-            <a:r>
-              <a:rPr lang="en-US" dirty="0" smtClean="0"/>
-              <a:t/>
-            </a:r>
-            <a:br>
-              <a:rPr lang="en-US" dirty="0" smtClean="0"/>
-            </a:br>
-            <a:endParaRPr lang="en-US" dirty="0" smtClean="0"/>
-          </a:p>
-          <a:p>
-            <a:pPr marL="342900" indent="-342900">
-              <a:buFont typeface="+mj-lt"/>
-              <a:buAutoNum type="arabicPeriod"/>
-            </a:pPr>
-            <a:r>
-              <a:rPr lang="en-US" dirty="0" smtClean="0"/>
-              <a:t>Create an SDP Offer to send to the remote end</a:t>
-            </a:r>
-            <a:br>
-              <a:rPr lang="en-US" dirty="0" smtClean="0"/>
-            </a:br>
-            <a:r>
-              <a:rPr lang="en-US" dirty="0" smtClean="0"/>
-              <a:t/>
-            </a:r>
-            <a:br>
-              <a:rPr lang="en-US" dirty="0" smtClean="0"/>
-            </a:br>
-            <a:r>
-              <a:rPr lang="en-US" dirty="0" smtClean="0"/>
-              <a:t/>
-            </a:r>
-            <a:br>
-              <a:rPr lang="en-US" dirty="0" smtClean="0"/>
-            </a:br>
-            <a:r>
-              <a:rPr lang="en-US" dirty="0" smtClean="0"/>
-              <a:t/>
-            </a:r>
-            <a:br>
-              <a:rPr lang="en-US" dirty="0" smtClean="0"/>
-            </a:br>
-            <a:endParaRPr lang="en-US" dirty="0" smtClean="0"/>
-          </a:p>
-          <a:p>
-            <a:pPr marL="342900" indent="-342900">
-              <a:buFont typeface="+mj-lt"/>
-              <a:buAutoNum type="arabicPeriod"/>
-            </a:pPr>
-            <a:r>
-              <a:rPr lang="en-US" dirty="0" smtClean="0"/>
-              <a:t>Close the Peer Connection at the end of the call</a:t>
+              <a:rPr lang="en-US" dirty="0" err="1" smtClean="0"/>
+              <a:t>webRTC</a:t>
             </a:r>
             <a:endParaRPr lang="en-US" dirty="0"/>
           </a:p>
@@ -15015,14 +14713,14 @@
       </p:sp>
       <p:sp>
         <p:nvSpPr>
-          <p:cNvPr id="5" name="TextBox 4"/>
+          <p:cNvPr id="10" name="TextBox 9"/>
           <p:cNvSpPr txBox="1"/>
           <p:nvPr/>
         </p:nvSpPr>
         <p:spPr>
           <a:xfrm>
-            <a:off x="6327058" y="2416021"/>
-            <a:ext cx="5142270" cy="3416320"/>
+            <a:off x="1625600" y="1473201"/>
+            <a:ext cx="495649" cy="369332"/>
           </a:xfrm>
           <a:prstGeom prst="rect">
             <a:avLst/>
@@ -15030,104 +14728,265 @@
           <a:noFill/>
         </p:spPr>
         <p:txBody>
+          <a:bodyPr wrap="none" rtlCol="0">
+            <a:spAutoFit/>
+          </a:bodyPr>
+          <a:lstStyle/>
+          <a:p>
+            <a:r>
+              <a:rPr lang="en-US" dirty="0" smtClean="0"/>
+              <a:t>Jim</a:t>
+            </a:r>
+            <a:endParaRPr lang="en-US" dirty="0"/>
+          </a:p>
+        </p:txBody>
+      </p:sp>
+      <p:sp>
+        <p:nvSpPr>
+          <p:cNvPr id="11" name="TextBox 10"/>
+          <p:cNvSpPr txBox="1"/>
+          <p:nvPr/>
+        </p:nvSpPr>
+        <p:spPr>
+          <a:xfrm>
+            <a:off x="9880600" y="1473201"/>
+            <a:ext cx="606256" cy="369332"/>
+          </a:xfrm>
+          <a:prstGeom prst="rect">
+            <a:avLst/>
+          </a:prstGeom>
+          <a:noFill/>
+        </p:spPr>
+        <p:txBody>
+          <a:bodyPr wrap="none" rtlCol="0">
+            <a:spAutoFit/>
+          </a:bodyPr>
+          <a:lstStyle/>
+          <a:p>
+            <a:r>
+              <a:rPr lang="en-US" smtClean="0"/>
+              <a:t>Jane</a:t>
+            </a:r>
+            <a:endParaRPr lang="en-US"/>
+          </a:p>
+        </p:txBody>
+      </p:sp>
+      <p:sp>
+        <p:nvSpPr>
+          <p:cNvPr id="12" name="Bent-Up Arrow 11"/>
+          <p:cNvSpPr/>
+          <p:nvPr/>
+        </p:nvSpPr>
+        <p:spPr>
+          <a:xfrm rot="5400000">
+            <a:off x="1556099" y="2906714"/>
+            <a:ext cx="1054100" cy="838200"/>
+          </a:xfrm>
+          <a:prstGeom prst="bentUpArrow">
+            <a:avLst/>
+          </a:prstGeom>
+        </p:spPr>
+        <p:style>
+          <a:lnRef idx="2">
+            <a:schemeClr val="accent1">
+              <a:shade val="50000"/>
+            </a:schemeClr>
+          </a:lnRef>
+          <a:fillRef idx="1">
+            <a:schemeClr val="accent1"/>
+          </a:fillRef>
+          <a:effectRef idx="0">
+            <a:schemeClr val="accent1"/>
+          </a:effectRef>
+          <a:fontRef idx="minor">
+            <a:schemeClr val="lt1"/>
+          </a:fontRef>
+        </p:style>
+        <p:txBody>
+          <a:bodyPr rtlCol="0" anchor="ctr"/>
+          <a:lstStyle/>
+          <a:p>
+            <a:pPr algn="ctr"/>
+            <a:endParaRPr lang="en-US"/>
+          </a:p>
+        </p:txBody>
+      </p:sp>
+      <p:pic>
+        <p:nvPicPr>
+          <p:cNvPr id="4" name="Picture 3"/>
+          <p:cNvPicPr>
+            <a:picLocks noChangeAspect="1"/>
+          </p:cNvPicPr>
+          <p:nvPr/>
+        </p:nvPicPr>
+        <p:blipFill>
+          <a:blip r:embed="rId2"/>
+          <a:stretch>
+            <a:fillRect/>
+          </a:stretch>
+        </p:blipFill>
+        <p:spPr>
+          <a:xfrm>
+            <a:off x="901700" y="1690688"/>
+            <a:ext cx="1473200" cy="1473200"/>
+          </a:xfrm>
+          <a:prstGeom prst="rect">
+            <a:avLst/>
+          </a:prstGeom>
+        </p:spPr>
+      </p:pic>
+      <p:sp>
+        <p:nvSpPr>
+          <p:cNvPr id="14" name="TextBox 13"/>
+          <p:cNvSpPr txBox="1"/>
+          <p:nvPr/>
+        </p:nvSpPr>
+        <p:spPr>
+          <a:xfrm>
+            <a:off x="1002691" y="3783530"/>
+            <a:ext cx="1505733" cy="369332"/>
+          </a:xfrm>
+          <a:prstGeom prst="rect">
+            <a:avLst/>
+          </a:prstGeom>
+          <a:noFill/>
+        </p:spPr>
+        <p:txBody>
+          <a:bodyPr wrap="none" rtlCol="0">
+            <a:spAutoFit/>
+          </a:bodyPr>
+          <a:lstStyle/>
+          <a:p>
+            <a:r>
+              <a:rPr lang="en-US" smtClean="0"/>
+              <a:t>Media Stream</a:t>
+            </a:r>
+            <a:endParaRPr lang="en-US"/>
+          </a:p>
+        </p:txBody>
+      </p:sp>
+      <p:sp>
+        <p:nvSpPr>
+          <p:cNvPr id="15" name="TextBox 14"/>
+          <p:cNvSpPr txBox="1"/>
+          <p:nvPr/>
+        </p:nvSpPr>
+        <p:spPr>
+          <a:xfrm>
+            <a:off x="1873424" y="4713010"/>
+            <a:ext cx="8007176" cy="923330"/>
+          </a:xfrm>
+          <a:prstGeom prst="rect">
+            <a:avLst/>
+          </a:prstGeom>
+          <a:noFill/>
+        </p:spPr>
+        <p:txBody>
           <a:bodyPr wrap="square" rtlCol="0">
             <a:spAutoFit/>
           </a:bodyPr>
           <a:lstStyle/>
           <a:p>
-            <a:r>
-              <a:rPr lang="en-US" dirty="0" smtClean="0"/>
-              <a:t>CALLED:</a:t>
-            </a:r>
-          </a:p>
-          <a:p>
-            <a:pPr marL="342900" indent="-342900">
-              <a:buFont typeface="+mj-lt"/>
-              <a:buAutoNum type="arabicPeriod"/>
+            <a:pPr marL="285750" indent="-285750">
+              <a:buFont typeface="Arial" charset="0"/>
+              <a:buChar char="•"/>
             </a:pPr>
             <a:r>
               <a:rPr lang="en-US" dirty="0" smtClean="0"/>
-              <a:t>Create a Peer Connection when accepting a call</a:t>
-            </a:r>
-          </a:p>
-          <a:p>
-            <a:pPr marL="342900" indent="-342900">
-              <a:buFont typeface="+mj-lt"/>
-              <a:buAutoNum type="arabicPeriod"/>
+              <a:t>How do Jim and Jane find each other?</a:t>
+            </a:r>
+          </a:p>
+          <a:p>
+            <a:pPr marL="285750" indent="-285750">
+              <a:buFont typeface="Arial" charset="0"/>
+              <a:buChar char="•"/>
             </a:pPr>
             <a:r>
               <a:rPr lang="en-US" dirty="0" smtClean="0"/>
-              <a:t>Get local media (as you did for a video tag)</a:t>
-            </a:r>
-          </a:p>
-          <a:p>
-            <a:pPr marL="342900" indent="-342900">
-              <a:buFont typeface="+mj-lt"/>
-              <a:buAutoNum type="arabicPeriod"/>
+              <a:t>How is their traffic routed across the Internet through corporate firewalls?</a:t>
+            </a:r>
+          </a:p>
+          <a:p>
+            <a:pPr marL="285750" indent="-285750">
+              <a:buFont typeface="Arial" charset="0"/>
+              <a:buChar char="•"/>
             </a:pPr>
             <a:r>
               <a:rPr lang="en-US" dirty="0" smtClean="0"/>
-              <a:t>Attach media to the Peer Connection</a:t>
-            </a:r>
-            <a:br>
-              <a:rPr lang="en-US" dirty="0" smtClean="0"/>
-            </a:br>
-            <a:endParaRPr lang="en-US" dirty="0" smtClean="0"/>
-          </a:p>
-          <a:p>
-            <a:pPr marL="342900" indent="-342900">
-              <a:buFont typeface="+mj-lt"/>
-              <a:buAutoNum type="arabicPeriod"/>
-            </a:pPr>
-            <a:r>
-              <a:rPr lang="en-US" dirty="0" smtClean="0"/>
-              <a:t>Wait for an SDP Offer to arrive</a:t>
-            </a:r>
-            <a:br>
-              <a:rPr lang="en-US" dirty="0" smtClean="0"/>
-            </a:br>
-            <a:r>
-              <a:rPr lang="en-US" dirty="0" smtClean="0"/>
-              <a:t/>
-            </a:r>
-            <a:br>
-              <a:rPr lang="en-US" dirty="0" smtClean="0"/>
-            </a:br>
-            <a:endParaRPr lang="en-US" dirty="0" smtClean="0"/>
-          </a:p>
-          <a:p>
-            <a:pPr marL="342900" indent="-342900">
-              <a:buFont typeface="+mj-lt"/>
-              <a:buAutoNum type="arabicPeriod"/>
-            </a:pPr>
-            <a:r>
-              <a:rPr lang="en-US" dirty="0" smtClean="0"/>
-              <a:t>Create an SDP Answer</a:t>
-            </a:r>
-            <a:br>
-              <a:rPr lang="en-US" dirty="0" smtClean="0"/>
-            </a:br>
-            <a:r>
-              <a:rPr lang="en-US" dirty="0" smtClean="0"/>
-              <a:t/>
-            </a:r>
-            <a:br>
-              <a:rPr lang="en-US" dirty="0" smtClean="0"/>
-            </a:br>
-            <a:endParaRPr lang="en-US" dirty="0" smtClean="0"/>
-          </a:p>
-          <a:p>
-            <a:pPr marL="342900" indent="-342900">
-              <a:buFont typeface="+mj-lt"/>
-              <a:buAutoNum type="arabicPeriod"/>
-            </a:pPr>
-            <a:r>
-              <a:rPr lang="en-US" dirty="0"/>
-              <a:t>Close the Peer Connection at the end of the </a:t>
-            </a:r>
-            <a:r>
-              <a:rPr lang="en-US" dirty="0" smtClean="0"/>
-              <a:t>call</a:t>
+              <a:t>How is permission asked to accept the call at the receiving end?</a:t>
+            </a:r>
+            <a:endParaRPr lang="en-US" dirty="0"/>
+          </a:p>
+        </p:txBody>
+      </p:sp>
+      <p:sp>
+        <p:nvSpPr>
+          <p:cNvPr id="19" name="Cube 18"/>
+          <p:cNvSpPr/>
+          <p:nvPr/>
+        </p:nvSpPr>
+        <p:spPr>
+          <a:xfrm>
+            <a:off x="8390197" y="2767212"/>
+            <a:ext cx="660051" cy="1700608"/>
+          </a:xfrm>
+          <a:prstGeom prst="cube">
+            <a:avLst/>
+          </a:prstGeom>
+          <a:solidFill>
+            <a:schemeClr val="accent4"/>
+          </a:solidFill>
+        </p:spPr>
+        <p:style>
+          <a:lnRef idx="2">
+            <a:schemeClr val="accent1">
+              <a:shade val="50000"/>
+            </a:schemeClr>
+          </a:lnRef>
+          <a:fillRef idx="1">
+            <a:schemeClr val="accent1"/>
+          </a:fillRef>
+          <a:effectRef idx="0">
+            <a:schemeClr val="accent1"/>
+          </a:effectRef>
+          <a:fontRef idx="minor">
+            <a:schemeClr val="lt1"/>
+          </a:fontRef>
+        </p:style>
+        <p:txBody>
+          <a:bodyPr rtlCol="0" anchor="ctr"/>
+          <a:lstStyle/>
+          <a:p>
+            <a:pPr algn="ctr"/>
+            <a:endParaRPr lang="en-US"/>
+          </a:p>
+        </p:txBody>
+      </p:sp>
+      <p:sp>
+        <p:nvSpPr>
+          <p:cNvPr id="20" name="TextBox 19"/>
+          <p:cNvSpPr txBox="1"/>
+          <p:nvPr/>
+        </p:nvSpPr>
+        <p:spPr>
+          <a:xfrm>
+            <a:off x="4730750" y="1714916"/>
+            <a:ext cx="2095500" cy="369332"/>
+          </a:xfrm>
+          <a:prstGeom prst="rect">
+            <a:avLst/>
+          </a:prstGeom>
+          <a:noFill/>
+        </p:spPr>
+        <p:txBody>
+          <a:bodyPr wrap="square" rtlCol="0">
+            <a:spAutoFit/>
+          </a:bodyPr>
+          <a:lstStyle/>
+          <a:p>
+            <a:r>
+              <a:rPr lang="en-US" smtClean="0"/>
+              <a:t>RTCPeerConnection</a:t>
             </a:r>
             <a:endParaRPr lang="en-US" dirty="0"/>
           </a:p>
@@ -15135,14 +14994,14 @@
       </p:sp>
       <p:cxnSp>
         <p:nvCxnSpPr>
-          <p:cNvPr id="7" name="Straight Arrow Connector 6"/>
+          <p:cNvPr id="22" name="Straight Arrow Connector 21"/>
           <p:cNvCxnSpPr/>
           <p:nvPr/>
         </p:nvCxnSpPr>
         <p:spPr>
           <a:xfrm>
-            <a:off x="4286865" y="4375355"/>
-            <a:ext cx="2040193" cy="412955"/>
+            <a:off x="6256248" y="2122538"/>
+            <a:ext cx="2133949" cy="676226"/>
           </a:xfrm>
           <a:prstGeom prst="straightConnector1">
             <a:avLst/>
@@ -15166,16 +15025,135 @@
           </a:fontRef>
         </p:style>
       </p:cxnSp>
+      <p:cxnSp>
+        <p:nvCxnSpPr>
+          <p:cNvPr id="23" name="Straight Arrow Connector 22"/>
+          <p:cNvCxnSpPr/>
+          <p:nvPr/>
+        </p:nvCxnSpPr>
+        <p:spPr>
+          <a:xfrm flipH="1">
+            <a:off x="3036258" y="2100430"/>
+            <a:ext cx="2316443" cy="669970"/>
+          </a:xfrm>
+          <a:prstGeom prst="straightConnector1">
+            <a:avLst/>
+          </a:prstGeom>
+          <a:ln>
+            <a:tailEnd type="triangle"/>
+          </a:ln>
+        </p:spPr>
+        <p:style>
+          <a:lnRef idx="1">
+            <a:schemeClr val="accent1"/>
+          </a:lnRef>
+          <a:fillRef idx="0">
+            <a:schemeClr val="accent1"/>
+          </a:fillRef>
+          <a:effectRef idx="0">
+            <a:schemeClr val="accent1"/>
+          </a:effectRef>
+          <a:fontRef idx="minor">
+            <a:schemeClr val="tx1"/>
+          </a:fontRef>
+        </p:style>
+      </p:cxnSp>
+      <p:sp>
+        <p:nvSpPr>
+          <p:cNvPr id="13" name="Bent-Up Arrow 12"/>
+          <p:cNvSpPr/>
+          <p:nvPr/>
+        </p:nvSpPr>
+        <p:spPr>
+          <a:xfrm>
+            <a:off x="9010999" y="2890044"/>
+            <a:ext cx="1272657" cy="838200"/>
+          </a:xfrm>
+          <a:prstGeom prst="bentUpArrow">
+            <a:avLst/>
+          </a:prstGeom>
+        </p:spPr>
+        <p:style>
+          <a:lnRef idx="2">
+            <a:schemeClr val="accent1">
+              <a:shade val="50000"/>
+            </a:schemeClr>
+          </a:lnRef>
+          <a:fillRef idx="1">
+            <a:schemeClr val="accent1"/>
+          </a:fillRef>
+          <a:effectRef idx="0">
+            <a:schemeClr val="accent1"/>
+          </a:effectRef>
+          <a:fontRef idx="minor">
+            <a:schemeClr val="lt1"/>
+          </a:fontRef>
+        </p:style>
+        <p:txBody>
+          <a:bodyPr rtlCol="0" anchor="ctr"/>
+          <a:lstStyle/>
+          <a:p>
+            <a:pPr algn="ctr"/>
+            <a:endParaRPr lang="en-US"/>
+          </a:p>
+        </p:txBody>
+      </p:sp>
+      <p:sp>
+        <p:nvSpPr>
+          <p:cNvPr id="3" name="TextBox 2"/>
+          <p:cNvSpPr txBox="1"/>
+          <p:nvPr/>
+        </p:nvSpPr>
+        <p:spPr>
+          <a:xfrm>
+            <a:off x="1584531" y="6056670"/>
+            <a:ext cx="8387937" cy="461665"/>
+          </a:xfrm>
+          <a:prstGeom prst="rect">
+            <a:avLst/>
+          </a:prstGeom>
+          <a:noFill/>
+        </p:spPr>
+        <p:txBody>
+          <a:bodyPr wrap="none" rtlCol="0">
+            <a:spAutoFit/>
+          </a:bodyPr>
+          <a:lstStyle/>
+          <a:p>
+            <a:pPr marL="0" lvl="1" algn="ctr"/>
+            <a:r>
+              <a:rPr lang="en-US" sz="2400" dirty="0">
+                <a:hlinkClick r:id="rId3"/>
+              </a:rPr>
+              <a:t>https://www.html5rocks.com/en/tutorials/webrtc/infrastructure</a:t>
+            </a:r>
+            <a:r>
+              <a:rPr lang="en-US" sz="2400" dirty="0" smtClean="0">
+                <a:hlinkClick r:id="rId3"/>
+              </a:rPr>
+              <a:t>/</a:t>
+            </a:r>
+            <a:endParaRPr lang="en-US" sz="2400" dirty="0"/>
+          </a:p>
+        </p:txBody>
+      </p:sp>
     </p:spTree>
     <p:extLst>
       <p:ext uri="{BB962C8B-B14F-4D97-AF65-F5344CB8AC3E}">
-        <p14:creationId xmlns:p14="http://schemas.microsoft.com/office/powerpoint/2010/main" val="943495111"/>
+        <p14:creationId xmlns:p14="http://schemas.microsoft.com/office/powerpoint/2010/main" val="367277196"/>
       </p:ext>
     </p:extLst>
   </p:cSld>
   <p:clrMapOvr>
     <a:masterClrMapping/>
   </p:clrMapOvr>
+  <p:timing>
+    <p:tnLst>
+      <p:par>
+        <p:cTn id="1" dur="indefinite" restart="never" nodeType="tmRoot"/>
+      </p:par>
+    </p:tnLst>
+  </p:timing>
 </p:sld>
 </file>
 
@@ -15215,111 +15193,342 @@
               <a:rPr lang="en-US" dirty="0" err="1" smtClean="0"/>
               <a:t>RTCPeerConnection</a:t>
             </a:r>
-            <a:r>
-              <a:rPr lang="en-US" dirty="0" smtClean="0"/>
-              <a:t> Events</a:t>
-            </a:r>
             <a:endParaRPr lang="en-US" dirty="0"/>
           </a:p>
         </p:txBody>
       </p:sp>
       <p:sp>
         <p:nvSpPr>
-          <p:cNvPr id="3" name="Content Placeholder 2"/>
-          <p:cNvSpPr>
-            <a:spLocks noGrp="1"/>
-          </p:cNvSpPr>
-          <p:nvPr>
-            <p:ph idx="1"/>
-          </p:nvPr>
-        </p:nvSpPr>
-        <p:spPr/>
-        <p:txBody>
-          <a:bodyPr/>
-          <a:lstStyle/>
-          <a:p>
-            <a:pPr marL="0" indent="0">
-              <a:buNone/>
-            </a:pPr>
-            <a:r>
-              <a:rPr lang="en-US" dirty="0" smtClean="0"/>
-              <a:t>There are ‘two’ events that can happen which need to be processed</a:t>
-            </a:r>
-          </a:p>
-          <a:p>
-            <a:pPr marL="514350" indent="-514350">
-              <a:buFont typeface="+mj-lt"/>
-              <a:buAutoNum type="arabicPeriod"/>
-            </a:pPr>
-            <a:r>
-              <a:rPr lang="en-US" dirty="0" smtClean="0"/>
-              <a:t>The connection wants to send an ICE candidate</a:t>
-            </a:r>
-          </a:p>
-          <a:p>
-            <a:pPr lvl="1"/>
-            <a:r>
-              <a:rPr lang="en-US" dirty="0"/>
-              <a:t>Listen for these with the </a:t>
-            </a:r>
+          <p:cNvPr id="4" name="Cube 3"/>
+          <p:cNvSpPr/>
+          <p:nvPr/>
+        </p:nvSpPr>
+        <p:spPr>
+          <a:xfrm>
+            <a:off x="4920985" y="2700441"/>
+            <a:ext cx="660051" cy="1700608"/>
+          </a:xfrm>
+          <a:prstGeom prst="cube">
+            <a:avLst/>
+          </a:prstGeom>
+          <a:solidFill>
+            <a:schemeClr val="accent4"/>
+          </a:solidFill>
+        </p:spPr>
+        <p:style>
+          <a:lnRef idx="2">
+            <a:schemeClr val="accent1">
+              <a:shade val="50000"/>
+            </a:schemeClr>
+          </a:lnRef>
+          <a:fillRef idx="1">
+            <a:schemeClr val="accent1"/>
+          </a:fillRef>
+          <a:effectRef idx="0">
+            <a:schemeClr val="accent1"/>
+          </a:effectRef>
+          <a:fontRef idx="minor">
+            <a:schemeClr val="lt1"/>
+          </a:fontRef>
+        </p:style>
+        <p:txBody>
+          <a:bodyPr rtlCol="0" anchor="ctr"/>
+          <a:lstStyle/>
+          <a:p>
+            <a:pPr algn="ctr"/>
+            <a:endParaRPr lang="en-US"/>
+          </a:p>
+        </p:txBody>
+      </p:sp>
+      <p:pic>
+        <p:nvPicPr>
+          <p:cNvPr id="5" name="Picture 4"/>
+          <p:cNvPicPr>
+            <a:picLocks noChangeAspect="1"/>
+          </p:cNvPicPr>
+          <p:nvPr/>
+        </p:nvPicPr>
+        <p:blipFill>
+          <a:blip r:embed="rId2"/>
+          <a:stretch>
+            <a:fillRect/>
+          </a:stretch>
+        </p:blipFill>
+        <p:spPr>
+          <a:xfrm>
+            <a:off x="901700" y="1690688"/>
+            <a:ext cx="1473200" cy="1473200"/>
+          </a:xfrm>
+          <a:prstGeom prst="rect">
+            <a:avLst/>
+          </a:prstGeom>
+        </p:spPr>
+      </p:pic>
+      <p:sp>
+        <p:nvSpPr>
+          <p:cNvPr id="6" name="Bent-Up Arrow 5"/>
+          <p:cNvSpPr/>
+          <p:nvPr/>
+        </p:nvSpPr>
+        <p:spPr>
+          <a:xfrm rot="5400000">
+            <a:off x="2765467" y="1707178"/>
+            <a:ext cx="1054100" cy="3256936"/>
+          </a:xfrm>
+          <a:prstGeom prst="bentUpArrow">
+            <a:avLst/>
+          </a:prstGeom>
+        </p:spPr>
+        <p:style>
+          <a:lnRef idx="2">
+            <a:schemeClr val="accent1">
+              <a:shade val="50000"/>
+            </a:schemeClr>
+          </a:lnRef>
+          <a:fillRef idx="1">
+            <a:schemeClr val="accent1"/>
+          </a:fillRef>
+          <a:effectRef idx="0">
+            <a:schemeClr val="accent1"/>
+          </a:effectRef>
+          <a:fontRef idx="minor">
+            <a:schemeClr val="lt1"/>
+          </a:fontRef>
+        </p:style>
+        <p:txBody>
+          <a:bodyPr rtlCol="0" anchor="ctr"/>
+          <a:lstStyle/>
+          <a:p>
+            <a:pPr algn="ctr"/>
+            <a:endParaRPr lang="en-US"/>
+          </a:p>
+        </p:txBody>
+      </p:sp>
+      <p:sp>
+        <p:nvSpPr>
+          <p:cNvPr id="7" name="Bent-Up Arrow 6"/>
+          <p:cNvSpPr/>
+          <p:nvPr/>
+        </p:nvSpPr>
+        <p:spPr>
+          <a:xfrm rot="5400000" flipV="1">
+            <a:off x="5732352" y="2326773"/>
+            <a:ext cx="1474839" cy="1675870"/>
+          </a:xfrm>
+          <a:prstGeom prst="bentUpArrow">
+            <a:avLst>
+              <a:gd name="adj1" fmla="val 28471"/>
+              <a:gd name="adj2" fmla="val 25000"/>
+              <a:gd name="adj3" fmla="val 25000"/>
+            </a:avLst>
+          </a:prstGeom>
+        </p:spPr>
+        <p:style>
+          <a:lnRef idx="2">
+            <a:schemeClr val="accent1">
+              <a:shade val="50000"/>
+            </a:schemeClr>
+          </a:lnRef>
+          <a:fillRef idx="1">
+            <a:schemeClr val="accent1"/>
+          </a:fillRef>
+          <a:effectRef idx="0">
+            <a:schemeClr val="accent1"/>
+          </a:effectRef>
+          <a:fontRef idx="minor">
+            <a:schemeClr val="lt1"/>
+          </a:fontRef>
+        </p:style>
+        <p:txBody>
+          <a:bodyPr rtlCol="0" anchor="ctr"/>
+          <a:lstStyle/>
+          <a:p>
+            <a:pPr algn="ctr"/>
+            <a:endParaRPr lang="en-US"/>
+          </a:p>
+        </p:txBody>
+      </p:sp>
+      <p:sp>
+        <p:nvSpPr>
+          <p:cNvPr id="8" name="TextBox 7"/>
+          <p:cNvSpPr txBox="1"/>
+          <p:nvPr/>
+        </p:nvSpPr>
+        <p:spPr>
+          <a:xfrm>
+            <a:off x="6312310" y="2060060"/>
+            <a:ext cx="1640577" cy="369332"/>
+          </a:xfrm>
+          <a:prstGeom prst="rect">
+            <a:avLst/>
+          </a:prstGeom>
+          <a:noFill/>
+        </p:spPr>
+        <p:txBody>
+          <a:bodyPr wrap="none" rtlCol="0">
+            <a:spAutoFit/>
+          </a:bodyPr>
+          <a:lstStyle/>
+          <a:p>
+            <a:r>
+              <a:rPr lang="en-US" dirty="0" smtClean="0"/>
+              <a:t>Remote Stream</a:t>
+            </a:r>
+            <a:endParaRPr lang="en-US" dirty="0"/>
+          </a:p>
+        </p:txBody>
+      </p:sp>
+      <p:sp>
+        <p:nvSpPr>
+          <p:cNvPr id="10" name="TextBox 9"/>
+          <p:cNvSpPr txBox="1"/>
+          <p:nvPr/>
+        </p:nvSpPr>
+        <p:spPr>
+          <a:xfrm>
+            <a:off x="6194323" y="3754718"/>
+            <a:ext cx="5058501" cy="646331"/>
+          </a:xfrm>
+          <a:prstGeom prst="rect">
+            <a:avLst/>
+          </a:prstGeom>
+          <a:noFill/>
+        </p:spPr>
+        <p:txBody>
+          <a:bodyPr wrap="none" rtlCol="0">
+            <a:spAutoFit/>
+          </a:bodyPr>
+          <a:lstStyle/>
+          <a:p>
+            <a:r>
+              <a:rPr lang="en-US" dirty="0" err="1" smtClean="0"/>
+              <a:t>onaddstream</a:t>
+            </a:r>
+            <a:r>
+              <a:rPr lang="en-US" dirty="0" smtClean="0"/>
+              <a:t/>
+            </a:r>
+            <a:br>
+              <a:rPr lang="en-US" dirty="0" smtClean="0"/>
+            </a:br>
+            <a:r>
+              <a:rPr lang="en-US" dirty="0" smtClean="0"/>
+              <a:t>“I have a new incoming stream for you to deal with”</a:t>
+            </a:r>
+            <a:endParaRPr lang="en-US" dirty="0"/>
+          </a:p>
+        </p:txBody>
+      </p:sp>
+      <p:sp>
+        <p:nvSpPr>
+          <p:cNvPr id="11" name="Bent-Up Arrow 10"/>
+          <p:cNvSpPr/>
+          <p:nvPr/>
+        </p:nvSpPr>
+        <p:spPr>
+          <a:xfrm rot="5400000">
+            <a:off x="6231338" y="3299631"/>
+            <a:ext cx="1054100" cy="3256936"/>
+          </a:xfrm>
+          <a:prstGeom prst="bentUpArrow">
+            <a:avLst/>
+          </a:prstGeom>
+        </p:spPr>
+        <p:style>
+          <a:lnRef idx="2">
+            <a:schemeClr val="accent1">
+              <a:shade val="50000"/>
+            </a:schemeClr>
+          </a:lnRef>
+          <a:fillRef idx="1">
+            <a:schemeClr val="accent1"/>
+          </a:fillRef>
+          <a:effectRef idx="0">
+            <a:schemeClr val="accent1"/>
+          </a:effectRef>
+          <a:fontRef idx="minor">
+            <a:schemeClr val="lt1"/>
+          </a:fontRef>
+        </p:style>
+        <p:txBody>
+          <a:bodyPr rtlCol="0" anchor="ctr"/>
+          <a:lstStyle/>
+          <a:p>
+            <a:pPr algn="ctr"/>
+            <a:r>
+              <a:rPr lang="en-US" dirty="0" smtClean="0"/>
+              <a:t>v</a:t>
+            </a:r>
+            <a:endParaRPr lang="en-US" dirty="0"/>
+          </a:p>
+        </p:txBody>
+      </p:sp>
+      <p:sp>
+        <p:nvSpPr>
+          <p:cNvPr id="12" name="TextBox 11"/>
+          <p:cNvSpPr txBox="1"/>
+          <p:nvPr/>
+        </p:nvSpPr>
+        <p:spPr>
+          <a:xfrm>
+            <a:off x="5581036" y="5455149"/>
+            <a:ext cx="5002908" cy="646331"/>
+          </a:xfrm>
+          <a:prstGeom prst="rect">
+            <a:avLst/>
+          </a:prstGeom>
+          <a:noFill/>
+        </p:spPr>
+        <p:txBody>
+          <a:bodyPr wrap="none" rtlCol="0">
+            <a:spAutoFit/>
+          </a:bodyPr>
+          <a:lstStyle/>
+          <a:p>
             <a:r>
               <a:rPr lang="en-US" dirty="0" err="1" smtClean="0"/>
               <a:t>onicecandidate</a:t>
             </a:r>
             <a:r>
-              <a:rPr lang="en-US" dirty="0"/>
-              <a:t> </a:t>
-            </a:r>
-            <a:r>
-              <a:rPr lang="en-US" dirty="0" smtClean="0"/>
-              <a:t>callback function</a:t>
-            </a:r>
-          </a:p>
-          <a:p>
-            <a:pPr lvl="1"/>
-            <a:r>
-              <a:rPr lang="en-US" dirty="0" smtClean="0"/>
-              <a:t>When one happens send it the the other end of the call</a:t>
+              <a:rPr lang="en-US" dirty="0" smtClean="0"/>
+              <a:t/>
             </a:r>
             <a:br>
               <a:rPr lang="en-US" dirty="0" smtClean="0"/>
             </a:br>
-            <a:endParaRPr lang="en-US" dirty="0" smtClean="0"/>
-          </a:p>
-          <a:p>
-            <a:pPr marL="514350" indent="-514350">
-              <a:buFont typeface="+mj-lt"/>
-              <a:buAutoNum type="arabicPeriod"/>
-            </a:pPr>
-            <a:r>
-              <a:rPr lang="en-US" dirty="0" smtClean="0"/>
-              <a:t>The connection receives an AV stream from the remote end</a:t>
-            </a:r>
-          </a:p>
-          <a:p>
-            <a:pPr lvl="1"/>
-            <a:r>
-              <a:rPr lang="en-US" dirty="0" smtClean="0"/>
-              <a:t>Listen </a:t>
-            </a:r>
-            <a:r>
-              <a:rPr lang="en-US" dirty="0"/>
-              <a:t>for these by adding an </a:t>
-            </a:r>
-            <a:r>
-              <a:rPr lang="en-US" dirty="0" err="1" smtClean="0"/>
-              <a:t>onaddstream</a:t>
-            </a:r>
-            <a:r>
-              <a:rPr lang="en-US" dirty="0" smtClean="0"/>
-              <a:t> callback to the connection</a:t>
-            </a:r>
-          </a:p>
-          <a:p>
-            <a:pPr lvl="1"/>
-            <a:r>
-              <a:rPr lang="en-US" dirty="0" smtClean="0"/>
-              <a:t>When one happens, take the stream and attach it to the &lt;video&gt; tag</a:t>
+            <a:r>
+              <a:rPr lang="en-US" dirty="0" smtClean="0"/>
+              <a:t>“I have an ICE candidate I need you to send for me”</a:t>
+            </a:r>
+            <a:endParaRPr lang="en-US" dirty="0"/>
+          </a:p>
+        </p:txBody>
+      </p:sp>
+      <p:sp>
+        <p:nvSpPr>
+          <p:cNvPr id="13" name="TextBox 12"/>
+          <p:cNvSpPr txBox="1"/>
+          <p:nvPr/>
+        </p:nvSpPr>
+        <p:spPr>
+          <a:xfrm>
+            <a:off x="3072581" y="3766522"/>
+            <a:ext cx="1513235" cy="369332"/>
+          </a:xfrm>
+          <a:prstGeom prst="rect">
+            <a:avLst/>
+          </a:prstGeom>
+          <a:noFill/>
+        </p:spPr>
+        <p:txBody>
+          <a:bodyPr wrap="none" rtlCol="0">
+            <a:spAutoFit/>
+          </a:bodyPr>
+          <a:lstStyle/>
+          <a:p>
+            <a:r>
+              <a:rPr lang="en-US" dirty="0" smtClean="0"/>
+              <a:t>Attach Stream</a:t>
             </a:r>
             <a:endParaRPr lang="en-US" dirty="0"/>
           </a:p>
@@ -15328,13 +15537,20 @@
     </p:spTree>
     <p:extLst>
       <p:ext uri="{BB962C8B-B14F-4D97-AF65-F5344CB8AC3E}">
-        <p14:creationId xmlns:p14="http://schemas.microsoft.com/office/powerpoint/2010/main" val="1349597842"/>
+        <p14:creationId xmlns:p14="http://schemas.microsoft.com/office/powerpoint/2010/main" val="100754402"/>
       </p:ext>
     </p:extLst>
   </p:cSld>
   <p:clrMapOvr>
     <a:masterClrMapping/>
   </p:clrMapOvr>
+  <p:timing>
+    <p:tnLst>
+      <p:par>
+        <p:cTn id="1" dur="indefinite" restart="never" nodeType="tmRoot"/>
+      </p:par>
+    </p:tnLst>
+  </p:timing>
 </p:sld>
 </file>
 
@@ -15461,16 +15677,12 @@
           <a:lstStyle/>
           <a:p>
             <a:r>
-              <a:rPr lang="en-US" dirty="0" smtClean="0"/>
-              <a:t>Creating an </a:t>
-            </a:r>
-            <a:r>
               <a:rPr lang="en-US" dirty="0" err="1" smtClean="0"/>
               <a:t>RTCPeerConnection</a:t>
             </a:r>
             <a:r>
               <a:rPr lang="en-US" dirty="0" smtClean="0"/>
-              <a:t> </a:t>
+              <a:t> Events</a:t>
             </a:r>
             <a:endParaRPr lang="en-US" dirty="0"/>
           </a:p>
@@ -15488,132 +15700,404 @@
         </p:nvSpPr>
         <p:spPr/>
         <p:txBody>
+          <a:bodyPr/>
+          <a:lstStyle/>
+          <a:p>
+            <a:pPr marL="0" indent="0">
+              <a:buNone/>
+            </a:pPr>
+            <a:r>
+              <a:rPr lang="en-US" dirty="0" smtClean="0"/>
+              <a:t>There are ‘two’ events that can happen which need to be processed</a:t>
+            </a:r>
+            <a:br>
+              <a:rPr lang="en-US" dirty="0" smtClean="0"/>
+            </a:br>
+            <a:endParaRPr lang="en-US" dirty="0" smtClean="0"/>
+          </a:p>
+          <a:p>
+            <a:pPr marL="514350" indent="-514350">
+              <a:buFont typeface="+mj-lt"/>
+              <a:buAutoNum type="arabicPeriod"/>
+            </a:pPr>
+            <a:r>
+              <a:rPr lang="en-US" dirty="0" smtClean="0"/>
+              <a:t>The connection wants to send an ICE candidate</a:t>
+            </a:r>
+          </a:p>
+          <a:p>
+            <a:pPr lvl="1"/>
+            <a:r>
+              <a:rPr lang="en-US" dirty="0"/>
+              <a:t>Listen for these with the </a:t>
+            </a:r>
+            <a:r>
+              <a:rPr lang="en-US" dirty="0" err="1" smtClean="0"/>
+              <a:t>onicecandidate</a:t>
+            </a:r>
+            <a:r>
+              <a:rPr lang="en-US" dirty="0"/>
+              <a:t> </a:t>
+            </a:r>
+            <a:r>
+              <a:rPr lang="en-US" dirty="0" smtClean="0"/>
+              <a:t>callback function</a:t>
+            </a:r>
+          </a:p>
+          <a:p>
+            <a:pPr lvl="1"/>
+            <a:r>
+              <a:rPr lang="en-US" dirty="0" smtClean="0"/>
+              <a:t>When one happens send it the the other end of the call</a:t>
+            </a:r>
+            <a:br>
+              <a:rPr lang="en-US" dirty="0" smtClean="0"/>
+            </a:br>
+            <a:endParaRPr lang="en-US" dirty="0" smtClean="0"/>
+          </a:p>
+          <a:p>
+            <a:pPr marL="514350" indent="-514350">
+              <a:buFont typeface="+mj-lt"/>
+              <a:buAutoNum type="arabicPeriod"/>
+            </a:pPr>
+            <a:r>
+              <a:rPr lang="en-US" dirty="0" smtClean="0"/>
+              <a:t>The connection receives an AV stream from the remote end</a:t>
+            </a:r>
+          </a:p>
+          <a:p>
+            <a:pPr lvl="1"/>
+            <a:r>
+              <a:rPr lang="en-US" dirty="0" smtClean="0"/>
+              <a:t>Listen </a:t>
+            </a:r>
+            <a:r>
+              <a:rPr lang="en-US" dirty="0"/>
+              <a:t>for these by adding an </a:t>
+            </a:r>
+            <a:r>
+              <a:rPr lang="en-US" dirty="0" err="1" smtClean="0"/>
+              <a:t>onaddstream</a:t>
+            </a:r>
+            <a:r>
+              <a:rPr lang="en-US" dirty="0" smtClean="0"/>
+              <a:t> callback to the connection</a:t>
+            </a:r>
+          </a:p>
+          <a:p>
+            <a:pPr lvl="1"/>
+            <a:r>
+              <a:rPr lang="en-US" dirty="0" smtClean="0"/>
+              <a:t>When one happens, take the stream and attach it to the &lt;video&gt; tag</a:t>
+            </a:r>
+            <a:endParaRPr lang="en-US" dirty="0"/>
+          </a:p>
+        </p:txBody>
+      </p:sp>
+    </p:spTree>
+    <p:extLst>
+      <p:ext uri="{BB962C8B-B14F-4D97-AF65-F5344CB8AC3E}">
+        <p14:creationId xmlns:p14="http://schemas.microsoft.com/office/powerpoint/2010/main" val="1349597842"/>
+      </p:ext>
+    </p:extLst>
+  </p:cSld>
+  <p:clrMapOvr>
+    <a:masterClrMapping/>
+  </p:clrMapOvr>
+</p:sld>
+</file>
+
+<file path=ppt/slides/slide41.xml><?xml version="1.0" encoding="utf-8"?>
+<p:sld xmlns:a="http://schemas.openxmlformats.org/drawingml/2006/main" xmlns:r="http://schemas.openxmlformats.org/officeDocument/2006/relationships" xmlns:p="http://schemas.openxmlformats.org/presentationml/2006/main">
+  <p:cSld>
+    <p:spTree>
+      <p:nvGrpSpPr>
+        <p:cNvPr id="1" name=""/>
+        <p:cNvGrpSpPr/>
+        <p:nvPr/>
+      </p:nvGrpSpPr>
+      <p:grpSpPr>
+        <a:xfrm>
+          <a:off x="0" y="0"/>
+          <a:ext cx="0" cy="0"/>
+          <a:chOff x="0" y="0"/>
+          <a:chExt cx="0" cy="0"/>
+        </a:xfrm>
+      </p:grpSpPr>
+      <p:sp>
+        <p:nvSpPr>
+          <p:cNvPr id="2" name="Title 1"/>
+          <p:cNvSpPr>
+            <a:spLocks noGrp="1"/>
+          </p:cNvSpPr>
+          <p:nvPr>
+            <p:ph type="title"/>
+          </p:nvPr>
+        </p:nvSpPr>
+        <p:spPr/>
+        <p:txBody>
+          <a:bodyPr/>
+          <a:lstStyle/>
+          <a:p>
+            <a:r>
+              <a:rPr lang="en-US" dirty="0" smtClean="0"/>
+              <a:t>Adding video to the demo</a:t>
+            </a:r>
+            <a:endParaRPr lang="en-US" dirty="0"/>
+          </a:p>
+        </p:txBody>
+      </p:sp>
+      <p:sp>
+        <p:nvSpPr>
+          <p:cNvPr id="3" name="Content Placeholder 2"/>
+          <p:cNvSpPr>
+            <a:spLocks noGrp="1"/>
+          </p:cNvSpPr>
+          <p:nvPr>
+            <p:ph idx="1"/>
+          </p:nvPr>
+        </p:nvSpPr>
+        <p:spPr/>
+        <p:txBody>
           <a:bodyPr>
             <a:normAutofit/>
           </a:bodyPr>
           <a:lstStyle/>
           <a:p>
-            <a:pPr marL="0" indent="0">
-              <a:buNone/>
+            <a:pPr>
+              <a:lnSpc>
+                <a:spcPct val="100000"/>
+              </a:lnSpc>
+              <a:spcBef>
+                <a:spcPts val="0"/>
+              </a:spcBef>
             </a:pPr>
             <a:r>
-              <a:rPr lang="en-US" sz="1400" dirty="0" err="1" smtClean="0">
-                <a:latin typeface="Courier New" charset="0"/>
-                <a:ea typeface="Courier New" charset="0"/>
-                <a:cs typeface="Courier New" charset="0"/>
-              </a:rPr>
-              <a:t>var</a:t>
-            </a:r>
-            <a:r>
-              <a:rPr lang="en-US" sz="1400" dirty="0" smtClean="0">
-                <a:latin typeface="Courier New" charset="0"/>
-                <a:ea typeface="Courier New" charset="0"/>
-                <a:cs typeface="Courier New" charset="0"/>
-              </a:rPr>
-              <a:t> pc = new </a:t>
-            </a:r>
-            <a:r>
-              <a:rPr lang="en-US" sz="1400" dirty="0" err="1" smtClean="0">
-                <a:latin typeface="Courier New" charset="0"/>
-                <a:ea typeface="Courier New" charset="0"/>
-                <a:cs typeface="Courier New" charset="0"/>
-              </a:rPr>
+              <a:rPr lang="en-US" dirty="0" smtClean="0"/>
+              <a:t>Don’t create a </a:t>
+            </a:r>
+            <a:r>
+              <a:rPr lang="en-US" dirty="0" err="1" smtClean="0"/>
               <a:t>RTCPeerConnection</a:t>
             </a:r>
             <a:r>
-              <a:rPr lang="en-US" sz="1400" dirty="0" smtClean="0">
-                <a:latin typeface="Courier New" charset="0"/>
-                <a:ea typeface="Courier New" charset="0"/>
-                <a:cs typeface="Courier New" charset="0"/>
-              </a:rPr>
-              <a:t>;</a:t>
+              <a:rPr lang="en-US" dirty="0" smtClean="0"/>
+              <a:t> </a:t>
+            </a:r>
+            <a:r>
+              <a:rPr lang="en-US" i="1" dirty="0" smtClean="0"/>
+              <a:t>until</a:t>
+            </a:r>
+            <a:r>
+              <a:rPr lang="en-US" dirty="0" smtClean="0"/>
+              <a:t> you have access to media</a:t>
             </a:r>
             <a:br>
-              <a:rPr lang="en-US" sz="1400" dirty="0" smtClean="0">
-                <a:latin typeface="Courier New" charset="0"/>
-                <a:ea typeface="Courier New" charset="0"/>
-                <a:cs typeface="Courier New" charset="0"/>
-              </a:rPr>
+              <a:rPr lang="en-US" dirty="0" smtClean="0"/>
             </a:br>
             <a:r>
-              <a:rPr lang="en-US" sz="1400" dirty="0" smtClean="0">
-                <a:latin typeface="Courier New" charset="0"/>
-                <a:ea typeface="Courier New" charset="0"/>
-                <a:cs typeface="Courier New" charset="0"/>
-              </a:rPr>
+              <a:rPr lang="en-US" dirty="0" smtClean="0"/>
               <a:t/>
             </a:r>
             <a:br>
-              <a:rPr lang="en-US" sz="1400" dirty="0" smtClean="0">
-                <a:latin typeface="Courier New" charset="0"/>
-                <a:ea typeface="Courier New" charset="0"/>
-                <a:cs typeface="Courier New" charset="0"/>
-              </a:rPr>
+              <a:rPr lang="en-US" dirty="0" smtClean="0"/>
             </a:br>
-            <a:r>
-              <a:rPr lang="en-US" sz="1400" dirty="0" err="1" smtClean="0">
-                <a:latin typeface="Courier New" charset="0"/>
-                <a:ea typeface="Courier New" charset="0"/>
-                <a:cs typeface="Courier New" charset="0"/>
-              </a:rPr>
-              <a:t>pc.onicecandidate</a:t>
-            </a:r>
-            <a:r>
-              <a:rPr lang="en-US" sz="1400" dirty="0" smtClean="0">
-                <a:latin typeface="Courier New" charset="0"/>
-                <a:ea typeface="Courier New" charset="0"/>
-                <a:cs typeface="Courier New" charset="0"/>
-              </a:rPr>
-              <a:t> = (</a:t>
-            </a:r>
-            <a:r>
-              <a:rPr lang="en-US" sz="1400" dirty="0" err="1" smtClean="0">
-                <a:latin typeface="Courier New" charset="0"/>
-                <a:ea typeface="Courier New" charset="0"/>
-                <a:cs typeface="Courier New" charset="0"/>
-              </a:rPr>
-              <a:t>ev</a:t>
-            </a:r>
-            <a:r>
-              <a:rPr lang="en-US" sz="1400" dirty="0" smtClean="0">
-                <a:latin typeface="Courier New" charset="0"/>
-                <a:ea typeface="Courier New" charset="0"/>
-                <a:cs typeface="Courier New" charset="0"/>
-              </a:rPr>
-              <a:t>) =&gt; {</a:t>
+            <a:endParaRPr lang="en-US" dirty="0" smtClean="0"/>
+          </a:p>
+          <a:p>
+            <a:pPr>
+              <a:lnSpc>
+                <a:spcPct val="100000"/>
+              </a:lnSpc>
+              <a:spcBef>
+                <a:spcPts val="0"/>
+              </a:spcBef>
+            </a:pPr>
+            <a:r>
+              <a:rPr lang="en-US" dirty="0" smtClean="0"/>
+              <a:t>Get the media in the </a:t>
+            </a:r>
+            <a:r>
+              <a:rPr lang="en-US" dirty="0" err="1" smtClean="0"/>
+              <a:t>VideoEndPoint</a:t>
+            </a:r>
+            <a:r>
+              <a:rPr lang="en-US" dirty="0" smtClean="0"/>
+              <a:t> constructor</a:t>
+            </a:r>
+          </a:p>
+          <a:p>
+            <a:pPr lvl="1">
+              <a:lnSpc>
+                <a:spcPct val="100000"/>
+              </a:lnSpc>
+              <a:spcBef>
+                <a:spcPts val="0"/>
+              </a:spcBef>
+            </a:pPr>
+            <a:r>
+              <a:rPr lang="en-US" dirty="0" smtClean="0"/>
+              <a:t>Call </a:t>
+            </a:r>
+            <a:r>
+              <a:rPr lang="en-US" dirty="0" err="1" smtClean="0"/>
+              <a:t>getUserMedia</a:t>
+            </a:r>
+            <a:r>
+              <a:rPr lang="en-US" dirty="0" smtClean="0"/>
+              <a:t>()</a:t>
+            </a:r>
+          </a:p>
+          <a:p>
+            <a:pPr lvl="1">
+              <a:lnSpc>
+                <a:spcPct val="100000"/>
+              </a:lnSpc>
+              <a:spcBef>
+                <a:spcPts val="0"/>
+              </a:spcBef>
+            </a:pPr>
+            <a:r>
+              <a:rPr lang="en-US" dirty="0" smtClean="0"/>
+              <a:t>When that Promise resolves attach the stream to the local &lt;video&gt; tag</a:t>
+            </a:r>
+          </a:p>
+          <a:p>
+            <a:pPr lvl="1">
+              <a:lnSpc>
+                <a:spcPct val="100000"/>
+              </a:lnSpc>
+              <a:spcBef>
+                <a:spcPts val="0"/>
+              </a:spcBef>
+            </a:pPr>
+            <a:r>
+              <a:rPr lang="en-US" b="1" dirty="0" smtClean="0"/>
+              <a:t>Keep hold of the Promise returned from </a:t>
+            </a:r>
+            <a:r>
+              <a:rPr lang="en-US" b="1" dirty="0" err="1" smtClean="0"/>
+              <a:t>getUserMedia</a:t>
+            </a:r>
+            <a:endParaRPr lang="en-US" b="1" dirty="0" smtClean="0"/>
+          </a:p>
+        </p:txBody>
+      </p:sp>
+    </p:spTree>
+    <p:extLst>
+      <p:ext uri="{BB962C8B-B14F-4D97-AF65-F5344CB8AC3E}">
+        <p14:creationId xmlns:p14="http://schemas.microsoft.com/office/powerpoint/2010/main" val="1918188341"/>
+      </p:ext>
+    </p:extLst>
+  </p:cSld>
+  <p:clrMapOvr>
+    <a:masterClrMapping/>
+  </p:clrMapOvr>
+</p:sld>
+</file>
+
+<file path=ppt/slides/slide42.xml><?xml version="1.0" encoding="utf-8"?>
+<p:sld xmlns:a="http://schemas.openxmlformats.org/drawingml/2006/main" xmlns:r="http://schemas.openxmlformats.org/officeDocument/2006/relationships" xmlns:p="http://schemas.openxmlformats.org/presentationml/2006/main">
+  <p:cSld>
+    <p:spTree>
+      <p:nvGrpSpPr>
+        <p:cNvPr id="1" name=""/>
+        <p:cNvGrpSpPr/>
+        <p:nvPr/>
+      </p:nvGrpSpPr>
+      <p:grpSpPr>
+        <a:xfrm>
+          <a:off x="0" y="0"/>
+          <a:ext cx="0" cy="0"/>
+          <a:chOff x="0" y="0"/>
+          <a:chExt cx="0" cy="0"/>
+        </a:xfrm>
+      </p:grpSpPr>
+      <p:sp>
+        <p:nvSpPr>
+          <p:cNvPr id="2" name="Title 1"/>
+          <p:cNvSpPr>
+            <a:spLocks noGrp="1"/>
+          </p:cNvSpPr>
+          <p:nvPr>
+            <p:ph type="title"/>
+          </p:nvPr>
+        </p:nvSpPr>
+        <p:spPr/>
+        <p:txBody>
+          <a:bodyPr/>
+          <a:lstStyle/>
+          <a:p>
+            <a:r>
+              <a:rPr lang="en-US" dirty="0" smtClean="0"/>
+              <a:t>Asynchronous Completion: Promise Trick</a:t>
+            </a:r>
+            <a:endParaRPr lang="en-US" dirty="0"/>
+          </a:p>
+        </p:txBody>
+      </p:sp>
+      <p:sp>
+        <p:nvSpPr>
+          <p:cNvPr id="4" name="TextBox 3"/>
+          <p:cNvSpPr txBox="1"/>
+          <p:nvPr/>
+        </p:nvSpPr>
+        <p:spPr>
+          <a:xfrm>
+            <a:off x="7049729" y="1321356"/>
+            <a:ext cx="4998484" cy="5262979"/>
+          </a:xfrm>
+          <a:prstGeom prst="rect">
+            <a:avLst/>
+          </a:prstGeom>
+          <a:noFill/>
+        </p:spPr>
+        <p:txBody>
+          <a:bodyPr wrap="none" rtlCol="0">
+            <a:spAutoFit/>
+          </a:bodyPr>
+          <a:lstStyle/>
+          <a:p>
+            <a:r>
+              <a:rPr lang="en-US" sz="1600" dirty="0" err="1" smtClean="0">
+                <a:latin typeface="Courier New" charset="0"/>
+                <a:ea typeface="Courier New" charset="0"/>
+                <a:cs typeface="Courier New" charset="0"/>
+              </a:rPr>
+              <a:t>getUserMedia</a:t>
+            </a:r>
+            <a:r>
+              <a:rPr lang="en-US" sz="1600" dirty="0" smtClean="0">
+                <a:latin typeface="Courier New" charset="0"/>
+                <a:ea typeface="Courier New" charset="0"/>
+                <a:cs typeface="Courier New" charset="0"/>
+              </a:rPr>
+              <a:t>() // 1.</a:t>
             </a:r>
             <a:br>
-              <a:rPr lang="en-US" sz="1400" dirty="0" smtClean="0">
+              <a:rPr lang="en-US" sz="1600" dirty="0" smtClean="0">
                 <a:latin typeface="Courier New" charset="0"/>
                 <a:ea typeface="Courier New" charset="0"/>
                 <a:cs typeface="Courier New" charset="0"/>
               </a:rPr>
             </a:br>
             <a:r>
-              <a:rPr lang="en-US" sz="1400" dirty="0" smtClean="0">
-                <a:latin typeface="Courier New" charset="0"/>
-                <a:ea typeface="Courier New" charset="0"/>
-                <a:cs typeface="Courier New" charset="0"/>
-              </a:rPr>
-              <a:t>  // Send to REMOTE end point</a:t>
+              <a:rPr lang="en-US" sz="1600" dirty="0" smtClean="0">
+                <a:latin typeface="Courier New" charset="0"/>
+                <a:ea typeface="Courier New" charset="0"/>
+                <a:cs typeface="Courier New" charset="0"/>
+              </a:rPr>
+              <a:t/>
             </a:r>
             <a:br>
-              <a:rPr lang="en-US" sz="1400" dirty="0" smtClean="0">
+              <a:rPr lang="en-US" sz="1600" dirty="0" smtClean="0">
                 <a:latin typeface="Courier New" charset="0"/>
                 <a:ea typeface="Courier New" charset="0"/>
                 <a:cs typeface="Courier New" charset="0"/>
               </a:rPr>
             </a:br>
             <a:r>
-              <a:rPr lang="en-US" sz="1400" dirty="0" smtClean="0">
-                <a:latin typeface="Courier New" charset="0"/>
-                <a:ea typeface="Courier New" charset="0"/>
-                <a:cs typeface="Courier New" charset="0"/>
-              </a:rPr>
-              <a:t>}</a:t>
-            </a:r>
-            <a:r>
-              <a:rPr lang="en-GB" sz="1400" dirty="0" smtClean="0">
+              <a:rPr lang="en-US" sz="1600" dirty="0" smtClean="0">
                 <a:latin typeface="Courier New" charset="0"/>
                 <a:ea typeface="Courier New" charset="0"/>
                 <a:cs typeface="Courier New" charset="0"/>
@@ -15621,97 +16105,1470 @@
               <a:t/>
             </a:r>
             <a:br>
-              <a:rPr lang="en-GB" sz="1400" dirty="0" smtClean="0">
+              <a:rPr lang="en-US" sz="1600" dirty="0" smtClean="0">
                 <a:latin typeface="Courier New" charset="0"/>
                 <a:ea typeface="Courier New" charset="0"/>
                 <a:cs typeface="Courier New" charset="0"/>
               </a:rPr>
             </a:br>
             <a:r>
-              <a:rPr lang="en-GB" sz="1400" dirty="0" smtClean="0">
-                <a:latin typeface="Courier New" charset="0"/>
-                <a:ea typeface="Courier New" charset="0"/>
-                <a:cs typeface="Courier New" charset="0"/>
-              </a:rPr>
-              <a:t>pc.</a:t>
-            </a:r>
-            <a:r>
-              <a:rPr lang="en-US" sz="1400" dirty="0" err="1" smtClean="0">
-                <a:latin typeface="Courier New" charset="0"/>
-                <a:ea typeface="Courier New" charset="0"/>
-                <a:cs typeface="Courier New" charset="0"/>
-              </a:rPr>
-              <a:t>onaddstream</a:t>
-            </a:r>
-            <a:r>
-              <a:rPr lang="en-US" sz="1400" dirty="0" smtClean="0">
-                <a:latin typeface="Courier New" charset="0"/>
-                <a:ea typeface="Courier New" charset="0"/>
-                <a:cs typeface="Courier New" charset="0"/>
-              </a:rPr>
-              <a:t> = (</a:t>
-            </a:r>
-            <a:r>
-              <a:rPr lang="en-US" sz="1400" dirty="0" err="1" smtClean="0">
-                <a:latin typeface="Courier New" charset="0"/>
-                <a:ea typeface="Courier New" charset="0"/>
-                <a:cs typeface="Courier New" charset="0"/>
-              </a:rPr>
-              <a:t>remoteStream</a:t>
-            </a:r>
-            <a:r>
-              <a:rPr lang="en-US" sz="1400" dirty="0" smtClean="0">
-                <a:latin typeface="Courier New" charset="0"/>
-                <a:ea typeface="Courier New" charset="0"/>
-                <a:cs typeface="Courier New" charset="0"/>
-              </a:rPr>
-              <a:t>) =&gt; {</a:t>
+              <a:rPr lang="en-US" sz="1600" dirty="0" smtClean="0">
+                <a:latin typeface="Courier New" charset="0"/>
+                <a:ea typeface="Courier New" charset="0"/>
+                <a:cs typeface="Courier New" charset="0"/>
+              </a:rPr>
+              <a:t>&lt;- ACCEPT_CALL</a:t>
             </a:r>
             <a:br>
-              <a:rPr lang="en-US" sz="1400" dirty="0" smtClean="0">
+              <a:rPr lang="en-US" sz="1600" dirty="0" smtClean="0">
                 <a:latin typeface="Courier New" charset="0"/>
                 <a:ea typeface="Courier New" charset="0"/>
                 <a:cs typeface="Courier New" charset="0"/>
               </a:rPr>
             </a:br>
             <a:r>
-              <a:rPr lang="en-US" sz="1400" dirty="0" smtClean="0">
-                <a:latin typeface="Courier New" charset="0"/>
-                <a:ea typeface="Courier New" charset="0"/>
-                <a:cs typeface="Courier New" charset="0"/>
-              </a:rPr>
-              <a:t>  // Attach this stream to the &lt;video&gt; tag</a:t>
-            </a:r>
-          </a:p>
-          <a:p>
-            <a:pPr marL="0" indent="0">
-              <a:buNone/>
-            </a:pPr>
-            <a:r>
-              <a:rPr lang="en-US" sz="1400" dirty="0">
-                <a:latin typeface="Courier New" charset="0"/>
-                <a:ea typeface="Courier New" charset="0"/>
-                <a:cs typeface="Courier New" charset="0"/>
-              </a:rPr>
-              <a:t>}</a:t>
-            </a:r>
-            <a:endParaRPr lang="en-US" sz="1400" dirty="0" smtClean="0">
+              <a:rPr lang="en-US" sz="1600" dirty="0" smtClean="0">
+                <a:latin typeface="Courier New" charset="0"/>
+                <a:ea typeface="Courier New" charset="0"/>
+                <a:cs typeface="Courier New" charset="0"/>
+              </a:rPr>
+              <a:t/>
+            </a:r>
+            <a:br>
+              <a:rPr lang="en-US" sz="1600" dirty="0" smtClean="0">
+                <a:latin typeface="Courier New" charset="0"/>
+                <a:ea typeface="Courier New" charset="0"/>
+                <a:cs typeface="Courier New" charset="0"/>
+              </a:rPr>
+            </a:br>
+            <a:r>
+              <a:rPr lang="en-US" sz="1600" dirty="0" smtClean="0">
+                <a:latin typeface="Courier New" charset="0"/>
+                <a:ea typeface="Courier New" charset="0"/>
+                <a:cs typeface="Courier New" charset="0"/>
+              </a:rPr>
+              <a:t/>
+            </a:r>
+            <a:br>
+              <a:rPr lang="en-US" sz="1600" dirty="0" smtClean="0">
+                <a:latin typeface="Courier New" charset="0"/>
+                <a:ea typeface="Courier New" charset="0"/>
+                <a:cs typeface="Courier New" charset="0"/>
+              </a:rPr>
+            </a:br>
+            <a:r>
+              <a:rPr lang="en-US" sz="1600" dirty="0" smtClean="0">
+                <a:latin typeface="Courier New" charset="0"/>
+                <a:ea typeface="Courier New" charset="0"/>
+                <a:cs typeface="Courier New" charset="0"/>
+              </a:rPr>
+              <a:t/>
+            </a:r>
+            <a:br>
+              <a:rPr lang="en-US" sz="1600" dirty="0" smtClean="0">
+                <a:latin typeface="Courier New" charset="0"/>
+                <a:ea typeface="Courier New" charset="0"/>
+                <a:cs typeface="Courier New" charset="0"/>
+              </a:rPr>
+            </a:br>
+            <a:r>
+              <a:rPr lang="en-US" sz="1600" dirty="0" err="1" smtClean="0">
+                <a:latin typeface="Courier New" charset="0"/>
+                <a:ea typeface="Courier New" charset="0"/>
+                <a:cs typeface="Courier New" charset="0"/>
+              </a:rPr>
+              <a:t>getUserMedia</a:t>
+            </a:r>
+            <a:r>
+              <a:rPr lang="en-US" sz="1600" dirty="0">
+                <a:latin typeface="Courier New" charset="0"/>
+                <a:ea typeface="Courier New" charset="0"/>
+                <a:cs typeface="Courier New" charset="0"/>
+              </a:rPr>
+              <a:t>() // </a:t>
+            </a:r>
+            <a:r>
+              <a:rPr lang="en-US" sz="1600" dirty="0" smtClean="0">
+                <a:latin typeface="Courier New" charset="0"/>
+                <a:ea typeface="Courier New" charset="0"/>
+                <a:cs typeface="Courier New" charset="0"/>
+              </a:rPr>
+              <a:t>2.</a:t>
+            </a:r>
+            <a:r>
+              <a:rPr lang="en-US" sz="1600" dirty="0">
+                <a:latin typeface="Courier New" charset="0"/>
+                <a:ea typeface="Courier New" charset="0"/>
+                <a:cs typeface="Courier New" charset="0"/>
+              </a:rPr>
+              <a:t/>
+            </a:r>
+            <a:br>
+              <a:rPr lang="en-US" sz="1600" dirty="0">
+                <a:latin typeface="Courier New" charset="0"/>
+                <a:ea typeface="Courier New" charset="0"/>
+                <a:cs typeface="Courier New" charset="0"/>
+              </a:rPr>
+            </a:br>
+            <a:r>
+              <a:rPr lang="en-US" sz="1600" dirty="0" smtClean="0">
+                <a:latin typeface="Courier New" charset="0"/>
+                <a:ea typeface="Courier New" charset="0"/>
+                <a:cs typeface="Courier New" charset="0"/>
+              </a:rPr>
+              <a:t/>
+            </a:r>
+            <a:br>
+              <a:rPr lang="en-US" sz="1600" dirty="0" smtClean="0">
+                <a:latin typeface="Courier New" charset="0"/>
+                <a:ea typeface="Courier New" charset="0"/>
+                <a:cs typeface="Courier New" charset="0"/>
+              </a:rPr>
+            </a:br>
+            <a:r>
+              <a:rPr lang="en-US" sz="1600" dirty="0" smtClean="0">
+                <a:latin typeface="Courier New" charset="0"/>
+                <a:ea typeface="Courier New" charset="0"/>
+                <a:cs typeface="Courier New" charset="0"/>
+              </a:rPr>
+              <a:t/>
+            </a:r>
+            <a:br>
+              <a:rPr lang="en-US" sz="1600" dirty="0" smtClean="0">
+                <a:latin typeface="Courier New" charset="0"/>
+                <a:ea typeface="Courier New" charset="0"/>
+                <a:cs typeface="Courier New" charset="0"/>
+              </a:rPr>
+            </a:br>
+            <a:r>
+              <a:rPr lang="en-US" sz="1600" dirty="0" smtClean="0">
+                <a:latin typeface="Courier New" charset="0"/>
+                <a:ea typeface="Courier New" charset="0"/>
+                <a:cs typeface="Courier New" charset="0"/>
+              </a:rPr>
+              <a:t>// 1. </a:t>
+            </a:r>
+            <a:endParaRPr lang="en-US" sz="1600" dirty="0">
               <a:latin typeface="Courier New" charset="0"/>
               <a:ea typeface="Courier New" charset="0"/>
               <a:cs typeface="Courier New" charset="0"/>
             </a:endParaRPr>
           </a:p>
           <a:p>
+            <a:r>
+              <a:rPr lang="en-US" sz="1600" dirty="0" smtClean="0">
+                <a:latin typeface="Courier New" charset="0"/>
+                <a:ea typeface="Courier New" charset="0"/>
+                <a:cs typeface="Courier New" charset="0"/>
+              </a:rPr>
+              <a:t>.then((media) =&gt; </a:t>
+            </a:r>
+            <a:r>
+              <a:rPr lang="en-US" sz="1600" dirty="0" err="1" smtClean="0">
+                <a:latin typeface="Courier New" charset="0"/>
+                <a:ea typeface="Courier New" charset="0"/>
+                <a:cs typeface="Courier New" charset="0"/>
+              </a:rPr>
+              <a:t>attachToLocalVideoTag</a:t>
+            </a:r>
+            <a:r>
+              <a:rPr lang="en-US" sz="1600" dirty="0" smtClean="0">
+                <a:latin typeface="Courier New" charset="0"/>
+                <a:ea typeface="Courier New" charset="0"/>
+                <a:cs typeface="Courier New" charset="0"/>
+              </a:rPr>
+              <a:t>;</a:t>
+            </a:r>
+            <a:br>
+              <a:rPr lang="en-US" sz="1600" dirty="0" smtClean="0">
+                <a:latin typeface="Courier New" charset="0"/>
+                <a:ea typeface="Courier New" charset="0"/>
+                <a:cs typeface="Courier New" charset="0"/>
+              </a:rPr>
+            </a:br>
+            <a:r>
+              <a:rPr lang="en-US" sz="1600" dirty="0" smtClean="0">
+                <a:latin typeface="Courier New" charset="0"/>
+                <a:ea typeface="Courier New" charset="0"/>
+                <a:cs typeface="Courier New" charset="0"/>
+              </a:rPr>
+              <a:t/>
+            </a:r>
+            <a:br>
+              <a:rPr lang="en-US" sz="1600" dirty="0" smtClean="0">
+                <a:latin typeface="Courier New" charset="0"/>
+                <a:ea typeface="Courier New" charset="0"/>
+                <a:cs typeface="Courier New" charset="0"/>
+              </a:rPr>
+            </a:br>
+            <a:r>
+              <a:rPr lang="en-US" sz="1600" dirty="0" smtClean="0">
+                <a:latin typeface="Courier New" charset="0"/>
+                <a:ea typeface="Courier New" charset="0"/>
+                <a:cs typeface="Courier New" charset="0"/>
+              </a:rPr>
+              <a:t/>
+            </a:r>
+            <a:br>
+              <a:rPr lang="en-US" sz="1600" dirty="0" smtClean="0">
+                <a:latin typeface="Courier New" charset="0"/>
+                <a:ea typeface="Courier New" charset="0"/>
+                <a:cs typeface="Courier New" charset="0"/>
+              </a:rPr>
+            </a:br>
+            <a:r>
+              <a:rPr lang="en-US" sz="1600" dirty="0" smtClean="0">
+                <a:latin typeface="Courier New" charset="0"/>
+                <a:ea typeface="Courier New" charset="0"/>
+                <a:cs typeface="Courier New" charset="0"/>
+              </a:rPr>
+              <a:t>// 2.</a:t>
+            </a:r>
+            <a:br>
+              <a:rPr lang="en-US" sz="1600" dirty="0" smtClean="0">
+                <a:latin typeface="Courier New" charset="0"/>
+                <a:ea typeface="Courier New" charset="0"/>
+                <a:cs typeface="Courier New" charset="0"/>
+              </a:rPr>
+            </a:br>
+            <a:r>
+              <a:rPr lang="en-US" sz="1600" dirty="0" smtClean="0">
+                <a:latin typeface="Courier New" charset="0"/>
+                <a:ea typeface="Courier New" charset="0"/>
+                <a:cs typeface="Courier New" charset="0"/>
+              </a:rPr>
+              <a:t>.then((media) =&gt; {</a:t>
+            </a:r>
+            <a:br>
+              <a:rPr lang="en-US" sz="1600" dirty="0" smtClean="0">
+                <a:latin typeface="Courier New" charset="0"/>
+                <a:ea typeface="Courier New" charset="0"/>
+                <a:cs typeface="Courier New" charset="0"/>
+              </a:rPr>
+            </a:br>
+            <a:r>
+              <a:rPr lang="en-US" sz="1600" dirty="0" smtClean="0">
+                <a:latin typeface="Courier New" charset="0"/>
+                <a:ea typeface="Courier New" charset="0"/>
+                <a:cs typeface="Courier New" charset="0"/>
+              </a:rPr>
+              <a:t>  </a:t>
+            </a:r>
+            <a:r>
+              <a:rPr lang="en-US" sz="1600" dirty="0" err="1" smtClean="0">
+                <a:latin typeface="Courier New" charset="0"/>
+                <a:ea typeface="Courier New" charset="0"/>
+                <a:cs typeface="Courier New" charset="0"/>
+              </a:rPr>
+              <a:t>createPeerConnection</a:t>
+            </a:r>
+            <a:r>
+              <a:rPr lang="en-US" sz="1600" dirty="0" smtClean="0">
+                <a:latin typeface="Courier New" charset="0"/>
+                <a:ea typeface="Courier New" charset="0"/>
+                <a:cs typeface="Courier New" charset="0"/>
+              </a:rPr>
+              <a:t>()</a:t>
+            </a:r>
+            <a:br>
+              <a:rPr lang="en-US" sz="1600" dirty="0" smtClean="0">
+                <a:latin typeface="Courier New" charset="0"/>
+                <a:ea typeface="Courier New" charset="0"/>
+                <a:cs typeface="Courier New" charset="0"/>
+              </a:rPr>
+            </a:br>
+            <a:r>
+              <a:rPr lang="en-US" sz="1600" dirty="0" smtClean="0">
+                <a:latin typeface="Courier New" charset="0"/>
+                <a:ea typeface="Courier New" charset="0"/>
+                <a:cs typeface="Courier New" charset="0"/>
+              </a:rPr>
+              <a:t>  </a:t>
+            </a:r>
+            <a:r>
+              <a:rPr lang="en-US" sz="1600" dirty="0" err="1" smtClean="0">
+                <a:latin typeface="Courier New" charset="0"/>
+                <a:ea typeface="Courier New" charset="0"/>
+                <a:cs typeface="Courier New" charset="0"/>
+              </a:rPr>
+              <a:t>attachLocalMedia</a:t>
+            </a:r>
+            <a:r>
+              <a:rPr lang="en-US" sz="1600" dirty="0" smtClean="0">
+                <a:latin typeface="Courier New" charset="0"/>
+                <a:ea typeface="Courier New" charset="0"/>
+                <a:cs typeface="Courier New" charset="0"/>
+              </a:rPr>
+              <a:t>()</a:t>
+            </a:r>
+            <a:br>
+              <a:rPr lang="en-US" sz="1600" dirty="0" smtClean="0">
+                <a:latin typeface="Courier New" charset="0"/>
+                <a:ea typeface="Courier New" charset="0"/>
+                <a:cs typeface="Courier New" charset="0"/>
+              </a:rPr>
+            </a:br>
+            <a:r>
+              <a:rPr lang="en-US" sz="1600" dirty="0" smtClean="0">
+                <a:latin typeface="Courier New" charset="0"/>
+                <a:ea typeface="Courier New" charset="0"/>
+                <a:cs typeface="Courier New" charset="0"/>
+              </a:rPr>
+              <a:t>  </a:t>
+            </a:r>
+            <a:r>
+              <a:rPr lang="en-US" sz="1600" dirty="0" err="1" smtClean="0">
+                <a:latin typeface="Courier New" charset="0"/>
+                <a:ea typeface="Courier New" charset="0"/>
+                <a:cs typeface="Courier New" charset="0"/>
+              </a:rPr>
+              <a:t>setRemoteDescription</a:t>
+            </a:r>
+            <a:r>
+              <a:rPr lang="en-US" sz="1600" dirty="0" smtClean="0">
+                <a:latin typeface="Courier New" charset="0"/>
+                <a:ea typeface="Courier New" charset="0"/>
+                <a:cs typeface="Courier New" charset="0"/>
+              </a:rPr>
+              <a:t>()</a:t>
+            </a:r>
+            <a:br>
+              <a:rPr lang="en-US" sz="1600" dirty="0" smtClean="0">
+                <a:latin typeface="Courier New" charset="0"/>
+                <a:ea typeface="Courier New" charset="0"/>
+                <a:cs typeface="Courier New" charset="0"/>
+              </a:rPr>
+            </a:br>
+            <a:r>
+              <a:rPr lang="en-US" sz="1600" dirty="0" smtClean="0">
+                <a:latin typeface="Courier New" charset="0"/>
+                <a:ea typeface="Courier New" charset="0"/>
+                <a:cs typeface="Courier New" charset="0"/>
+              </a:rPr>
+              <a:t>  </a:t>
+            </a:r>
+            <a:r>
+              <a:rPr lang="en-US" sz="1600" dirty="0" err="1" smtClean="0">
+                <a:latin typeface="Courier New" charset="0"/>
+                <a:ea typeface="Courier New" charset="0"/>
+                <a:cs typeface="Courier New" charset="0"/>
+              </a:rPr>
+              <a:t>createAndSendAnswer</a:t>
+            </a:r>
+            <a:r>
+              <a:rPr lang="en-US" sz="1600" dirty="0" smtClean="0">
+                <a:latin typeface="Courier New" charset="0"/>
+                <a:ea typeface="Courier New" charset="0"/>
+                <a:cs typeface="Courier New" charset="0"/>
+              </a:rPr>
+              <a:t>()</a:t>
+            </a:r>
+            <a:br>
+              <a:rPr lang="en-US" sz="1600" dirty="0" smtClean="0">
+                <a:latin typeface="Courier New" charset="0"/>
+                <a:ea typeface="Courier New" charset="0"/>
+                <a:cs typeface="Courier New" charset="0"/>
+              </a:rPr>
+            </a:br>
+            <a:r>
+              <a:rPr lang="en-US" sz="1600" dirty="0" smtClean="0">
+                <a:latin typeface="Courier New" charset="0"/>
+                <a:ea typeface="Courier New" charset="0"/>
+                <a:cs typeface="Courier New" charset="0"/>
+              </a:rPr>
+              <a:t>}</a:t>
+            </a:r>
+            <a:endParaRPr lang="en-US" sz="1600" dirty="0">
+              <a:latin typeface="Courier New" charset="0"/>
+              <a:ea typeface="Courier New" charset="0"/>
+              <a:cs typeface="Courier New" charset="0"/>
+            </a:endParaRPr>
+          </a:p>
+        </p:txBody>
+      </p:sp>
+      <p:sp>
+        <p:nvSpPr>
+          <p:cNvPr id="5" name="TextBox 4"/>
+          <p:cNvSpPr txBox="1"/>
+          <p:nvPr/>
+        </p:nvSpPr>
+        <p:spPr>
+          <a:xfrm>
+            <a:off x="1430593" y="1342707"/>
+            <a:ext cx="2225289" cy="1600438"/>
+          </a:xfrm>
+          <a:prstGeom prst="rect">
+            <a:avLst/>
+          </a:prstGeom>
+          <a:noFill/>
+        </p:spPr>
+        <p:txBody>
+          <a:bodyPr wrap="none" rtlCol="0">
+            <a:spAutoFit/>
+          </a:bodyPr>
+          <a:lstStyle/>
+          <a:p>
+            <a:r>
+              <a:rPr lang="en-US" sz="1400" dirty="0" smtClean="0">
+                <a:latin typeface="Courier New" charset="0"/>
+                <a:ea typeface="Courier New" charset="0"/>
+                <a:cs typeface="Courier New" charset="0"/>
+              </a:rPr>
+              <a:t/>
+            </a:r>
+            <a:br>
+              <a:rPr lang="en-US" sz="1400" dirty="0" smtClean="0">
+                <a:latin typeface="Courier New" charset="0"/>
+                <a:ea typeface="Courier New" charset="0"/>
+                <a:cs typeface="Courier New" charset="0"/>
+              </a:rPr>
+            </a:br>
+            <a:r>
+              <a:rPr lang="en-US" sz="1400" dirty="0" smtClean="0">
+                <a:latin typeface="Courier New" charset="0"/>
+                <a:ea typeface="Courier New" charset="0"/>
+                <a:cs typeface="Courier New" charset="0"/>
+              </a:rPr>
+              <a:t>CALL_REQUEST -&gt;</a:t>
+            </a:r>
+            <a:br>
+              <a:rPr lang="en-US" sz="1400" dirty="0" smtClean="0">
+                <a:latin typeface="Courier New" charset="0"/>
+                <a:ea typeface="Courier New" charset="0"/>
+                <a:cs typeface="Courier New" charset="0"/>
+              </a:rPr>
+            </a:br>
+            <a:r>
+              <a:rPr lang="en-US" sz="1400" dirty="0" smtClean="0">
+                <a:latin typeface="Courier New" charset="0"/>
+                <a:ea typeface="Courier New" charset="0"/>
+                <a:cs typeface="Courier New" charset="0"/>
+              </a:rPr>
+              <a:t/>
+            </a:r>
+            <a:br>
+              <a:rPr lang="en-US" sz="1400" dirty="0" smtClean="0">
+                <a:latin typeface="Courier New" charset="0"/>
+                <a:ea typeface="Courier New" charset="0"/>
+                <a:cs typeface="Courier New" charset="0"/>
+              </a:rPr>
+            </a:br>
+            <a:r>
+              <a:rPr lang="en-US" sz="1400" dirty="0" smtClean="0">
+                <a:latin typeface="Courier New" charset="0"/>
+                <a:ea typeface="Courier New" charset="0"/>
+                <a:cs typeface="Courier New" charset="0"/>
+              </a:rPr>
+              <a:t/>
+            </a:r>
+            <a:br>
+              <a:rPr lang="en-US" sz="1400" dirty="0" smtClean="0">
+                <a:latin typeface="Courier New" charset="0"/>
+                <a:ea typeface="Courier New" charset="0"/>
+                <a:cs typeface="Courier New" charset="0"/>
+              </a:rPr>
+            </a:br>
+            <a:r>
+              <a:rPr lang="en-US" sz="1400" dirty="0" smtClean="0">
+                <a:latin typeface="Courier New" charset="0"/>
+                <a:ea typeface="Courier New" charset="0"/>
+                <a:cs typeface="Courier New" charset="0"/>
+              </a:rPr>
+              <a:t/>
+            </a:r>
+            <a:br>
+              <a:rPr lang="en-US" sz="1400" dirty="0" smtClean="0">
+                <a:latin typeface="Courier New" charset="0"/>
+                <a:ea typeface="Courier New" charset="0"/>
+                <a:cs typeface="Courier New" charset="0"/>
+              </a:rPr>
+            </a:br>
+            <a:r>
+              <a:rPr lang="en-US" sz="1400" dirty="0" err="1" smtClean="0">
+                <a:latin typeface="Courier New" charset="0"/>
+                <a:ea typeface="Courier New" charset="0"/>
+                <a:cs typeface="Courier New" charset="0"/>
+              </a:rPr>
+              <a:t>CreatePeerConnector</a:t>
+            </a:r>
+            <a:r>
+              <a:rPr lang="en-US" sz="1400" dirty="0" smtClean="0">
+                <a:latin typeface="Courier New" charset="0"/>
+                <a:ea typeface="Courier New" charset="0"/>
+                <a:cs typeface="Courier New" charset="0"/>
+              </a:rPr>
+              <a:t/>
+            </a:r>
+            <a:br>
+              <a:rPr lang="en-US" sz="1400" dirty="0" smtClean="0">
+                <a:latin typeface="Courier New" charset="0"/>
+                <a:ea typeface="Courier New" charset="0"/>
+                <a:cs typeface="Courier New" charset="0"/>
+              </a:rPr>
+            </a:br>
+            <a:r>
+              <a:rPr lang="en-US" sz="1400" dirty="0" err="1" smtClean="0">
+                <a:latin typeface="Courier New" charset="0"/>
+                <a:ea typeface="Courier New" charset="0"/>
+                <a:cs typeface="Courier New" charset="0"/>
+              </a:rPr>
+              <a:t>SendOffer</a:t>
+            </a:r>
+            <a:endParaRPr lang="en-US" sz="1400" dirty="0">
+              <a:latin typeface="Courier New" charset="0"/>
+              <a:ea typeface="Courier New" charset="0"/>
+              <a:cs typeface="Courier New" charset="0"/>
+            </a:endParaRPr>
+          </a:p>
+        </p:txBody>
+      </p:sp>
+      <p:cxnSp>
+        <p:nvCxnSpPr>
+          <p:cNvPr id="7" name="Straight Arrow Connector 6"/>
+          <p:cNvCxnSpPr/>
+          <p:nvPr/>
+        </p:nvCxnSpPr>
+        <p:spPr>
+          <a:xfrm>
+            <a:off x="2703871" y="2772697"/>
+            <a:ext cx="4345857" cy="420217"/>
+          </a:xfrm>
+          <a:prstGeom prst="straightConnector1">
+            <a:avLst/>
+          </a:prstGeom>
+          <a:ln>
+            <a:tailEnd type="triangle"/>
+          </a:ln>
+        </p:spPr>
+        <p:style>
+          <a:lnRef idx="1">
+            <a:schemeClr val="accent1"/>
+          </a:lnRef>
+          <a:fillRef idx="0">
+            <a:schemeClr val="accent1"/>
+          </a:fillRef>
+          <a:effectRef idx="0">
+            <a:schemeClr val="accent1"/>
+          </a:effectRef>
+          <a:fontRef idx="minor">
+            <a:schemeClr val="tx1"/>
+          </a:fontRef>
+        </p:style>
+      </p:cxnSp>
+      <p:cxnSp>
+        <p:nvCxnSpPr>
+          <p:cNvPr id="8" name="Straight Arrow Connector 7"/>
+          <p:cNvCxnSpPr/>
+          <p:nvPr/>
+        </p:nvCxnSpPr>
+        <p:spPr>
+          <a:xfrm>
+            <a:off x="3254477" y="1835369"/>
+            <a:ext cx="3795252" cy="416218"/>
+          </a:xfrm>
+          <a:prstGeom prst="straightConnector1">
+            <a:avLst/>
+          </a:prstGeom>
+          <a:ln>
+            <a:tailEnd type="triangle"/>
+          </a:ln>
+        </p:spPr>
+        <p:style>
+          <a:lnRef idx="1">
+            <a:schemeClr val="accent1"/>
+          </a:lnRef>
+          <a:fillRef idx="0">
+            <a:schemeClr val="accent1"/>
+          </a:fillRef>
+          <a:effectRef idx="0">
+            <a:schemeClr val="accent1"/>
+          </a:effectRef>
+          <a:fontRef idx="minor">
+            <a:schemeClr val="tx1"/>
+          </a:fontRef>
+        </p:style>
+      </p:cxnSp>
+      <p:cxnSp>
+        <p:nvCxnSpPr>
+          <p:cNvPr id="15" name="Straight Arrow Connector 14"/>
+          <p:cNvCxnSpPr/>
+          <p:nvPr/>
+        </p:nvCxnSpPr>
+        <p:spPr>
+          <a:xfrm flipH="1">
+            <a:off x="3655882" y="2396268"/>
+            <a:ext cx="3393848" cy="160119"/>
+          </a:xfrm>
+          <a:prstGeom prst="straightConnector1">
+            <a:avLst/>
+          </a:prstGeom>
+          <a:ln>
+            <a:tailEnd type="triangle"/>
+          </a:ln>
+        </p:spPr>
+        <p:style>
+          <a:lnRef idx="1">
+            <a:schemeClr val="accent1"/>
+          </a:lnRef>
+          <a:fillRef idx="0">
+            <a:schemeClr val="accent1"/>
+          </a:fillRef>
+          <a:effectRef idx="0">
+            <a:schemeClr val="accent1"/>
+          </a:effectRef>
+          <a:fontRef idx="minor">
+            <a:schemeClr val="tx1"/>
+          </a:fontRef>
+        </p:style>
+      </p:cxnSp>
+      <p:cxnSp>
+        <p:nvCxnSpPr>
+          <p:cNvPr id="22" name="Straight Arrow Connector 21"/>
+          <p:cNvCxnSpPr/>
+          <p:nvPr/>
+        </p:nvCxnSpPr>
+        <p:spPr>
+          <a:xfrm flipH="1">
+            <a:off x="2989006" y="6096000"/>
+            <a:ext cx="4198375" cy="324465"/>
+          </a:xfrm>
+          <a:prstGeom prst="straightConnector1">
+            <a:avLst/>
+          </a:prstGeom>
+          <a:ln>
+            <a:tailEnd type="triangle"/>
+          </a:ln>
+        </p:spPr>
+        <p:style>
+          <a:lnRef idx="1">
+            <a:schemeClr val="accent1"/>
+          </a:lnRef>
+          <a:fillRef idx="0">
+            <a:schemeClr val="accent1"/>
+          </a:fillRef>
+          <a:effectRef idx="0">
+            <a:schemeClr val="accent1"/>
+          </a:effectRef>
+          <a:fontRef idx="minor">
+            <a:schemeClr val="tx1"/>
+          </a:fontRef>
+        </p:style>
+      </p:cxnSp>
+    </p:spTree>
+    <p:extLst>
+      <p:ext uri="{BB962C8B-B14F-4D97-AF65-F5344CB8AC3E}">
+        <p14:creationId xmlns:p14="http://schemas.microsoft.com/office/powerpoint/2010/main" val="2124077523"/>
+      </p:ext>
+    </p:extLst>
+  </p:cSld>
+  <p:clrMapOvr>
+    <a:masterClrMapping/>
+  </p:clrMapOvr>
+</p:sld>
+</file>
+
+<file path=ppt/slides/slide43.xml><?xml version="1.0" encoding="utf-8"?>
+<p:sld xmlns:a="http://schemas.openxmlformats.org/drawingml/2006/main" xmlns:r="http://schemas.openxmlformats.org/officeDocument/2006/relationships" xmlns:p="http://schemas.openxmlformats.org/presentationml/2006/main">
+  <p:cSld>
+    <p:spTree>
+      <p:nvGrpSpPr>
+        <p:cNvPr id="1" name=""/>
+        <p:cNvGrpSpPr/>
+        <p:nvPr/>
+      </p:nvGrpSpPr>
+      <p:grpSpPr>
+        <a:xfrm>
+          <a:off x="0" y="0"/>
+          <a:ext cx="0" cy="0"/>
+          <a:chOff x="0" y="0"/>
+          <a:chExt cx="0" cy="0"/>
+        </a:xfrm>
+      </p:grpSpPr>
+      <p:sp>
+        <p:nvSpPr>
+          <p:cNvPr id="2" name="Title 1"/>
+          <p:cNvSpPr>
+            <a:spLocks noGrp="1"/>
+          </p:cNvSpPr>
+          <p:nvPr>
+            <p:ph type="title"/>
+          </p:nvPr>
+        </p:nvSpPr>
+        <p:spPr/>
+        <p:txBody>
+          <a:bodyPr/>
+          <a:lstStyle/>
+          <a:p>
+            <a:r>
+              <a:rPr lang="en-US" dirty="0" smtClean="0"/>
+              <a:t>Using </a:t>
+            </a:r>
+            <a:r>
+              <a:rPr lang="en-US" dirty="0" err="1" smtClean="0"/>
+              <a:t>RTCPeerConnection</a:t>
+            </a:r>
+            <a:r>
+              <a:rPr lang="en-US" dirty="0" smtClean="0"/>
+              <a:t> objects</a:t>
+            </a:r>
+            <a:endParaRPr lang="en-US" dirty="0"/>
+          </a:p>
+        </p:txBody>
+      </p:sp>
+      <p:sp>
+        <p:nvSpPr>
+          <p:cNvPr id="4" name="TextBox 3"/>
+          <p:cNvSpPr txBox="1"/>
+          <p:nvPr/>
+        </p:nvSpPr>
+        <p:spPr>
+          <a:xfrm>
+            <a:off x="1061885" y="1690688"/>
+            <a:ext cx="5142270" cy="4247317"/>
+          </a:xfrm>
+          <a:prstGeom prst="rect">
+            <a:avLst/>
+          </a:prstGeom>
+          <a:noFill/>
+        </p:spPr>
+        <p:txBody>
+          <a:bodyPr wrap="square" rtlCol="0">
+            <a:spAutoFit/>
+          </a:bodyPr>
+          <a:lstStyle/>
+          <a:p>
+            <a:r>
+              <a:rPr lang="en-US" dirty="0" smtClean="0"/>
+              <a:t>CALLE</a:t>
+            </a:r>
+            <a:r>
+              <a:rPr lang="en-US" u="sng" dirty="0" smtClean="0"/>
+              <a:t>R</a:t>
+            </a:r>
+            <a:r>
+              <a:rPr lang="en-US" dirty="0" smtClean="0"/>
+              <a:t> </a:t>
+            </a:r>
+            <a:r>
+              <a:rPr lang="en-US" i="1" dirty="0" smtClean="0"/>
+              <a:t>(wait for </a:t>
+            </a:r>
+            <a:r>
+              <a:rPr lang="en-US" i="1" dirty="0" err="1" smtClean="0"/>
+              <a:t>getUserMedia</a:t>
+            </a:r>
+            <a:r>
+              <a:rPr lang="en-US" i="1" dirty="0" smtClean="0"/>
+              <a:t> AND THEN):</a:t>
+            </a:r>
+          </a:p>
+          <a:p>
+            <a:pPr marL="342900" indent="-342900">
+              <a:buFont typeface="+mj-lt"/>
+              <a:buAutoNum type="arabicPeriod"/>
+            </a:pPr>
+            <a:r>
+              <a:rPr lang="en-US" dirty="0" smtClean="0"/>
+              <a:t>Create a Peer Connection when call accepted</a:t>
+            </a:r>
+          </a:p>
+          <a:p>
+            <a:pPr marL="342900" indent="-342900">
+              <a:buFont typeface="+mj-lt"/>
+              <a:buAutoNum type="arabicPeriod"/>
+            </a:pPr>
+            <a:r>
+              <a:rPr lang="en-US" dirty="0" smtClean="0"/>
+              <a:t>Get local media (as you did for a video tag)</a:t>
+            </a:r>
+          </a:p>
+          <a:p>
+            <a:pPr marL="342900" indent="-342900">
+              <a:buFont typeface="+mj-lt"/>
+              <a:buAutoNum type="arabicPeriod"/>
+            </a:pPr>
+            <a:r>
+              <a:rPr lang="en-US" dirty="0" smtClean="0"/>
+              <a:t>Attach media to the Peer Connection</a:t>
+            </a:r>
+            <a:br>
+              <a:rPr lang="en-US" dirty="0" smtClean="0"/>
+            </a:br>
+            <a:r>
+              <a:rPr lang="en-US" dirty="0" smtClean="0"/>
+              <a:t/>
+            </a:r>
+            <a:br>
+              <a:rPr lang="en-US" dirty="0" smtClean="0"/>
+            </a:br>
+            <a:endParaRPr lang="en-US" dirty="0" smtClean="0"/>
+          </a:p>
+          <a:p>
+            <a:pPr marL="342900" indent="-342900">
+              <a:buFont typeface="+mj-lt"/>
+              <a:buAutoNum type="arabicPeriod"/>
+            </a:pPr>
+            <a:r>
+              <a:rPr lang="en-US" dirty="0" smtClean="0"/>
+              <a:t>Create an SDP Offer to send to the remote end</a:t>
+            </a:r>
+            <a:br>
+              <a:rPr lang="en-US" dirty="0" smtClean="0"/>
+            </a:br>
+            <a:r>
+              <a:rPr lang="en-US" dirty="0" smtClean="0"/>
+              <a:t/>
+            </a:r>
+            <a:br>
+              <a:rPr lang="en-US" dirty="0" smtClean="0"/>
+            </a:br>
+            <a:r>
+              <a:rPr lang="en-US" dirty="0" smtClean="0"/>
+              <a:t/>
+            </a:r>
+            <a:br>
+              <a:rPr lang="en-US" dirty="0" smtClean="0"/>
+            </a:br>
+            <a:r>
+              <a:rPr lang="en-US" dirty="0" smtClean="0"/>
+              <a:t/>
+            </a:r>
+            <a:br>
+              <a:rPr lang="en-US" dirty="0" smtClean="0"/>
+            </a:br>
+            <a:r>
+              <a:rPr lang="en-US" dirty="0" smtClean="0"/>
+              <a:t/>
+            </a:r>
+            <a:br>
+              <a:rPr lang="en-US" dirty="0" smtClean="0"/>
+            </a:br>
+            <a:r>
+              <a:rPr lang="en-US" dirty="0" smtClean="0"/>
+              <a:t/>
+            </a:r>
+            <a:br>
+              <a:rPr lang="en-US" dirty="0" smtClean="0"/>
+            </a:br>
+            <a:r>
+              <a:rPr lang="en-US" dirty="0" smtClean="0"/>
+              <a:t/>
+            </a:r>
+            <a:br>
+              <a:rPr lang="en-US" dirty="0" smtClean="0"/>
+            </a:br>
+            <a:endParaRPr lang="en-US" dirty="0" smtClean="0"/>
+          </a:p>
+          <a:p>
+            <a:pPr marL="342900" indent="-342900">
+              <a:buFont typeface="+mj-lt"/>
+              <a:buAutoNum type="arabicPeriod"/>
+            </a:pPr>
+            <a:r>
+              <a:rPr lang="en-US" dirty="0" smtClean="0"/>
+              <a:t>Close the Peer Connection at the end of the call</a:t>
+            </a:r>
+            <a:endParaRPr lang="en-US" dirty="0"/>
+          </a:p>
+        </p:txBody>
+      </p:sp>
+      <p:sp>
+        <p:nvSpPr>
+          <p:cNvPr id="5" name="TextBox 4"/>
+          <p:cNvSpPr txBox="1"/>
+          <p:nvPr/>
+        </p:nvSpPr>
+        <p:spPr>
+          <a:xfrm>
+            <a:off x="6327058" y="1690688"/>
+            <a:ext cx="5142270" cy="4247317"/>
+          </a:xfrm>
+          <a:prstGeom prst="rect">
+            <a:avLst/>
+          </a:prstGeom>
+          <a:noFill/>
+        </p:spPr>
+        <p:txBody>
+          <a:bodyPr wrap="square" rtlCol="0">
+            <a:spAutoFit/>
+          </a:bodyPr>
+          <a:lstStyle/>
+          <a:p>
+            <a:r>
+              <a:rPr lang="en-US" dirty="0" smtClean="0"/>
+              <a:t>CALLE</a:t>
+            </a:r>
+            <a:r>
+              <a:rPr lang="en-US" u="sng" dirty="0" smtClean="0"/>
+              <a:t>D</a:t>
+            </a:r>
+            <a:r>
+              <a:rPr lang="en-US" dirty="0" smtClean="0"/>
+              <a:t> </a:t>
+            </a:r>
+            <a:r>
+              <a:rPr lang="en-US" i="1" dirty="0"/>
+              <a:t>(wait for </a:t>
+            </a:r>
+            <a:r>
+              <a:rPr lang="en-US" i="1" dirty="0" err="1"/>
+              <a:t>getUserMedia</a:t>
+            </a:r>
+            <a:r>
+              <a:rPr lang="en-US" i="1" dirty="0"/>
+              <a:t> AND THEN</a:t>
+            </a:r>
+            <a:r>
+              <a:rPr lang="en-US" i="1" dirty="0" smtClean="0"/>
+              <a:t>)</a:t>
+            </a:r>
+            <a:r>
+              <a:rPr lang="en-US" dirty="0" smtClean="0"/>
+              <a:t>:</a:t>
+            </a:r>
+            <a:br>
+              <a:rPr lang="en-US" dirty="0" smtClean="0"/>
+            </a:br>
+            <a:r>
+              <a:rPr lang="en-US" dirty="0" smtClean="0"/>
+              <a:t/>
+            </a:r>
+            <a:br>
+              <a:rPr lang="en-US" dirty="0" smtClean="0"/>
+            </a:br>
+            <a:r>
+              <a:rPr lang="en-US" dirty="0" smtClean="0"/>
+              <a:t/>
+            </a:r>
+            <a:br>
+              <a:rPr lang="en-US" dirty="0" smtClean="0"/>
+            </a:br>
+            <a:r>
+              <a:rPr lang="en-US" dirty="0" smtClean="0"/>
+              <a:t/>
+            </a:r>
+            <a:br>
+              <a:rPr lang="en-US" dirty="0" smtClean="0"/>
+            </a:br>
+            <a:r>
+              <a:rPr lang="en-US" dirty="0" smtClean="0"/>
+              <a:t/>
+            </a:r>
+            <a:br>
+              <a:rPr lang="en-US" dirty="0" smtClean="0"/>
+            </a:br>
+            <a:r>
+              <a:rPr lang="en-US" dirty="0" smtClean="0"/>
+              <a:t/>
+            </a:r>
+            <a:br>
+              <a:rPr lang="en-US" dirty="0" smtClean="0"/>
+            </a:br>
+            <a:endParaRPr lang="en-US" dirty="0" smtClean="0"/>
+          </a:p>
+          <a:p>
+            <a:pPr marL="342900" indent="-342900">
+              <a:buFont typeface="+mj-lt"/>
+              <a:buAutoNum type="arabicPeriod"/>
+            </a:pPr>
+            <a:r>
+              <a:rPr lang="en-US" dirty="0" smtClean="0"/>
+              <a:t>Create a Peer Connection when accepting a call</a:t>
+            </a:r>
+          </a:p>
+          <a:p>
+            <a:pPr marL="342900" indent="-342900">
+              <a:buFont typeface="+mj-lt"/>
+              <a:buAutoNum type="arabicPeriod"/>
+            </a:pPr>
+            <a:r>
+              <a:rPr lang="en-US" dirty="0" smtClean="0"/>
+              <a:t>Get local media (as you did for a video tag)</a:t>
+            </a:r>
+          </a:p>
+          <a:p>
+            <a:pPr marL="342900" indent="-342900">
+              <a:buFont typeface="+mj-lt"/>
+              <a:buAutoNum type="arabicPeriod"/>
+            </a:pPr>
+            <a:r>
+              <a:rPr lang="en-US" dirty="0" smtClean="0"/>
+              <a:t>Attach media to the Peer Connection</a:t>
+            </a:r>
+          </a:p>
+          <a:p>
+            <a:pPr marL="342900" indent="-342900">
+              <a:buFont typeface="+mj-lt"/>
+              <a:buAutoNum type="arabicPeriod"/>
+            </a:pPr>
+            <a:r>
+              <a:rPr lang="en-US" dirty="0" smtClean="0"/>
+              <a:t>Wait for an SDP Offer to arrive</a:t>
+            </a:r>
+          </a:p>
+          <a:p>
+            <a:pPr marL="342900" indent="-342900">
+              <a:buFont typeface="+mj-lt"/>
+              <a:buAutoNum type="arabicPeriod"/>
+            </a:pPr>
+            <a:r>
+              <a:rPr lang="en-US" dirty="0" smtClean="0"/>
+              <a:t>Create an SDP Answer</a:t>
+            </a:r>
+            <a:br>
+              <a:rPr lang="en-US" dirty="0" smtClean="0"/>
+            </a:br>
+            <a:r>
+              <a:rPr lang="en-US" dirty="0" smtClean="0"/>
+              <a:t/>
+            </a:r>
+            <a:br>
+              <a:rPr lang="en-US" dirty="0" smtClean="0"/>
+            </a:br>
+            <a:endParaRPr lang="en-US" dirty="0" smtClean="0"/>
+          </a:p>
+          <a:p>
+            <a:pPr marL="342900" indent="-342900">
+              <a:buFont typeface="+mj-lt"/>
+              <a:buAutoNum type="arabicPeriod"/>
+            </a:pPr>
+            <a:r>
+              <a:rPr lang="en-US" dirty="0"/>
+              <a:t>Close the Peer Connection at the end of the </a:t>
+            </a:r>
+            <a:r>
+              <a:rPr lang="en-US" dirty="0" smtClean="0"/>
+              <a:t>call</a:t>
+            </a:r>
+            <a:endParaRPr lang="en-US" dirty="0"/>
+          </a:p>
+        </p:txBody>
+      </p:sp>
+      <p:cxnSp>
+        <p:nvCxnSpPr>
+          <p:cNvPr id="7" name="Straight Arrow Connector 6"/>
+          <p:cNvCxnSpPr/>
+          <p:nvPr/>
+        </p:nvCxnSpPr>
+        <p:spPr>
+          <a:xfrm>
+            <a:off x="4080387" y="3696929"/>
+            <a:ext cx="2246671" cy="117987"/>
+          </a:xfrm>
+          <a:prstGeom prst="straightConnector1">
+            <a:avLst/>
+          </a:prstGeom>
+          <a:ln>
+            <a:tailEnd type="triangle"/>
+          </a:ln>
+        </p:spPr>
+        <p:style>
+          <a:lnRef idx="1">
+            <a:schemeClr val="accent1"/>
+          </a:lnRef>
+          <a:fillRef idx="0">
+            <a:schemeClr val="accent1"/>
+          </a:fillRef>
+          <a:effectRef idx="0">
+            <a:schemeClr val="accent1"/>
+          </a:effectRef>
+          <a:fontRef idx="minor">
+            <a:schemeClr val="tx1"/>
+          </a:fontRef>
+        </p:style>
+      </p:cxnSp>
+    </p:spTree>
+    <p:extLst>
+      <p:ext uri="{BB962C8B-B14F-4D97-AF65-F5344CB8AC3E}">
+        <p14:creationId xmlns:p14="http://schemas.microsoft.com/office/powerpoint/2010/main" val="943495111"/>
+      </p:ext>
+    </p:extLst>
+  </p:cSld>
+  <p:clrMapOvr>
+    <a:masterClrMapping/>
+  </p:clrMapOvr>
+</p:sld>
+</file>
+
+<file path=ppt/slides/slide44.xml><?xml version="1.0" encoding="utf-8"?>
+<p:sld xmlns:a="http://schemas.openxmlformats.org/drawingml/2006/main" xmlns:r="http://schemas.openxmlformats.org/officeDocument/2006/relationships" xmlns:p="http://schemas.openxmlformats.org/presentationml/2006/main">
+  <p:cSld>
+    <p:spTree>
+      <p:nvGrpSpPr>
+        <p:cNvPr id="1" name=""/>
+        <p:cNvGrpSpPr/>
+        <p:nvPr/>
+      </p:nvGrpSpPr>
+      <p:grpSpPr>
+        <a:xfrm>
+          <a:off x="0" y="0"/>
+          <a:ext cx="0" cy="0"/>
+          <a:chOff x="0" y="0"/>
+          <a:chExt cx="0" cy="0"/>
+        </a:xfrm>
+      </p:grpSpPr>
+      <p:sp>
+        <p:nvSpPr>
+          <p:cNvPr id="2" name="Title 1"/>
+          <p:cNvSpPr>
+            <a:spLocks noGrp="1"/>
+          </p:cNvSpPr>
+          <p:nvPr>
+            <p:ph type="title"/>
+          </p:nvPr>
+        </p:nvSpPr>
+        <p:spPr/>
+        <p:txBody>
+          <a:bodyPr/>
+          <a:lstStyle/>
+          <a:p>
+            <a:r>
+              <a:rPr lang="en-US" dirty="0" smtClean="0"/>
+              <a:t>Creating an </a:t>
+            </a:r>
+            <a:r>
+              <a:rPr lang="en-US" dirty="0" err="1" smtClean="0"/>
+              <a:t>RTCPeerConnection</a:t>
+            </a:r>
+            <a:r>
+              <a:rPr lang="en-US" dirty="0" smtClean="0"/>
+              <a:t> </a:t>
+            </a:r>
+            <a:endParaRPr lang="en-US" dirty="0"/>
+          </a:p>
+        </p:txBody>
+      </p:sp>
+      <p:sp>
+        <p:nvSpPr>
+          <p:cNvPr id="3" name="Content Placeholder 2"/>
+          <p:cNvSpPr>
+            <a:spLocks noGrp="1"/>
+          </p:cNvSpPr>
+          <p:nvPr>
+            <p:ph idx="1"/>
+          </p:nvPr>
+        </p:nvSpPr>
+        <p:spPr/>
+        <p:txBody>
+          <a:bodyPr>
+            <a:normAutofit/>
+          </a:bodyPr>
+          <a:lstStyle/>
+          <a:p>
             <a:pPr marL="0" indent="0">
               <a:buNone/>
             </a:pPr>
             <a:r>
+              <a:rPr lang="en-US" sz="1400" dirty="0">
+                <a:latin typeface="Courier New" charset="0"/>
+                <a:ea typeface="Courier New" charset="0"/>
+                <a:cs typeface="Courier New" charset="0"/>
+              </a:rPr>
+              <a:t>// NOW get the media stream and don’t do anything else until it’s attached to the connection</a:t>
+            </a:r>
+            <a:br>
+              <a:rPr lang="en-US" sz="1400" dirty="0">
+                <a:latin typeface="Courier New" charset="0"/>
+                <a:ea typeface="Courier New" charset="0"/>
+                <a:cs typeface="Courier New" charset="0"/>
+              </a:rPr>
+            </a:br>
+            <a:r>
+              <a:rPr lang="en-US" sz="1400" dirty="0" err="1" smtClean="0">
+                <a:latin typeface="Courier New" charset="0"/>
+                <a:ea typeface="Courier New" charset="0"/>
+                <a:cs typeface="Courier New" charset="0"/>
+              </a:rPr>
+              <a:t>waitForUserMedia</a:t>
+            </a:r>
+            <a:r>
               <a:rPr lang="en-US" sz="1400" dirty="0" smtClean="0">
                 <a:latin typeface="Courier New" charset="0"/>
                 <a:ea typeface="Courier New" charset="0"/>
                 <a:cs typeface="Courier New" charset="0"/>
               </a:rPr>
-              <a:t>// NOW get the media stream and don’t do anything else until it’s attached to the connection</a:t>
+              <a:t>(options</a:t>
+            </a:r>
+            <a:r>
+              <a:rPr lang="en-US" sz="1400" dirty="0">
+                <a:latin typeface="Courier New" charset="0"/>
+                <a:ea typeface="Courier New" charset="0"/>
+                <a:cs typeface="Courier New" charset="0"/>
+              </a:rPr>
+              <a:t>).then((</a:t>
+            </a:r>
+            <a:r>
+              <a:rPr lang="en-US" sz="1400" dirty="0" err="1">
+                <a:latin typeface="Courier New" charset="0"/>
+                <a:ea typeface="Courier New" charset="0"/>
+                <a:cs typeface="Courier New" charset="0"/>
+              </a:rPr>
+              <a:t>localStream</a:t>
+            </a:r>
+            <a:r>
+              <a:rPr lang="en-US" sz="1400" dirty="0">
+                <a:latin typeface="Courier New" charset="0"/>
+                <a:ea typeface="Courier New" charset="0"/>
+                <a:cs typeface="Courier New" charset="0"/>
+              </a:rPr>
+              <a:t>) =&gt; {</a:t>
+            </a:r>
+            <a:br>
+              <a:rPr lang="en-US" sz="1400" dirty="0">
+                <a:latin typeface="Courier New" charset="0"/>
+                <a:ea typeface="Courier New" charset="0"/>
+                <a:cs typeface="Courier New" charset="0"/>
+              </a:rPr>
+            </a:br>
+            <a:r>
+              <a:rPr lang="en-US" sz="1400" dirty="0" smtClean="0">
+                <a:latin typeface="Courier New" charset="0"/>
+                <a:ea typeface="Courier New" charset="0"/>
+                <a:cs typeface="Courier New" charset="0"/>
+              </a:rPr>
+              <a:t>  </a:t>
+            </a:r>
+            <a:r>
+              <a:rPr lang="en-US" sz="1400" dirty="0" err="1" smtClean="0">
+                <a:latin typeface="Courier New" charset="0"/>
+                <a:ea typeface="Courier New" charset="0"/>
+                <a:cs typeface="Courier New" charset="0"/>
+              </a:rPr>
+              <a:t>var</a:t>
+            </a:r>
+            <a:r>
+              <a:rPr lang="en-US" sz="1400" dirty="0" smtClean="0">
+                <a:latin typeface="Courier New" charset="0"/>
+                <a:ea typeface="Courier New" charset="0"/>
+                <a:cs typeface="Courier New" charset="0"/>
+              </a:rPr>
+              <a:t> </a:t>
+            </a:r>
+            <a:r>
+              <a:rPr lang="en-US" sz="1400" dirty="0">
+                <a:latin typeface="Courier New" charset="0"/>
+                <a:ea typeface="Courier New" charset="0"/>
+                <a:cs typeface="Courier New" charset="0"/>
+              </a:rPr>
+              <a:t>pc = new </a:t>
+            </a:r>
+            <a:r>
+              <a:rPr lang="en-US" sz="1400" dirty="0" err="1">
+                <a:latin typeface="Courier New" charset="0"/>
+                <a:ea typeface="Courier New" charset="0"/>
+                <a:cs typeface="Courier New" charset="0"/>
+              </a:rPr>
+              <a:t>RTCPeerConnection</a:t>
+            </a:r>
+            <a:r>
+              <a:rPr lang="en-US" sz="1400" dirty="0">
+                <a:latin typeface="Courier New" charset="0"/>
+                <a:ea typeface="Courier New" charset="0"/>
+                <a:cs typeface="Courier New" charset="0"/>
+              </a:rPr>
+              <a:t>;</a:t>
+            </a:r>
+            <a:br>
+              <a:rPr lang="en-US" sz="1400" dirty="0">
+                <a:latin typeface="Courier New" charset="0"/>
+                <a:ea typeface="Courier New" charset="0"/>
+                <a:cs typeface="Courier New" charset="0"/>
+              </a:rPr>
+            </a:br>
+            <a:r>
+              <a:rPr lang="en-US" sz="1400" dirty="0">
+                <a:latin typeface="Courier New" charset="0"/>
+                <a:ea typeface="Courier New" charset="0"/>
+                <a:cs typeface="Courier New" charset="0"/>
+              </a:rPr>
+              <a:t/>
+            </a:r>
+            <a:br>
+              <a:rPr lang="en-US" sz="1400" dirty="0">
+                <a:latin typeface="Courier New" charset="0"/>
+                <a:ea typeface="Courier New" charset="0"/>
+                <a:cs typeface="Courier New" charset="0"/>
+              </a:rPr>
+            </a:br>
+            <a:r>
+              <a:rPr lang="en-US" sz="1400" dirty="0" smtClean="0">
+                <a:latin typeface="Courier New" charset="0"/>
+                <a:ea typeface="Courier New" charset="0"/>
+                <a:cs typeface="Courier New" charset="0"/>
+              </a:rPr>
+              <a:t>  </a:t>
+            </a:r>
+            <a:r>
+              <a:rPr lang="en-US" sz="1400" dirty="0" err="1" smtClean="0">
+                <a:latin typeface="Courier New" charset="0"/>
+                <a:ea typeface="Courier New" charset="0"/>
+                <a:cs typeface="Courier New" charset="0"/>
+              </a:rPr>
+              <a:t>pc.onicecandidate</a:t>
+            </a:r>
+            <a:r>
+              <a:rPr lang="en-US" sz="1400" dirty="0" smtClean="0">
+                <a:latin typeface="Courier New" charset="0"/>
+                <a:ea typeface="Courier New" charset="0"/>
+                <a:cs typeface="Courier New" charset="0"/>
+              </a:rPr>
+              <a:t> </a:t>
+            </a:r>
+            <a:r>
+              <a:rPr lang="en-US" sz="1400" dirty="0">
+                <a:latin typeface="Courier New" charset="0"/>
+                <a:ea typeface="Courier New" charset="0"/>
+                <a:cs typeface="Courier New" charset="0"/>
+              </a:rPr>
+              <a:t>= (</a:t>
+            </a:r>
+            <a:r>
+              <a:rPr lang="en-US" sz="1400" dirty="0" err="1">
+                <a:latin typeface="Courier New" charset="0"/>
+                <a:ea typeface="Courier New" charset="0"/>
+                <a:cs typeface="Courier New" charset="0"/>
+              </a:rPr>
+              <a:t>ev</a:t>
+            </a:r>
+            <a:r>
+              <a:rPr lang="en-US" sz="1400" dirty="0">
+                <a:latin typeface="Courier New" charset="0"/>
+                <a:ea typeface="Courier New" charset="0"/>
+                <a:cs typeface="Courier New" charset="0"/>
+              </a:rPr>
+              <a:t>) =&gt; {</a:t>
+            </a:r>
+            <a:br>
+              <a:rPr lang="en-US" sz="1400" dirty="0">
+                <a:latin typeface="Courier New" charset="0"/>
+                <a:ea typeface="Courier New" charset="0"/>
+                <a:cs typeface="Courier New" charset="0"/>
+              </a:rPr>
+            </a:br>
+            <a:r>
+              <a:rPr lang="en-US" sz="1400" dirty="0" smtClean="0">
+                <a:latin typeface="Courier New" charset="0"/>
+                <a:ea typeface="Courier New" charset="0"/>
+                <a:cs typeface="Courier New" charset="0"/>
+              </a:rPr>
+              <a:t>    </a:t>
+            </a:r>
+            <a:r>
+              <a:rPr lang="en-US" sz="1400" dirty="0">
+                <a:latin typeface="Courier New" charset="0"/>
+                <a:ea typeface="Courier New" charset="0"/>
+                <a:cs typeface="Courier New" charset="0"/>
+              </a:rPr>
+              <a:t>// Send to REMOTE end point</a:t>
+            </a:r>
+            <a:br>
+              <a:rPr lang="en-US" sz="1400" dirty="0">
+                <a:latin typeface="Courier New" charset="0"/>
+                <a:ea typeface="Courier New" charset="0"/>
+                <a:cs typeface="Courier New" charset="0"/>
+              </a:rPr>
+            </a:br>
+            <a:r>
+              <a:rPr lang="en-US" sz="1400" dirty="0" smtClean="0">
+                <a:latin typeface="Courier New" charset="0"/>
+                <a:ea typeface="Courier New" charset="0"/>
+                <a:cs typeface="Courier New" charset="0"/>
+              </a:rPr>
+              <a:t>  }</a:t>
+            </a:r>
+            <a:r>
+              <a:rPr lang="en-GB" sz="1400" dirty="0">
+                <a:latin typeface="Courier New" charset="0"/>
+                <a:ea typeface="Courier New" charset="0"/>
+                <a:cs typeface="Courier New" charset="0"/>
+              </a:rPr>
+              <a:t/>
+            </a:r>
+            <a:br>
+              <a:rPr lang="en-GB" sz="1400" dirty="0">
+                <a:latin typeface="Courier New" charset="0"/>
+                <a:ea typeface="Courier New" charset="0"/>
+                <a:cs typeface="Courier New" charset="0"/>
+              </a:rPr>
+            </a:br>
+            <a:r>
+              <a:rPr lang="en-GB" sz="1400" dirty="0" smtClean="0">
+                <a:latin typeface="Courier New" charset="0"/>
+                <a:ea typeface="Courier New" charset="0"/>
+                <a:cs typeface="Courier New" charset="0"/>
+              </a:rPr>
+              <a:t>  pc.</a:t>
+            </a:r>
+            <a:r>
+              <a:rPr lang="en-US" sz="1400" dirty="0" err="1">
+                <a:latin typeface="Courier New" charset="0"/>
+                <a:ea typeface="Courier New" charset="0"/>
+                <a:cs typeface="Courier New" charset="0"/>
+              </a:rPr>
+              <a:t>onaddstream</a:t>
+            </a:r>
+            <a:r>
+              <a:rPr lang="en-US" sz="1400" dirty="0">
+                <a:latin typeface="Courier New" charset="0"/>
+                <a:ea typeface="Courier New" charset="0"/>
+                <a:cs typeface="Courier New" charset="0"/>
+              </a:rPr>
+              <a:t> = (</a:t>
+            </a:r>
+            <a:r>
+              <a:rPr lang="en-US" sz="1400" dirty="0" err="1">
+                <a:latin typeface="Courier New" charset="0"/>
+                <a:ea typeface="Courier New" charset="0"/>
+                <a:cs typeface="Courier New" charset="0"/>
+              </a:rPr>
+              <a:t>remoteStream</a:t>
+            </a:r>
+            <a:r>
+              <a:rPr lang="en-US" sz="1400" dirty="0">
+                <a:latin typeface="Courier New" charset="0"/>
+                <a:ea typeface="Courier New" charset="0"/>
+                <a:cs typeface="Courier New" charset="0"/>
+              </a:rPr>
+              <a:t>) =&gt; {</a:t>
+            </a:r>
+            <a:br>
+              <a:rPr lang="en-US" sz="1400" dirty="0">
+                <a:latin typeface="Courier New" charset="0"/>
+                <a:ea typeface="Courier New" charset="0"/>
+                <a:cs typeface="Courier New" charset="0"/>
+              </a:rPr>
+            </a:br>
+            <a:r>
+              <a:rPr lang="en-US" sz="1400" dirty="0">
+                <a:latin typeface="Courier New" charset="0"/>
+                <a:ea typeface="Courier New" charset="0"/>
+                <a:cs typeface="Courier New" charset="0"/>
+              </a:rPr>
+              <a:t>  </a:t>
+            </a:r>
+            <a:r>
+              <a:rPr lang="en-US" sz="1400" dirty="0" smtClean="0">
+                <a:latin typeface="Courier New" charset="0"/>
+                <a:ea typeface="Courier New" charset="0"/>
+                <a:cs typeface="Courier New" charset="0"/>
+              </a:rPr>
+              <a:t>  // </a:t>
+            </a:r>
+            <a:r>
+              <a:rPr lang="en-US" sz="1400" dirty="0">
+                <a:latin typeface="Courier New" charset="0"/>
+                <a:ea typeface="Courier New" charset="0"/>
+                <a:cs typeface="Courier New" charset="0"/>
+              </a:rPr>
+              <a:t>Attach this stream to the &lt;video&gt; </a:t>
+            </a:r>
+            <a:r>
+              <a:rPr lang="en-US" sz="1400" dirty="0" smtClean="0">
+                <a:latin typeface="Courier New" charset="0"/>
+                <a:ea typeface="Courier New" charset="0"/>
+                <a:cs typeface="Courier New" charset="0"/>
+              </a:rPr>
+              <a:t>tag</a:t>
             </a:r>
             <a:br>
               <a:rPr lang="en-US" sz="1400" dirty="0" smtClean="0">
@@ -15721,173 +17578,142 @@
               </a:rPr>
             </a:br>
             <a:r>
-              <a:rPr lang="en-US" sz="1400" dirty="0" err="1" smtClean="0">
-                <a:latin typeface="Courier New" charset="0"/>
-                <a:ea typeface="Courier New" charset="0"/>
-                <a:cs typeface="Courier New" charset="0"/>
-              </a:rPr>
-              <a:t>getUserMedia</a:t>
-            </a:r>
-            <a:r>
               <a:rPr lang="en-US" sz="1400" dirty="0" smtClean="0">
                 <a:latin typeface="Courier New" charset="0"/>
                 <a:ea typeface="Courier New" charset="0"/>
                 <a:cs typeface="Courier New" charset="0"/>
               </a:rPr>
-              <a:t>(options).then((</a:t>
-            </a:r>
-            <a:r>
-              <a:rPr lang="en-US" sz="1400" dirty="0" err="1" smtClean="0">
-                <a:latin typeface="Courier New" charset="0"/>
-                <a:ea typeface="Courier New" charset="0"/>
-                <a:cs typeface="Courier New" charset="0"/>
-              </a:rPr>
-              <a:t>localStream</a:t>
-            </a:r>
-            <a:r>
-              <a:rPr lang="en-US" sz="1400" dirty="0" smtClean="0">
-                <a:latin typeface="Courier New" charset="0"/>
-                <a:ea typeface="Courier New" charset="0"/>
-                <a:cs typeface="Courier New" charset="0"/>
-              </a:rPr>
-              <a:t>) =&gt; {</a:t>
-            </a:r>
-            <a:br>
-              <a:rPr lang="en-US" sz="1400" dirty="0" smtClean="0">
-                <a:latin typeface="Courier New" charset="0"/>
-                <a:ea typeface="Courier New" charset="0"/>
-                <a:cs typeface="Courier New" charset="0"/>
-              </a:rPr>
-            </a:br>
-            <a:r>
-              <a:rPr lang="en-US" sz="1400" dirty="0" smtClean="0">
-                <a:latin typeface="Courier New" charset="0"/>
-                <a:ea typeface="Courier New" charset="0"/>
-                <a:cs typeface="Courier New" charset="0"/>
-              </a:rPr>
-              <a:t>  // Got the LOCAL stream. Add it the the peer connection</a:t>
-            </a:r>
-            <a:r>
-              <a:rPr lang="mr-IN" sz="1400" dirty="0" smtClean="0">
-                <a:latin typeface="Courier New" charset="0"/>
-                <a:ea typeface="Courier New" charset="0"/>
-                <a:cs typeface="Courier New" charset="0"/>
-              </a:rPr>
-              <a:t>…</a:t>
-            </a:r>
-            <a:r>
-              <a:rPr lang="en-GB" sz="1400" dirty="0" smtClean="0">
-                <a:latin typeface="Courier New" charset="0"/>
-                <a:ea typeface="Courier New" charset="0"/>
-                <a:cs typeface="Courier New" charset="0"/>
-              </a:rPr>
-              <a:t/>
-            </a:r>
-            <a:br>
-              <a:rPr lang="en-GB" sz="1400" dirty="0" smtClean="0">
-                <a:latin typeface="Courier New" charset="0"/>
-                <a:ea typeface="Courier New" charset="0"/>
-                <a:cs typeface="Courier New" charset="0"/>
-              </a:rPr>
-            </a:br>
-            <a:r>
-              <a:rPr lang="en-GB" sz="1400" dirty="0" smtClean="0">
-                <a:latin typeface="Courier New" charset="0"/>
-                <a:ea typeface="Courier New" charset="0"/>
-                <a:cs typeface="Courier New" charset="0"/>
-              </a:rPr>
-              <a:t>  </a:t>
-            </a:r>
-            <a:r>
-              <a:rPr lang="en-GB" sz="1400" dirty="0" err="1" smtClean="0">
-                <a:latin typeface="Courier New" charset="0"/>
-                <a:ea typeface="Courier New" charset="0"/>
-                <a:cs typeface="Courier New" charset="0"/>
-              </a:rPr>
-              <a:t>pc.addStream</a:t>
-            </a:r>
-            <a:r>
-              <a:rPr lang="en-GB" sz="1400" dirty="0" smtClean="0">
-                <a:latin typeface="Courier New" charset="0"/>
-                <a:ea typeface="Courier New" charset="0"/>
-                <a:cs typeface="Courier New" charset="0"/>
-              </a:rPr>
-              <a:t>(</a:t>
-            </a:r>
-            <a:r>
-              <a:rPr lang="en-GB" sz="1400" dirty="0" err="1" smtClean="0">
-                <a:latin typeface="Courier New" charset="0"/>
-                <a:ea typeface="Courier New" charset="0"/>
-                <a:cs typeface="Courier New" charset="0"/>
-              </a:rPr>
-              <a:t>localStream</a:t>
-            </a:r>
-            <a:r>
-              <a:rPr lang="en-GB" sz="1400" dirty="0" smtClean="0">
-                <a:latin typeface="Courier New" charset="0"/>
-                <a:ea typeface="Courier New" charset="0"/>
-                <a:cs typeface="Courier New" charset="0"/>
-              </a:rPr>
-              <a:t>);</a:t>
-            </a:r>
-            <a:br>
-              <a:rPr lang="en-GB" sz="1400" dirty="0" smtClean="0">
-                <a:latin typeface="Courier New" charset="0"/>
-                <a:ea typeface="Courier New" charset="0"/>
-                <a:cs typeface="Courier New" charset="0"/>
-              </a:rPr>
-            </a:br>
-            <a:r>
-              <a:rPr lang="en-GB" sz="1400" dirty="0" smtClean="0">
-                <a:latin typeface="Courier New" charset="0"/>
-                <a:ea typeface="Courier New" charset="0"/>
-                <a:cs typeface="Courier New" charset="0"/>
-              </a:rPr>
-              <a:t/>
-            </a:r>
-            <a:br>
-              <a:rPr lang="en-GB" sz="1400" dirty="0" smtClean="0">
-                <a:latin typeface="Courier New" charset="0"/>
-                <a:ea typeface="Courier New" charset="0"/>
-                <a:cs typeface="Courier New" charset="0"/>
-              </a:rPr>
-            </a:br>
-            <a:r>
-              <a:rPr lang="en-GB" sz="1400" dirty="0" smtClean="0">
-                <a:latin typeface="Courier New" charset="0"/>
-                <a:ea typeface="Courier New" charset="0"/>
-                <a:cs typeface="Courier New" charset="0"/>
-              </a:rPr>
-              <a:t>  // And attach it to the local &lt;video&gt; tag thumbnail</a:t>
-            </a:r>
-            <a:r>
-              <a:rPr lang="en-US" sz="1400" dirty="0" smtClean="0">
-                <a:latin typeface="Courier New" charset="0"/>
-                <a:ea typeface="Courier New" charset="0"/>
-                <a:cs typeface="Courier New" charset="0"/>
-              </a:rPr>
-              <a:t/>
-            </a:r>
-            <a:br>
-              <a:rPr lang="en-US" sz="1400" dirty="0" smtClean="0">
-                <a:latin typeface="Courier New" charset="0"/>
-                <a:ea typeface="Courier New" charset="0"/>
-                <a:cs typeface="Courier New" charset="0"/>
-              </a:rPr>
-            </a:br>
-            <a:r>
-              <a:rPr lang="en-US" sz="1400" dirty="0" smtClean="0">
-                <a:latin typeface="Courier New" charset="0"/>
-                <a:ea typeface="Courier New" charset="0"/>
-                <a:cs typeface="Courier New" charset="0"/>
-              </a:rPr>
-              <a:t>});</a:t>
-            </a:r>
+              <a:t>  }</a:t>
+            </a:r>
+            <a:endParaRPr lang="en-US" sz="1400" dirty="0">
+              <a:latin typeface="Courier New" charset="0"/>
+              <a:ea typeface="Courier New" charset="0"/>
+              <a:cs typeface="Courier New" charset="0"/>
+            </a:endParaRPr>
           </a:p>
           <a:p>
             <a:pPr marL="0" indent="0">
               <a:buNone/>
             </a:pPr>
+            <a:r>
+              <a:rPr lang="en-US" sz="1400" dirty="0" smtClean="0">
+                <a:latin typeface="Courier New" charset="0"/>
+                <a:ea typeface="Courier New" charset="0"/>
+                <a:cs typeface="Courier New" charset="0"/>
+              </a:rPr>
+              <a:t>  </a:t>
+            </a:r>
+            <a:r>
+              <a:rPr lang="en-US" sz="1400" dirty="0">
+                <a:latin typeface="Courier New" charset="0"/>
+                <a:ea typeface="Courier New" charset="0"/>
+                <a:cs typeface="Courier New" charset="0"/>
+              </a:rPr>
+              <a:t>// Got the LOCAL stream. Add it the the peer connection</a:t>
+            </a:r>
+            <a:r>
+              <a:rPr lang="mr-IN" sz="1400" dirty="0">
+                <a:latin typeface="Courier New" charset="0"/>
+                <a:ea typeface="Courier New" charset="0"/>
+                <a:cs typeface="Courier New" charset="0"/>
+              </a:rPr>
+              <a:t>…</a:t>
+            </a:r>
+            <a:r>
+              <a:rPr lang="en-GB" sz="1400" dirty="0">
+                <a:latin typeface="Courier New" charset="0"/>
+                <a:ea typeface="Courier New" charset="0"/>
+                <a:cs typeface="Courier New" charset="0"/>
+              </a:rPr>
+              <a:t/>
+            </a:r>
+            <a:br>
+              <a:rPr lang="en-GB" sz="1400" dirty="0">
+                <a:latin typeface="Courier New" charset="0"/>
+                <a:ea typeface="Courier New" charset="0"/>
+                <a:cs typeface="Courier New" charset="0"/>
+              </a:rPr>
+            </a:br>
+            <a:r>
+              <a:rPr lang="en-GB" sz="1400" dirty="0">
+                <a:latin typeface="Courier New" charset="0"/>
+                <a:ea typeface="Courier New" charset="0"/>
+                <a:cs typeface="Courier New" charset="0"/>
+              </a:rPr>
+              <a:t>  </a:t>
+            </a:r>
+            <a:r>
+              <a:rPr lang="en-GB" sz="1400" dirty="0" err="1">
+                <a:latin typeface="Courier New" charset="0"/>
+                <a:ea typeface="Courier New" charset="0"/>
+                <a:cs typeface="Courier New" charset="0"/>
+              </a:rPr>
+              <a:t>pc.addStream</a:t>
+            </a:r>
+            <a:r>
+              <a:rPr lang="en-GB" sz="1400" dirty="0">
+                <a:latin typeface="Courier New" charset="0"/>
+                <a:ea typeface="Courier New" charset="0"/>
+                <a:cs typeface="Courier New" charset="0"/>
+              </a:rPr>
+              <a:t>(</a:t>
+            </a:r>
+            <a:r>
+              <a:rPr lang="en-GB" sz="1400" dirty="0" err="1">
+                <a:latin typeface="Courier New" charset="0"/>
+                <a:ea typeface="Courier New" charset="0"/>
+                <a:cs typeface="Courier New" charset="0"/>
+              </a:rPr>
+              <a:t>localStream</a:t>
+            </a:r>
+            <a:r>
+              <a:rPr lang="en-GB" sz="1400" dirty="0">
+                <a:latin typeface="Courier New" charset="0"/>
+                <a:ea typeface="Courier New" charset="0"/>
+                <a:cs typeface="Courier New" charset="0"/>
+              </a:rPr>
+              <a:t>);</a:t>
+            </a:r>
+            <a:br>
+              <a:rPr lang="en-GB" sz="1400" dirty="0">
+                <a:latin typeface="Courier New" charset="0"/>
+                <a:ea typeface="Courier New" charset="0"/>
+                <a:cs typeface="Courier New" charset="0"/>
+              </a:rPr>
+            </a:br>
+            <a:r>
+              <a:rPr lang="en-US" sz="1400" dirty="0" smtClean="0">
+                <a:latin typeface="Courier New" charset="0"/>
+                <a:ea typeface="Courier New" charset="0"/>
+                <a:cs typeface="Courier New" charset="0"/>
+              </a:rPr>
+              <a:t>});</a:t>
+            </a:r>
+            <a:endParaRPr lang="en-US" sz="1400" dirty="0">
+              <a:latin typeface="Courier New" charset="0"/>
+              <a:ea typeface="Courier New" charset="0"/>
+              <a:cs typeface="Courier New" charset="0"/>
+            </a:endParaRPr>
+          </a:p>
+          <a:p>
+            <a:pPr marL="0" indent="0">
+              <a:buNone/>
+            </a:pPr>
+            <a:r>
+              <a:rPr lang="en-US" sz="1400" dirty="0" smtClean="0">
+                <a:latin typeface="Courier New" charset="0"/>
+                <a:ea typeface="Courier New" charset="0"/>
+                <a:cs typeface="Courier New" charset="0"/>
+              </a:rPr>
+              <a:t/>
+            </a:r>
+            <a:br>
+              <a:rPr lang="en-US" sz="1400" dirty="0" smtClean="0">
+                <a:latin typeface="Courier New" charset="0"/>
+                <a:ea typeface="Courier New" charset="0"/>
+                <a:cs typeface="Courier New" charset="0"/>
+              </a:rPr>
+            </a:br>
             <a:endParaRPr lang="en-US" sz="1400" dirty="0">
               <a:latin typeface="Courier New" charset="0"/>
               <a:ea typeface="Courier New" charset="0"/>
@@ -15909,7 +17735,175 @@
 </p:sld>
 </file>
 
-<file path=ppt/slides/slide41.xml><?xml version="1.0" encoding="utf-8"?>
+<file path=ppt/slides/slide45.xml><?xml version="1.0" encoding="utf-8"?>
+<p:sld xmlns:a="http://schemas.openxmlformats.org/drawingml/2006/main" xmlns:r="http://schemas.openxmlformats.org/officeDocument/2006/relationships" xmlns:p="http://schemas.openxmlformats.org/presentationml/2006/main">
+  <p:cSld>
+    <p:spTree>
+      <p:nvGrpSpPr>
+        <p:cNvPr id="1" name=""/>
+        <p:cNvGrpSpPr/>
+        <p:nvPr/>
+      </p:nvGrpSpPr>
+      <p:grpSpPr>
+        <a:xfrm>
+          <a:off x="0" y="0"/>
+          <a:ext cx="0" cy="0"/>
+          <a:chOff x="0" y="0"/>
+          <a:chExt cx="0" cy="0"/>
+        </a:xfrm>
+      </p:grpSpPr>
+      <p:sp>
+        <p:nvSpPr>
+          <p:cNvPr id="2" name="Title 1"/>
+          <p:cNvSpPr>
+            <a:spLocks noGrp="1"/>
+          </p:cNvSpPr>
+          <p:nvPr>
+            <p:ph type="title"/>
+          </p:nvPr>
+        </p:nvSpPr>
+        <p:spPr/>
+        <p:txBody>
+          <a:bodyPr/>
+          <a:lstStyle/>
+          <a:p>
+            <a:r>
+              <a:rPr lang="en-US" dirty="0" smtClean="0"/>
+              <a:t>Connecting video to the call</a:t>
+            </a:r>
+            <a:endParaRPr lang="en-US" dirty="0"/>
+          </a:p>
+        </p:txBody>
+      </p:sp>
+      <p:sp>
+        <p:nvSpPr>
+          <p:cNvPr id="3" name="Content Placeholder 2"/>
+          <p:cNvSpPr>
+            <a:spLocks noGrp="1"/>
+          </p:cNvSpPr>
+          <p:nvPr>
+            <p:ph idx="1"/>
+          </p:nvPr>
+        </p:nvSpPr>
+        <p:spPr/>
+        <p:txBody>
+          <a:bodyPr/>
+          <a:lstStyle/>
+          <a:p>
+            <a:r>
+              <a:rPr lang="en-US" dirty="0" smtClean="0"/>
+              <a:t>Similar to ‘</a:t>
+            </a:r>
+            <a:r>
+              <a:rPr lang="en-US" dirty="0" err="1" smtClean="0"/>
+              <a:t>getUserMedia</a:t>
+            </a:r>
+            <a:r>
+              <a:rPr lang="en-US" dirty="0" smtClean="0"/>
+              <a:t>’ </a:t>
+            </a:r>
+            <a:r>
+              <a:rPr lang="en-US" i="1" dirty="0" smtClean="0"/>
+              <a:t>and then</a:t>
+            </a:r>
+            <a:r>
+              <a:rPr lang="en-US" dirty="0" smtClean="0"/>
+              <a:t> attach to &lt;video&gt; tag</a:t>
+            </a:r>
+          </a:p>
+          <a:p>
+            <a:r>
+              <a:rPr lang="en-US" dirty="0" smtClean="0"/>
+              <a:t>Instead ’</a:t>
+            </a:r>
+            <a:r>
+              <a:rPr lang="en-US" dirty="0" err="1" smtClean="0"/>
+              <a:t>getUserMedia</a:t>
+            </a:r>
+            <a:r>
+              <a:rPr lang="en-US" dirty="0" smtClean="0"/>
+              <a:t>’ </a:t>
+            </a:r>
+            <a:r>
+              <a:rPr lang="en-US" i="1" dirty="0" smtClean="0"/>
+              <a:t>and then</a:t>
+            </a:r>
+            <a:r>
+              <a:rPr lang="en-US" dirty="0" smtClean="0"/>
+              <a:t> attach to Peer Connection</a:t>
+            </a:r>
+          </a:p>
+          <a:p>
+            <a:r>
+              <a:rPr lang="en-US" dirty="0" smtClean="0"/>
+              <a:t>To do this </a:t>
+            </a:r>
+            <a:r>
+              <a:rPr lang="mr-IN" dirty="0" smtClean="0"/>
+              <a:t>–</a:t>
+            </a:r>
+            <a:r>
+              <a:rPr lang="en-US" dirty="0" smtClean="0"/>
+              <a:t> we need a Peer Connection:</a:t>
+            </a:r>
+          </a:p>
+          <a:p>
+            <a:pPr lvl="1"/>
+            <a:r>
+              <a:rPr lang="en-US" dirty="0" smtClean="0"/>
+              <a:t>Caller: create Peer Connection when call is accepted</a:t>
+            </a:r>
+          </a:p>
+          <a:p>
+            <a:pPr lvl="1"/>
+            <a:r>
+              <a:rPr lang="en-US" dirty="0" smtClean="0"/>
+              <a:t>Called: create Peer Connection when accepting a call</a:t>
+            </a:r>
+          </a:p>
+          <a:p>
+            <a:pPr lvl="1"/>
+            <a:endParaRPr lang="en-US" dirty="0"/>
+          </a:p>
+          <a:p>
+            <a:pPr lvl="1"/>
+            <a:endParaRPr lang="en-US" dirty="0" smtClean="0"/>
+          </a:p>
+          <a:p>
+            <a:pPr lvl="1"/>
+            <a:endParaRPr lang="en-US" dirty="0"/>
+          </a:p>
+          <a:p>
+            <a:pPr marL="457200" lvl="1" indent="0" algn="ctr">
+              <a:buNone/>
+            </a:pPr>
+            <a:r>
+              <a:rPr lang="en-US" dirty="0">
+                <a:hlinkClick r:id="rId2"/>
+              </a:rPr>
+              <a:t>https://www.html5rocks.com/en/tutorials/webrtc/infrastructure/</a:t>
+            </a:r>
+            <a:endParaRPr lang="en-US" dirty="0" smtClean="0"/>
+          </a:p>
+          <a:p>
+            <a:endParaRPr lang="en-US" dirty="0"/>
+          </a:p>
+        </p:txBody>
+      </p:sp>
+    </p:spTree>
+    <p:extLst>
+      <p:ext uri="{BB962C8B-B14F-4D97-AF65-F5344CB8AC3E}">
+        <p14:creationId xmlns:p14="http://schemas.microsoft.com/office/powerpoint/2010/main" val="1511586448"/>
+      </p:ext>
+    </p:extLst>
+  </p:cSld>
+  <p:clrMapOvr>
+    <a:masterClrMapping/>
+  </p:clrMapOvr>
+</p:sld>
+</file>
+
+<file path=ppt/slides/slide46.xml><?xml version="1.0" encoding="utf-8"?>
 <p:sld xmlns:a="http://schemas.openxmlformats.org/drawingml/2006/main" xmlns:r="http://schemas.openxmlformats.org/officeDocument/2006/relationships" xmlns:p="http://schemas.openxmlformats.org/presentationml/2006/main">
   <p:cSld>
     <p:spTree>
@@ -16557,7 +18551,7 @@
 </p:sld>
 </file>
 
-<file path=ppt/slides/slide42.xml><?xml version="1.0" encoding="utf-8"?>
+<file path=ppt/slides/slide47.xml><?xml version="1.0" encoding="utf-8"?>
 <p:sld xmlns:a="http://schemas.openxmlformats.org/drawingml/2006/main" xmlns:r="http://schemas.openxmlformats.org/officeDocument/2006/relationships" xmlns:p="http://schemas.openxmlformats.org/presentationml/2006/main">
   <p:cSld>
     <p:spTree>
@@ -17031,1955 +19025,6 @@
   <p:clrMapOvr>
     <a:masterClrMapping/>
   </p:clrMapOvr>
-  <p:timing>
-    <p:tnLst>
-      <p:par>
-        <p:cTn id="1" dur="indefinite" restart="never" nodeType="tmRoot"/>
-      </p:par>
-    </p:tnLst>
-  </p:timing>
-</p:sld>
-</file>
-
-<file path=ppt/slides/slide43.xml><?xml version="1.0" encoding="utf-8"?>
-<p:sld xmlns:a="http://schemas.openxmlformats.org/drawingml/2006/main" xmlns:r="http://schemas.openxmlformats.org/officeDocument/2006/relationships" xmlns:p="http://schemas.openxmlformats.org/presentationml/2006/main">
-  <p:cSld>
-    <p:spTree>
-      <p:nvGrpSpPr>
-        <p:cNvPr id="1" name=""/>
-        <p:cNvGrpSpPr/>
-        <p:nvPr/>
-      </p:nvGrpSpPr>
-      <p:grpSpPr>
-        <a:xfrm>
-          <a:off x="0" y="0"/>
-          <a:ext cx="0" cy="0"/>
-          <a:chOff x="0" y="0"/>
-          <a:chExt cx="0" cy="0"/>
-        </a:xfrm>
-      </p:grpSpPr>
-      <p:sp>
-        <p:nvSpPr>
-          <p:cNvPr id="2" name="Title 1"/>
-          <p:cNvSpPr>
-            <a:spLocks noGrp="1"/>
-          </p:cNvSpPr>
-          <p:nvPr>
-            <p:ph type="title"/>
-          </p:nvPr>
-        </p:nvSpPr>
-        <p:spPr/>
-        <p:txBody>
-          <a:bodyPr/>
-          <a:lstStyle/>
-          <a:p>
-            <a:r>
-              <a:rPr lang="en-US" dirty="0"/>
-              <a:t>4. </a:t>
-            </a:r>
-            <a:r>
-              <a:rPr lang="en-US" dirty="0" err="1" smtClean="0"/>
-              <a:t>Signalling</a:t>
-            </a:r>
-            <a:r>
-              <a:rPr lang="en-US" dirty="0" smtClean="0"/>
-              <a:t> </a:t>
-            </a:r>
-            <a:r>
-              <a:rPr lang="en-US" dirty="0"/>
-              <a:t>across a </a:t>
-            </a:r>
-            <a:r>
-              <a:rPr lang="en-US" dirty="0" smtClean="0"/>
-              <a:t>network (2)</a:t>
-            </a:r>
-            <a:endParaRPr lang="en-US" dirty="0"/>
-          </a:p>
-        </p:txBody>
-      </p:sp>
-      <p:sp>
-        <p:nvSpPr>
-          <p:cNvPr id="3" name="Content Placeholder 2"/>
-          <p:cNvSpPr>
-            <a:spLocks noGrp="1"/>
-          </p:cNvSpPr>
-          <p:nvPr>
-            <p:ph idx="1"/>
-          </p:nvPr>
-        </p:nvSpPr>
-        <p:spPr/>
-        <p:txBody>
-          <a:bodyPr/>
-          <a:lstStyle/>
-          <a:p>
-            <a:r>
-              <a:rPr lang="en-US" dirty="0" smtClean="0"/>
-              <a:t>If you’ve implemented part 3 well then</a:t>
-            </a:r>
-          </a:p>
-          <a:p>
-            <a:pPr lvl="1"/>
-            <a:r>
-              <a:rPr lang="en-US" dirty="0" smtClean="0"/>
-              <a:t>All you should have to do to the client/browser is rewrite </a:t>
-            </a:r>
-            <a:r>
-              <a:rPr lang="en-US" dirty="0" err="1" smtClean="0"/>
-              <a:t>EndPoint</a:t>
-            </a:r>
-            <a:endParaRPr lang="en-US" dirty="0" smtClean="0"/>
-          </a:p>
-          <a:p>
-            <a:pPr lvl="1"/>
-            <a:r>
-              <a:rPr lang="en-US" dirty="0" smtClean="0"/>
-              <a:t>There should be </a:t>
-            </a:r>
-            <a:r>
-              <a:rPr lang="en-US" b="1" dirty="0" smtClean="0"/>
-              <a:t>no changes</a:t>
-            </a:r>
-            <a:r>
-              <a:rPr lang="en-US" dirty="0" smtClean="0"/>
-              <a:t> required to </a:t>
-            </a:r>
-            <a:r>
-              <a:rPr lang="en-US" dirty="0" err="1" smtClean="0"/>
-              <a:t>VideoEndPoint</a:t>
-            </a:r>
-            <a:endParaRPr lang="en-US" dirty="0" smtClean="0"/>
-          </a:p>
-          <a:p>
-            <a:r>
-              <a:rPr lang="en-US" dirty="0" smtClean="0"/>
-              <a:t>Extend the node server to implement the REST interface</a:t>
-            </a:r>
-          </a:p>
-          <a:p>
-            <a:pPr lvl="1"/>
-            <a:r>
-              <a:rPr lang="en-US" dirty="0" smtClean="0"/>
-              <a:t>Specified in the WIKI</a:t>
-            </a:r>
-          </a:p>
-          <a:p>
-            <a:pPr lvl="1"/>
-            <a:endParaRPr lang="en-US" dirty="0" smtClean="0"/>
-          </a:p>
-        </p:txBody>
-      </p:sp>
-    </p:spTree>
-    <p:extLst>
-      <p:ext uri="{BB962C8B-B14F-4D97-AF65-F5344CB8AC3E}">
-        <p14:creationId xmlns:p14="http://schemas.microsoft.com/office/powerpoint/2010/main" val="283784917"/>
-      </p:ext>
-    </p:extLst>
-  </p:cSld>
-  <p:clrMapOvr>
-    <a:masterClrMapping/>
-  </p:clrMapOvr>
-</p:sld>
-</file>
-
-<file path=ppt/slides/slide44.xml><?xml version="1.0" encoding="utf-8"?>
-<p:sld xmlns:a="http://schemas.openxmlformats.org/drawingml/2006/main" xmlns:r="http://schemas.openxmlformats.org/officeDocument/2006/relationships" xmlns:p="http://schemas.openxmlformats.org/presentationml/2006/main">
-  <p:cSld>
-    <p:spTree>
-      <p:nvGrpSpPr>
-        <p:cNvPr id="1" name=""/>
-        <p:cNvGrpSpPr/>
-        <p:nvPr/>
-      </p:nvGrpSpPr>
-      <p:grpSpPr>
-        <a:xfrm>
-          <a:off x="0" y="0"/>
-          <a:ext cx="0" cy="0"/>
-          <a:chOff x="0" y="0"/>
-          <a:chExt cx="0" cy="0"/>
-        </a:xfrm>
-      </p:grpSpPr>
-      <p:sp>
-        <p:nvSpPr>
-          <p:cNvPr id="2" name="Title 1"/>
-          <p:cNvSpPr>
-            <a:spLocks noGrp="1"/>
-          </p:cNvSpPr>
-          <p:nvPr>
-            <p:ph type="title"/>
-          </p:nvPr>
-        </p:nvSpPr>
-        <p:spPr/>
-        <p:txBody>
-          <a:bodyPr/>
-          <a:lstStyle/>
-          <a:p>
-            <a:r>
-              <a:rPr lang="en-US" dirty="0" smtClean="0"/>
-              <a:t>5. Talking between teams</a:t>
-            </a:r>
-            <a:endParaRPr lang="en-US" dirty="0"/>
-          </a:p>
-        </p:txBody>
-      </p:sp>
-      <p:sp>
-        <p:nvSpPr>
-          <p:cNvPr id="3" name="Content Placeholder 2"/>
-          <p:cNvSpPr>
-            <a:spLocks noGrp="1"/>
-          </p:cNvSpPr>
-          <p:nvPr>
-            <p:ph idx="1"/>
-          </p:nvPr>
-        </p:nvSpPr>
-        <p:spPr/>
-        <p:txBody>
-          <a:bodyPr/>
-          <a:lstStyle/>
-          <a:p>
-            <a:r>
-              <a:rPr lang="en-US" dirty="0" smtClean="0"/>
-              <a:t>There should be 4 teams with working clients and node servers</a:t>
-            </a:r>
-          </a:p>
-          <a:p>
-            <a:r>
-              <a:rPr lang="en-US" dirty="0" smtClean="0"/>
-              <a:t>The node servers are implementing a defined protocol</a:t>
-            </a:r>
-          </a:p>
-          <a:p>
-            <a:r>
-              <a:rPr lang="en-US" dirty="0" smtClean="0"/>
-              <a:t>So</a:t>
-            </a:r>
-            <a:r>
-              <a:rPr lang="mr-IN" dirty="0" smtClean="0"/>
-              <a:t>…</a:t>
-            </a:r>
-            <a:endParaRPr lang="en-GB" dirty="0" smtClean="0"/>
-          </a:p>
-          <a:p>
-            <a:pPr lvl="1"/>
-            <a:r>
-              <a:rPr lang="en-GB" dirty="0" smtClean="0"/>
-              <a:t>The client from any team should be able to talk to any node server</a:t>
-            </a:r>
-          </a:p>
-          <a:p>
-            <a:pPr lvl="1"/>
-            <a:r>
-              <a:rPr lang="en-GB" dirty="0" smtClean="0"/>
-              <a:t>Two clients from two different teams should be able to connect to the same node server and make a call</a:t>
-            </a:r>
-          </a:p>
-          <a:p>
-            <a:pPr lvl="1"/>
-            <a:endParaRPr lang="en-US" dirty="0" smtClean="0"/>
-          </a:p>
-          <a:p>
-            <a:r>
-              <a:rPr lang="en-US" dirty="0" smtClean="0"/>
-              <a:t>AIM:</a:t>
-            </a:r>
-          </a:p>
-          <a:p>
-            <a:pPr lvl="1"/>
-            <a:r>
-              <a:rPr lang="en-US" dirty="0" smtClean="0"/>
-              <a:t>Using any teams node server</a:t>
-            </a:r>
-          </a:p>
-          <a:p>
-            <a:pPr lvl="1"/>
-            <a:r>
-              <a:rPr lang="en-US" dirty="0" smtClean="0"/>
-              <a:t>Connect clients from all 4 teams to that server and make a call</a:t>
-            </a:r>
-          </a:p>
-          <a:p>
-            <a:endParaRPr lang="en-GB" dirty="0"/>
-          </a:p>
-        </p:txBody>
-      </p:sp>
-    </p:spTree>
-    <p:extLst>
-      <p:ext uri="{BB962C8B-B14F-4D97-AF65-F5344CB8AC3E}">
-        <p14:creationId xmlns:p14="http://schemas.microsoft.com/office/powerpoint/2010/main" val="295557802"/>
-      </p:ext>
-    </p:extLst>
-  </p:cSld>
-  <p:clrMapOvr>
-    <a:masterClrMapping/>
-  </p:clrMapOvr>
-</p:sld>
-</file>
-
-<file path=ppt/slides/slide45.xml><?xml version="1.0" encoding="utf-8"?>
-<p:sld xmlns:a="http://schemas.openxmlformats.org/drawingml/2006/main" xmlns:r="http://schemas.openxmlformats.org/officeDocument/2006/relationships" xmlns:p="http://schemas.openxmlformats.org/presentationml/2006/main">
-  <p:cSld>
-    <p:spTree>
-      <p:nvGrpSpPr>
-        <p:cNvPr id="1" name=""/>
-        <p:cNvGrpSpPr/>
-        <p:nvPr/>
-      </p:nvGrpSpPr>
-      <p:grpSpPr>
-        <a:xfrm>
-          <a:off x="0" y="0"/>
-          <a:ext cx="0" cy="0"/>
-          <a:chOff x="0" y="0"/>
-          <a:chExt cx="0" cy="0"/>
-        </a:xfrm>
-      </p:grpSpPr>
-      <p:sp>
-        <p:nvSpPr>
-          <p:cNvPr id="2" name="Title 1"/>
-          <p:cNvSpPr>
-            <a:spLocks noGrp="1"/>
-          </p:cNvSpPr>
-          <p:nvPr>
-            <p:ph type="title"/>
-          </p:nvPr>
-        </p:nvSpPr>
-        <p:spPr/>
-        <p:txBody>
-          <a:bodyPr/>
-          <a:lstStyle/>
-          <a:p>
-            <a:r>
-              <a:rPr lang="en-US" dirty="0" smtClean="0"/>
-              <a:t>5. Cross team</a:t>
-            </a:r>
-            <a:endParaRPr lang="en-US" dirty="0"/>
-          </a:p>
-        </p:txBody>
-      </p:sp>
-      <p:sp>
-        <p:nvSpPr>
-          <p:cNvPr id="4" name="Oval 3"/>
-          <p:cNvSpPr/>
-          <p:nvPr/>
-        </p:nvSpPr>
-        <p:spPr>
-          <a:xfrm>
-            <a:off x="5260565" y="2536330"/>
-            <a:ext cx="1897626" cy="1897626"/>
-          </a:xfrm>
-          <a:prstGeom prst="ellipse">
-            <a:avLst/>
-          </a:prstGeom>
-        </p:spPr>
-        <p:style>
-          <a:lnRef idx="2">
-            <a:schemeClr val="accent1">
-              <a:shade val="50000"/>
-            </a:schemeClr>
-          </a:lnRef>
-          <a:fillRef idx="1">
-            <a:schemeClr val="accent1"/>
-          </a:fillRef>
-          <a:effectRef idx="0">
-            <a:schemeClr val="accent1"/>
-          </a:effectRef>
-          <a:fontRef idx="minor">
-            <a:schemeClr val="lt1"/>
-          </a:fontRef>
-        </p:style>
-        <p:txBody>
-          <a:bodyPr rtlCol="0" anchor="ctr"/>
-          <a:lstStyle/>
-          <a:p>
-            <a:pPr algn="ctr"/>
-            <a:r>
-              <a:rPr lang="en-US" dirty="0" smtClean="0"/>
-              <a:t>Node</a:t>
-            </a:r>
-            <a:br>
-              <a:rPr lang="en-US" dirty="0" smtClean="0"/>
-            </a:br>
-            <a:r>
-              <a:rPr lang="en-US" dirty="0" err="1" smtClean="0"/>
-              <a:t>Signalling</a:t>
-            </a:r>
-            <a:r>
-              <a:rPr lang="en-US" dirty="0" smtClean="0"/>
-              <a:t/>
-            </a:r>
-            <a:br>
-              <a:rPr lang="en-US" dirty="0" smtClean="0"/>
-            </a:br>
-            <a:r>
-              <a:rPr lang="en-US" dirty="0" smtClean="0"/>
-              <a:t>Server</a:t>
-            </a:r>
-            <a:br>
-              <a:rPr lang="en-US" dirty="0" smtClean="0"/>
-            </a:br>
-            <a:r>
-              <a:rPr lang="en-US" dirty="0" smtClean="0"/>
-              <a:t>(Team 1)</a:t>
-            </a:r>
-            <a:endParaRPr lang="en-US" dirty="0"/>
-          </a:p>
-        </p:txBody>
-      </p:sp>
-      <p:sp>
-        <p:nvSpPr>
-          <p:cNvPr id="5" name="Oval 4"/>
-          <p:cNvSpPr/>
-          <p:nvPr/>
-        </p:nvSpPr>
-        <p:spPr>
-          <a:xfrm>
-            <a:off x="8052619" y="860757"/>
-            <a:ext cx="1415846" cy="1415846"/>
-          </a:xfrm>
-          <a:prstGeom prst="ellipse">
-            <a:avLst/>
-          </a:prstGeom>
-        </p:spPr>
-        <p:style>
-          <a:lnRef idx="2">
-            <a:schemeClr val="accent1">
-              <a:shade val="50000"/>
-            </a:schemeClr>
-          </a:lnRef>
-          <a:fillRef idx="1">
-            <a:schemeClr val="accent1"/>
-          </a:fillRef>
-          <a:effectRef idx="0">
-            <a:schemeClr val="accent1"/>
-          </a:effectRef>
-          <a:fontRef idx="minor">
-            <a:schemeClr val="lt1"/>
-          </a:fontRef>
-        </p:style>
-        <p:txBody>
-          <a:bodyPr rtlCol="0" anchor="ctr"/>
-          <a:lstStyle/>
-          <a:p>
-            <a:pPr algn="ctr"/>
-            <a:r>
-              <a:rPr lang="en-US" smtClean="0"/>
-              <a:t>Team 1</a:t>
-            </a:r>
-            <a:br>
-              <a:rPr lang="en-US" smtClean="0"/>
-            </a:br>
-            <a:r>
-              <a:rPr lang="en-US" smtClean="0"/>
-              <a:t>Client</a:t>
-            </a:r>
-            <a:endParaRPr lang="en-US" dirty="0"/>
-          </a:p>
-        </p:txBody>
-      </p:sp>
-      <p:sp>
-        <p:nvSpPr>
-          <p:cNvPr id="6" name="Oval 5"/>
-          <p:cNvSpPr/>
-          <p:nvPr/>
-        </p:nvSpPr>
-        <p:spPr>
-          <a:xfrm>
-            <a:off x="9241092" y="3308555"/>
-            <a:ext cx="1415846" cy="1415846"/>
-          </a:xfrm>
-          <a:prstGeom prst="ellipse">
-            <a:avLst/>
-          </a:prstGeom>
-        </p:spPr>
-        <p:style>
-          <a:lnRef idx="2">
-            <a:schemeClr val="accent1">
-              <a:shade val="50000"/>
-            </a:schemeClr>
-          </a:lnRef>
-          <a:fillRef idx="1">
-            <a:schemeClr val="accent1"/>
-          </a:fillRef>
-          <a:effectRef idx="0">
-            <a:schemeClr val="accent1"/>
-          </a:effectRef>
-          <a:fontRef idx="minor">
-            <a:schemeClr val="lt1"/>
-          </a:fontRef>
-        </p:style>
-        <p:txBody>
-          <a:bodyPr rtlCol="0" anchor="ctr"/>
-          <a:lstStyle/>
-          <a:p>
-            <a:pPr algn="ctr"/>
-            <a:r>
-              <a:rPr lang="en-US" dirty="0" smtClean="0"/>
-              <a:t>Team 2</a:t>
-            </a:r>
-            <a:br>
-              <a:rPr lang="en-US" dirty="0" smtClean="0"/>
-            </a:br>
-            <a:r>
-              <a:rPr lang="en-US" dirty="0" smtClean="0"/>
-              <a:t>Client</a:t>
-            </a:r>
-            <a:endParaRPr lang="en-US" dirty="0"/>
-          </a:p>
-        </p:txBody>
-      </p:sp>
-      <p:sp>
-        <p:nvSpPr>
-          <p:cNvPr id="7" name="Oval 6"/>
-          <p:cNvSpPr/>
-          <p:nvPr/>
-        </p:nvSpPr>
-        <p:spPr>
-          <a:xfrm>
-            <a:off x="4552642" y="5024285"/>
-            <a:ext cx="1415846" cy="1415846"/>
-          </a:xfrm>
-          <a:prstGeom prst="ellipse">
-            <a:avLst/>
-          </a:prstGeom>
-        </p:spPr>
-        <p:style>
-          <a:lnRef idx="2">
-            <a:schemeClr val="accent1">
-              <a:shade val="50000"/>
-            </a:schemeClr>
-          </a:lnRef>
-          <a:fillRef idx="1">
-            <a:schemeClr val="accent1"/>
-          </a:fillRef>
-          <a:effectRef idx="0">
-            <a:schemeClr val="accent1"/>
-          </a:effectRef>
-          <a:fontRef idx="minor">
-            <a:schemeClr val="lt1"/>
-          </a:fontRef>
-        </p:style>
-        <p:txBody>
-          <a:bodyPr rtlCol="0" anchor="ctr"/>
-          <a:lstStyle/>
-          <a:p>
-            <a:pPr algn="ctr"/>
-            <a:r>
-              <a:rPr lang="en-US" dirty="0" smtClean="0"/>
-              <a:t>Team 3</a:t>
-            </a:r>
-            <a:br>
-              <a:rPr lang="en-US" dirty="0" smtClean="0"/>
-            </a:br>
-            <a:r>
-              <a:rPr lang="en-US" dirty="0" smtClean="0"/>
-              <a:t>Client</a:t>
-            </a:r>
-            <a:endParaRPr lang="en-US" dirty="0"/>
-          </a:p>
-        </p:txBody>
-      </p:sp>
-      <p:sp>
-        <p:nvSpPr>
-          <p:cNvPr id="8" name="Oval 7"/>
-          <p:cNvSpPr/>
-          <p:nvPr/>
-        </p:nvSpPr>
-        <p:spPr>
-          <a:xfrm>
-            <a:off x="-4381496" y="6622027"/>
-            <a:ext cx="1415846" cy="1415846"/>
-          </a:xfrm>
-          <a:prstGeom prst="ellipse">
-            <a:avLst/>
-          </a:prstGeom>
-        </p:spPr>
-        <p:style>
-          <a:lnRef idx="2">
-            <a:schemeClr val="accent1">
-              <a:shade val="50000"/>
-            </a:schemeClr>
-          </a:lnRef>
-          <a:fillRef idx="1">
-            <a:schemeClr val="accent1"/>
-          </a:fillRef>
-          <a:effectRef idx="0">
-            <a:schemeClr val="accent1"/>
-          </a:effectRef>
-          <a:fontRef idx="minor">
-            <a:schemeClr val="lt1"/>
-          </a:fontRef>
-        </p:style>
-        <p:txBody>
-          <a:bodyPr rtlCol="0" anchor="ctr"/>
-          <a:lstStyle/>
-          <a:p>
-            <a:pPr algn="ctr"/>
-            <a:r>
-              <a:rPr lang="en-US" smtClean="0"/>
-              <a:t>Team 3</a:t>
-            </a:r>
-            <a:r>
-              <a:rPr lang="en-US" dirty="0" smtClean="0"/>
-              <a:t/>
-            </a:r>
-            <a:br>
-              <a:rPr lang="en-US" dirty="0" smtClean="0"/>
-            </a:br>
-            <a:r>
-              <a:rPr lang="en-US" dirty="0" smtClean="0"/>
-              <a:t>Client</a:t>
-            </a:r>
-            <a:endParaRPr lang="en-US" dirty="0"/>
-          </a:p>
-        </p:txBody>
-      </p:sp>
-      <p:sp>
-        <p:nvSpPr>
-          <p:cNvPr id="9" name="Oval 8"/>
-          <p:cNvSpPr/>
-          <p:nvPr/>
-        </p:nvSpPr>
-        <p:spPr>
-          <a:xfrm>
-            <a:off x="2950292" y="1690688"/>
-            <a:ext cx="1415846" cy="1415846"/>
-          </a:xfrm>
-          <a:prstGeom prst="ellipse">
-            <a:avLst/>
-          </a:prstGeom>
-        </p:spPr>
-        <p:style>
-          <a:lnRef idx="2">
-            <a:schemeClr val="accent1">
-              <a:shade val="50000"/>
-            </a:schemeClr>
-          </a:lnRef>
-          <a:fillRef idx="1">
-            <a:schemeClr val="accent1"/>
-          </a:fillRef>
-          <a:effectRef idx="0">
-            <a:schemeClr val="accent1"/>
-          </a:effectRef>
-          <a:fontRef idx="minor">
-            <a:schemeClr val="lt1"/>
-          </a:fontRef>
-        </p:style>
-        <p:txBody>
-          <a:bodyPr rtlCol="0" anchor="ctr"/>
-          <a:lstStyle/>
-          <a:p>
-            <a:pPr algn="ctr"/>
-            <a:r>
-              <a:rPr lang="en-US" dirty="0" smtClean="0"/>
-              <a:t>Team 4</a:t>
-            </a:r>
-            <a:br>
-              <a:rPr lang="en-US" dirty="0" smtClean="0"/>
-            </a:br>
-            <a:r>
-              <a:rPr lang="en-US" dirty="0" smtClean="0"/>
-              <a:t>Client</a:t>
-            </a:r>
-            <a:endParaRPr lang="en-US" dirty="0"/>
-          </a:p>
-        </p:txBody>
-      </p:sp>
-      <p:sp>
-        <p:nvSpPr>
-          <p:cNvPr id="10" name="Can 9"/>
-          <p:cNvSpPr/>
-          <p:nvPr/>
-        </p:nvSpPr>
-        <p:spPr>
-          <a:xfrm rot="4952751">
-            <a:off x="6005171" y="-61345"/>
-            <a:ext cx="353963" cy="3963965"/>
-          </a:xfrm>
-          <a:prstGeom prst="can">
-            <a:avLst/>
-          </a:prstGeom>
-          <a:solidFill>
-            <a:schemeClr val="accent4"/>
-          </a:solidFill>
-        </p:spPr>
-        <p:style>
-          <a:lnRef idx="2">
-            <a:schemeClr val="accent1">
-              <a:shade val="50000"/>
-            </a:schemeClr>
-          </a:lnRef>
-          <a:fillRef idx="1">
-            <a:schemeClr val="accent1"/>
-          </a:fillRef>
-          <a:effectRef idx="0">
-            <a:schemeClr val="accent1"/>
-          </a:effectRef>
-          <a:fontRef idx="minor">
-            <a:schemeClr val="lt1"/>
-          </a:fontRef>
-        </p:style>
-        <p:txBody>
-          <a:bodyPr rtlCol="0" anchor="ctr"/>
-          <a:lstStyle/>
-          <a:p>
-            <a:pPr algn="ctr"/>
-            <a:endParaRPr lang="en-US"/>
-          </a:p>
-        </p:txBody>
-      </p:sp>
-      <p:sp>
-        <p:nvSpPr>
-          <p:cNvPr id="11" name="TextBox 10"/>
-          <p:cNvSpPr txBox="1"/>
-          <p:nvPr/>
-        </p:nvSpPr>
-        <p:spPr>
-          <a:xfrm rot="21209306">
-            <a:off x="5347603" y="1699954"/>
-            <a:ext cx="1639360" cy="369332"/>
-          </a:xfrm>
-          <a:prstGeom prst="rect">
-            <a:avLst/>
-          </a:prstGeom>
-          <a:noFill/>
-        </p:spPr>
-        <p:txBody>
-          <a:bodyPr wrap="none" rtlCol="0">
-            <a:spAutoFit/>
-          </a:bodyPr>
-          <a:lstStyle/>
-          <a:p>
-            <a:r>
-              <a:rPr lang="en-US" dirty="0" err="1" smtClean="0"/>
-              <a:t>webRTC</a:t>
-            </a:r>
-            <a:r>
-              <a:rPr lang="en-US" dirty="0" smtClean="0"/>
-              <a:t> AV Call</a:t>
-            </a:r>
-            <a:endParaRPr lang="en-US" dirty="0"/>
-          </a:p>
-        </p:txBody>
-      </p:sp>
-      <p:sp>
-        <p:nvSpPr>
-          <p:cNvPr id="12" name="Can 11"/>
-          <p:cNvSpPr/>
-          <p:nvPr/>
-        </p:nvSpPr>
-        <p:spPr>
-          <a:xfrm rot="4225162">
-            <a:off x="7443822" y="3038703"/>
-            <a:ext cx="353963" cy="3739263"/>
-          </a:xfrm>
-          <a:prstGeom prst="can">
-            <a:avLst/>
-          </a:prstGeom>
-          <a:solidFill>
-            <a:schemeClr val="accent4"/>
-          </a:solidFill>
-        </p:spPr>
-        <p:style>
-          <a:lnRef idx="2">
-            <a:schemeClr val="accent1">
-              <a:shade val="50000"/>
-            </a:schemeClr>
-          </a:lnRef>
-          <a:fillRef idx="1">
-            <a:schemeClr val="accent1"/>
-          </a:fillRef>
-          <a:effectRef idx="0">
-            <a:schemeClr val="accent1"/>
-          </a:effectRef>
-          <a:fontRef idx="minor">
-            <a:schemeClr val="lt1"/>
-          </a:fontRef>
-        </p:style>
-        <p:txBody>
-          <a:bodyPr rtlCol="0" anchor="ctr"/>
-          <a:lstStyle/>
-          <a:p>
-            <a:pPr algn="ctr"/>
-            <a:endParaRPr lang="en-US"/>
-          </a:p>
-        </p:txBody>
-      </p:sp>
-      <p:sp>
-        <p:nvSpPr>
-          <p:cNvPr id="13" name="TextBox 12"/>
-          <p:cNvSpPr txBox="1"/>
-          <p:nvPr/>
-        </p:nvSpPr>
-        <p:spPr>
-          <a:xfrm rot="20466159">
-            <a:off x="6801122" y="4711178"/>
-            <a:ext cx="1639360" cy="369332"/>
-          </a:xfrm>
-          <a:prstGeom prst="rect">
-            <a:avLst/>
-          </a:prstGeom>
-          <a:noFill/>
-        </p:spPr>
-        <p:txBody>
-          <a:bodyPr wrap="none" rtlCol="0">
-            <a:spAutoFit/>
-          </a:bodyPr>
-          <a:lstStyle/>
-          <a:p>
-            <a:r>
-              <a:rPr lang="en-US" dirty="0" err="1" smtClean="0"/>
-              <a:t>webRTC</a:t>
-            </a:r>
-            <a:r>
-              <a:rPr lang="en-US" dirty="0" smtClean="0"/>
-              <a:t> AV Call</a:t>
-            </a:r>
-            <a:endParaRPr lang="en-US" dirty="0"/>
-          </a:p>
-        </p:txBody>
-      </p:sp>
-      <p:cxnSp>
-        <p:nvCxnSpPr>
-          <p:cNvPr id="15" name="Straight Arrow Connector 14"/>
-          <p:cNvCxnSpPr>
-            <a:stCxn id="9" idx="5"/>
-            <a:endCxn id="4" idx="2"/>
-          </p:cNvCxnSpPr>
-          <p:nvPr/>
-        </p:nvCxnSpPr>
-        <p:spPr>
-          <a:xfrm>
-            <a:off x="4158792" y="2899188"/>
-            <a:ext cx="1101773" cy="585955"/>
-          </a:xfrm>
-          <a:prstGeom prst="straightConnector1">
-            <a:avLst/>
-          </a:prstGeom>
-          <a:ln>
-            <a:solidFill>
-              <a:schemeClr val="accent6"/>
-            </a:solidFill>
-            <a:headEnd type="triangle" w="lg" len="lg"/>
-            <a:tailEnd type="triangle" w="lg" len="lg"/>
-          </a:ln>
-        </p:spPr>
-        <p:style>
-          <a:lnRef idx="1">
-            <a:schemeClr val="accent1"/>
-          </a:lnRef>
-          <a:fillRef idx="0">
-            <a:schemeClr val="accent1"/>
-          </a:fillRef>
-          <a:effectRef idx="0">
-            <a:schemeClr val="accent1"/>
-          </a:effectRef>
-          <a:fontRef idx="minor">
-            <a:schemeClr val="tx1"/>
-          </a:fontRef>
-        </p:style>
-      </p:cxnSp>
-      <p:cxnSp>
-        <p:nvCxnSpPr>
-          <p:cNvPr id="18" name="Straight Arrow Connector 17"/>
-          <p:cNvCxnSpPr>
-            <a:stCxn id="7" idx="0"/>
-            <a:endCxn id="4" idx="3"/>
-          </p:cNvCxnSpPr>
-          <p:nvPr/>
-        </p:nvCxnSpPr>
-        <p:spPr>
-          <a:xfrm flipV="1">
-            <a:off x="5260565" y="4156055"/>
-            <a:ext cx="277901" cy="868230"/>
-          </a:xfrm>
-          <a:prstGeom prst="straightConnector1">
-            <a:avLst/>
-          </a:prstGeom>
-          <a:ln>
-            <a:solidFill>
-              <a:schemeClr val="accent6"/>
-            </a:solidFill>
-            <a:headEnd type="triangle" w="lg" len="lg"/>
-            <a:tailEnd type="triangle" w="lg" len="lg"/>
-          </a:ln>
-        </p:spPr>
-        <p:style>
-          <a:lnRef idx="1">
-            <a:schemeClr val="accent1"/>
-          </a:lnRef>
-          <a:fillRef idx="0">
-            <a:schemeClr val="accent1"/>
-          </a:fillRef>
-          <a:effectRef idx="0">
-            <a:schemeClr val="accent1"/>
-          </a:effectRef>
-          <a:fontRef idx="minor">
-            <a:schemeClr val="tx1"/>
-          </a:fontRef>
-        </p:style>
-      </p:cxnSp>
-      <p:cxnSp>
-        <p:nvCxnSpPr>
-          <p:cNvPr id="21" name="Straight Arrow Connector 20"/>
-          <p:cNvCxnSpPr>
-            <a:stCxn id="6" idx="2"/>
-            <a:endCxn id="4" idx="6"/>
-          </p:cNvCxnSpPr>
-          <p:nvPr/>
-        </p:nvCxnSpPr>
-        <p:spPr>
-          <a:xfrm flipH="1" flipV="1">
-            <a:off x="7158191" y="3485143"/>
-            <a:ext cx="2082901" cy="531335"/>
-          </a:xfrm>
-          <a:prstGeom prst="straightConnector1">
-            <a:avLst/>
-          </a:prstGeom>
-          <a:ln>
-            <a:solidFill>
-              <a:schemeClr val="accent6"/>
-            </a:solidFill>
-            <a:headEnd type="triangle" w="lg" len="lg"/>
-            <a:tailEnd type="triangle" w="lg" len="lg"/>
-          </a:ln>
-        </p:spPr>
-        <p:style>
-          <a:lnRef idx="1">
-            <a:schemeClr val="accent1"/>
-          </a:lnRef>
-          <a:fillRef idx="0">
-            <a:schemeClr val="accent1"/>
-          </a:fillRef>
-          <a:effectRef idx="0">
-            <a:schemeClr val="accent1"/>
-          </a:effectRef>
-          <a:fontRef idx="minor">
-            <a:schemeClr val="tx1"/>
-          </a:fontRef>
-        </p:style>
-      </p:cxnSp>
-      <p:cxnSp>
-        <p:nvCxnSpPr>
-          <p:cNvPr id="24" name="Straight Arrow Connector 23"/>
-          <p:cNvCxnSpPr>
-            <a:stCxn id="5" idx="3"/>
-            <a:endCxn id="4" idx="7"/>
-          </p:cNvCxnSpPr>
-          <p:nvPr/>
-        </p:nvCxnSpPr>
-        <p:spPr>
-          <a:xfrm flipH="1">
-            <a:off x="6880290" y="2069257"/>
-            <a:ext cx="1379675" cy="744974"/>
-          </a:xfrm>
-          <a:prstGeom prst="straightConnector1">
-            <a:avLst/>
-          </a:prstGeom>
-          <a:ln>
-            <a:solidFill>
-              <a:schemeClr val="accent6"/>
-            </a:solidFill>
-            <a:headEnd type="triangle" w="lg" len="lg"/>
-            <a:tailEnd type="triangle" w="lg" len="lg"/>
-          </a:ln>
-        </p:spPr>
-        <p:style>
-          <a:lnRef idx="1">
-            <a:schemeClr val="accent1"/>
-          </a:lnRef>
-          <a:fillRef idx="0">
-            <a:schemeClr val="accent1"/>
-          </a:fillRef>
-          <a:effectRef idx="0">
-            <a:schemeClr val="accent1"/>
-          </a:effectRef>
-          <a:fontRef idx="minor">
-            <a:schemeClr val="tx1"/>
-          </a:fontRef>
-        </p:style>
-      </p:cxnSp>
-      <p:cxnSp>
-        <p:nvCxnSpPr>
-          <p:cNvPr id="27" name="Straight Arrow Connector 26"/>
-          <p:cNvCxnSpPr/>
-          <p:nvPr/>
-        </p:nvCxnSpPr>
-        <p:spPr>
-          <a:xfrm flipH="1">
-            <a:off x="2884893" y="4028426"/>
-            <a:ext cx="1088754" cy="228584"/>
-          </a:xfrm>
-          <a:prstGeom prst="straightConnector1">
-            <a:avLst/>
-          </a:prstGeom>
-          <a:ln w="38100">
-            <a:solidFill>
-              <a:schemeClr val="accent6"/>
-            </a:solidFill>
-            <a:headEnd type="triangle" w="lg" len="lg"/>
-            <a:tailEnd type="triangle" w="lg" len="lg"/>
-          </a:ln>
-        </p:spPr>
-        <p:style>
-          <a:lnRef idx="1">
-            <a:schemeClr val="accent1"/>
-          </a:lnRef>
-          <a:fillRef idx="0">
-            <a:schemeClr val="accent1"/>
-          </a:fillRef>
-          <a:effectRef idx="0">
-            <a:schemeClr val="accent1"/>
-          </a:effectRef>
-          <a:fontRef idx="minor">
-            <a:schemeClr val="tx1"/>
-          </a:fontRef>
-        </p:style>
-      </p:cxnSp>
-      <p:sp>
-        <p:nvSpPr>
-          <p:cNvPr id="29" name="TextBox 28"/>
-          <p:cNvSpPr txBox="1"/>
-          <p:nvPr/>
-        </p:nvSpPr>
-        <p:spPr>
-          <a:xfrm>
-            <a:off x="3291805" y="4072344"/>
-            <a:ext cx="1074333" cy="369332"/>
-          </a:xfrm>
-          <a:prstGeom prst="rect">
-            <a:avLst/>
-          </a:prstGeom>
-          <a:noFill/>
-        </p:spPr>
-        <p:txBody>
-          <a:bodyPr wrap="none" rtlCol="0">
-            <a:spAutoFit/>
-          </a:bodyPr>
-          <a:lstStyle/>
-          <a:p>
-            <a:r>
-              <a:rPr lang="en-US" smtClean="0"/>
-              <a:t>Signalling</a:t>
-            </a:r>
-            <a:endParaRPr lang="en-US" dirty="0"/>
-          </a:p>
-        </p:txBody>
-      </p:sp>
-    </p:spTree>
-    <p:extLst>
-      <p:ext uri="{BB962C8B-B14F-4D97-AF65-F5344CB8AC3E}">
-        <p14:creationId xmlns:p14="http://schemas.microsoft.com/office/powerpoint/2010/main" val="2037604623"/>
-      </p:ext>
-    </p:extLst>
-  </p:cSld>
-  <p:clrMapOvr>
-    <a:masterClrMapping/>
-  </p:clrMapOvr>
-</p:sld>
-</file>
-
-<file path=ppt/slides/slide46.xml><?xml version="1.0" encoding="utf-8"?>
-<p:sld xmlns:a="http://schemas.openxmlformats.org/drawingml/2006/main" xmlns:r="http://schemas.openxmlformats.org/officeDocument/2006/relationships" xmlns:p="http://schemas.openxmlformats.org/presentationml/2006/main">
-  <p:cSld>
-    <p:spTree>
-      <p:nvGrpSpPr>
-        <p:cNvPr id="1" name=""/>
-        <p:cNvGrpSpPr/>
-        <p:nvPr/>
-      </p:nvGrpSpPr>
-      <p:grpSpPr>
-        <a:xfrm>
-          <a:off x="0" y="0"/>
-          <a:ext cx="0" cy="0"/>
-          <a:chOff x="0" y="0"/>
-          <a:chExt cx="0" cy="0"/>
-        </a:xfrm>
-      </p:grpSpPr>
-      <p:sp>
-        <p:nvSpPr>
-          <p:cNvPr id="2" name="Title 1"/>
-          <p:cNvSpPr>
-            <a:spLocks noGrp="1"/>
-          </p:cNvSpPr>
-          <p:nvPr>
-            <p:ph type="title"/>
-          </p:nvPr>
-        </p:nvSpPr>
-        <p:spPr/>
-        <p:txBody>
-          <a:bodyPr/>
-          <a:lstStyle/>
-          <a:p>
-            <a:r>
-              <a:rPr lang="en-US" dirty="0"/>
-              <a:t>6</a:t>
-            </a:r>
-            <a:r>
-              <a:rPr lang="en-US" dirty="0" smtClean="0"/>
-              <a:t>. Remote Presentations</a:t>
-            </a:r>
-            <a:endParaRPr lang="en-US" dirty="0"/>
-          </a:p>
-        </p:txBody>
-      </p:sp>
-      <p:pic>
-        <p:nvPicPr>
-          <p:cNvPr id="4" name="Picture 3"/>
-          <p:cNvPicPr>
-            <a:picLocks noChangeAspect="1"/>
-          </p:cNvPicPr>
-          <p:nvPr/>
-        </p:nvPicPr>
-        <p:blipFill>
-          <a:blip r:embed="rId2"/>
-          <a:stretch>
-            <a:fillRect/>
-          </a:stretch>
-        </p:blipFill>
-        <p:spPr>
-          <a:xfrm>
-            <a:off x="524164" y="3776107"/>
-            <a:ext cx="1600200" cy="1600200"/>
-          </a:xfrm>
-          <a:prstGeom prst="rect">
-            <a:avLst/>
-          </a:prstGeom>
-        </p:spPr>
-      </p:pic>
-      <p:pic>
-        <p:nvPicPr>
-          <p:cNvPr id="5" name="Picture 4"/>
-          <p:cNvPicPr>
-            <a:picLocks noChangeAspect="1"/>
-          </p:cNvPicPr>
-          <p:nvPr/>
-        </p:nvPicPr>
-        <p:blipFill>
-          <a:blip r:embed="rId3"/>
-          <a:stretch>
-            <a:fillRect/>
-          </a:stretch>
-        </p:blipFill>
-        <p:spPr>
-          <a:xfrm flipH="1">
-            <a:off x="2124364" y="3033673"/>
-            <a:ext cx="1219200" cy="1169958"/>
-          </a:xfrm>
-          <a:prstGeom prst="rect">
-            <a:avLst/>
-          </a:prstGeom>
-        </p:spPr>
-      </p:pic>
-      <p:sp>
-        <p:nvSpPr>
-          <p:cNvPr id="6" name="Rectangle 5"/>
-          <p:cNvSpPr/>
-          <p:nvPr/>
-        </p:nvSpPr>
-        <p:spPr>
-          <a:xfrm>
-            <a:off x="4914900" y="1435100"/>
-            <a:ext cx="2095500" cy="805902"/>
-          </a:xfrm>
-          <a:prstGeom prst="rect">
-            <a:avLst/>
-          </a:prstGeom>
-          <a:solidFill>
-            <a:schemeClr val="bg1"/>
-          </a:solidFill>
-        </p:spPr>
-        <p:style>
-          <a:lnRef idx="2">
-            <a:schemeClr val="accent1">
-              <a:shade val="50000"/>
-            </a:schemeClr>
-          </a:lnRef>
-          <a:fillRef idx="1">
-            <a:schemeClr val="accent1"/>
-          </a:fillRef>
-          <a:effectRef idx="0">
-            <a:schemeClr val="accent1"/>
-          </a:effectRef>
-          <a:fontRef idx="minor">
-            <a:schemeClr val="lt1"/>
-          </a:fontRef>
-        </p:style>
-        <p:txBody>
-          <a:bodyPr rtlCol="0" anchor="ctr"/>
-          <a:lstStyle/>
-          <a:p>
-            <a:pPr algn="ctr"/>
-            <a:endParaRPr lang="en-US" dirty="0"/>
-          </a:p>
-        </p:txBody>
-      </p:sp>
-      <p:sp>
-        <p:nvSpPr>
-          <p:cNvPr id="7" name="TextBox 6"/>
-          <p:cNvSpPr txBox="1"/>
-          <p:nvPr/>
-        </p:nvSpPr>
-        <p:spPr>
-          <a:xfrm>
-            <a:off x="4947115" y="1435100"/>
-            <a:ext cx="2031069" cy="369332"/>
-          </a:xfrm>
-          <a:prstGeom prst="rect">
-            <a:avLst/>
-          </a:prstGeom>
-          <a:noFill/>
-        </p:spPr>
-        <p:txBody>
-          <a:bodyPr wrap="none" rtlCol="0">
-            <a:spAutoFit/>
-          </a:bodyPr>
-          <a:lstStyle/>
-          <a:p>
-            <a:r>
-              <a:rPr lang="en-US" dirty="0" smtClean="0"/>
-              <a:t>Presentation Server</a:t>
-            </a:r>
-            <a:endParaRPr lang="en-US" dirty="0"/>
-          </a:p>
-        </p:txBody>
-      </p:sp>
-      <p:sp>
-        <p:nvSpPr>
-          <p:cNvPr id="8" name="Rectangle 7"/>
-          <p:cNvSpPr/>
-          <p:nvPr/>
-        </p:nvSpPr>
-        <p:spPr>
-          <a:xfrm>
-            <a:off x="4914899" y="4576207"/>
-            <a:ext cx="2095500" cy="1354624"/>
-          </a:xfrm>
-          <a:prstGeom prst="rect">
-            <a:avLst/>
-          </a:prstGeom>
-          <a:solidFill>
-            <a:schemeClr val="bg1"/>
-          </a:solidFill>
-        </p:spPr>
-        <p:style>
-          <a:lnRef idx="2">
-            <a:schemeClr val="accent1">
-              <a:shade val="50000"/>
-            </a:schemeClr>
-          </a:lnRef>
-          <a:fillRef idx="1">
-            <a:schemeClr val="accent1"/>
-          </a:fillRef>
-          <a:effectRef idx="0">
-            <a:schemeClr val="accent1"/>
-          </a:effectRef>
-          <a:fontRef idx="minor">
-            <a:schemeClr val="lt1"/>
-          </a:fontRef>
-        </p:style>
-        <p:txBody>
-          <a:bodyPr rtlCol="0" anchor="ctr"/>
-          <a:lstStyle/>
-          <a:p>
-            <a:pPr algn="ctr"/>
-            <a:endParaRPr lang="en-US" dirty="0"/>
-          </a:p>
-        </p:txBody>
-      </p:sp>
-      <p:sp>
-        <p:nvSpPr>
-          <p:cNvPr id="9" name="TextBox 8"/>
-          <p:cNvSpPr txBox="1"/>
-          <p:nvPr/>
-        </p:nvSpPr>
-        <p:spPr>
-          <a:xfrm>
-            <a:off x="5098470" y="4576207"/>
-            <a:ext cx="1728358" cy="369332"/>
-          </a:xfrm>
-          <a:prstGeom prst="rect">
-            <a:avLst/>
-          </a:prstGeom>
-          <a:noFill/>
-        </p:spPr>
-        <p:txBody>
-          <a:bodyPr wrap="none" rtlCol="0">
-            <a:spAutoFit/>
-          </a:bodyPr>
-          <a:lstStyle/>
-          <a:p>
-            <a:r>
-              <a:rPr lang="en-US" dirty="0" err="1" smtClean="0"/>
-              <a:t>Signalling</a:t>
-            </a:r>
-            <a:r>
-              <a:rPr lang="en-US" dirty="0" smtClean="0"/>
-              <a:t> Server</a:t>
-            </a:r>
-          </a:p>
-        </p:txBody>
-      </p:sp>
-      <p:pic>
-        <p:nvPicPr>
-          <p:cNvPr id="10" name="Picture 9"/>
-          <p:cNvPicPr>
-            <a:picLocks noChangeAspect="1"/>
-          </p:cNvPicPr>
-          <p:nvPr/>
-        </p:nvPicPr>
-        <p:blipFill>
-          <a:blip r:embed="rId4"/>
-          <a:stretch>
-            <a:fillRect/>
-          </a:stretch>
-        </p:blipFill>
-        <p:spPr>
-          <a:xfrm flipH="1">
-            <a:off x="9474200" y="365125"/>
-            <a:ext cx="1612900" cy="1955800"/>
-          </a:xfrm>
-          <a:prstGeom prst="rect">
-            <a:avLst/>
-          </a:prstGeom>
-        </p:spPr>
-      </p:pic>
-      <p:pic>
-        <p:nvPicPr>
-          <p:cNvPr id="11" name="Picture 10"/>
-          <p:cNvPicPr>
-            <a:picLocks noChangeAspect="1"/>
-          </p:cNvPicPr>
-          <p:nvPr/>
-        </p:nvPicPr>
-        <p:blipFill>
-          <a:blip r:embed="rId4"/>
-          <a:stretch>
-            <a:fillRect/>
-          </a:stretch>
-        </p:blipFill>
-        <p:spPr>
-          <a:xfrm flipH="1">
-            <a:off x="10315808" y="1435100"/>
-            <a:ext cx="1612900" cy="1955800"/>
-          </a:xfrm>
-          <a:prstGeom prst="rect">
-            <a:avLst/>
-          </a:prstGeom>
-        </p:spPr>
-      </p:pic>
-      <p:pic>
-        <p:nvPicPr>
-          <p:cNvPr id="12" name="Picture 11"/>
-          <p:cNvPicPr>
-            <a:picLocks noChangeAspect="1"/>
-          </p:cNvPicPr>
-          <p:nvPr/>
-        </p:nvPicPr>
-        <p:blipFill>
-          <a:blip r:embed="rId4"/>
-          <a:stretch>
-            <a:fillRect/>
-          </a:stretch>
-        </p:blipFill>
-        <p:spPr>
-          <a:xfrm flipH="1">
-            <a:off x="9474200" y="2798143"/>
-            <a:ext cx="1612900" cy="1955800"/>
-          </a:xfrm>
-          <a:prstGeom prst="rect">
-            <a:avLst/>
-          </a:prstGeom>
-        </p:spPr>
-      </p:pic>
-      <p:pic>
-        <p:nvPicPr>
-          <p:cNvPr id="13" name="Picture 12"/>
-          <p:cNvPicPr>
-            <a:picLocks noChangeAspect="1"/>
-          </p:cNvPicPr>
-          <p:nvPr/>
-        </p:nvPicPr>
-        <p:blipFill>
-          <a:blip r:embed="rId4"/>
-          <a:stretch>
-            <a:fillRect/>
-          </a:stretch>
-        </p:blipFill>
-        <p:spPr>
-          <a:xfrm flipH="1">
-            <a:off x="8632592" y="4161186"/>
-            <a:ext cx="1612900" cy="1955800"/>
-          </a:xfrm>
-          <a:prstGeom prst="rect">
-            <a:avLst/>
-          </a:prstGeom>
-        </p:spPr>
-      </p:pic>
-      <p:sp>
-        <p:nvSpPr>
-          <p:cNvPr id="15" name="Bent-Up Arrow 14"/>
-          <p:cNvSpPr/>
-          <p:nvPr/>
-        </p:nvSpPr>
-        <p:spPr>
-          <a:xfrm rot="16200000" flipV="1">
-            <a:off x="1811789" y="672997"/>
-            <a:ext cx="2433082" cy="3773138"/>
-          </a:xfrm>
-          <a:prstGeom prst="bentUpArrow">
-            <a:avLst>
-              <a:gd name="adj1" fmla="val 7891"/>
-              <a:gd name="adj2" fmla="val 10546"/>
-              <a:gd name="adj3" fmla="val 18510"/>
-            </a:avLst>
-          </a:prstGeom>
-        </p:spPr>
-        <p:style>
-          <a:lnRef idx="2">
-            <a:schemeClr val="accent1">
-              <a:shade val="50000"/>
-            </a:schemeClr>
-          </a:lnRef>
-          <a:fillRef idx="1">
-            <a:schemeClr val="accent1"/>
-          </a:fillRef>
-          <a:effectRef idx="0">
-            <a:schemeClr val="accent1"/>
-          </a:effectRef>
-          <a:fontRef idx="minor">
-            <a:schemeClr val="lt1"/>
-          </a:fontRef>
-        </p:style>
-        <p:txBody>
-          <a:bodyPr rtlCol="0" anchor="ctr"/>
-          <a:lstStyle/>
-          <a:p>
-            <a:pPr algn="ctr"/>
-            <a:endParaRPr lang="en-US"/>
-          </a:p>
-        </p:txBody>
-      </p:sp>
-      <p:sp>
-        <p:nvSpPr>
-          <p:cNvPr id="16" name="TextBox 15"/>
-          <p:cNvSpPr txBox="1"/>
-          <p:nvPr/>
-        </p:nvSpPr>
-        <p:spPr>
-          <a:xfrm>
-            <a:off x="1721849" y="1719784"/>
-            <a:ext cx="2612959" cy="369332"/>
-          </a:xfrm>
-          <a:prstGeom prst="rect">
-            <a:avLst/>
-          </a:prstGeom>
-          <a:noFill/>
-        </p:spPr>
-        <p:txBody>
-          <a:bodyPr wrap="none" rtlCol="0">
-            <a:spAutoFit/>
-          </a:bodyPr>
-          <a:lstStyle/>
-          <a:p>
-            <a:r>
-              <a:rPr lang="en-US" dirty="0" smtClean="0"/>
-              <a:t>1. Announce Presentation</a:t>
-            </a:r>
-            <a:endParaRPr lang="en-US" dirty="0"/>
-          </a:p>
-        </p:txBody>
-      </p:sp>
-      <p:sp>
-        <p:nvSpPr>
-          <p:cNvPr id="17" name="Bent-Up Arrow 16"/>
-          <p:cNvSpPr/>
-          <p:nvPr/>
-        </p:nvSpPr>
-        <p:spPr>
-          <a:xfrm rot="16200000" flipH="1" flipV="1">
-            <a:off x="2573201" y="3474906"/>
-            <a:ext cx="1062658" cy="3620738"/>
-          </a:xfrm>
-          <a:prstGeom prst="bentUpArrow">
-            <a:avLst>
-              <a:gd name="adj1" fmla="val 19842"/>
-              <a:gd name="adj2" fmla="val 20107"/>
-              <a:gd name="adj3" fmla="val 28071"/>
-            </a:avLst>
-          </a:prstGeom>
-        </p:spPr>
-        <p:style>
-          <a:lnRef idx="2">
-            <a:schemeClr val="accent1">
-              <a:shade val="50000"/>
-            </a:schemeClr>
-          </a:lnRef>
-          <a:fillRef idx="1">
-            <a:schemeClr val="accent1"/>
-          </a:fillRef>
-          <a:effectRef idx="0">
-            <a:schemeClr val="accent1"/>
-          </a:effectRef>
-          <a:fontRef idx="minor">
-            <a:schemeClr val="lt1"/>
-          </a:fontRef>
-        </p:style>
-        <p:txBody>
-          <a:bodyPr rtlCol="0" anchor="ctr"/>
-          <a:lstStyle/>
-          <a:p>
-            <a:pPr algn="ctr"/>
-            <a:endParaRPr lang="en-US"/>
-          </a:p>
-        </p:txBody>
-      </p:sp>
-      <p:sp>
-        <p:nvSpPr>
-          <p:cNvPr id="18" name="TextBox 17"/>
-          <p:cNvSpPr txBox="1"/>
-          <p:nvPr/>
-        </p:nvSpPr>
-        <p:spPr>
-          <a:xfrm>
-            <a:off x="1721848" y="5139086"/>
-            <a:ext cx="2068836" cy="369332"/>
-          </a:xfrm>
-          <a:prstGeom prst="rect">
-            <a:avLst/>
-          </a:prstGeom>
-          <a:noFill/>
-        </p:spPr>
-        <p:txBody>
-          <a:bodyPr wrap="none" rtlCol="0">
-            <a:spAutoFit/>
-          </a:bodyPr>
-          <a:lstStyle/>
-          <a:p>
-            <a:r>
-              <a:rPr lang="en-US" dirty="0"/>
-              <a:t>3</a:t>
-            </a:r>
-            <a:r>
-              <a:rPr lang="en-US" dirty="0" smtClean="0"/>
-              <a:t>. Negotiate session</a:t>
-            </a:r>
-            <a:endParaRPr lang="en-US" dirty="0"/>
-          </a:p>
-        </p:txBody>
-      </p:sp>
-      <p:cxnSp>
-        <p:nvCxnSpPr>
-          <p:cNvPr id="21" name="Straight Arrow Connector 20"/>
-          <p:cNvCxnSpPr>
-            <a:endCxn id="6" idx="3"/>
-          </p:cNvCxnSpPr>
-          <p:nvPr/>
-        </p:nvCxnSpPr>
-        <p:spPr>
-          <a:xfrm flipH="1">
-            <a:off x="7010400" y="1435100"/>
-            <a:ext cx="2768600" cy="402951"/>
-          </a:xfrm>
-          <a:prstGeom prst="straightConnector1">
-            <a:avLst/>
-          </a:prstGeom>
-          <a:ln w="127000">
-            <a:tailEnd type="triangle"/>
-          </a:ln>
-        </p:spPr>
-        <p:style>
-          <a:lnRef idx="1">
-            <a:schemeClr val="accent1"/>
-          </a:lnRef>
-          <a:fillRef idx="0">
-            <a:schemeClr val="accent1"/>
-          </a:fillRef>
-          <a:effectRef idx="0">
-            <a:schemeClr val="accent1"/>
-          </a:effectRef>
-          <a:fontRef idx="minor">
-            <a:schemeClr val="tx1"/>
-          </a:fontRef>
-        </p:style>
-      </p:cxnSp>
-      <p:sp>
-        <p:nvSpPr>
-          <p:cNvPr id="23" name="TextBox 22"/>
-          <p:cNvSpPr txBox="1"/>
-          <p:nvPr/>
-        </p:nvSpPr>
-        <p:spPr>
-          <a:xfrm rot="21008253">
-            <a:off x="7567802" y="1674833"/>
-            <a:ext cx="2027863" cy="369332"/>
-          </a:xfrm>
-          <a:prstGeom prst="rect">
-            <a:avLst/>
-          </a:prstGeom>
-          <a:noFill/>
-        </p:spPr>
-        <p:txBody>
-          <a:bodyPr wrap="none" rtlCol="0">
-            <a:spAutoFit/>
-          </a:bodyPr>
-          <a:lstStyle/>
-          <a:p>
-            <a:r>
-              <a:rPr lang="en-US" dirty="0"/>
-              <a:t>2</a:t>
-            </a:r>
-            <a:r>
-              <a:rPr lang="en-US" dirty="0" smtClean="0"/>
-              <a:t>. Join Presentation</a:t>
-            </a:r>
-            <a:endParaRPr lang="en-US" dirty="0"/>
-          </a:p>
-        </p:txBody>
-      </p:sp>
-      <p:cxnSp>
-        <p:nvCxnSpPr>
-          <p:cNvPr id="24" name="Straight Arrow Connector 23"/>
-          <p:cNvCxnSpPr>
-            <a:endCxn id="8" idx="3"/>
-          </p:cNvCxnSpPr>
-          <p:nvPr/>
-        </p:nvCxnSpPr>
-        <p:spPr>
-          <a:xfrm flipH="1">
-            <a:off x="7010399" y="2061676"/>
-            <a:ext cx="2841393" cy="3191843"/>
-          </a:xfrm>
-          <a:prstGeom prst="straightConnector1">
-            <a:avLst/>
-          </a:prstGeom>
-          <a:ln w="127000">
-            <a:tailEnd type="triangle"/>
-          </a:ln>
-        </p:spPr>
-        <p:style>
-          <a:lnRef idx="1">
-            <a:schemeClr val="accent1"/>
-          </a:lnRef>
-          <a:fillRef idx="0">
-            <a:schemeClr val="accent1"/>
-          </a:fillRef>
-          <a:effectRef idx="0">
-            <a:schemeClr val="accent1"/>
-          </a:effectRef>
-          <a:fontRef idx="minor">
-            <a:schemeClr val="tx1"/>
-          </a:fontRef>
-        </p:style>
-      </p:cxnSp>
-      <p:sp>
-        <p:nvSpPr>
-          <p:cNvPr id="27" name="TextBox 26"/>
-          <p:cNvSpPr txBox="1"/>
-          <p:nvPr/>
-        </p:nvSpPr>
-        <p:spPr>
-          <a:xfrm rot="18804217">
-            <a:off x="6963047" y="3575531"/>
-            <a:ext cx="2068836" cy="369332"/>
-          </a:xfrm>
-          <a:prstGeom prst="rect">
-            <a:avLst/>
-          </a:prstGeom>
-          <a:noFill/>
-        </p:spPr>
-        <p:txBody>
-          <a:bodyPr wrap="none" rtlCol="0">
-            <a:spAutoFit/>
-          </a:bodyPr>
-          <a:lstStyle/>
-          <a:p>
-            <a:r>
-              <a:rPr lang="en-US" dirty="0"/>
-              <a:t>3</a:t>
-            </a:r>
-            <a:r>
-              <a:rPr lang="en-US" dirty="0" smtClean="0"/>
-              <a:t>. Negotiate session</a:t>
-            </a:r>
-            <a:endParaRPr lang="en-US" dirty="0"/>
-          </a:p>
-        </p:txBody>
-      </p:sp>
-      <p:cxnSp>
-        <p:nvCxnSpPr>
-          <p:cNvPr id="29" name="Straight Arrow Connector 28"/>
-          <p:cNvCxnSpPr>
-            <a:stCxn id="5" idx="1"/>
-          </p:cNvCxnSpPr>
-          <p:nvPr/>
-        </p:nvCxnSpPr>
-        <p:spPr>
-          <a:xfrm flipV="1">
-            <a:off x="3343564" y="1914313"/>
-            <a:ext cx="6268748" cy="1704339"/>
-          </a:xfrm>
-          <a:prstGeom prst="straightConnector1">
-            <a:avLst/>
-          </a:prstGeom>
-          <a:ln w="127000">
-            <a:tailEnd type="triangle"/>
-          </a:ln>
-        </p:spPr>
-        <p:style>
-          <a:lnRef idx="1">
-            <a:schemeClr val="accent1"/>
-          </a:lnRef>
-          <a:fillRef idx="0">
-            <a:schemeClr val="accent1"/>
-          </a:fillRef>
-          <a:effectRef idx="0">
-            <a:schemeClr val="accent1"/>
-          </a:effectRef>
-          <a:fontRef idx="minor">
-            <a:schemeClr val="tx1"/>
-          </a:fontRef>
-        </p:style>
-      </p:cxnSp>
-      <p:sp>
-        <p:nvSpPr>
-          <p:cNvPr id="32" name="TextBox 31"/>
-          <p:cNvSpPr txBox="1"/>
-          <p:nvPr/>
-        </p:nvSpPr>
-        <p:spPr>
-          <a:xfrm rot="20630512">
-            <a:off x="4977561" y="2803695"/>
-            <a:ext cx="2942922" cy="369332"/>
-          </a:xfrm>
-          <a:prstGeom prst="rect">
-            <a:avLst/>
-          </a:prstGeom>
-          <a:noFill/>
-        </p:spPr>
-        <p:txBody>
-          <a:bodyPr wrap="none" rtlCol="0">
-            <a:spAutoFit/>
-          </a:bodyPr>
-          <a:lstStyle/>
-          <a:p>
-            <a:r>
-              <a:rPr lang="en-US" dirty="0" smtClean="0"/>
-              <a:t>4. Send A/V Real time Stream</a:t>
-            </a:r>
-            <a:endParaRPr lang="en-US" dirty="0"/>
-          </a:p>
-        </p:txBody>
-      </p:sp>
-      <p:sp>
-        <p:nvSpPr>
-          <p:cNvPr id="34" name="TextBox 33"/>
-          <p:cNvSpPr txBox="1"/>
-          <p:nvPr/>
-        </p:nvSpPr>
-        <p:spPr>
-          <a:xfrm>
-            <a:off x="1555170" y="6169479"/>
-            <a:ext cx="7529497" cy="369332"/>
-          </a:xfrm>
-          <a:prstGeom prst="rect">
-            <a:avLst/>
-          </a:prstGeom>
-          <a:noFill/>
-        </p:spPr>
-        <p:txBody>
-          <a:bodyPr wrap="none" rtlCol="0">
-            <a:spAutoFit/>
-          </a:bodyPr>
-          <a:lstStyle/>
-          <a:p>
-            <a:r>
-              <a:rPr lang="en-US" dirty="0" err="1" smtClean="0"/>
-              <a:t>Signalling</a:t>
-            </a:r>
-            <a:r>
-              <a:rPr lang="en-US" dirty="0" smtClean="0"/>
-              <a:t>: EITHER using </a:t>
-            </a:r>
-            <a:r>
-              <a:rPr lang="en-US" dirty="0" err="1" smtClean="0"/>
-              <a:t>IpCortex</a:t>
-            </a:r>
-            <a:r>
-              <a:rPr lang="en-US" dirty="0" smtClean="0"/>
-              <a:t> </a:t>
-            </a:r>
-            <a:r>
-              <a:rPr lang="en-US" dirty="0" err="1" smtClean="0"/>
-              <a:t>api</a:t>
-            </a:r>
-            <a:r>
-              <a:rPr lang="en-US" dirty="0" smtClean="0"/>
-              <a:t> OR modified </a:t>
-            </a:r>
-            <a:r>
-              <a:rPr lang="en-US" dirty="0" err="1" smtClean="0"/>
-              <a:t>signalling</a:t>
-            </a:r>
-            <a:r>
-              <a:rPr lang="en-US" dirty="0" smtClean="0"/>
-              <a:t> from previous task</a:t>
-            </a:r>
-          </a:p>
-        </p:txBody>
-      </p:sp>
-    </p:spTree>
-    <p:extLst>
-      <p:ext uri="{BB962C8B-B14F-4D97-AF65-F5344CB8AC3E}">
-        <p14:creationId xmlns:p14="http://schemas.microsoft.com/office/powerpoint/2010/main" val="1513161978"/>
-      </p:ext>
-    </p:extLst>
-  </p:cSld>
-  <p:clrMapOvr>
-    <a:masterClrMapping/>
-  </p:clrMapOvr>
-  <p:timing>
-    <p:tnLst>
-      <p:par>
-        <p:cTn id="1" dur="indefinite" restart="never" nodeType="tmRoot"/>
-      </p:par>
-    </p:tnLst>
-  </p:timing>
-</p:sld>
-</file>
-
-<file path=ppt/slides/slide47.xml><?xml version="1.0" encoding="utf-8"?>
-<p:sld xmlns:a="http://schemas.openxmlformats.org/drawingml/2006/main" xmlns:r="http://schemas.openxmlformats.org/officeDocument/2006/relationships" xmlns:p="http://schemas.openxmlformats.org/presentationml/2006/main" show="0">
-  <p:cSld>
-    <p:spTree>
-      <p:nvGrpSpPr>
-        <p:cNvPr id="1" name=""/>
-        <p:cNvGrpSpPr/>
-        <p:nvPr/>
-      </p:nvGrpSpPr>
-      <p:grpSpPr>
-        <a:xfrm>
-          <a:off x="0" y="0"/>
-          <a:ext cx="0" cy="0"/>
-          <a:chOff x="0" y="0"/>
-          <a:chExt cx="0" cy="0"/>
-        </a:xfrm>
-      </p:grpSpPr>
-      <p:sp>
-        <p:nvSpPr>
-          <p:cNvPr id="2" name="Title 1"/>
-          <p:cNvSpPr>
-            <a:spLocks noGrp="1"/>
-          </p:cNvSpPr>
-          <p:nvPr>
-            <p:ph type="title"/>
-          </p:nvPr>
-        </p:nvSpPr>
-        <p:spPr/>
-        <p:txBody>
-          <a:bodyPr>
-            <a:normAutofit/>
-          </a:bodyPr>
-          <a:lstStyle/>
-          <a:p>
-            <a:r>
-              <a:rPr lang="en-US" sz="4000" dirty="0" err="1" smtClean="0"/>
-              <a:t>Signalling</a:t>
-            </a:r>
-            <a:r>
-              <a:rPr lang="en-US" sz="4000" dirty="0" smtClean="0"/>
-              <a:t> for Remote Presentations: Two Options</a:t>
-            </a:r>
-            <a:endParaRPr lang="en-US" sz="4000" dirty="0"/>
-          </a:p>
-        </p:txBody>
-      </p:sp>
-      <p:sp>
-        <p:nvSpPr>
-          <p:cNvPr id="3" name="Content Placeholder 2"/>
-          <p:cNvSpPr>
-            <a:spLocks noGrp="1"/>
-          </p:cNvSpPr>
-          <p:nvPr>
-            <p:ph idx="1"/>
-          </p:nvPr>
-        </p:nvSpPr>
-        <p:spPr/>
-        <p:txBody>
-          <a:bodyPr/>
-          <a:lstStyle/>
-          <a:p>
-            <a:r>
-              <a:rPr lang="en-US" dirty="0" smtClean="0"/>
-              <a:t>Evolution of simple </a:t>
-            </a:r>
-            <a:r>
-              <a:rPr lang="en-US" dirty="0" err="1" smtClean="0"/>
-              <a:t>signalling</a:t>
-            </a:r>
-            <a:r>
-              <a:rPr lang="en-US" dirty="0" smtClean="0"/>
-              <a:t> from previous example</a:t>
-            </a:r>
-          </a:p>
-          <a:p>
-            <a:pPr lvl="1"/>
-            <a:r>
-              <a:rPr lang="en-US" dirty="0" smtClean="0"/>
-              <a:t>Should work on a local LAN</a:t>
-            </a:r>
-          </a:p>
-          <a:p>
-            <a:pPr lvl="1"/>
-            <a:r>
-              <a:rPr lang="en-US" dirty="0" smtClean="0"/>
-              <a:t>Won’t work across the Internet without TURN/STUN servers (complexity)</a:t>
-            </a:r>
-          </a:p>
-          <a:p>
-            <a:r>
-              <a:rPr lang="en-US" dirty="0" err="1" smtClean="0"/>
-              <a:t>IPCortex</a:t>
-            </a:r>
-            <a:r>
-              <a:rPr lang="en-US" dirty="0" smtClean="0"/>
-              <a:t> API</a:t>
-            </a:r>
-          </a:p>
-          <a:p>
-            <a:pPr lvl="1"/>
-            <a:r>
-              <a:rPr lang="en-US" dirty="0" smtClean="0"/>
-              <a:t>Covers all the routing across the Internet</a:t>
-            </a:r>
-          </a:p>
-          <a:p>
-            <a:pPr lvl="1"/>
-            <a:r>
-              <a:rPr lang="en-US" dirty="0" smtClean="0"/>
-              <a:t>More complex to configure/run</a:t>
-            </a:r>
-          </a:p>
-          <a:p>
-            <a:endParaRPr lang="en-US" dirty="0"/>
-          </a:p>
-        </p:txBody>
-      </p:sp>
-    </p:spTree>
-    <p:extLst>
-      <p:ext uri="{BB962C8B-B14F-4D97-AF65-F5344CB8AC3E}">
-        <p14:creationId xmlns:p14="http://schemas.microsoft.com/office/powerpoint/2010/main" val="814445932"/>
-      </p:ext>
-    </p:extLst>
-  </p:cSld>
-  <p:clrMapOvr>
-    <a:masterClrMapping/>
-  </p:clrMapOvr>
-  <mc:AlternateContent xmlns:mc="http://schemas.openxmlformats.org/markup-compatibility/2006">
-    <mc:Choice xmlns:p14="http://schemas.microsoft.com/office/powerpoint/2010/main" Requires="p14">
-      <p:transition spd="slow" p14:dur="2000"/>
-    </mc:Choice>
-    <mc:Fallback>
-      <p:transition spd="slow"/>
-    </mc:Fallback>
-  </mc:AlternateContent>
   <p:timing>
     <p:tnLst>
       <p:par>
@@ -19023,8 +19068,24 @@
           <a:lstStyle/>
           <a:p>
             <a:r>
-              <a:rPr lang="en-US" dirty="0" smtClean="0"/>
-              <a:t>References</a:t>
+              <a:rPr lang="en-US" dirty="0"/>
+              <a:t>4. </a:t>
+            </a:r>
+            <a:r>
+              <a:rPr lang="en-US" dirty="0" err="1" smtClean="0"/>
+              <a:t>Signalling</a:t>
+            </a:r>
+            <a:r>
+              <a:rPr lang="en-US" dirty="0" smtClean="0"/>
+              <a:t> </a:t>
+            </a:r>
+            <a:r>
+              <a:rPr lang="en-US" dirty="0"/>
+              <a:t>across a </a:t>
+            </a:r>
+            <a:r>
+              <a:rPr lang="en-US" dirty="0" smtClean="0"/>
+              <a:t>network (2)</a:t>
             </a:r>
             <a:endParaRPr lang="en-US" dirty="0"/>
           </a:p>
@@ -19040,383 +19101,82 @@
             <p:ph idx="1"/>
           </p:nvPr>
         </p:nvSpPr>
-        <p:spPr>
-          <a:xfrm>
-            <a:off x="838200" y="1409700"/>
-            <a:ext cx="10515600" cy="5168900"/>
-          </a:xfrm>
-        </p:spPr>
-        <p:txBody>
-          <a:bodyPr>
-            <a:normAutofit fontScale="92500" lnSpcReduction="10000"/>
-          </a:bodyPr>
-          <a:lstStyle/>
-          <a:p>
-            <a:r>
-              <a:rPr lang="en-US" sz="1600" dirty="0" err="1" smtClean="0"/>
-              <a:t>mediaDevices.getUserMedia</a:t>
-            </a:r>
-            <a:r>
-              <a:rPr lang="en-US" sz="1600" dirty="0" smtClean="0"/>
-              <a:t> MDN:</a:t>
+        <p:spPr/>
+        <p:txBody>
+          <a:bodyPr/>
+          <a:lstStyle/>
+          <a:p>
+            <a:r>
+              <a:rPr lang="en-US" dirty="0" smtClean="0"/>
+              <a:t>If you’ve implemented part 3 well then</a:t>
             </a:r>
           </a:p>
           <a:p>
             <a:pPr lvl="1"/>
             <a:r>
-              <a:rPr lang="en-US" sz="1500" dirty="0" smtClean="0">
-                <a:hlinkClick r:id="rId2"/>
-              </a:rPr>
-              <a:t>https</a:t>
-            </a:r>
-            <a:r>
-              <a:rPr lang="en-US" sz="1500" dirty="0">
-                <a:hlinkClick r:id="rId2"/>
-              </a:rPr>
-              <a:t>://</a:t>
-            </a:r>
-            <a:r>
-              <a:rPr lang="en-US" sz="1400" dirty="0">
-                <a:hlinkClick r:id="rId2"/>
-              </a:rPr>
-              <a:t>developer.mozilla.org/en-US/docs/Web/API/MediaDevices/getUserMedia</a:t>
-            </a:r>
-            <a:endParaRPr lang="en-US" sz="1400" dirty="0" smtClean="0"/>
-          </a:p>
-          <a:p>
-            <a:r>
-              <a:rPr lang="en-US" sz="1600" dirty="0" err="1" smtClean="0"/>
-              <a:t>WebRTC</a:t>
-            </a:r>
-            <a:endParaRPr lang="en-US" sz="1600" dirty="0"/>
+              <a:rPr lang="en-US" dirty="0" smtClean="0"/>
+              <a:t>All you should have to do to the client/browser is rewrite </a:t>
+            </a:r>
+            <a:r>
+              <a:rPr lang="en-US" dirty="0" err="1" smtClean="0"/>
+              <a:t>EndPoint</a:t>
+            </a:r>
+            <a:endParaRPr lang="en-US" dirty="0" smtClean="0"/>
           </a:p>
           <a:p>
             <a:pPr lvl="1"/>
             <a:r>
-              <a:rPr lang="en-US" sz="1400" dirty="0" smtClean="0">
-                <a:hlinkClick r:id="rId3"/>
-              </a:rPr>
-              <a:t>https://developer.mozilla.org/en-US/docs/Web/API/WebRTC_API</a:t>
-            </a:r>
-            <a:endParaRPr lang="en-US" sz="1400" dirty="0" smtClean="0"/>
-          </a:p>
-          <a:p>
-            <a:r>
-              <a:rPr lang="en-US" sz="1600" dirty="0" err="1" smtClean="0"/>
-              <a:t>WebRTC.org</a:t>
-            </a:r>
-            <a:r>
-              <a:rPr lang="en-US" sz="1600" dirty="0" smtClean="0"/>
-              <a:t> </a:t>
-            </a:r>
-            <a:r>
-              <a:rPr lang="mr-IN" sz="1600" dirty="0" smtClean="0"/>
-              <a:t>–</a:t>
-            </a:r>
-            <a:r>
-              <a:rPr lang="en-US" sz="1600" dirty="0" smtClean="0"/>
-              <a:t> Getting Started</a:t>
+              <a:rPr lang="en-US" dirty="0" smtClean="0"/>
+              <a:t>There should be </a:t>
+            </a:r>
+            <a:r>
+              <a:rPr lang="en-US" b="1" dirty="0" smtClean="0"/>
+              <a:t>no changes</a:t>
+            </a:r>
+            <a:r>
+              <a:rPr lang="en-US" dirty="0" smtClean="0"/>
+              <a:t> required to </a:t>
+            </a:r>
+            <a:r>
+              <a:rPr lang="en-US" dirty="0" err="1" smtClean="0"/>
+              <a:t>VideoEndPoint</a:t>
+            </a:r>
+            <a:endParaRPr lang="en-US" dirty="0" smtClean="0"/>
+          </a:p>
+          <a:p>
+            <a:r>
+              <a:rPr lang="en-US" dirty="0" smtClean="0"/>
+              <a:t>Extend the node server to implement the REST interface</a:t>
             </a:r>
           </a:p>
           <a:p>
             <a:pPr lvl="1"/>
             <a:r>
-              <a:rPr lang="en-US" sz="1400" dirty="0" smtClean="0">
-                <a:hlinkClick r:id="rId4"/>
-              </a:rPr>
-              <a:t>https://</a:t>
-            </a:r>
-            <a:r>
-              <a:rPr lang="en-US" sz="1400" dirty="0" err="1" smtClean="0">
-                <a:hlinkClick r:id="rId4"/>
-              </a:rPr>
-              <a:t>webrtc.org</a:t>
-            </a:r>
-            <a:r>
-              <a:rPr lang="en-US" sz="1400" dirty="0" smtClean="0">
-                <a:hlinkClick r:id="rId4"/>
-              </a:rPr>
-              <a:t>/start/</a:t>
-            </a:r>
-            <a:endParaRPr lang="en-US" sz="1400" dirty="0" smtClean="0"/>
-          </a:p>
-          <a:p>
-            <a:r>
-              <a:rPr lang="en-US" sz="1600" dirty="0" smtClean="0"/>
-              <a:t>HTML 5 Rocks </a:t>
-            </a:r>
-            <a:r>
-              <a:rPr lang="mr-IN" sz="1600" dirty="0" smtClean="0"/>
-              <a:t>–</a:t>
-            </a:r>
-            <a:r>
-              <a:rPr lang="en-US" sz="1600" dirty="0" smtClean="0"/>
-              <a:t> Getting started with </a:t>
-            </a:r>
-            <a:r>
-              <a:rPr lang="en-US" sz="1600" dirty="0" err="1" smtClean="0"/>
-              <a:t>WebRTC</a:t>
-            </a:r>
-            <a:r>
-              <a:rPr lang="en-US" sz="1600" dirty="0" smtClean="0"/>
-              <a:t> (2012)</a:t>
+              <a:rPr lang="en-US" dirty="0" smtClean="0"/>
+              <a:t>Specified in the WIKI</a:t>
             </a:r>
           </a:p>
           <a:p>
             <a:pPr lvl="1"/>
-            <a:r>
-              <a:rPr lang="en-US" sz="1400" dirty="0" smtClean="0"/>
-              <a:t>Illustrates local </a:t>
-            </a:r>
-            <a:r>
-              <a:rPr lang="en-US" sz="1400" dirty="0" err="1" smtClean="0"/>
-              <a:t>signalling</a:t>
-            </a:r>
-            <a:r>
-              <a:rPr lang="en-US" sz="1400" dirty="0" smtClean="0"/>
-              <a:t> </a:t>
-            </a:r>
-            <a:r>
-              <a:rPr lang="en-US" sz="1400" i="1" dirty="0" smtClean="0"/>
-              <a:t>but</a:t>
-            </a:r>
-            <a:r>
-              <a:rPr lang="en-US" sz="1400" dirty="0" smtClean="0"/>
-              <a:t> not is a portable way</a:t>
-            </a:r>
-          </a:p>
-          <a:p>
-            <a:pPr lvl="1"/>
-            <a:r>
-              <a:rPr lang="en-US" sz="1400" dirty="0" smtClean="0">
-                <a:hlinkClick r:id="rId5"/>
-              </a:rPr>
-              <a:t>https://www.html5rocks.com/en/tutorials/webrtc/basics/</a:t>
-            </a:r>
-            <a:endParaRPr lang="en-US" sz="1400" dirty="0" smtClean="0"/>
-          </a:p>
-          <a:p>
-            <a:r>
-              <a:rPr lang="en-US" sz="1600" dirty="0" smtClean="0"/>
-              <a:t>HTML 5 Rocks </a:t>
-            </a:r>
-            <a:r>
-              <a:rPr lang="mr-IN" sz="1600" dirty="0" smtClean="0"/>
-              <a:t>–</a:t>
-            </a:r>
-            <a:r>
-              <a:rPr lang="en-US" sz="1600" dirty="0" smtClean="0"/>
-              <a:t> </a:t>
-            </a:r>
-            <a:r>
-              <a:rPr lang="en-US" sz="1600" dirty="0" err="1" smtClean="0"/>
-              <a:t>WebRTC</a:t>
-            </a:r>
-            <a:r>
-              <a:rPr lang="en-US" sz="1600" dirty="0" smtClean="0"/>
-              <a:t> Infrastructure</a:t>
-            </a:r>
-          </a:p>
-          <a:p>
-            <a:pPr lvl="1"/>
-            <a:r>
-              <a:rPr lang="en-US" sz="1400" dirty="0" smtClean="0"/>
-              <a:t>Great overview of </a:t>
-            </a:r>
-            <a:r>
-              <a:rPr lang="en-US" sz="1400" dirty="0" err="1" smtClean="0"/>
-              <a:t>signalling</a:t>
-            </a:r>
-            <a:r>
-              <a:rPr lang="en-US" sz="1400" dirty="0" smtClean="0"/>
-              <a:t> </a:t>
-            </a:r>
-            <a:r>
-              <a:rPr lang="mr-IN" sz="1400" dirty="0" smtClean="0"/>
-              <a:t>–</a:t>
-            </a:r>
-            <a:r>
-              <a:rPr lang="en-US" sz="1400" dirty="0" smtClean="0"/>
-              <a:t> everything you need to know!</a:t>
-            </a:r>
-          </a:p>
-          <a:p>
-            <a:pPr lvl="1"/>
-            <a:r>
-              <a:rPr lang="en-US" sz="1400" dirty="0">
-                <a:hlinkClick r:id="rId6"/>
-              </a:rPr>
-              <a:t>https://www.html5rocks.com/</a:t>
-            </a:r>
-            <a:r>
-              <a:rPr lang="en-US" sz="1400" dirty="0" err="1">
-                <a:hlinkClick r:id="rId6"/>
-              </a:rPr>
-              <a:t>en</a:t>
-            </a:r>
-            <a:r>
-              <a:rPr lang="en-US" sz="1400" dirty="0">
-                <a:hlinkClick r:id="rId6"/>
-              </a:rPr>
-              <a:t>/tutorials/</a:t>
-            </a:r>
-            <a:r>
-              <a:rPr lang="en-US" sz="1400" dirty="0" err="1">
-                <a:hlinkClick r:id="rId6"/>
-              </a:rPr>
-              <a:t>webrtc</a:t>
-            </a:r>
-            <a:r>
-              <a:rPr lang="en-US" sz="1400" dirty="0">
-                <a:hlinkClick r:id="rId6"/>
-              </a:rPr>
-              <a:t>/infrastructure/</a:t>
-            </a:r>
-            <a:endParaRPr lang="en-US" sz="1400" dirty="0"/>
-          </a:p>
-          <a:p>
-            <a:r>
-              <a:rPr lang="en-US" sz="1600" dirty="0" err="1" smtClean="0"/>
-              <a:t>adapter.js</a:t>
-            </a:r>
-            <a:r>
-              <a:rPr lang="en-US" sz="1600" dirty="0" smtClean="0"/>
-              <a:t>: </a:t>
-            </a:r>
-            <a:r>
-              <a:rPr lang="en-US" sz="1400" dirty="0">
-                <a:hlinkClick r:id="rId7"/>
-              </a:rPr>
-              <a:t>https://github.com/webrtc/adapter</a:t>
-            </a:r>
-            <a:endParaRPr lang="en-US" sz="1400" dirty="0"/>
-          </a:p>
-          <a:p>
-            <a:pPr lvl="1"/>
-            <a:r>
-              <a:rPr lang="en-US" sz="1400" dirty="0" smtClean="0"/>
-              <a:t>Shim to isolate applications from browser incompatibilities</a:t>
-            </a:r>
-          </a:p>
-          <a:p>
-            <a:r>
-              <a:rPr lang="en-US" sz="1600" dirty="0"/>
-              <a:t>Promises</a:t>
-            </a:r>
-            <a:r>
-              <a:rPr lang="en-US" sz="1600" dirty="0" smtClean="0"/>
-              <a:t>:</a:t>
-            </a:r>
-          </a:p>
-          <a:p>
-            <a:pPr lvl="1"/>
-            <a:r>
-              <a:rPr lang="en-US" sz="1400" dirty="0">
-                <a:hlinkClick r:id="rId8"/>
-              </a:rPr>
-              <a:t>https://</a:t>
-            </a:r>
-            <a:r>
-              <a:rPr lang="en-US" sz="1400" dirty="0" err="1">
-                <a:hlinkClick r:id="rId8"/>
-              </a:rPr>
-              <a:t>kosamari.com</a:t>
-            </a:r>
-            <a:r>
-              <a:rPr lang="en-US" sz="1400" dirty="0">
-                <a:hlinkClick r:id="rId8"/>
-              </a:rPr>
-              <a:t>/notes/the-promise-of-a-burger-party</a:t>
-            </a:r>
-            <a:endParaRPr lang="en-US" sz="1400" dirty="0"/>
-          </a:p>
-          <a:p>
-            <a:pPr lvl="1"/>
-            <a:r>
-              <a:rPr lang="en-US" sz="1400" dirty="0" smtClean="0">
-                <a:hlinkClick r:id="rId9"/>
-              </a:rPr>
-              <a:t>https</a:t>
-            </a:r>
-            <a:r>
-              <a:rPr lang="en-US" sz="1400" dirty="0">
-                <a:hlinkClick r:id="rId9"/>
-              </a:rPr>
-              <a:t>://</a:t>
-            </a:r>
-            <a:r>
-              <a:rPr lang="en-US" sz="1400" dirty="0" smtClean="0">
-                <a:hlinkClick r:id="rId9"/>
-              </a:rPr>
-              <a:t>developer.mozilla.org/en/docs/Web/JavaScript/Reference/Global_Objects/Promise</a:t>
-            </a:r>
-            <a:endParaRPr lang="en-US" sz="1400" dirty="0" smtClean="0"/>
-          </a:p>
-          <a:p>
-            <a:r>
-              <a:rPr lang="en-US" sz="1600" dirty="0" smtClean="0"/>
-              <a:t>Classes/OOD/OOP: </a:t>
-            </a:r>
-            <a:r>
-              <a:rPr lang="en-US" sz="1400" dirty="0" smtClean="0">
-                <a:hlinkClick r:id="rId10"/>
-              </a:rPr>
-              <a:t>https</a:t>
-            </a:r>
-            <a:r>
-              <a:rPr lang="en-US" sz="1400" dirty="0">
-                <a:hlinkClick r:id="rId10"/>
-              </a:rPr>
-              <a:t>://</a:t>
-            </a:r>
-            <a:r>
-              <a:rPr lang="en-US" sz="1400" dirty="0" smtClean="0">
-                <a:hlinkClick r:id="rId10"/>
-              </a:rPr>
-              <a:t>developer.mozilla.org/en-US/docs/Learn/JavaScript/Objects/Object-oriented_JS</a:t>
-            </a:r>
-            <a:endParaRPr lang="en-US" sz="1400" dirty="0" smtClean="0"/>
-          </a:p>
-          <a:p>
-            <a:r>
-              <a:rPr lang="en-US" sz="1600" dirty="0" smtClean="0"/>
-              <a:t>Finite State Machine: </a:t>
-            </a:r>
-            <a:r>
-              <a:rPr lang="en-US" sz="1400" dirty="0" smtClean="0">
-                <a:hlinkClick r:id="rId11"/>
-              </a:rPr>
-              <a:t>https://developer.mozilla.org/en-US/docs/Glossary/State_machine</a:t>
-            </a:r>
-            <a:endParaRPr lang="en-US" sz="1400" dirty="0" smtClean="0"/>
-          </a:p>
-          <a:p>
-            <a:endParaRPr lang="en-US" sz="1600" dirty="0"/>
+            <a:endParaRPr lang="en-US" dirty="0" smtClean="0"/>
           </a:p>
         </p:txBody>
       </p:sp>
     </p:spTree>
     <p:extLst>
       <p:ext uri="{BB962C8B-B14F-4D97-AF65-F5344CB8AC3E}">
-        <p14:creationId xmlns:p14="http://schemas.microsoft.com/office/powerpoint/2010/main" val="162938005"/>
+        <p14:creationId xmlns:p14="http://schemas.microsoft.com/office/powerpoint/2010/main" val="283784917"/>
       </p:ext>
     </p:extLst>
   </p:cSld>
   <p:clrMapOvr>
     <a:masterClrMapping/>
   </p:clrMapOvr>
-  <p:timing>
-    <p:tnLst>
-      <p:par>
-        <p:cTn id="1" dur="indefinite" restart="never" nodeType="tmRoot"/>
-      </p:par>
-    </p:tnLst>
-  </p:timing>
 </p:sld>
 </file>
 
 <file path=ppt/slides/slide49.xml><?xml version="1.0" encoding="utf-8"?>
-<p:sld xmlns:a="http://schemas.openxmlformats.org/drawingml/2006/main" xmlns:r="http://schemas.openxmlformats.org/officeDocument/2006/relationships" xmlns:p="http://schemas.openxmlformats.org/presentationml/2006/main" show="0">
+<p:sld xmlns:a="http://schemas.openxmlformats.org/drawingml/2006/main" xmlns:r="http://schemas.openxmlformats.org/officeDocument/2006/relationships" xmlns:p="http://schemas.openxmlformats.org/presentationml/2006/main">
   <p:cSld>
     <p:spTree>
       <p:nvGrpSpPr>
@@ -19434,6 +19194,29 @@
       </p:grpSpPr>
       <p:sp>
         <p:nvSpPr>
+          <p:cNvPr id="2" name="Title 1"/>
+          <p:cNvSpPr>
+            <a:spLocks noGrp="1"/>
+          </p:cNvSpPr>
+          <p:nvPr>
+            <p:ph type="title"/>
+          </p:nvPr>
+        </p:nvSpPr>
+        <p:spPr/>
+        <p:txBody>
+          <a:bodyPr/>
+          <a:lstStyle/>
+          <a:p>
+            <a:r>
+              <a:rPr lang="en-US" dirty="0" smtClean="0"/>
+              <a:t>5. Talking between teams</a:t>
+            </a:r>
+            <a:endParaRPr lang="en-US" dirty="0"/>
+          </a:p>
+        </p:txBody>
+      </p:sp>
+      <p:sp>
+        <p:nvSpPr>
           <p:cNvPr id="3" name="Content Placeholder 2"/>
           <p:cNvSpPr>
             <a:spLocks noGrp="1"/>
@@ -19444,95 +19227,84 @@
         </p:nvSpPr>
         <p:spPr/>
         <p:txBody>
-          <a:bodyPr>
-            <a:normAutofit/>
-          </a:bodyPr>
-          <a:lstStyle/>
-          <a:p>
-            <a:pPr marL="0" lvl="1" indent="0" algn="ctr">
-              <a:spcBef>
-                <a:spcPts val="1000"/>
-              </a:spcBef>
-              <a:buNone/>
-            </a:pPr>
-            <a:r>
-              <a:rPr lang="en-US" sz="5400" dirty="0" err="1"/>
-              <a:t>a</a:t>
-            </a:r>
-            <a:r>
-              <a:rPr lang="en-US" sz="5400" dirty="0" err="1" smtClean="0"/>
-              <a:t>dapter.js</a:t>
-            </a:r>
-            <a:r>
-              <a:rPr lang="en-US" sz="5400" dirty="0" smtClean="0"/>
-              <a:t/>
-            </a:r>
-            <a:br>
-              <a:rPr lang="en-US" sz="5400" dirty="0" smtClean="0"/>
-            </a:br>
-            <a:r>
-              <a:rPr lang="en-US" sz="5400" dirty="0" smtClean="0"/>
-              <a:t/>
-            </a:r>
-            <a:br>
-              <a:rPr lang="en-US" sz="5400" dirty="0" smtClean="0"/>
-            </a:br>
-            <a:r>
-              <a:rPr lang="en-US" sz="5400" dirty="0" smtClean="0"/>
-              <a:t/>
-            </a:r>
-            <a:br>
-              <a:rPr lang="en-US" sz="5400" dirty="0" smtClean="0"/>
-            </a:br>
-            <a:r>
-              <a:rPr lang="en-US" sz="5400" dirty="0" smtClean="0"/>
-              <a:t>https://</a:t>
-            </a:r>
-            <a:r>
-              <a:rPr lang="en-US" sz="5400" dirty="0" err="1" smtClean="0"/>
-              <a:t>github.com</a:t>
-            </a:r>
-            <a:r>
-              <a:rPr lang="en-US" sz="5400" dirty="0" smtClean="0"/>
-              <a:t>/</a:t>
-            </a:r>
-            <a:r>
-              <a:rPr lang="en-US" sz="5400" dirty="0" err="1" smtClean="0"/>
-              <a:t>webrtc</a:t>
-            </a:r>
-            <a:r>
-              <a:rPr lang="en-US" sz="5400" dirty="0" smtClean="0"/>
-              <a:t>/adapter</a:t>
-            </a:r>
-            <a:endParaRPr lang="en-US" sz="5400" dirty="0"/>
+          <a:bodyPr/>
+          <a:lstStyle/>
+          <a:p>
+            <a:r>
+              <a:rPr lang="en-US" dirty="0" smtClean="0"/>
+              <a:t>There should be 4 teams with working clients and node servers</a:t>
+            </a:r>
+          </a:p>
+          <a:p>
+            <a:r>
+              <a:rPr lang="en-US" dirty="0" smtClean="0"/>
+              <a:t>The node servers are implementing a defined protocol</a:t>
+            </a:r>
+          </a:p>
+          <a:p>
+            <a:r>
+              <a:rPr lang="en-US" dirty="0" smtClean="0"/>
+              <a:t>So</a:t>
+            </a:r>
+            <a:r>
+              <a:rPr lang="mr-IN" dirty="0" smtClean="0"/>
+              <a:t>…</a:t>
+            </a:r>
+            <a:endParaRPr lang="en-GB" dirty="0" smtClean="0"/>
+          </a:p>
+          <a:p>
+            <a:pPr lvl="1"/>
+            <a:r>
+              <a:rPr lang="en-GB" dirty="0" smtClean="0"/>
+              <a:t>The client from any team should be able to talk to any node server</a:t>
+            </a:r>
+          </a:p>
+          <a:p>
+            <a:pPr lvl="1"/>
+            <a:r>
+              <a:rPr lang="en-GB" dirty="0" smtClean="0"/>
+              <a:t>Two clients from two different teams should be able to connect to the same node server and make a call</a:t>
+            </a:r>
+          </a:p>
+          <a:p>
+            <a:pPr lvl="1"/>
+            <a:endParaRPr lang="en-US" dirty="0" smtClean="0"/>
+          </a:p>
+          <a:p>
+            <a:r>
+              <a:rPr lang="en-US" dirty="0" smtClean="0"/>
+              <a:t>AIM:</a:t>
+            </a:r>
+          </a:p>
+          <a:p>
+            <a:pPr lvl="1"/>
+            <a:r>
+              <a:rPr lang="en-US" dirty="0" smtClean="0"/>
+              <a:t>Using any teams node server</a:t>
+            </a:r>
+          </a:p>
+          <a:p>
+            <a:pPr lvl="1"/>
+            <a:r>
+              <a:rPr lang="en-US" dirty="0" smtClean="0"/>
+              <a:t>Connect clients from all 4 teams to that server and make a call</a:t>
+            </a:r>
+          </a:p>
+          <a:p>
+            <a:endParaRPr lang="en-GB" dirty="0"/>
           </a:p>
         </p:txBody>
       </p:sp>
     </p:spTree>
     <p:extLst>
       <p:ext uri="{BB962C8B-B14F-4D97-AF65-F5344CB8AC3E}">
-        <p14:creationId xmlns:p14="http://schemas.microsoft.com/office/powerpoint/2010/main" val="1374064179"/>
+        <p14:creationId xmlns:p14="http://schemas.microsoft.com/office/powerpoint/2010/main" val="295557802"/>
       </p:ext>
     </p:extLst>
   </p:cSld>
   <p:clrMapOvr>
     <a:masterClrMapping/>
   </p:clrMapOvr>
-  <mc:AlternateContent xmlns:mc="http://schemas.openxmlformats.org/markup-compatibility/2006">
-    <mc:Choice xmlns:p14="http://schemas.microsoft.com/office/powerpoint/2010/main" Requires="p14">
-      <p:transition spd="slow" p14:dur="2000"/>
-    </mc:Choice>
-    <mc:Fallback>
-      <p:transition spd="slow"/>
-    </mc:Fallback>
-  </mc:AlternateContent>
-  <p:timing>
-    <p:tnLst>
-      <p:par>
-        <p:cTn id="1" dur="indefinite" restart="never" nodeType="tmRoot"/>
-      </p:par>
-    </p:tnLst>
-  </p:timing>
 </p:sld>
 </file>
 
@@ -20715,6 +20487,2228 @@
 </file>
 
 <file path=ppt/slides/slide50.xml><?xml version="1.0" encoding="utf-8"?>
+<p:sld xmlns:a="http://schemas.openxmlformats.org/drawingml/2006/main" xmlns:r="http://schemas.openxmlformats.org/officeDocument/2006/relationships" xmlns:p="http://schemas.openxmlformats.org/presentationml/2006/main">
+  <p:cSld>
+    <p:spTree>
+      <p:nvGrpSpPr>
+        <p:cNvPr id="1" name=""/>
+        <p:cNvGrpSpPr/>
+        <p:nvPr/>
+      </p:nvGrpSpPr>
+      <p:grpSpPr>
+        <a:xfrm>
+          <a:off x="0" y="0"/>
+          <a:ext cx="0" cy="0"/>
+          <a:chOff x="0" y="0"/>
+          <a:chExt cx="0" cy="0"/>
+        </a:xfrm>
+      </p:grpSpPr>
+      <p:sp>
+        <p:nvSpPr>
+          <p:cNvPr id="2" name="Title 1"/>
+          <p:cNvSpPr>
+            <a:spLocks noGrp="1"/>
+          </p:cNvSpPr>
+          <p:nvPr>
+            <p:ph type="title"/>
+          </p:nvPr>
+        </p:nvSpPr>
+        <p:spPr/>
+        <p:txBody>
+          <a:bodyPr/>
+          <a:lstStyle/>
+          <a:p>
+            <a:r>
+              <a:rPr lang="en-US" dirty="0" smtClean="0"/>
+              <a:t>5. Cross team</a:t>
+            </a:r>
+            <a:endParaRPr lang="en-US" dirty="0"/>
+          </a:p>
+        </p:txBody>
+      </p:sp>
+      <p:sp>
+        <p:nvSpPr>
+          <p:cNvPr id="4" name="Oval 3"/>
+          <p:cNvSpPr/>
+          <p:nvPr/>
+        </p:nvSpPr>
+        <p:spPr>
+          <a:xfrm>
+            <a:off x="5260565" y="2536330"/>
+            <a:ext cx="1897626" cy="1897626"/>
+          </a:xfrm>
+          <a:prstGeom prst="ellipse">
+            <a:avLst/>
+          </a:prstGeom>
+        </p:spPr>
+        <p:style>
+          <a:lnRef idx="2">
+            <a:schemeClr val="accent1">
+              <a:shade val="50000"/>
+            </a:schemeClr>
+          </a:lnRef>
+          <a:fillRef idx="1">
+            <a:schemeClr val="accent1"/>
+          </a:fillRef>
+          <a:effectRef idx="0">
+            <a:schemeClr val="accent1"/>
+          </a:effectRef>
+          <a:fontRef idx="minor">
+            <a:schemeClr val="lt1"/>
+          </a:fontRef>
+        </p:style>
+        <p:txBody>
+          <a:bodyPr rtlCol="0" anchor="ctr"/>
+          <a:lstStyle/>
+          <a:p>
+            <a:pPr algn="ctr"/>
+            <a:r>
+              <a:rPr lang="en-US" dirty="0" smtClean="0"/>
+              <a:t>Node</a:t>
+            </a:r>
+            <a:br>
+              <a:rPr lang="en-US" dirty="0" smtClean="0"/>
+            </a:br>
+            <a:r>
+              <a:rPr lang="en-US" dirty="0" err="1" smtClean="0"/>
+              <a:t>Signalling</a:t>
+            </a:r>
+            <a:r>
+              <a:rPr lang="en-US" dirty="0" smtClean="0"/>
+              <a:t/>
+            </a:r>
+            <a:br>
+              <a:rPr lang="en-US" dirty="0" smtClean="0"/>
+            </a:br>
+            <a:r>
+              <a:rPr lang="en-US" dirty="0" smtClean="0"/>
+              <a:t>Server</a:t>
+            </a:r>
+            <a:br>
+              <a:rPr lang="en-US" dirty="0" smtClean="0"/>
+            </a:br>
+            <a:r>
+              <a:rPr lang="en-US" dirty="0" smtClean="0"/>
+              <a:t>(Team 1)</a:t>
+            </a:r>
+            <a:endParaRPr lang="en-US" dirty="0"/>
+          </a:p>
+        </p:txBody>
+      </p:sp>
+      <p:sp>
+        <p:nvSpPr>
+          <p:cNvPr id="5" name="Oval 4"/>
+          <p:cNvSpPr/>
+          <p:nvPr/>
+        </p:nvSpPr>
+        <p:spPr>
+          <a:xfrm>
+            <a:off x="8052619" y="860757"/>
+            <a:ext cx="1415846" cy="1415846"/>
+          </a:xfrm>
+          <a:prstGeom prst="ellipse">
+            <a:avLst/>
+          </a:prstGeom>
+        </p:spPr>
+        <p:style>
+          <a:lnRef idx="2">
+            <a:schemeClr val="accent1">
+              <a:shade val="50000"/>
+            </a:schemeClr>
+          </a:lnRef>
+          <a:fillRef idx="1">
+            <a:schemeClr val="accent1"/>
+          </a:fillRef>
+          <a:effectRef idx="0">
+            <a:schemeClr val="accent1"/>
+          </a:effectRef>
+          <a:fontRef idx="minor">
+            <a:schemeClr val="lt1"/>
+          </a:fontRef>
+        </p:style>
+        <p:txBody>
+          <a:bodyPr rtlCol="0" anchor="ctr"/>
+          <a:lstStyle/>
+          <a:p>
+            <a:pPr algn="ctr"/>
+            <a:r>
+              <a:rPr lang="en-US" smtClean="0"/>
+              <a:t>Team 1</a:t>
+            </a:r>
+            <a:br>
+              <a:rPr lang="en-US" smtClean="0"/>
+            </a:br>
+            <a:r>
+              <a:rPr lang="en-US" smtClean="0"/>
+              <a:t>Client</a:t>
+            </a:r>
+            <a:endParaRPr lang="en-US" dirty="0"/>
+          </a:p>
+        </p:txBody>
+      </p:sp>
+      <p:sp>
+        <p:nvSpPr>
+          <p:cNvPr id="6" name="Oval 5"/>
+          <p:cNvSpPr/>
+          <p:nvPr/>
+        </p:nvSpPr>
+        <p:spPr>
+          <a:xfrm>
+            <a:off x="9241092" y="3308555"/>
+            <a:ext cx="1415846" cy="1415846"/>
+          </a:xfrm>
+          <a:prstGeom prst="ellipse">
+            <a:avLst/>
+          </a:prstGeom>
+        </p:spPr>
+        <p:style>
+          <a:lnRef idx="2">
+            <a:schemeClr val="accent1">
+              <a:shade val="50000"/>
+            </a:schemeClr>
+          </a:lnRef>
+          <a:fillRef idx="1">
+            <a:schemeClr val="accent1"/>
+          </a:fillRef>
+          <a:effectRef idx="0">
+            <a:schemeClr val="accent1"/>
+          </a:effectRef>
+          <a:fontRef idx="minor">
+            <a:schemeClr val="lt1"/>
+          </a:fontRef>
+        </p:style>
+        <p:txBody>
+          <a:bodyPr rtlCol="0" anchor="ctr"/>
+          <a:lstStyle/>
+          <a:p>
+            <a:pPr algn="ctr"/>
+            <a:r>
+              <a:rPr lang="en-US" dirty="0" smtClean="0"/>
+              <a:t>Team 2</a:t>
+            </a:r>
+            <a:br>
+              <a:rPr lang="en-US" dirty="0" smtClean="0"/>
+            </a:br>
+            <a:r>
+              <a:rPr lang="en-US" dirty="0" smtClean="0"/>
+              <a:t>Client</a:t>
+            </a:r>
+            <a:endParaRPr lang="en-US" dirty="0"/>
+          </a:p>
+        </p:txBody>
+      </p:sp>
+      <p:sp>
+        <p:nvSpPr>
+          <p:cNvPr id="7" name="Oval 6"/>
+          <p:cNvSpPr/>
+          <p:nvPr/>
+        </p:nvSpPr>
+        <p:spPr>
+          <a:xfrm>
+            <a:off x="4552642" y="5024285"/>
+            <a:ext cx="1415846" cy="1415846"/>
+          </a:xfrm>
+          <a:prstGeom prst="ellipse">
+            <a:avLst/>
+          </a:prstGeom>
+        </p:spPr>
+        <p:style>
+          <a:lnRef idx="2">
+            <a:schemeClr val="accent1">
+              <a:shade val="50000"/>
+            </a:schemeClr>
+          </a:lnRef>
+          <a:fillRef idx="1">
+            <a:schemeClr val="accent1"/>
+          </a:fillRef>
+          <a:effectRef idx="0">
+            <a:schemeClr val="accent1"/>
+          </a:effectRef>
+          <a:fontRef idx="minor">
+            <a:schemeClr val="lt1"/>
+          </a:fontRef>
+        </p:style>
+        <p:txBody>
+          <a:bodyPr rtlCol="0" anchor="ctr"/>
+          <a:lstStyle/>
+          <a:p>
+            <a:pPr algn="ctr"/>
+            <a:r>
+              <a:rPr lang="en-US" dirty="0" smtClean="0"/>
+              <a:t>Team 3</a:t>
+            </a:r>
+            <a:br>
+              <a:rPr lang="en-US" dirty="0" smtClean="0"/>
+            </a:br>
+            <a:r>
+              <a:rPr lang="en-US" dirty="0" smtClean="0"/>
+              <a:t>Client</a:t>
+            </a:r>
+            <a:endParaRPr lang="en-US" dirty="0"/>
+          </a:p>
+        </p:txBody>
+      </p:sp>
+      <p:sp>
+        <p:nvSpPr>
+          <p:cNvPr id="8" name="Oval 7"/>
+          <p:cNvSpPr/>
+          <p:nvPr/>
+        </p:nvSpPr>
+        <p:spPr>
+          <a:xfrm>
+            <a:off x="-4381496" y="6622027"/>
+            <a:ext cx="1415846" cy="1415846"/>
+          </a:xfrm>
+          <a:prstGeom prst="ellipse">
+            <a:avLst/>
+          </a:prstGeom>
+        </p:spPr>
+        <p:style>
+          <a:lnRef idx="2">
+            <a:schemeClr val="accent1">
+              <a:shade val="50000"/>
+            </a:schemeClr>
+          </a:lnRef>
+          <a:fillRef idx="1">
+            <a:schemeClr val="accent1"/>
+          </a:fillRef>
+          <a:effectRef idx="0">
+            <a:schemeClr val="accent1"/>
+          </a:effectRef>
+          <a:fontRef idx="minor">
+            <a:schemeClr val="lt1"/>
+          </a:fontRef>
+        </p:style>
+        <p:txBody>
+          <a:bodyPr rtlCol="0" anchor="ctr"/>
+          <a:lstStyle/>
+          <a:p>
+            <a:pPr algn="ctr"/>
+            <a:r>
+              <a:rPr lang="en-US" smtClean="0"/>
+              <a:t>Team 3</a:t>
+            </a:r>
+            <a:r>
+              <a:rPr lang="en-US" dirty="0" smtClean="0"/>
+              <a:t/>
+            </a:r>
+            <a:br>
+              <a:rPr lang="en-US" dirty="0" smtClean="0"/>
+            </a:br>
+            <a:r>
+              <a:rPr lang="en-US" dirty="0" smtClean="0"/>
+              <a:t>Client</a:t>
+            </a:r>
+            <a:endParaRPr lang="en-US" dirty="0"/>
+          </a:p>
+        </p:txBody>
+      </p:sp>
+      <p:sp>
+        <p:nvSpPr>
+          <p:cNvPr id="9" name="Oval 8"/>
+          <p:cNvSpPr/>
+          <p:nvPr/>
+        </p:nvSpPr>
+        <p:spPr>
+          <a:xfrm>
+            <a:off x="2950292" y="1690688"/>
+            <a:ext cx="1415846" cy="1415846"/>
+          </a:xfrm>
+          <a:prstGeom prst="ellipse">
+            <a:avLst/>
+          </a:prstGeom>
+        </p:spPr>
+        <p:style>
+          <a:lnRef idx="2">
+            <a:schemeClr val="accent1">
+              <a:shade val="50000"/>
+            </a:schemeClr>
+          </a:lnRef>
+          <a:fillRef idx="1">
+            <a:schemeClr val="accent1"/>
+          </a:fillRef>
+          <a:effectRef idx="0">
+            <a:schemeClr val="accent1"/>
+          </a:effectRef>
+          <a:fontRef idx="minor">
+            <a:schemeClr val="lt1"/>
+          </a:fontRef>
+        </p:style>
+        <p:txBody>
+          <a:bodyPr rtlCol="0" anchor="ctr"/>
+          <a:lstStyle/>
+          <a:p>
+            <a:pPr algn="ctr"/>
+            <a:r>
+              <a:rPr lang="en-US" dirty="0" smtClean="0"/>
+              <a:t>Team 4</a:t>
+            </a:r>
+            <a:br>
+              <a:rPr lang="en-US" dirty="0" smtClean="0"/>
+            </a:br>
+            <a:r>
+              <a:rPr lang="en-US" dirty="0" smtClean="0"/>
+              <a:t>Client</a:t>
+            </a:r>
+            <a:endParaRPr lang="en-US" dirty="0"/>
+          </a:p>
+        </p:txBody>
+      </p:sp>
+      <p:sp>
+        <p:nvSpPr>
+          <p:cNvPr id="10" name="Can 9"/>
+          <p:cNvSpPr/>
+          <p:nvPr/>
+        </p:nvSpPr>
+        <p:spPr>
+          <a:xfrm rot="4952751">
+            <a:off x="6005171" y="-61345"/>
+            <a:ext cx="353963" cy="3963965"/>
+          </a:xfrm>
+          <a:prstGeom prst="can">
+            <a:avLst/>
+          </a:prstGeom>
+          <a:solidFill>
+            <a:schemeClr val="accent4"/>
+          </a:solidFill>
+        </p:spPr>
+        <p:style>
+          <a:lnRef idx="2">
+            <a:schemeClr val="accent1">
+              <a:shade val="50000"/>
+            </a:schemeClr>
+          </a:lnRef>
+          <a:fillRef idx="1">
+            <a:schemeClr val="accent1"/>
+          </a:fillRef>
+          <a:effectRef idx="0">
+            <a:schemeClr val="accent1"/>
+          </a:effectRef>
+          <a:fontRef idx="minor">
+            <a:schemeClr val="lt1"/>
+          </a:fontRef>
+        </p:style>
+        <p:txBody>
+          <a:bodyPr rtlCol="0" anchor="ctr"/>
+          <a:lstStyle/>
+          <a:p>
+            <a:pPr algn="ctr"/>
+            <a:endParaRPr lang="en-US"/>
+          </a:p>
+        </p:txBody>
+      </p:sp>
+      <p:sp>
+        <p:nvSpPr>
+          <p:cNvPr id="11" name="TextBox 10"/>
+          <p:cNvSpPr txBox="1"/>
+          <p:nvPr/>
+        </p:nvSpPr>
+        <p:spPr>
+          <a:xfrm rot="21209306">
+            <a:off x="5347603" y="1699954"/>
+            <a:ext cx="1639360" cy="369332"/>
+          </a:xfrm>
+          <a:prstGeom prst="rect">
+            <a:avLst/>
+          </a:prstGeom>
+          <a:noFill/>
+        </p:spPr>
+        <p:txBody>
+          <a:bodyPr wrap="none" rtlCol="0">
+            <a:spAutoFit/>
+          </a:bodyPr>
+          <a:lstStyle/>
+          <a:p>
+            <a:r>
+              <a:rPr lang="en-US" dirty="0" err="1" smtClean="0"/>
+              <a:t>webRTC</a:t>
+            </a:r>
+            <a:r>
+              <a:rPr lang="en-US" dirty="0" smtClean="0"/>
+              <a:t> AV Call</a:t>
+            </a:r>
+            <a:endParaRPr lang="en-US" dirty="0"/>
+          </a:p>
+        </p:txBody>
+      </p:sp>
+      <p:sp>
+        <p:nvSpPr>
+          <p:cNvPr id="12" name="Can 11"/>
+          <p:cNvSpPr/>
+          <p:nvPr/>
+        </p:nvSpPr>
+        <p:spPr>
+          <a:xfrm rot="4225162">
+            <a:off x="7443822" y="3038703"/>
+            <a:ext cx="353963" cy="3739263"/>
+          </a:xfrm>
+          <a:prstGeom prst="can">
+            <a:avLst/>
+          </a:prstGeom>
+          <a:solidFill>
+            <a:schemeClr val="accent4"/>
+          </a:solidFill>
+        </p:spPr>
+        <p:style>
+          <a:lnRef idx="2">
+            <a:schemeClr val="accent1">
+              <a:shade val="50000"/>
+            </a:schemeClr>
+          </a:lnRef>
+          <a:fillRef idx="1">
+            <a:schemeClr val="accent1"/>
+          </a:fillRef>
+          <a:effectRef idx="0">
+            <a:schemeClr val="accent1"/>
+          </a:effectRef>
+          <a:fontRef idx="minor">
+            <a:schemeClr val="lt1"/>
+          </a:fontRef>
+        </p:style>
+        <p:txBody>
+          <a:bodyPr rtlCol="0" anchor="ctr"/>
+          <a:lstStyle/>
+          <a:p>
+            <a:pPr algn="ctr"/>
+            <a:endParaRPr lang="en-US"/>
+          </a:p>
+        </p:txBody>
+      </p:sp>
+      <p:sp>
+        <p:nvSpPr>
+          <p:cNvPr id="13" name="TextBox 12"/>
+          <p:cNvSpPr txBox="1"/>
+          <p:nvPr/>
+        </p:nvSpPr>
+        <p:spPr>
+          <a:xfrm rot="20466159">
+            <a:off x="6801122" y="4711178"/>
+            <a:ext cx="1639360" cy="369332"/>
+          </a:xfrm>
+          <a:prstGeom prst="rect">
+            <a:avLst/>
+          </a:prstGeom>
+          <a:noFill/>
+        </p:spPr>
+        <p:txBody>
+          <a:bodyPr wrap="none" rtlCol="0">
+            <a:spAutoFit/>
+          </a:bodyPr>
+          <a:lstStyle/>
+          <a:p>
+            <a:r>
+              <a:rPr lang="en-US" dirty="0" err="1" smtClean="0"/>
+              <a:t>webRTC</a:t>
+            </a:r>
+            <a:r>
+              <a:rPr lang="en-US" dirty="0" smtClean="0"/>
+              <a:t> AV Call</a:t>
+            </a:r>
+            <a:endParaRPr lang="en-US" dirty="0"/>
+          </a:p>
+        </p:txBody>
+      </p:sp>
+      <p:cxnSp>
+        <p:nvCxnSpPr>
+          <p:cNvPr id="15" name="Straight Arrow Connector 14"/>
+          <p:cNvCxnSpPr>
+            <a:stCxn id="9" idx="5"/>
+            <a:endCxn id="4" idx="2"/>
+          </p:cNvCxnSpPr>
+          <p:nvPr/>
+        </p:nvCxnSpPr>
+        <p:spPr>
+          <a:xfrm>
+            <a:off x="4158792" y="2899188"/>
+            <a:ext cx="1101773" cy="585955"/>
+          </a:xfrm>
+          <a:prstGeom prst="straightConnector1">
+            <a:avLst/>
+          </a:prstGeom>
+          <a:ln>
+            <a:solidFill>
+              <a:schemeClr val="accent6"/>
+            </a:solidFill>
+            <a:headEnd type="triangle" w="lg" len="lg"/>
+            <a:tailEnd type="triangle" w="lg" len="lg"/>
+          </a:ln>
+        </p:spPr>
+        <p:style>
+          <a:lnRef idx="1">
+            <a:schemeClr val="accent1"/>
+          </a:lnRef>
+          <a:fillRef idx="0">
+            <a:schemeClr val="accent1"/>
+          </a:fillRef>
+          <a:effectRef idx="0">
+            <a:schemeClr val="accent1"/>
+          </a:effectRef>
+          <a:fontRef idx="minor">
+            <a:schemeClr val="tx1"/>
+          </a:fontRef>
+        </p:style>
+      </p:cxnSp>
+      <p:cxnSp>
+        <p:nvCxnSpPr>
+          <p:cNvPr id="18" name="Straight Arrow Connector 17"/>
+          <p:cNvCxnSpPr>
+            <a:stCxn id="7" idx="0"/>
+            <a:endCxn id="4" idx="3"/>
+          </p:cNvCxnSpPr>
+          <p:nvPr/>
+        </p:nvCxnSpPr>
+        <p:spPr>
+          <a:xfrm flipV="1">
+            <a:off x="5260565" y="4156055"/>
+            <a:ext cx="277901" cy="868230"/>
+          </a:xfrm>
+          <a:prstGeom prst="straightConnector1">
+            <a:avLst/>
+          </a:prstGeom>
+          <a:ln>
+            <a:solidFill>
+              <a:schemeClr val="accent6"/>
+            </a:solidFill>
+            <a:headEnd type="triangle" w="lg" len="lg"/>
+            <a:tailEnd type="triangle" w="lg" len="lg"/>
+          </a:ln>
+        </p:spPr>
+        <p:style>
+          <a:lnRef idx="1">
+            <a:schemeClr val="accent1"/>
+          </a:lnRef>
+          <a:fillRef idx="0">
+            <a:schemeClr val="accent1"/>
+          </a:fillRef>
+          <a:effectRef idx="0">
+            <a:schemeClr val="accent1"/>
+          </a:effectRef>
+          <a:fontRef idx="minor">
+            <a:schemeClr val="tx1"/>
+          </a:fontRef>
+        </p:style>
+      </p:cxnSp>
+      <p:cxnSp>
+        <p:nvCxnSpPr>
+          <p:cNvPr id="21" name="Straight Arrow Connector 20"/>
+          <p:cNvCxnSpPr>
+            <a:stCxn id="6" idx="2"/>
+            <a:endCxn id="4" idx="6"/>
+          </p:cNvCxnSpPr>
+          <p:nvPr/>
+        </p:nvCxnSpPr>
+        <p:spPr>
+          <a:xfrm flipH="1" flipV="1">
+            <a:off x="7158191" y="3485143"/>
+            <a:ext cx="2082901" cy="531335"/>
+          </a:xfrm>
+          <a:prstGeom prst="straightConnector1">
+            <a:avLst/>
+          </a:prstGeom>
+          <a:ln>
+            <a:solidFill>
+              <a:schemeClr val="accent6"/>
+            </a:solidFill>
+            <a:headEnd type="triangle" w="lg" len="lg"/>
+            <a:tailEnd type="triangle" w="lg" len="lg"/>
+          </a:ln>
+        </p:spPr>
+        <p:style>
+          <a:lnRef idx="1">
+            <a:schemeClr val="accent1"/>
+          </a:lnRef>
+          <a:fillRef idx="0">
+            <a:schemeClr val="accent1"/>
+          </a:fillRef>
+          <a:effectRef idx="0">
+            <a:schemeClr val="accent1"/>
+          </a:effectRef>
+          <a:fontRef idx="minor">
+            <a:schemeClr val="tx1"/>
+          </a:fontRef>
+        </p:style>
+      </p:cxnSp>
+      <p:cxnSp>
+        <p:nvCxnSpPr>
+          <p:cNvPr id="24" name="Straight Arrow Connector 23"/>
+          <p:cNvCxnSpPr>
+            <a:stCxn id="5" idx="3"/>
+            <a:endCxn id="4" idx="7"/>
+          </p:cNvCxnSpPr>
+          <p:nvPr/>
+        </p:nvCxnSpPr>
+        <p:spPr>
+          <a:xfrm flipH="1">
+            <a:off x="6880290" y="2069257"/>
+            <a:ext cx="1379675" cy="744974"/>
+          </a:xfrm>
+          <a:prstGeom prst="straightConnector1">
+            <a:avLst/>
+          </a:prstGeom>
+          <a:ln>
+            <a:solidFill>
+              <a:schemeClr val="accent6"/>
+            </a:solidFill>
+            <a:headEnd type="triangle" w="lg" len="lg"/>
+            <a:tailEnd type="triangle" w="lg" len="lg"/>
+          </a:ln>
+        </p:spPr>
+        <p:style>
+          <a:lnRef idx="1">
+            <a:schemeClr val="accent1"/>
+          </a:lnRef>
+          <a:fillRef idx="0">
+            <a:schemeClr val="accent1"/>
+          </a:fillRef>
+          <a:effectRef idx="0">
+            <a:schemeClr val="accent1"/>
+          </a:effectRef>
+          <a:fontRef idx="minor">
+            <a:schemeClr val="tx1"/>
+          </a:fontRef>
+        </p:style>
+      </p:cxnSp>
+      <p:cxnSp>
+        <p:nvCxnSpPr>
+          <p:cNvPr id="27" name="Straight Arrow Connector 26"/>
+          <p:cNvCxnSpPr/>
+          <p:nvPr/>
+        </p:nvCxnSpPr>
+        <p:spPr>
+          <a:xfrm flipH="1">
+            <a:off x="2884893" y="4028426"/>
+            <a:ext cx="1088754" cy="228584"/>
+          </a:xfrm>
+          <a:prstGeom prst="straightConnector1">
+            <a:avLst/>
+          </a:prstGeom>
+          <a:ln w="38100">
+            <a:solidFill>
+              <a:schemeClr val="accent6"/>
+            </a:solidFill>
+            <a:headEnd type="triangle" w="lg" len="lg"/>
+            <a:tailEnd type="triangle" w="lg" len="lg"/>
+          </a:ln>
+        </p:spPr>
+        <p:style>
+          <a:lnRef idx="1">
+            <a:schemeClr val="accent1"/>
+          </a:lnRef>
+          <a:fillRef idx="0">
+            <a:schemeClr val="accent1"/>
+          </a:fillRef>
+          <a:effectRef idx="0">
+            <a:schemeClr val="accent1"/>
+          </a:effectRef>
+          <a:fontRef idx="minor">
+            <a:schemeClr val="tx1"/>
+          </a:fontRef>
+        </p:style>
+      </p:cxnSp>
+      <p:sp>
+        <p:nvSpPr>
+          <p:cNvPr id="29" name="TextBox 28"/>
+          <p:cNvSpPr txBox="1"/>
+          <p:nvPr/>
+        </p:nvSpPr>
+        <p:spPr>
+          <a:xfrm>
+            <a:off x="3291805" y="4072344"/>
+            <a:ext cx="1074333" cy="369332"/>
+          </a:xfrm>
+          <a:prstGeom prst="rect">
+            <a:avLst/>
+          </a:prstGeom>
+          <a:noFill/>
+        </p:spPr>
+        <p:txBody>
+          <a:bodyPr wrap="none" rtlCol="0">
+            <a:spAutoFit/>
+          </a:bodyPr>
+          <a:lstStyle/>
+          <a:p>
+            <a:r>
+              <a:rPr lang="en-US" smtClean="0"/>
+              <a:t>Signalling</a:t>
+            </a:r>
+            <a:endParaRPr lang="en-US" dirty="0"/>
+          </a:p>
+        </p:txBody>
+      </p:sp>
+    </p:spTree>
+    <p:extLst>
+      <p:ext uri="{BB962C8B-B14F-4D97-AF65-F5344CB8AC3E}">
+        <p14:creationId xmlns:p14="http://schemas.microsoft.com/office/powerpoint/2010/main" val="2037604623"/>
+      </p:ext>
+    </p:extLst>
+  </p:cSld>
+  <p:clrMapOvr>
+    <a:masterClrMapping/>
+  </p:clrMapOvr>
+</p:sld>
+</file>
+
+<file path=ppt/slides/slide51.xml><?xml version="1.0" encoding="utf-8"?>
+<p:sld xmlns:a="http://schemas.openxmlformats.org/drawingml/2006/main" xmlns:r="http://schemas.openxmlformats.org/officeDocument/2006/relationships" xmlns:p="http://schemas.openxmlformats.org/presentationml/2006/main">
+  <p:cSld>
+    <p:spTree>
+      <p:nvGrpSpPr>
+        <p:cNvPr id="1" name=""/>
+        <p:cNvGrpSpPr/>
+        <p:nvPr/>
+      </p:nvGrpSpPr>
+      <p:grpSpPr>
+        <a:xfrm>
+          <a:off x="0" y="0"/>
+          <a:ext cx="0" cy="0"/>
+          <a:chOff x="0" y="0"/>
+          <a:chExt cx="0" cy="0"/>
+        </a:xfrm>
+      </p:grpSpPr>
+      <p:sp>
+        <p:nvSpPr>
+          <p:cNvPr id="2" name="Title 1"/>
+          <p:cNvSpPr>
+            <a:spLocks noGrp="1"/>
+          </p:cNvSpPr>
+          <p:nvPr>
+            <p:ph type="title"/>
+          </p:nvPr>
+        </p:nvSpPr>
+        <p:spPr/>
+        <p:txBody>
+          <a:bodyPr/>
+          <a:lstStyle/>
+          <a:p>
+            <a:r>
+              <a:rPr lang="en-US" dirty="0"/>
+              <a:t>6</a:t>
+            </a:r>
+            <a:r>
+              <a:rPr lang="en-US" dirty="0" smtClean="0"/>
+              <a:t>. Remote Presentations</a:t>
+            </a:r>
+            <a:endParaRPr lang="en-US" dirty="0"/>
+          </a:p>
+        </p:txBody>
+      </p:sp>
+      <p:pic>
+        <p:nvPicPr>
+          <p:cNvPr id="4" name="Picture 3"/>
+          <p:cNvPicPr>
+            <a:picLocks noChangeAspect="1"/>
+          </p:cNvPicPr>
+          <p:nvPr/>
+        </p:nvPicPr>
+        <p:blipFill>
+          <a:blip r:embed="rId2"/>
+          <a:stretch>
+            <a:fillRect/>
+          </a:stretch>
+        </p:blipFill>
+        <p:spPr>
+          <a:xfrm>
+            <a:off x="524164" y="3776107"/>
+            <a:ext cx="1600200" cy="1600200"/>
+          </a:xfrm>
+          <a:prstGeom prst="rect">
+            <a:avLst/>
+          </a:prstGeom>
+        </p:spPr>
+      </p:pic>
+      <p:pic>
+        <p:nvPicPr>
+          <p:cNvPr id="5" name="Picture 4"/>
+          <p:cNvPicPr>
+            <a:picLocks noChangeAspect="1"/>
+          </p:cNvPicPr>
+          <p:nvPr/>
+        </p:nvPicPr>
+        <p:blipFill>
+          <a:blip r:embed="rId3"/>
+          <a:stretch>
+            <a:fillRect/>
+          </a:stretch>
+        </p:blipFill>
+        <p:spPr>
+          <a:xfrm flipH="1">
+            <a:off x="2124364" y="3033673"/>
+            <a:ext cx="1219200" cy="1169958"/>
+          </a:xfrm>
+          <a:prstGeom prst="rect">
+            <a:avLst/>
+          </a:prstGeom>
+        </p:spPr>
+      </p:pic>
+      <p:sp>
+        <p:nvSpPr>
+          <p:cNvPr id="6" name="Rectangle 5"/>
+          <p:cNvSpPr/>
+          <p:nvPr/>
+        </p:nvSpPr>
+        <p:spPr>
+          <a:xfrm>
+            <a:off x="4914900" y="1435100"/>
+            <a:ext cx="2095500" cy="805902"/>
+          </a:xfrm>
+          <a:prstGeom prst="rect">
+            <a:avLst/>
+          </a:prstGeom>
+          <a:solidFill>
+            <a:schemeClr val="bg1"/>
+          </a:solidFill>
+        </p:spPr>
+        <p:style>
+          <a:lnRef idx="2">
+            <a:schemeClr val="accent1">
+              <a:shade val="50000"/>
+            </a:schemeClr>
+          </a:lnRef>
+          <a:fillRef idx="1">
+            <a:schemeClr val="accent1"/>
+          </a:fillRef>
+          <a:effectRef idx="0">
+            <a:schemeClr val="accent1"/>
+          </a:effectRef>
+          <a:fontRef idx="minor">
+            <a:schemeClr val="lt1"/>
+          </a:fontRef>
+        </p:style>
+        <p:txBody>
+          <a:bodyPr rtlCol="0" anchor="ctr"/>
+          <a:lstStyle/>
+          <a:p>
+            <a:pPr algn="ctr"/>
+            <a:endParaRPr lang="en-US" dirty="0"/>
+          </a:p>
+        </p:txBody>
+      </p:sp>
+      <p:sp>
+        <p:nvSpPr>
+          <p:cNvPr id="7" name="TextBox 6"/>
+          <p:cNvSpPr txBox="1"/>
+          <p:nvPr/>
+        </p:nvSpPr>
+        <p:spPr>
+          <a:xfrm>
+            <a:off x="4947115" y="1435100"/>
+            <a:ext cx="2031069" cy="369332"/>
+          </a:xfrm>
+          <a:prstGeom prst="rect">
+            <a:avLst/>
+          </a:prstGeom>
+          <a:noFill/>
+        </p:spPr>
+        <p:txBody>
+          <a:bodyPr wrap="none" rtlCol="0">
+            <a:spAutoFit/>
+          </a:bodyPr>
+          <a:lstStyle/>
+          <a:p>
+            <a:r>
+              <a:rPr lang="en-US" dirty="0" smtClean="0"/>
+              <a:t>Presentation Server</a:t>
+            </a:r>
+            <a:endParaRPr lang="en-US" dirty="0"/>
+          </a:p>
+        </p:txBody>
+      </p:sp>
+      <p:sp>
+        <p:nvSpPr>
+          <p:cNvPr id="8" name="Rectangle 7"/>
+          <p:cNvSpPr/>
+          <p:nvPr/>
+        </p:nvSpPr>
+        <p:spPr>
+          <a:xfrm>
+            <a:off x="4914899" y="4576207"/>
+            <a:ext cx="2095500" cy="1354624"/>
+          </a:xfrm>
+          <a:prstGeom prst="rect">
+            <a:avLst/>
+          </a:prstGeom>
+          <a:solidFill>
+            <a:schemeClr val="bg1"/>
+          </a:solidFill>
+        </p:spPr>
+        <p:style>
+          <a:lnRef idx="2">
+            <a:schemeClr val="accent1">
+              <a:shade val="50000"/>
+            </a:schemeClr>
+          </a:lnRef>
+          <a:fillRef idx="1">
+            <a:schemeClr val="accent1"/>
+          </a:fillRef>
+          <a:effectRef idx="0">
+            <a:schemeClr val="accent1"/>
+          </a:effectRef>
+          <a:fontRef idx="minor">
+            <a:schemeClr val="lt1"/>
+          </a:fontRef>
+        </p:style>
+        <p:txBody>
+          <a:bodyPr rtlCol="0" anchor="ctr"/>
+          <a:lstStyle/>
+          <a:p>
+            <a:pPr algn="ctr"/>
+            <a:endParaRPr lang="en-US" dirty="0"/>
+          </a:p>
+        </p:txBody>
+      </p:sp>
+      <p:sp>
+        <p:nvSpPr>
+          <p:cNvPr id="9" name="TextBox 8"/>
+          <p:cNvSpPr txBox="1"/>
+          <p:nvPr/>
+        </p:nvSpPr>
+        <p:spPr>
+          <a:xfrm>
+            <a:off x="5098470" y="4576207"/>
+            <a:ext cx="1728358" cy="369332"/>
+          </a:xfrm>
+          <a:prstGeom prst="rect">
+            <a:avLst/>
+          </a:prstGeom>
+          <a:noFill/>
+        </p:spPr>
+        <p:txBody>
+          <a:bodyPr wrap="none" rtlCol="0">
+            <a:spAutoFit/>
+          </a:bodyPr>
+          <a:lstStyle/>
+          <a:p>
+            <a:r>
+              <a:rPr lang="en-US" dirty="0" err="1" smtClean="0"/>
+              <a:t>Signalling</a:t>
+            </a:r>
+            <a:r>
+              <a:rPr lang="en-US" dirty="0" smtClean="0"/>
+              <a:t> Server</a:t>
+            </a:r>
+          </a:p>
+        </p:txBody>
+      </p:sp>
+      <p:pic>
+        <p:nvPicPr>
+          <p:cNvPr id="10" name="Picture 9"/>
+          <p:cNvPicPr>
+            <a:picLocks noChangeAspect="1"/>
+          </p:cNvPicPr>
+          <p:nvPr/>
+        </p:nvPicPr>
+        <p:blipFill>
+          <a:blip r:embed="rId4"/>
+          <a:stretch>
+            <a:fillRect/>
+          </a:stretch>
+        </p:blipFill>
+        <p:spPr>
+          <a:xfrm flipH="1">
+            <a:off x="9474200" y="365125"/>
+            <a:ext cx="1612900" cy="1955800"/>
+          </a:xfrm>
+          <a:prstGeom prst="rect">
+            <a:avLst/>
+          </a:prstGeom>
+        </p:spPr>
+      </p:pic>
+      <p:pic>
+        <p:nvPicPr>
+          <p:cNvPr id="11" name="Picture 10"/>
+          <p:cNvPicPr>
+            <a:picLocks noChangeAspect="1"/>
+          </p:cNvPicPr>
+          <p:nvPr/>
+        </p:nvPicPr>
+        <p:blipFill>
+          <a:blip r:embed="rId4"/>
+          <a:stretch>
+            <a:fillRect/>
+          </a:stretch>
+        </p:blipFill>
+        <p:spPr>
+          <a:xfrm flipH="1">
+            <a:off x="10315808" y="1435100"/>
+            <a:ext cx="1612900" cy="1955800"/>
+          </a:xfrm>
+          <a:prstGeom prst="rect">
+            <a:avLst/>
+          </a:prstGeom>
+        </p:spPr>
+      </p:pic>
+      <p:pic>
+        <p:nvPicPr>
+          <p:cNvPr id="12" name="Picture 11"/>
+          <p:cNvPicPr>
+            <a:picLocks noChangeAspect="1"/>
+          </p:cNvPicPr>
+          <p:nvPr/>
+        </p:nvPicPr>
+        <p:blipFill>
+          <a:blip r:embed="rId4"/>
+          <a:stretch>
+            <a:fillRect/>
+          </a:stretch>
+        </p:blipFill>
+        <p:spPr>
+          <a:xfrm flipH="1">
+            <a:off x="9474200" y="2798143"/>
+            <a:ext cx="1612900" cy="1955800"/>
+          </a:xfrm>
+          <a:prstGeom prst="rect">
+            <a:avLst/>
+          </a:prstGeom>
+        </p:spPr>
+      </p:pic>
+      <p:pic>
+        <p:nvPicPr>
+          <p:cNvPr id="13" name="Picture 12"/>
+          <p:cNvPicPr>
+            <a:picLocks noChangeAspect="1"/>
+          </p:cNvPicPr>
+          <p:nvPr/>
+        </p:nvPicPr>
+        <p:blipFill>
+          <a:blip r:embed="rId4"/>
+          <a:stretch>
+            <a:fillRect/>
+          </a:stretch>
+        </p:blipFill>
+        <p:spPr>
+          <a:xfrm flipH="1">
+            <a:off x="8632592" y="4161186"/>
+            <a:ext cx="1612900" cy="1955800"/>
+          </a:xfrm>
+          <a:prstGeom prst="rect">
+            <a:avLst/>
+          </a:prstGeom>
+        </p:spPr>
+      </p:pic>
+      <p:sp>
+        <p:nvSpPr>
+          <p:cNvPr id="15" name="Bent-Up Arrow 14"/>
+          <p:cNvSpPr/>
+          <p:nvPr/>
+        </p:nvSpPr>
+        <p:spPr>
+          <a:xfrm rot="16200000" flipV="1">
+            <a:off x="1811789" y="672997"/>
+            <a:ext cx="2433082" cy="3773138"/>
+          </a:xfrm>
+          <a:prstGeom prst="bentUpArrow">
+            <a:avLst>
+              <a:gd name="adj1" fmla="val 7891"/>
+              <a:gd name="adj2" fmla="val 10546"/>
+              <a:gd name="adj3" fmla="val 18510"/>
+            </a:avLst>
+          </a:prstGeom>
+        </p:spPr>
+        <p:style>
+          <a:lnRef idx="2">
+            <a:schemeClr val="accent1">
+              <a:shade val="50000"/>
+            </a:schemeClr>
+          </a:lnRef>
+          <a:fillRef idx="1">
+            <a:schemeClr val="accent1"/>
+          </a:fillRef>
+          <a:effectRef idx="0">
+            <a:schemeClr val="accent1"/>
+          </a:effectRef>
+          <a:fontRef idx="minor">
+            <a:schemeClr val="lt1"/>
+          </a:fontRef>
+        </p:style>
+        <p:txBody>
+          <a:bodyPr rtlCol="0" anchor="ctr"/>
+          <a:lstStyle/>
+          <a:p>
+            <a:pPr algn="ctr"/>
+            <a:endParaRPr lang="en-US"/>
+          </a:p>
+        </p:txBody>
+      </p:sp>
+      <p:sp>
+        <p:nvSpPr>
+          <p:cNvPr id="16" name="TextBox 15"/>
+          <p:cNvSpPr txBox="1"/>
+          <p:nvPr/>
+        </p:nvSpPr>
+        <p:spPr>
+          <a:xfrm>
+            <a:off x="1721849" y="1719784"/>
+            <a:ext cx="2612959" cy="369332"/>
+          </a:xfrm>
+          <a:prstGeom prst="rect">
+            <a:avLst/>
+          </a:prstGeom>
+          <a:noFill/>
+        </p:spPr>
+        <p:txBody>
+          <a:bodyPr wrap="none" rtlCol="0">
+            <a:spAutoFit/>
+          </a:bodyPr>
+          <a:lstStyle/>
+          <a:p>
+            <a:r>
+              <a:rPr lang="en-US" dirty="0" smtClean="0"/>
+              <a:t>1. Announce Presentation</a:t>
+            </a:r>
+            <a:endParaRPr lang="en-US" dirty="0"/>
+          </a:p>
+        </p:txBody>
+      </p:sp>
+      <p:sp>
+        <p:nvSpPr>
+          <p:cNvPr id="17" name="Bent-Up Arrow 16"/>
+          <p:cNvSpPr/>
+          <p:nvPr/>
+        </p:nvSpPr>
+        <p:spPr>
+          <a:xfrm rot="16200000" flipH="1" flipV="1">
+            <a:off x="2573201" y="3474906"/>
+            <a:ext cx="1062658" cy="3620738"/>
+          </a:xfrm>
+          <a:prstGeom prst="bentUpArrow">
+            <a:avLst>
+              <a:gd name="adj1" fmla="val 19842"/>
+              <a:gd name="adj2" fmla="val 20107"/>
+              <a:gd name="adj3" fmla="val 28071"/>
+            </a:avLst>
+          </a:prstGeom>
+        </p:spPr>
+        <p:style>
+          <a:lnRef idx="2">
+            <a:schemeClr val="accent1">
+              <a:shade val="50000"/>
+            </a:schemeClr>
+          </a:lnRef>
+          <a:fillRef idx="1">
+            <a:schemeClr val="accent1"/>
+          </a:fillRef>
+          <a:effectRef idx="0">
+            <a:schemeClr val="accent1"/>
+          </a:effectRef>
+          <a:fontRef idx="minor">
+            <a:schemeClr val="lt1"/>
+          </a:fontRef>
+        </p:style>
+        <p:txBody>
+          <a:bodyPr rtlCol="0" anchor="ctr"/>
+          <a:lstStyle/>
+          <a:p>
+            <a:pPr algn="ctr"/>
+            <a:endParaRPr lang="en-US"/>
+          </a:p>
+        </p:txBody>
+      </p:sp>
+      <p:sp>
+        <p:nvSpPr>
+          <p:cNvPr id="18" name="TextBox 17"/>
+          <p:cNvSpPr txBox="1"/>
+          <p:nvPr/>
+        </p:nvSpPr>
+        <p:spPr>
+          <a:xfrm>
+            <a:off x="1721848" y="5139086"/>
+            <a:ext cx="2068836" cy="369332"/>
+          </a:xfrm>
+          <a:prstGeom prst="rect">
+            <a:avLst/>
+          </a:prstGeom>
+          <a:noFill/>
+        </p:spPr>
+        <p:txBody>
+          <a:bodyPr wrap="none" rtlCol="0">
+            <a:spAutoFit/>
+          </a:bodyPr>
+          <a:lstStyle/>
+          <a:p>
+            <a:r>
+              <a:rPr lang="en-US" dirty="0"/>
+              <a:t>3</a:t>
+            </a:r>
+            <a:r>
+              <a:rPr lang="en-US" dirty="0" smtClean="0"/>
+              <a:t>. Negotiate session</a:t>
+            </a:r>
+            <a:endParaRPr lang="en-US" dirty="0"/>
+          </a:p>
+        </p:txBody>
+      </p:sp>
+      <p:cxnSp>
+        <p:nvCxnSpPr>
+          <p:cNvPr id="21" name="Straight Arrow Connector 20"/>
+          <p:cNvCxnSpPr>
+            <a:endCxn id="6" idx="3"/>
+          </p:cNvCxnSpPr>
+          <p:nvPr/>
+        </p:nvCxnSpPr>
+        <p:spPr>
+          <a:xfrm flipH="1">
+            <a:off x="7010400" y="1435100"/>
+            <a:ext cx="2768600" cy="402951"/>
+          </a:xfrm>
+          <a:prstGeom prst="straightConnector1">
+            <a:avLst/>
+          </a:prstGeom>
+          <a:ln w="127000">
+            <a:tailEnd type="triangle"/>
+          </a:ln>
+        </p:spPr>
+        <p:style>
+          <a:lnRef idx="1">
+            <a:schemeClr val="accent1"/>
+          </a:lnRef>
+          <a:fillRef idx="0">
+            <a:schemeClr val="accent1"/>
+          </a:fillRef>
+          <a:effectRef idx="0">
+            <a:schemeClr val="accent1"/>
+          </a:effectRef>
+          <a:fontRef idx="minor">
+            <a:schemeClr val="tx1"/>
+          </a:fontRef>
+        </p:style>
+      </p:cxnSp>
+      <p:sp>
+        <p:nvSpPr>
+          <p:cNvPr id="23" name="TextBox 22"/>
+          <p:cNvSpPr txBox="1"/>
+          <p:nvPr/>
+        </p:nvSpPr>
+        <p:spPr>
+          <a:xfrm rot="21008253">
+            <a:off x="7567802" y="1674833"/>
+            <a:ext cx="2027863" cy="369332"/>
+          </a:xfrm>
+          <a:prstGeom prst="rect">
+            <a:avLst/>
+          </a:prstGeom>
+          <a:noFill/>
+        </p:spPr>
+        <p:txBody>
+          <a:bodyPr wrap="none" rtlCol="0">
+            <a:spAutoFit/>
+          </a:bodyPr>
+          <a:lstStyle/>
+          <a:p>
+            <a:r>
+              <a:rPr lang="en-US" dirty="0"/>
+              <a:t>2</a:t>
+            </a:r>
+            <a:r>
+              <a:rPr lang="en-US" dirty="0" smtClean="0"/>
+              <a:t>. Join Presentation</a:t>
+            </a:r>
+            <a:endParaRPr lang="en-US" dirty="0"/>
+          </a:p>
+        </p:txBody>
+      </p:sp>
+      <p:cxnSp>
+        <p:nvCxnSpPr>
+          <p:cNvPr id="24" name="Straight Arrow Connector 23"/>
+          <p:cNvCxnSpPr>
+            <a:endCxn id="8" idx="3"/>
+          </p:cNvCxnSpPr>
+          <p:nvPr/>
+        </p:nvCxnSpPr>
+        <p:spPr>
+          <a:xfrm flipH="1">
+            <a:off x="7010399" y="2061676"/>
+            <a:ext cx="2841393" cy="3191843"/>
+          </a:xfrm>
+          <a:prstGeom prst="straightConnector1">
+            <a:avLst/>
+          </a:prstGeom>
+          <a:ln w="127000">
+            <a:tailEnd type="triangle"/>
+          </a:ln>
+        </p:spPr>
+        <p:style>
+          <a:lnRef idx="1">
+            <a:schemeClr val="accent1"/>
+          </a:lnRef>
+          <a:fillRef idx="0">
+            <a:schemeClr val="accent1"/>
+          </a:fillRef>
+          <a:effectRef idx="0">
+            <a:schemeClr val="accent1"/>
+          </a:effectRef>
+          <a:fontRef idx="minor">
+            <a:schemeClr val="tx1"/>
+          </a:fontRef>
+        </p:style>
+      </p:cxnSp>
+      <p:sp>
+        <p:nvSpPr>
+          <p:cNvPr id="27" name="TextBox 26"/>
+          <p:cNvSpPr txBox="1"/>
+          <p:nvPr/>
+        </p:nvSpPr>
+        <p:spPr>
+          <a:xfrm rot="18804217">
+            <a:off x="6963047" y="3575531"/>
+            <a:ext cx="2068836" cy="369332"/>
+          </a:xfrm>
+          <a:prstGeom prst="rect">
+            <a:avLst/>
+          </a:prstGeom>
+          <a:noFill/>
+        </p:spPr>
+        <p:txBody>
+          <a:bodyPr wrap="none" rtlCol="0">
+            <a:spAutoFit/>
+          </a:bodyPr>
+          <a:lstStyle/>
+          <a:p>
+            <a:r>
+              <a:rPr lang="en-US" dirty="0"/>
+              <a:t>3</a:t>
+            </a:r>
+            <a:r>
+              <a:rPr lang="en-US" dirty="0" smtClean="0"/>
+              <a:t>. Negotiate session</a:t>
+            </a:r>
+            <a:endParaRPr lang="en-US" dirty="0"/>
+          </a:p>
+        </p:txBody>
+      </p:sp>
+      <p:cxnSp>
+        <p:nvCxnSpPr>
+          <p:cNvPr id="29" name="Straight Arrow Connector 28"/>
+          <p:cNvCxnSpPr>
+            <a:stCxn id="5" idx="1"/>
+          </p:cNvCxnSpPr>
+          <p:nvPr/>
+        </p:nvCxnSpPr>
+        <p:spPr>
+          <a:xfrm flipV="1">
+            <a:off x="3343564" y="1914313"/>
+            <a:ext cx="6268748" cy="1704339"/>
+          </a:xfrm>
+          <a:prstGeom prst="straightConnector1">
+            <a:avLst/>
+          </a:prstGeom>
+          <a:ln w="127000">
+            <a:tailEnd type="triangle"/>
+          </a:ln>
+        </p:spPr>
+        <p:style>
+          <a:lnRef idx="1">
+            <a:schemeClr val="accent1"/>
+          </a:lnRef>
+          <a:fillRef idx="0">
+            <a:schemeClr val="accent1"/>
+          </a:fillRef>
+          <a:effectRef idx="0">
+            <a:schemeClr val="accent1"/>
+          </a:effectRef>
+          <a:fontRef idx="minor">
+            <a:schemeClr val="tx1"/>
+          </a:fontRef>
+        </p:style>
+      </p:cxnSp>
+      <p:sp>
+        <p:nvSpPr>
+          <p:cNvPr id="32" name="TextBox 31"/>
+          <p:cNvSpPr txBox="1"/>
+          <p:nvPr/>
+        </p:nvSpPr>
+        <p:spPr>
+          <a:xfrm rot="20630512">
+            <a:off x="4977561" y="2803695"/>
+            <a:ext cx="2942922" cy="369332"/>
+          </a:xfrm>
+          <a:prstGeom prst="rect">
+            <a:avLst/>
+          </a:prstGeom>
+          <a:noFill/>
+        </p:spPr>
+        <p:txBody>
+          <a:bodyPr wrap="none" rtlCol="0">
+            <a:spAutoFit/>
+          </a:bodyPr>
+          <a:lstStyle/>
+          <a:p>
+            <a:r>
+              <a:rPr lang="en-US" dirty="0" smtClean="0"/>
+              <a:t>4. Send A/V Real time Stream</a:t>
+            </a:r>
+            <a:endParaRPr lang="en-US" dirty="0"/>
+          </a:p>
+        </p:txBody>
+      </p:sp>
+      <p:sp>
+        <p:nvSpPr>
+          <p:cNvPr id="34" name="TextBox 33"/>
+          <p:cNvSpPr txBox="1"/>
+          <p:nvPr/>
+        </p:nvSpPr>
+        <p:spPr>
+          <a:xfrm>
+            <a:off x="1555170" y="6169479"/>
+            <a:ext cx="7529497" cy="369332"/>
+          </a:xfrm>
+          <a:prstGeom prst="rect">
+            <a:avLst/>
+          </a:prstGeom>
+          <a:noFill/>
+        </p:spPr>
+        <p:txBody>
+          <a:bodyPr wrap="none" rtlCol="0">
+            <a:spAutoFit/>
+          </a:bodyPr>
+          <a:lstStyle/>
+          <a:p>
+            <a:r>
+              <a:rPr lang="en-US" dirty="0" err="1" smtClean="0"/>
+              <a:t>Signalling</a:t>
+            </a:r>
+            <a:r>
+              <a:rPr lang="en-US" dirty="0" smtClean="0"/>
+              <a:t>: EITHER using </a:t>
+            </a:r>
+            <a:r>
+              <a:rPr lang="en-US" dirty="0" err="1" smtClean="0"/>
+              <a:t>IpCortex</a:t>
+            </a:r>
+            <a:r>
+              <a:rPr lang="en-US" dirty="0" smtClean="0"/>
+              <a:t> </a:t>
+            </a:r>
+            <a:r>
+              <a:rPr lang="en-US" dirty="0" err="1" smtClean="0"/>
+              <a:t>api</a:t>
+            </a:r>
+            <a:r>
+              <a:rPr lang="en-US" dirty="0" smtClean="0"/>
+              <a:t> OR modified </a:t>
+            </a:r>
+            <a:r>
+              <a:rPr lang="en-US" dirty="0" err="1" smtClean="0"/>
+              <a:t>signalling</a:t>
+            </a:r>
+            <a:r>
+              <a:rPr lang="en-US" dirty="0" smtClean="0"/>
+              <a:t> from previous task</a:t>
+            </a:r>
+          </a:p>
+        </p:txBody>
+      </p:sp>
+    </p:spTree>
+    <p:extLst>
+      <p:ext uri="{BB962C8B-B14F-4D97-AF65-F5344CB8AC3E}">
+        <p14:creationId xmlns:p14="http://schemas.microsoft.com/office/powerpoint/2010/main" val="1513161978"/>
+      </p:ext>
+    </p:extLst>
+  </p:cSld>
+  <p:clrMapOvr>
+    <a:masterClrMapping/>
+  </p:clrMapOvr>
+  <p:timing>
+    <p:tnLst>
+      <p:par>
+        <p:cTn id="1" dur="indefinite" restart="never" nodeType="tmRoot"/>
+      </p:par>
+    </p:tnLst>
+  </p:timing>
+</p:sld>
+</file>
+
+<file path=ppt/slides/slide52.xml><?xml version="1.0" encoding="utf-8"?>
+<p:sld xmlns:a="http://schemas.openxmlformats.org/drawingml/2006/main" xmlns:r="http://schemas.openxmlformats.org/officeDocument/2006/relationships" xmlns:p="http://schemas.openxmlformats.org/presentationml/2006/main" show="0">
+  <p:cSld>
+    <p:spTree>
+      <p:nvGrpSpPr>
+        <p:cNvPr id="1" name=""/>
+        <p:cNvGrpSpPr/>
+        <p:nvPr/>
+      </p:nvGrpSpPr>
+      <p:grpSpPr>
+        <a:xfrm>
+          <a:off x="0" y="0"/>
+          <a:ext cx="0" cy="0"/>
+          <a:chOff x="0" y="0"/>
+          <a:chExt cx="0" cy="0"/>
+        </a:xfrm>
+      </p:grpSpPr>
+      <p:sp>
+        <p:nvSpPr>
+          <p:cNvPr id="2" name="Title 1"/>
+          <p:cNvSpPr>
+            <a:spLocks noGrp="1"/>
+          </p:cNvSpPr>
+          <p:nvPr>
+            <p:ph type="title"/>
+          </p:nvPr>
+        </p:nvSpPr>
+        <p:spPr/>
+        <p:txBody>
+          <a:bodyPr>
+            <a:normAutofit/>
+          </a:bodyPr>
+          <a:lstStyle/>
+          <a:p>
+            <a:r>
+              <a:rPr lang="en-US" sz="4000" dirty="0" err="1" smtClean="0"/>
+              <a:t>Signalling</a:t>
+            </a:r>
+            <a:r>
+              <a:rPr lang="en-US" sz="4000" dirty="0" smtClean="0"/>
+              <a:t> for Remote Presentations: Two Options</a:t>
+            </a:r>
+            <a:endParaRPr lang="en-US" sz="4000" dirty="0"/>
+          </a:p>
+        </p:txBody>
+      </p:sp>
+      <p:sp>
+        <p:nvSpPr>
+          <p:cNvPr id="3" name="Content Placeholder 2"/>
+          <p:cNvSpPr>
+            <a:spLocks noGrp="1"/>
+          </p:cNvSpPr>
+          <p:nvPr>
+            <p:ph idx="1"/>
+          </p:nvPr>
+        </p:nvSpPr>
+        <p:spPr/>
+        <p:txBody>
+          <a:bodyPr/>
+          <a:lstStyle/>
+          <a:p>
+            <a:r>
+              <a:rPr lang="en-US" dirty="0" smtClean="0"/>
+              <a:t>Evolution of simple </a:t>
+            </a:r>
+            <a:r>
+              <a:rPr lang="en-US" dirty="0" err="1" smtClean="0"/>
+              <a:t>signalling</a:t>
+            </a:r>
+            <a:r>
+              <a:rPr lang="en-US" dirty="0" smtClean="0"/>
+              <a:t> from previous example</a:t>
+            </a:r>
+          </a:p>
+          <a:p>
+            <a:pPr lvl="1"/>
+            <a:r>
+              <a:rPr lang="en-US" dirty="0" smtClean="0"/>
+              <a:t>Should work on a local LAN</a:t>
+            </a:r>
+          </a:p>
+          <a:p>
+            <a:pPr lvl="1"/>
+            <a:r>
+              <a:rPr lang="en-US" dirty="0" smtClean="0"/>
+              <a:t>Won’t work across the Internet without TURN/STUN servers (complexity)</a:t>
+            </a:r>
+          </a:p>
+          <a:p>
+            <a:r>
+              <a:rPr lang="en-US" dirty="0" err="1" smtClean="0"/>
+              <a:t>IPCortex</a:t>
+            </a:r>
+            <a:r>
+              <a:rPr lang="en-US" dirty="0" smtClean="0"/>
+              <a:t> API</a:t>
+            </a:r>
+          </a:p>
+          <a:p>
+            <a:pPr lvl="1"/>
+            <a:r>
+              <a:rPr lang="en-US" dirty="0" smtClean="0"/>
+              <a:t>Covers all the routing across the Internet</a:t>
+            </a:r>
+          </a:p>
+          <a:p>
+            <a:pPr lvl="1"/>
+            <a:r>
+              <a:rPr lang="en-US" dirty="0" smtClean="0"/>
+              <a:t>More complex to configure/run</a:t>
+            </a:r>
+          </a:p>
+          <a:p>
+            <a:endParaRPr lang="en-US" dirty="0"/>
+          </a:p>
+        </p:txBody>
+      </p:sp>
+    </p:spTree>
+    <p:extLst>
+      <p:ext uri="{BB962C8B-B14F-4D97-AF65-F5344CB8AC3E}">
+        <p14:creationId xmlns:p14="http://schemas.microsoft.com/office/powerpoint/2010/main" val="814445932"/>
+      </p:ext>
+    </p:extLst>
+  </p:cSld>
+  <p:clrMapOvr>
+    <a:masterClrMapping/>
+  </p:clrMapOvr>
+  <mc:AlternateContent xmlns:mc="http://schemas.openxmlformats.org/markup-compatibility/2006">
+    <mc:Choice xmlns:p14="http://schemas.microsoft.com/office/powerpoint/2010/main" Requires="p14">
+      <p:transition spd="slow" p14:dur="2000"/>
+    </mc:Choice>
+    <mc:Fallback>
+      <p:transition spd="slow"/>
+    </mc:Fallback>
+  </mc:AlternateContent>
+  <p:timing>
+    <p:tnLst>
+      <p:par>
+        <p:cTn id="1" dur="indefinite" restart="never" nodeType="tmRoot"/>
+      </p:par>
+    </p:tnLst>
+  </p:timing>
+</p:sld>
+</file>
+
+<file path=ppt/slides/slide53.xml><?xml version="1.0" encoding="utf-8"?>
+<p:sld xmlns:a="http://schemas.openxmlformats.org/drawingml/2006/main" xmlns:r="http://schemas.openxmlformats.org/officeDocument/2006/relationships" xmlns:p="http://schemas.openxmlformats.org/presentationml/2006/main">
+  <p:cSld>
+    <p:spTree>
+      <p:nvGrpSpPr>
+        <p:cNvPr id="1" name=""/>
+        <p:cNvGrpSpPr/>
+        <p:nvPr/>
+      </p:nvGrpSpPr>
+      <p:grpSpPr>
+        <a:xfrm>
+          <a:off x="0" y="0"/>
+          <a:ext cx="0" cy="0"/>
+          <a:chOff x="0" y="0"/>
+          <a:chExt cx="0" cy="0"/>
+        </a:xfrm>
+      </p:grpSpPr>
+      <p:sp>
+        <p:nvSpPr>
+          <p:cNvPr id="2" name="Title 1"/>
+          <p:cNvSpPr>
+            <a:spLocks noGrp="1"/>
+          </p:cNvSpPr>
+          <p:nvPr>
+            <p:ph type="title"/>
+          </p:nvPr>
+        </p:nvSpPr>
+        <p:spPr/>
+        <p:txBody>
+          <a:bodyPr/>
+          <a:lstStyle/>
+          <a:p>
+            <a:r>
+              <a:rPr lang="en-US" dirty="0" smtClean="0"/>
+              <a:t>References</a:t>
+            </a:r>
+            <a:endParaRPr lang="en-US" dirty="0"/>
+          </a:p>
+        </p:txBody>
+      </p:sp>
+      <p:sp>
+        <p:nvSpPr>
+          <p:cNvPr id="3" name="Content Placeholder 2"/>
+          <p:cNvSpPr>
+            <a:spLocks noGrp="1"/>
+          </p:cNvSpPr>
+          <p:nvPr>
+            <p:ph idx="1"/>
+          </p:nvPr>
+        </p:nvSpPr>
+        <p:spPr>
+          <a:xfrm>
+            <a:off x="838200" y="1409700"/>
+            <a:ext cx="10515600" cy="5168900"/>
+          </a:xfrm>
+        </p:spPr>
+        <p:txBody>
+          <a:bodyPr>
+            <a:normAutofit fontScale="92500" lnSpcReduction="10000"/>
+          </a:bodyPr>
+          <a:lstStyle/>
+          <a:p>
+            <a:r>
+              <a:rPr lang="en-US" sz="1600" dirty="0" err="1" smtClean="0"/>
+              <a:t>mediaDevices.getUserMedia</a:t>
+            </a:r>
+            <a:r>
+              <a:rPr lang="en-US" sz="1600" dirty="0" smtClean="0"/>
+              <a:t> MDN:</a:t>
+            </a:r>
+          </a:p>
+          <a:p>
+            <a:pPr lvl="1"/>
+            <a:r>
+              <a:rPr lang="en-US" sz="1500" dirty="0" smtClean="0">
+                <a:hlinkClick r:id="rId2"/>
+              </a:rPr>
+              <a:t>https</a:t>
+            </a:r>
+            <a:r>
+              <a:rPr lang="en-US" sz="1500" dirty="0">
+                <a:hlinkClick r:id="rId2"/>
+              </a:rPr>
+              <a:t>://</a:t>
+            </a:r>
+            <a:r>
+              <a:rPr lang="en-US" sz="1400" dirty="0">
+                <a:hlinkClick r:id="rId2"/>
+              </a:rPr>
+              <a:t>developer.mozilla.org/en-US/docs/Web/API/MediaDevices/getUserMedia</a:t>
+            </a:r>
+            <a:endParaRPr lang="en-US" sz="1400" dirty="0" smtClean="0"/>
+          </a:p>
+          <a:p>
+            <a:r>
+              <a:rPr lang="en-US" sz="1600" dirty="0" err="1" smtClean="0"/>
+              <a:t>WebRTC</a:t>
+            </a:r>
+            <a:endParaRPr lang="en-US" sz="1600" dirty="0"/>
+          </a:p>
+          <a:p>
+            <a:pPr lvl="1"/>
+            <a:r>
+              <a:rPr lang="en-US" sz="1400" dirty="0" smtClean="0">
+                <a:hlinkClick r:id="rId3"/>
+              </a:rPr>
+              <a:t>https://developer.mozilla.org/en-US/docs/Web/API/WebRTC_API</a:t>
+            </a:r>
+            <a:endParaRPr lang="en-US" sz="1400" dirty="0" smtClean="0"/>
+          </a:p>
+          <a:p>
+            <a:r>
+              <a:rPr lang="en-US" sz="1600" dirty="0" err="1" smtClean="0"/>
+              <a:t>WebRTC.org</a:t>
+            </a:r>
+            <a:r>
+              <a:rPr lang="en-US" sz="1600" dirty="0" smtClean="0"/>
+              <a:t> </a:t>
+            </a:r>
+            <a:r>
+              <a:rPr lang="mr-IN" sz="1600" dirty="0" smtClean="0"/>
+              <a:t>–</a:t>
+            </a:r>
+            <a:r>
+              <a:rPr lang="en-US" sz="1600" dirty="0" smtClean="0"/>
+              <a:t> Getting Started</a:t>
+            </a:r>
+          </a:p>
+          <a:p>
+            <a:pPr lvl="1"/>
+            <a:r>
+              <a:rPr lang="en-US" sz="1400" dirty="0" smtClean="0">
+                <a:hlinkClick r:id="rId4"/>
+              </a:rPr>
+              <a:t>https://</a:t>
+            </a:r>
+            <a:r>
+              <a:rPr lang="en-US" sz="1400" dirty="0" err="1" smtClean="0">
+                <a:hlinkClick r:id="rId4"/>
+              </a:rPr>
+              <a:t>webrtc.org</a:t>
+            </a:r>
+            <a:r>
+              <a:rPr lang="en-US" sz="1400" dirty="0" smtClean="0">
+                <a:hlinkClick r:id="rId4"/>
+              </a:rPr>
+              <a:t>/start/</a:t>
+            </a:r>
+            <a:endParaRPr lang="en-US" sz="1400" dirty="0" smtClean="0"/>
+          </a:p>
+          <a:p>
+            <a:r>
+              <a:rPr lang="en-US" sz="1600" dirty="0" smtClean="0"/>
+              <a:t>HTML 5 Rocks </a:t>
+            </a:r>
+            <a:r>
+              <a:rPr lang="mr-IN" sz="1600" dirty="0" smtClean="0"/>
+              <a:t>–</a:t>
+            </a:r>
+            <a:r>
+              <a:rPr lang="en-US" sz="1600" dirty="0" smtClean="0"/>
+              <a:t> Getting started with </a:t>
+            </a:r>
+            <a:r>
+              <a:rPr lang="en-US" sz="1600" dirty="0" err="1" smtClean="0"/>
+              <a:t>WebRTC</a:t>
+            </a:r>
+            <a:r>
+              <a:rPr lang="en-US" sz="1600" dirty="0" smtClean="0"/>
+              <a:t> (2012)</a:t>
+            </a:r>
+          </a:p>
+          <a:p>
+            <a:pPr lvl="1"/>
+            <a:r>
+              <a:rPr lang="en-US" sz="1400" dirty="0" smtClean="0"/>
+              <a:t>Illustrates local </a:t>
+            </a:r>
+            <a:r>
+              <a:rPr lang="en-US" sz="1400" dirty="0" err="1" smtClean="0"/>
+              <a:t>signalling</a:t>
+            </a:r>
+            <a:r>
+              <a:rPr lang="en-US" sz="1400" dirty="0" smtClean="0"/>
+              <a:t> </a:t>
+            </a:r>
+            <a:r>
+              <a:rPr lang="en-US" sz="1400" i="1" dirty="0" smtClean="0"/>
+              <a:t>but</a:t>
+            </a:r>
+            <a:r>
+              <a:rPr lang="en-US" sz="1400" dirty="0" smtClean="0"/>
+              <a:t> not is a portable way</a:t>
+            </a:r>
+          </a:p>
+          <a:p>
+            <a:pPr lvl="1"/>
+            <a:r>
+              <a:rPr lang="en-US" sz="1400" dirty="0" smtClean="0">
+                <a:hlinkClick r:id="rId5"/>
+              </a:rPr>
+              <a:t>https://www.html5rocks.com/en/tutorials/webrtc/basics/</a:t>
+            </a:r>
+            <a:endParaRPr lang="en-US" sz="1400" dirty="0" smtClean="0"/>
+          </a:p>
+          <a:p>
+            <a:r>
+              <a:rPr lang="en-US" sz="1600" dirty="0" smtClean="0"/>
+              <a:t>HTML 5 Rocks </a:t>
+            </a:r>
+            <a:r>
+              <a:rPr lang="mr-IN" sz="1600" dirty="0" smtClean="0"/>
+              <a:t>–</a:t>
+            </a:r>
+            <a:r>
+              <a:rPr lang="en-US" sz="1600" dirty="0" smtClean="0"/>
+              <a:t> </a:t>
+            </a:r>
+            <a:r>
+              <a:rPr lang="en-US" sz="1600" dirty="0" err="1" smtClean="0"/>
+              <a:t>WebRTC</a:t>
+            </a:r>
+            <a:r>
+              <a:rPr lang="en-US" sz="1600" dirty="0" smtClean="0"/>
+              <a:t> Infrastructure</a:t>
+            </a:r>
+          </a:p>
+          <a:p>
+            <a:pPr lvl="1"/>
+            <a:r>
+              <a:rPr lang="en-US" sz="1400" dirty="0" smtClean="0"/>
+              <a:t>Great overview of </a:t>
+            </a:r>
+            <a:r>
+              <a:rPr lang="en-US" sz="1400" dirty="0" err="1" smtClean="0"/>
+              <a:t>signalling</a:t>
+            </a:r>
+            <a:r>
+              <a:rPr lang="en-US" sz="1400" dirty="0" smtClean="0"/>
+              <a:t> </a:t>
+            </a:r>
+            <a:r>
+              <a:rPr lang="mr-IN" sz="1400" dirty="0" smtClean="0"/>
+              <a:t>–</a:t>
+            </a:r>
+            <a:r>
+              <a:rPr lang="en-US" sz="1400" dirty="0" smtClean="0"/>
+              <a:t> everything you need to know!</a:t>
+            </a:r>
+          </a:p>
+          <a:p>
+            <a:pPr lvl="1"/>
+            <a:r>
+              <a:rPr lang="en-US" sz="1400" dirty="0">
+                <a:hlinkClick r:id="rId6"/>
+              </a:rPr>
+              <a:t>https://www.html5rocks.com/</a:t>
+            </a:r>
+            <a:r>
+              <a:rPr lang="en-US" sz="1400" dirty="0" err="1">
+                <a:hlinkClick r:id="rId6"/>
+              </a:rPr>
+              <a:t>en</a:t>
+            </a:r>
+            <a:r>
+              <a:rPr lang="en-US" sz="1400" dirty="0">
+                <a:hlinkClick r:id="rId6"/>
+              </a:rPr>
+              <a:t>/tutorials/</a:t>
+            </a:r>
+            <a:r>
+              <a:rPr lang="en-US" sz="1400" dirty="0" err="1">
+                <a:hlinkClick r:id="rId6"/>
+              </a:rPr>
+              <a:t>webrtc</a:t>
+            </a:r>
+            <a:r>
+              <a:rPr lang="en-US" sz="1400" dirty="0">
+                <a:hlinkClick r:id="rId6"/>
+              </a:rPr>
+              <a:t>/infrastructure/</a:t>
+            </a:r>
+            <a:endParaRPr lang="en-US" sz="1400" dirty="0"/>
+          </a:p>
+          <a:p>
+            <a:r>
+              <a:rPr lang="en-US" sz="1600" dirty="0" err="1" smtClean="0"/>
+              <a:t>adapter.js</a:t>
+            </a:r>
+            <a:r>
+              <a:rPr lang="en-US" sz="1600" dirty="0" smtClean="0"/>
+              <a:t>: </a:t>
+            </a:r>
+            <a:r>
+              <a:rPr lang="en-US" sz="1400" dirty="0">
+                <a:hlinkClick r:id="rId7"/>
+              </a:rPr>
+              <a:t>https://github.com/webrtc/adapter</a:t>
+            </a:r>
+            <a:endParaRPr lang="en-US" sz="1400" dirty="0"/>
+          </a:p>
+          <a:p>
+            <a:pPr lvl="1"/>
+            <a:r>
+              <a:rPr lang="en-US" sz="1400" dirty="0" smtClean="0"/>
+              <a:t>Shim to isolate applications from browser incompatibilities</a:t>
+            </a:r>
+          </a:p>
+          <a:p>
+            <a:r>
+              <a:rPr lang="en-US" sz="1600" dirty="0"/>
+              <a:t>Promises</a:t>
+            </a:r>
+            <a:r>
+              <a:rPr lang="en-US" sz="1600" dirty="0" smtClean="0"/>
+              <a:t>:</a:t>
+            </a:r>
+          </a:p>
+          <a:p>
+            <a:pPr lvl="1"/>
+            <a:r>
+              <a:rPr lang="en-US" sz="1400" dirty="0">
+                <a:hlinkClick r:id="rId8"/>
+              </a:rPr>
+              <a:t>https://</a:t>
+            </a:r>
+            <a:r>
+              <a:rPr lang="en-US" sz="1400" dirty="0" err="1">
+                <a:hlinkClick r:id="rId8"/>
+              </a:rPr>
+              <a:t>kosamari.com</a:t>
+            </a:r>
+            <a:r>
+              <a:rPr lang="en-US" sz="1400" dirty="0">
+                <a:hlinkClick r:id="rId8"/>
+              </a:rPr>
+              <a:t>/notes/the-promise-of-a-burger-party</a:t>
+            </a:r>
+            <a:endParaRPr lang="en-US" sz="1400" dirty="0"/>
+          </a:p>
+          <a:p>
+            <a:pPr lvl="1"/>
+            <a:r>
+              <a:rPr lang="en-US" sz="1400" dirty="0" smtClean="0">
+                <a:hlinkClick r:id="rId9"/>
+              </a:rPr>
+              <a:t>https</a:t>
+            </a:r>
+            <a:r>
+              <a:rPr lang="en-US" sz="1400" dirty="0">
+                <a:hlinkClick r:id="rId9"/>
+              </a:rPr>
+              <a:t>://</a:t>
+            </a:r>
+            <a:r>
+              <a:rPr lang="en-US" sz="1400" dirty="0" smtClean="0">
+                <a:hlinkClick r:id="rId9"/>
+              </a:rPr>
+              <a:t>developer.mozilla.org/en/docs/Web/JavaScript/Reference/Global_Objects/Promise</a:t>
+            </a:r>
+            <a:endParaRPr lang="en-US" sz="1400" dirty="0" smtClean="0"/>
+          </a:p>
+          <a:p>
+            <a:r>
+              <a:rPr lang="en-US" sz="1600" dirty="0" smtClean="0"/>
+              <a:t>Classes/OOD/OOP: </a:t>
+            </a:r>
+            <a:r>
+              <a:rPr lang="en-US" sz="1400" dirty="0" smtClean="0">
+                <a:hlinkClick r:id="rId10"/>
+              </a:rPr>
+              <a:t>https</a:t>
+            </a:r>
+            <a:r>
+              <a:rPr lang="en-US" sz="1400" dirty="0">
+                <a:hlinkClick r:id="rId10"/>
+              </a:rPr>
+              <a:t>://</a:t>
+            </a:r>
+            <a:r>
+              <a:rPr lang="en-US" sz="1400" dirty="0" smtClean="0">
+                <a:hlinkClick r:id="rId10"/>
+              </a:rPr>
+              <a:t>developer.mozilla.org/en-US/docs/Learn/JavaScript/Objects/Object-oriented_JS</a:t>
+            </a:r>
+            <a:endParaRPr lang="en-US" sz="1400" dirty="0" smtClean="0"/>
+          </a:p>
+          <a:p>
+            <a:r>
+              <a:rPr lang="en-US" sz="1600" dirty="0" smtClean="0"/>
+              <a:t>Finite State Machine: </a:t>
+            </a:r>
+            <a:r>
+              <a:rPr lang="en-US" sz="1400" dirty="0" smtClean="0">
+                <a:hlinkClick r:id="rId11"/>
+              </a:rPr>
+              <a:t>https://developer.mozilla.org/en-US/docs/Glossary/State_machine</a:t>
+            </a:r>
+            <a:endParaRPr lang="en-US" sz="1400" dirty="0" smtClean="0"/>
+          </a:p>
+          <a:p>
+            <a:endParaRPr lang="en-US" sz="1600" dirty="0"/>
+          </a:p>
+        </p:txBody>
+      </p:sp>
+    </p:spTree>
+    <p:extLst>
+      <p:ext uri="{BB962C8B-B14F-4D97-AF65-F5344CB8AC3E}">
+        <p14:creationId xmlns:p14="http://schemas.microsoft.com/office/powerpoint/2010/main" val="162938005"/>
+      </p:ext>
+    </p:extLst>
+  </p:cSld>
+  <p:clrMapOvr>
+    <a:masterClrMapping/>
+  </p:clrMapOvr>
+  <p:timing>
+    <p:tnLst>
+      <p:par>
+        <p:cTn id="1" dur="indefinite" restart="never" nodeType="tmRoot"/>
+      </p:par>
+    </p:tnLst>
+  </p:timing>
+</p:sld>
+</file>
+
+<file path=ppt/slides/slide54.xml><?xml version="1.0" encoding="utf-8"?>
+<p:sld xmlns:a="http://schemas.openxmlformats.org/drawingml/2006/main" xmlns:r="http://schemas.openxmlformats.org/officeDocument/2006/relationships" xmlns:p="http://schemas.openxmlformats.org/presentationml/2006/main" show="0">
+  <p:cSld>
+    <p:spTree>
+      <p:nvGrpSpPr>
+        <p:cNvPr id="1" name=""/>
+        <p:cNvGrpSpPr/>
+        <p:nvPr/>
+      </p:nvGrpSpPr>
+      <p:grpSpPr>
+        <a:xfrm>
+          <a:off x="0" y="0"/>
+          <a:ext cx="0" cy="0"/>
+          <a:chOff x="0" y="0"/>
+          <a:chExt cx="0" cy="0"/>
+        </a:xfrm>
+      </p:grpSpPr>
+      <p:sp>
+        <p:nvSpPr>
+          <p:cNvPr id="3" name="Content Placeholder 2"/>
+          <p:cNvSpPr>
+            <a:spLocks noGrp="1"/>
+          </p:cNvSpPr>
+          <p:nvPr>
+            <p:ph idx="1"/>
+          </p:nvPr>
+        </p:nvSpPr>
+        <p:spPr/>
+        <p:txBody>
+          <a:bodyPr>
+            <a:normAutofit/>
+          </a:bodyPr>
+          <a:lstStyle/>
+          <a:p>
+            <a:pPr marL="0" lvl="1" indent="0" algn="ctr">
+              <a:spcBef>
+                <a:spcPts val="1000"/>
+              </a:spcBef>
+              <a:buNone/>
+            </a:pPr>
+            <a:r>
+              <a:rPr lang="en-US" sz="5400" dirty="0" err="1"/>
+              <a:t>a</a:t>
+            </a:r>
+            <a:r>
+              <a:rPr lang="en-US" sz="5400" dirty="0" err="1" smtClean="0"/>
+              <a:t>dapter.js</a:t>
+            </a:r>
+            <a:r>
+              <a:rPr lang="en-US" sz="5400" dirty="0" smtClean="0"/>
+              <a:t/>
+            </a:r>
+            <a:br>
+              <a:rPr lang="en-US" sz="5400" dirty="0" smtClean="0"/>
+            </a:br>
+            <a:r>
+              <a:rPr lang="en-US" sz="5400" dirty="0" smtClean="0"/>
+              <a:t/>
+            </a:r>
+            <a:br>
+              <a:rPr lang="en-US" sz="5400" dirty="0" smtClean="0"/>
+            </a:br>
+            <a:r>
+              <a:rPr lang="en-US" sz="5400" dirty="0" smtClean="0"/>
+              <a:t/>
+            </a:r>
+            <a:br>
+              <a:rPr lang="en-US" sz="5400" dirty="0" smtClean="0"/>
+            </a:br>
+            <a:r>
+              <a:rPr lang="en-US" sz="5400" dirty="0" smtClean="0"/>
+              <a:t>https://</a:t>
+            </a:r>
+            <a:r>
+              <a:rPr lang="en-US" sz="5400" dirty="0" err="1" smtClean="0"/>
+              <a:t>github.com</a:t>
+            </a:r>
+            <a:r>
+              <a:rPr lang="en-US" sz="5400" dirty="0" smtClean="0"/>
+              <a:t>/</a:t>
+            </a:r>
+            <a:r>
+              <a:rPr lang="en-US" sz="5400" dirty="0" err="1" smtClean="0"/>
+              <a:t>webrtc</a:t>
+            </a:r>
+            <a:r>
+              <a:rPr lang="en-US" sz="5400" dirty="0" smtClean="0"/>
+              <a:t>/adapter</a:t>
+            </a:r>
+            <a:endParaRPr lang="en-US" sz="5400" dirty="0"/>
+          </a:p>
+        </p:txBody>
+      </p:sp>
+    </p:spTree>
+    <p:extLst>
+      <p:ext uri="{BB962C8B-B14F-4D97-AF65-F5344CB8AC3E}">
+        <p14:creationId xmlns:p14="http://schemas.microsoft.com/office/powerpoint/2010/main" val="1374064179"/>
+      </p:ext>
+    </p:extLst>
+  </p:cSld>
+  <p:clrMapOvr>
+    <a:masterClrMapping/>
+  </p:clrMapOvr>
+  <mc:AlternateContent xmlns:mc="http://schemas.openxmlformats.org/markup-compatibility/2006">
+    <mc:Choice xmlns:p14="http://schemas.microsoft.com/office/powerpoint/2010/main" Requires="p14">
+      <p:transition spd="slow" p14:dur="2000"/>
+    </mc:Choice>
+    <mc:Fallback>
+      <p:transition spd="slow"/>
+    </mc:Fallback>
+  </mc:AlternateContent>
+  <p:timing>
+    <p:tnLst>
+      <p:par>
+        <p:cTn id="1" dur="indefinite" restart="never" nodeType="tmRoot"/>
+      </p:par>
+    </p:tnLst>
+  </p:timing>
+</p:sld>
+</file>
+
+<file path=ppt/slides/slide55.xml><?xml version="1.0" encoding="utf-8"?>
 <p:sld xmlns:a="http://schemas.openxmlformats.org/drawingml/2006/main" xmlns:r="http://schemas.openxmlformats.org/officeDocument/2006/relationships" xmlns:p="http://schemas.openxmlformats.org/presentationml/2006/main" show="0">
   <p:cSld>
     <p:spTree>
@@ -21901,7 +23895,7 @@
 </p:sld>
 </file>
 
-<file path=ppt/slides/slide51.xml><?xml version="1.0" encoding="utf-8"?>
+<file path=ppt/slides/slide56.xml><?xml version="1.0" encoding="utf-8"?>
 <p:sld xmlns:a="http://schemas.openxmlformats.org/drawingml/2006/main" xmlns:r="http://schemas.openxmlformats.org/officeDocument/2006/relationships" xmlns:p="http://schemas.openxmlformats.org/presentationml/2006/main" show="0">
   <p:cSld>
     <p:spTree>
